--- a/Narrative AI Generation.pptx
+++ b/Narrative AI Generation.pptx
@@ -7,24 +7,28 @@
   <p:sldIdLst>
     <p:sldId id="256" r:id="rId2"/>
     <p:sldId id="257" r:id="rId3"/>
-    <p:sldId id="258" r:id="rId4"/>
-    <p:sldId id="259" r:id="rId5"/>
-    <p:sldId id="260" r:id="rId6"/>
-    <p:sldId id="261" r:id="rId7"/>
-    <p:sldId id="269" r:id="rId8"/>
-    <p:sldId id="262" r:id="rId9"/>
-    <p:sldId id="263" r:id="rId10"/>
-    <p:sldId id="270" r:id="rId11"/>
-    <p:sldId id="271" r:id="rId12"/>
-    <p:sldId id="272" r:id="rId13"/>
-    <p:sldId id="273" r:id="rId14"/>
-    <p:sldId id="264" r:id="rId15"/>
-    <p:sldId id="274" r:id="rId16"/>
-    <p:sldId id="275" r:id="rId17"/>
-    <p:sldId id="265" r:id="rId18"/>
-    <p:sldId id="266" r:id="rId19"/>
-    <p:sldId id="267" r:id="rId20"/>
-    <p:sldId id="268" r:id="rId21"/>
+    <p:sldId id="276" r:id="rId4"/>
+    <p:sldId id="277" r:id="rId5"/>
+    <p:sldId id="258" r:id="rId6"/>
+    <p:sldId id="259" r:id="rId7"/>
+    <p:sldId id="260" r:id="rId8"/>
+    <p:sldId id="261" r:id="rId9"/>
+    <p:sldId id="269" r:id="rId10"/>
+    <p:sldId id="262" r:id="rId11"/>
+    <p:sldId id="263" r:id="rId12"/>
+    <p:sldId id="270" r:id="rId13"/>
+    <p:sldId id="272" r:id="rId14"/>
+    <p:sldId id="271" r:id="rId15"/>
+    <p:sldId id="273" r:id="rId16"/>
+    <p:sldId id="264" r:id="rId17"/>
+    <p:sldId id="274" r:id="rId18"/>
+    <p:sldId id="275" r:id="rId19"/>
+    <p:sldId id="265" r:id="rId20"/>
+    <p:sldId id="266" r:id="rId21"/>
+    <p:sldId id="267" r:id="rId22"/>
+    <p:sldId id="268" r:id="rId23"/>
+    <p:sldId id="278" r:id="rId24"/>
+    <p:sldId id="279" r:id="rId25"/>
   </p:sldIdLst>
   <p:sldSz cx="12192000" cy="6858000"/>
   <p:notesSz cx="6858000" cy="9144000"/>
@@ -130,6 +134,8 @@
           <p14:sldIdLst>
             <p14:sldId id="256"/>
             <p14:sldId id="257"/>
+            <p14:sldId id="276"/>
+            <p14:sldId id="277"/>
             <p14:sldId id="258"/>
             <p14:sldId id="259"/>
             <p14:sldId id="260"/>
@@ -138,8 +144,8 @@
             <p14:sldId id="262"/>
             <p14:sldId id="263"/>
             <p14:sldId id="270"/>
+            <p14:sldId id="272"/>
             <p14:sldId id="271"/>
-            <p14:sldId id="272"/>
             <p14:sldId id="273"/>
             <p14:sldId id="264"/>
             <p14:sldId id="274"/>
@@ -148,9 +154,14 @@
             <p14:sldId id="266"/>
             <p14:sldId id="267"/>
             <p14:sldId id="268"/>
+            <p14:sldId id="278"/>
+            <p14:sldId id="279"/>
           </p14:sldIdLst>
         </p14:section>
       </p14:sectionLst>
+    </p:ext>
+    <p:ext uri="{EFAFB233-063F-42B5-8137-9DF3F51BA10A}">
+      <p15:sldGuideLst xmlns:p15="http://schemas.microsoft.com/office/powerpoint/2012/main"/>
     </p:ext>
   </p:extLst>
 </p:presentation>
@@ -6385,7 +6396,7 @@
             <a:fld id="{73C3BD54-29B9-3D42-B178-776ED395AA85}" type="datetimeFigureOut">
               <a:rPr lang="en-US" smtClean="0"/>
               <a:pPr/>
-              <a:t>5/11/2022</a:t>
+              <a:t>5/15/2022</a:t>
             </a:fld>
             <a:endParaRPr lang="en-US" sz="1400"/>
           </a:p>
@@ -6635,7 +6646,7 @@
           <a:p>
             <a:fld id="{73C3BD54-29B9-3D42-B178-776ED395AA85}" type="datetimeFigureOut">
               <a:rPr lang="en-US" smtClean="0"/>
-              <a:t>5/11/2022</a:t>
+              <a:t>5/15/2022</a:t>
             </a:fld>
             <a:endParaRPr lang="en-US"/>
           </a:p>
@@ -6949,7 +6960,7 @@
           <a:p>
             <a:fld id="{73C3BD54-29B9-3D42-B178-776ED395AA85}" type="datetimeFigureOut">
               <a:rPr lang="en-US" smtClean="0"/>
-              <a:t>5/11/2022</a:t>
+              <a:t>5/15/2022</a:t>
             </a:fld>
             <a:endParaRPr lang="en-US"/>
           </a:p>
@@ -7463,7 +7474,7 @@
           <a:p>
             <a:fld id="{73C3BD54-29B9-3D42-B178-776ED395AA85}" type="datetimeFigureOut">
               <a:rPr lang="en-US" smtClean="0"/>
-              <a:t>5/11/2022</a:t>
+              <a:t>5/15/2022</a:t>
             </a:fld>
             <a:endParaRPr lang="en-US"/>
           </a:p>
@@ -7894,7 +7905,7 @@
           <a:p>
             <a:fld id="{73C3BD54-29B9-3D42-B178-776ED395AA85}" type="datetimeFigureOut">
               <a:rPr lang="en-US" smtClean="0"/>
-              <a:t>5/11/2022</a:t>
+              <a:t>5/15/2022</a:t>
             </a:fld>
             <a:endParaRPr lang="en-US"/>
           </a:p>
@@ -8159,7 +8170,7 @@
           <a:p>
             <a:fld id="{73C3BD54-29B9-3D42-B178-776ED395AA85}" type="datetimeFigureOut">
               <a:rPr lang="en-US" smtClean="0"/>
-              <a:t>5/11/2022</a:t>
+              <a:t>5/15/2022</a:t>
             </a:fld>
             <a:endParaRPr lang="en-US"/>
           </a:p>
@@ -8733,7 +8744,7 @@
           <a:p>
             <a:fld id="{73C3BD54-29B9-3D42-B178-776ED395AA85}" type="datetimeFigureOut">
               <a:rPr lang="en-US" smtClean="0"/>
-              <a:t>5/11/2022</a:t>
+              <a:t>5/15/2022</a:t>
             </a:fld>
             <a:endParaRPr lang="en-US"/>
           </a:p>
@@ -9036,7 +9047,7 @@
           <a:p>
             <a:fld id="{73C3BD54-29B9-3D42-B178-776ED395AA85}" type="datetimeFigureOut">
               <a:rPr lang="en-US" smtClean="0"/>
-              <a:t>5/11/2022</a:t>
+              <a:t>5/15/2022</a:t>
             </a:fld>
             <a:endParaRPr lang="en-US"/>
           </a:p>
@@ -9311,7 +9322,7 @@
           <a:p>
             <a:fld id="{73C3BD54-29B9-3D42-B178-776ED395AA85}" type="datetimeFigureOut">
               <a:rPr lang="en-US" smtClean="0"/>
-              <a:t>5/11/2022</a:t>
+              <a:t>5/15/2022</a:t>
             </a:fld>
             <a:endParaRPr lang="en-US"/>
           </a:p>
@@ -9782,7 +9793,7 @@
           <a:p>
             <a:fld id="{73C3BD54-29B9-3D42-B178-776ED395AA85}" type="datetimeFigureOut">
               <a:rPr lang="en-US" smtClean="0"/>
-              <a:t>5/11/2022</a:t>
+              <a:t>5/15/2022</a:t>
             </a:fld>
             <a:endParaRPr lang="en-US"/>
           </a:p>
@@ -10233,7 +10244,7 @@
           <a:p>
             <a:fld id="{73C3BD54-29B9-3D42-B178-776ED395AA85}" type="datetimeFigureOut">
               <a:rPr lang="en-US" smtClean="0"/>
-              <a:t>5/11/2022</a:t>
+              <a:t>5/15/2022</a:t>
             </a:fld>
             <a:endParaRPr lang="en-US"/>
           </a:p>
@@ -10629,7 +10640,7 @@
             <a:fld id="{73C3BD54-29B9-3D42-B178-776ED395AA85}" type="datetimeFigureOut">
               <a:rPr lang="en-US" smtClean="0"/>
               <a:pPr/>
-              <a:t>5/11/2022</a:t>
+              <a:t>5/15/2022</a:t>
             </a:fld>
             <a:endParaRPr lang="en-US" dirty="0"/>
           </a:p>
@@ -11425,1465 +11436,6 @@
 <file path=ppt/slides/slide10.xml><?xml version="1.0" encoding="utf-8"?>
 <p:sld xmlns:a="http://schemas.openxmlformats.org/drawingml/2006/main" xmlns:r="http://schemas.openxmlformats.org/officeDocument/2006/relationships" xmlns:p="http://schemas.openxmlformats.org/presentationml/2006/main">
   <p:cSld>
-    <p:spTree>
-      <p:nvGrpSpPr>
-        <p:cNvPr id="1" name=""/>
-        <p:cNvGrpSpPr/>
-        <p:nvPr/>
-      </p:nvGrpSpPr>
-      <p:grpSpPr>
-        <a:xfrm>
-          <a:off x="0" y="0"/>
-          <a:ext cx="0" cy="0"/>
-          <a:chOff x="0" y="0"/>
-          <a:chExt cx="0" cy="0"/>
-        </a:xfrm>
-      </p:grpSpPr>
-      <p:sp>
-        <p:nvSpPr>
-          <p:cNvPr id="2" name="Title 1">
-            <a:extLst>
-              <a:ext uri="{FF2B5EF4-FFF2-40B4-BE49-F238E27FC236}">
-                <a16:creationId xmlns:a16="http://schemas.microsoft.com/office/drawing/2014/main" id="{0B9C51C4-BBE5-4526-A590-2027CD7D6DA3}"/>
-              </a:ext>
-            </a:extLst>
-          </p:cNvPr>
-          <p:cNvSpPr>
-            <a:spLocks noGrp="1"/>
-          </p:cNvSpPr>
-          <p:nvPr>
-            <p:ph type="title"/>
-          </p:nvPr>
-        </p:nvSpPr>
-        <p:spPr/>
-        <p:txBody>
-          <a:bodyPr/>
-          <a:lstStyle/>
-          <a:p>
-            <a:r>
-              <a:rPr lang="en-GB" dirty="0"/>
-              <a:t>Implementation – Narrative Scaffolding </a:t>
-            </a:r>
-          </a:p>
-        </p:txBody>
-      </p:sp>
-      <p:sp>
-        <p:nvSpPr>
-          <p:cNvPr id="3" name="Content Placeholder 2">
-            <a:extLst>
-              <a:ext uri="{FF2B5EF4-FFF2-40B4-BE49-F238E27FC236}">
-                <a16:creationId xmlns:a16="http://schemas.microsoft.com/office/drawing/2014/main" id="{E3ACAD7B-B1C5-471F-A119-CF40DF29F512}"/>
-              </a:ext>
-            </a:extLst>
-          </p:cNvPr>
-          <p:cNvSpPr>
-            <a:spLocks noGrp="1"/>
-          </p:cNvSpPr>
-          <p:nvPr>
-            <p:ph idx="1"/>
-          </p:nvPr>
-        </p:nvSpPr>
-        <p:spPr/>
-        <p:txBody>
-          <a:bodyPr/>
-          <a:lstStyle/>
-          <a:p>
-            <a:r>
-              <a:rPr lang="en-GB" dirty="0"/>
-              <a:t>Narrative Scaffolding</a:t>
-            </a:r>
-          </a:p>
-          <a:p>
-            <a:r>
-              <a:rPr lang="en-GB" dirty="0"/>
-              <a:t>Natural Language Processing</a:t>
-            </a:r>
-          </a:p>
-          <a:p>
-            <a:r>
-              <a:rPr lang="en-GB" dirty="0"/>
-              <a:t>Emotional AI</a:t>
-            </a:r>
-          </a:p>
-          <a:p>
-            <a:r>
-              <a:rPr lang="en-GB" dirty="0"/>
-              <a:t>Personality System</a:t>
-            </a:r>
-          </a:p>
-          <a:p>
-            <a:endParaRPr lang="en-GB" dirty="0"/>
-          </a:p>
-        </p:txBody>
-      </p:sp>
-    </p:spTree>
-    <p:extLst>
-      <p:ext uri="{BB962C8B-B14F-4D97-AF65-F5344CB8AC3E}">
-        <p14:creationId xmlns:p14="http://schemas.microsoft.com/office/powerpoint/2010/main" val="2895656542"/>
-      </p:ext>
-    </p:extLst>
-  </p:cSld>
-  <p:clrMapOvr>
-    <a:masterClrMapping/>
-  </p:clrMapOvr>
-</p:sld>
-</file>
-
-<file path=ppt/slides/slide11.xml><?xml version="1.0" encoding="utf-8"?>
-<p:sld xmlns:a="http://schemas.openxmlformats.org/drawingml/2006/main" xmlns:r="http://schemas.openxmlformats.org/officeDocument/2006/relationships" xmlns:p="http://schemas.openxmlformats.org/presentationml/2006/main">
-  <p:cSld>
-    <p:spTree>
-      <p:nvGrpSpPr>
-        <p:cNvPr id="1" name=""/>
-        <p:cNvGrpSpPr/>
-        <p:nvPr/>
-      </p:nvGrpSpPr>
-      <p:grpSpPr>
-        <a:xfrm>
-          <a:off x="0" y="0"/>
-          <a:ext cx="0" cy="0"/>
-          <a:chOff x="0" y="0"/>
-          <a:chExt cx="0" cy="0"/>
-        </a:xfrm>
-      </p:grpSpPr>
-      <p:sp>
-        <p:nvSpPr>
-          <p:cNvPr id="2" name="Title 1">
-            <a:extLst>
-              <a:ext uri="{FF2B5EF4-FFF2-40B4-BE49-F238E27FC236}">
-                <a16:creationId xmlns:a16="http://schemas.microsoft.com/office/drawing/2014/main" id="{0B9C51C4-BBE5-4526-A590-2027CD7D6DA3}"/>
-              </a:ext>
-            </a:extLst>
-          </p:cNvPr>
-          <p:cNvSpPr>
-            <a:spLocks noGrp="1"/>
-          </p:cNvSpPr>
-          <p:nvPr>
-            <p:ph type="title"/>
-          </p:nvPr>
-        </p:nvSpPr>
-        <p:spPr/>
-        <p:txBody>
-          <a:bodyPr/>
-          <a:lstStyle/>
-          <a:p>
-            <a:r>
-              <a:rPr lang="en-GB" dirty="0"/>
-              <a:t>Implementation - NLP</a:t>
-            </a:r>
-          </a:p>
-        </p:txBody>
-      </p:sp>
-      <p:sp>
-        <p:nvSpPr>
-          <p:cNvPr id="3" name="Content Placeholder 2">
-            <a:extLst>
-              <a:ext uri="{FF2B5EF4-FFF2-40B4-BE49-F238E27FC236}">
-                <a16:creationId xmlns:a16="http://schemas.microsoft.com/office/drawing/2014/main" id="{E3ACAD7B-B1C5-471F-A119-CF40DF29F512}"/>
-              </a:ext>
-            </a:extLst>
-          </p:cNvPr>
-          <p:cNvSpPr>
-            <a:spLocks noGrp="1"/>
-          </p:cNvSpPr>
-          <p:nvPr>
-            <p:ph idx="1"/>
-          </p:nvPr>
-        </p:nvSpPr>
-        <p:spPr/>
-        <p:txBody>
-          <a:bodyPr/>
-          <a:lstStyle/>
-          <a:p>
-            <a:r>
-              <a:rPr lang="en-GB" dirty="0"/>
-              <a:t>Narrative Scaffolding</a:t>
-            </a:r>
-          </a:p>
-          <a:p>
-            <a:r>
-              <a:rPr lang="en-GB" dirty="0"/>
-              <a:t>Natural Language Processing</a:t>
-            </a:r>
-          </a:p>
-          <a:p>
-            <a:r>
-              <a:rPr lang="en-GB" dirty="0"/>
-              <a:t>Emotional AI</a:t>
-            </a:r>
-          </a:p>
-          <a:p>
-            <a:r>
-              <a:rPr lang="en-GB" dirty="0"/>
-              <a:t>Personality System</a:t>
-            </a:r>
-          </a:p>
-          <a:p>
-            <a:endParaRPr lang="en-GB" dirty="0"/>
-          </a:p>
-        </p:txBody>
-      </p:sp>
-    </p:spTree>
-    <p:extLst>
-      <p:ext uri="{BB962C8B-B14F-4D97-AF65-F5344CB8AC3E}">
-        <p14:creationId xmlns:p14="http://schemas.microsoft.com/office/powerpoint/2010/main" val="4260971507"/>
-      </p:ext>
-    </p:extLst>
-  </p:cSld>
-  <p:clrMapOvr>
-    <a:masterClrMapping/>
-  </p:clrMapOvr>
-</p:sld>
-</file>
-
-<file path=ppt/slides/slide12.xml><?xml version="1.0" encoding="utf-8"?>
-<p:sld xmlns:a="http://schemas.openxmlformats.org/drawingml/2006/main" xmlns:r="http://schemas.openxmlformats.org/officeDocument/2006/relationships" xmlns:p="http://schemas.openxmlformats.org/presentationml/2006/main">
-  <p:cSld>
-    <p:spTree>
-      <p:nvGrpSpPr>
-        <p:cNvPr id="1" name=""/>
-        <p:cNvGrpSpPr/>
-        <p:nvPr/>
-      </p:nvGrpSpPr>
-      <p:grpSpPr>
-        <a:xfrm>
-          <a:off x="0" y="0"/>
-          <a:ext cx="0" cy="0"/>
-          <a:chOff x="0" y="0"/>
-          <a:chExt cx="0" cy="0"/>
-        </a:xfrm>
-      </p:grpSpPr>
-      <p:sp>
-        <p:nvSpPr>
-          <p:cNvPr id="2" name="Title 1">
-            <a:extLst>
-              <a:ext uri="{FF2B5EF4-FFF2-40B4-BE49-F238E27FC236}">
-                <a16:creationId xmlns:a16="http://schemas.microsoft.com/office/drawing/2014/main" id="{0B9C51C4-BBE5-4526-A590-2027CD7D6DA3}"/>
-              </a:ext>
-            </a:extLst>
-          </p:cNvPr>
-          <p:cNvSpPr>
-            <a:spLocks noGrp="1"/>
-          </p:cNvSpPr>
-          <p:nvPr>
-            <p:ph type="title"/>
-          </p:nvPr>
-        </p:nvSpPr>
-        <p:spPr/>
-        <p:txBody>
-          <a:bodyPr/>
-          <a:lstStyle/>
-          <a:p>
-            <a:r>
-              <a:rPr lang="en-GB" dirty="0"/>
-              <a:t>Implementation – Emotional AI</a:t>
-            </a:r>
-          </a:p>
-        </p:txBody>
-      </p:sp>
-      <p:sp>
-        <p:nvSpPr>
-          <p:cNvPr id="3" name="Content Placeholder 2">
-            <a:extLst>
-              <a:ext uri="{FF2B5EF4-FFF2-40B4-BE49-F238E27FC236}">
-                <a16:creationId xmlns:a16="http://schemas.microsoft.com/office/drawing/2014/main" id="{E3ACAD7B-B1C5-471F-A119-CF40DF29F512}"/>
-              </a:ext>
-            </a:extLst>
-          </p:cNvPr>
-          <p:cNvSpPr>
-            <a:spLocks noGrp="1"/>
-          </p:cNvSpPr>
-          <p:nvPr>
-            <p:ph idx="1"/>
-          </p:nvPr>
-        </p:nvSpPr>
-        <p:spPr/>
-        <p:txBody>
-          <a:bodyPr/>
-          <a:lstStyle/>
-          <a:p>
-            <a:r>
-              <a:rPr lang="en-GB" dirty="0"/>
-              <a:t>Narrative Scaffolding</a:t>
-            </a:r>
-          </a:p>
-          <a:p>
-            <a:r>
-              <a:rPr lang="en-GB" dirty="0"/>
-              <a:t>Natural Language Processing</a:t>
-            </a:r>
-          </a:p>
-          <a:p>
-            <a:r>
-              <a:rPr lang="en-GB" dirty="0"/>
-              <a:t>Emotional AI</a:t>
-            </a:r>
-          </a:p>
-          <a:p>
-            <a:r>
-              <a:rPr lang="en-GB" dirty="0"/>
-              <a:t>Personality System</a:t>
-            </a:r>
-          </a:p>
-          <a:p>
-            <a:endParaRPr lang="en-GB" dirty="0"/>
-          </a:p>
-        </p:txBody>
-      </p:sp>
-    </p:spTree>
-    <p:extLst>
-      <p:ext uri="{BB962C8B-B14F-4D97-AF65-F5344CB8AC3E}">
-        <p14:creationId xmlns:p14="http://schemas.microsoft.com/office/powerpoint/2010/main" val="2433977251"/>
-      </p:ext>
-    </p:extLst>
-  </p:cSld>
-  <p:clrMapOvr>
-    <a:masterClrMapping/>
-  </p:clrMapOvr>
-</p:sld>
-</file>
-
-<file path=ppt/slides/slide13.xml><?xml version="1.0" encoding="utf-8"?>
-<p:sld xmlns:a="http://schemas.openxmlformats.org/drawingml/2006/main" xmlns:r="http://schemas.openxmlformats.org/officeDocument/2006/relationships" xmlns:p="http://schemas.openxmlformats.org/presentationml/2006/main">
-  <p:cSld>
-    <p:spTree>
-      <p:nvGrpSpPr>
-        <p:cNvPr id="1" name=""/>
-        <p:cNvGrpSpPr/>
-        <p:nvPr/>
-      </p:nvGrpSpPr>
-      <p:grpSpPr>
-        <a:xfrm>
-          <a:off x="0" y="0"/>
-          <a:ext cx="0" cy="0"/>
-          <a:chOff x="0" y="0"/>
-          <a:chExt cx="0" cy="0"/>
-        </a:xfrm>
-      </p:grpSpPr>
-      <p:sp>
-        <p:nvSpPr>
-          <p:cNvPr id="2" name="Title 1">
-            <a:extLst>
-              <a:ext uri="{FF2B5EF4-FFF2-40B4-BE49-F238E27FC236}">
-                <a16:creationId xmlns:a16="http://schemas.microsoft.com/office/drawing/2014/main" id="{0B9C51C4-BBE5-4526-A590-2027CD7D6DA3}"/>
-              </a:ext>
-            </a:extLst>
-          </p:cNvPr>
-          <p:cNvSpPr>
-            <a:spLocks noGrp="1"/>
-          </p:cNvSpPr>
-          <p:nvPr>
-            <p:ph type="title"/>
-          </p:nvPr>
-        </p:nvSpPr>
-        <p:spPr/>
-        <p:txBody>
-          <a:bodyPr/>
-          <a:lstStyle/>
-          <a:p>
-            <a:r>
-              <a:rPr lang="en-GB" dirty="0"/>
-              <a:t>Implementation – Personality system</a:t>
-            </a:r>
-          </a:p>
-        </p:txBody>
-      </p:sp>
-      <p:sp>
-        <p:nvSpPr>
-          <p:cNvPr id="3" name="Content Placeholder 2">
-            <a:extLst>
-              <a:ext uri="{FF2B5EF4-FFF2-40B4-BE49-F238E27FC236}">
-                <a16:creationId xmlns:a16="http://schemas.microsoft.com/office/drawing/2014/main" id="{E3ACAD7B-B1C5-471F-A119-CF40DF29F512}"/>
-              </a:ext>
-            </a:extLst>
-          </p:cNvPr>
-          <p:cNvSpPr>
-            <a:spLocks noGrp="1"/>
-          </p:cNvSpPr>
-          <p:nvPr>
-            <p:ph idx="1"/>
-          </p:nvPr>
-        </p:nvSpPr>
-        <p:spPr/>
-        <p:txBody>
-          <a:bodyPr/>
-          <a:lstStyle/>
-          <a:p>
-            <a:r>
-              <a:rPr lang="en-GB" dirty="0"/>
-              <a:t>Narrative Scaffolding</a:t>
-            </a:r>
-          </a:p>
-          <a:p>
-            <a:r>
-              <a:rPr lang="en-GB" dirty="0"/>
-              <a:t>Natural Language Processing</a:t>
-            </a:r>
-          </a:p>
-          <a:p>
-            <a:r>
-              <a:rPr lang="en-GB" dirty="0"/>
-              <a:t>Emotional AI</a:t>
-            </a:r>
-          </a:p>
-          <a:p>
-            <a:r>
-              <a:rPr lang="en-GB" dirty="0"/>
-              <a:t>Personality System</a:t>
-            </a:r>
-          </a:p>
-          <a:p>
-            <a:endParaRPr lang="en-GB" dirty="0"/>
-          </a:p>
-        </p:txBody>
-      </p:sp>
-    </p:spTree>
-    <p:extLst>
-      <p:ext uri="{BB962C8B-B14F-4D97-AF65-F5344CB8AC3E}">
-        <p14:creationId xmlns:p14="http://schemas.microsoft.com/office/powerpoint/2010/main" val="3958959593"/>
-      </p:ext>
-    </p:extLst>
-  </p:cSld>
-  <p:clrMapOvr>
-    <a:masterClrMapping/>
-  </p:clrMapOvr>
-</p:sld>
-</file>
-
-<file path=ppt/slides/slide14.xml><?xml version="1.0" encoding="utf-8"?>
-<p:sld xmlns:a="http://schemas.openxmlformats.org/drawingml/2006/main" xmlns:r="http://schemas.openxmlformats.org/officeDocument/2006/relationships" xmlns:p="http://schemas.openxmlformats.org/presentationml/2006/main">
-  <p:cSld>
-    <p:spTree>
-      <p:nvGrpSpPr>
-        <p:cNvPr id="1" name=""/>
-        <p:cNvGrpSpPr/>
-        <p:nvPr/>
-      </p:nvGrpSpPr>
-      <p:grpSpPr>
-        <a:xfrm>
-          <a:off x="0" y="0"/>
-          <a:ext cx="0" cy="0"/>
-          <a:chOff x="0" y="0"/>
-          <a:chExt cx="0" cy="0"/>
-        </a:xfrm>
-      </p:grpSpPr>
-      <p:sp>
-        <p:nvSpPr>
-          <p:cNvPr id="2" name="Title 1">
-            <a:extLst>
-              <a:ext uri="{FF2B5EF4-FFF2-40B4-BE49-F238E27FC236}">
-                <a16:creationId xmlns:a16="http://schemas.microsoft.com/office/drawing/2014/main" id="{50B69880-FBFE-4D7F-83F3-0A396BB6BEA6}"/>
-              </a:ext>
-            </a:extLst>
-          </p:cNvPr>
-          <p:cNvSpPr>
-            <a:spLocks noGrp="1"/>
-          </p:cNvSpPr>
-          <p:nvPr>
-            <p:ph type="title"/>
-          </p:nvPr>
-        </p:nvSpPr>
-        <p:spPr/>
-        <p:txBody>
-          <a:bodyPr/>
-          <a:lstStyle/>
-          <a:p>
-            <a:r>
-              <a:rPr lang="en-GB" dirty="0"/>
-              <a:t>Testing</a:t>
-            </a:r>
-          </a:p>
-        </p:txBody>
-      </p:sp>
-      <p:sp>
-        <p:nvSpPr>
-          <p:cNvPr id="3" name="Content Placeholder 2">
-            <a:extLst>
-              <a:ext uri="{FF2B5EF4-FFF2-40B4-BE49-F238E27FC236}">
-                <a16:creationId xmlns:a16="http://schemas.microsoft.com/office/drawing/2014/main" id="{F098A076-A5B0-467B-BB90-5318708ACD5A}"/>
-              </a:ext>
-            </a:extLst>
-          </p:cNvPr>
-          <p:cNvSpPr>
-            <a:spLocks noGrp="1"/>
-          </p:cNvSpPr>
-          <p:nvPr>
-            <p:ph idx="1"/>
-          </p:nvPr>
-        </p:nvSpPr>
-        <p:spPr/>
-        <p:txBody>
-          <a:bodyPr/>
-          <a:lstStyle/>
-          <a:p>
-            <a:r>
-              <a:rPr lang="en-GB" dirty="0"/>
-              <a:t>Test Log</a:t>
-            </a:r>
-          </a:p>
-          <a:p>
-            <a:r>
-              <a:rPr lang="en-GB" dirty="0"/>
-              <a:t>Evaluation</a:t>
-            </a:r>
-          </a:p>
-        </p:txBody>
-      </p:sp>
-    </p:spTree>
-    <p:extLst>
-      <p:ext uri="{BB962C8B-B14F-4D97-AF65-F5344CB8AC3E}">
-        <p14:creationId xmlns:p14="http://schemas.microsoft.com/office/powerpoint/2010/main" val="1698001034"/>
-      </p:ext>
-    </p:extLst>
-  </p:cSld>
-  <p:clrMapOvr>
-    <a:masterClrMapping/>
-  </p:clrMapOvr>
-</p:sld>
-</file>
-
-<file path=ppt/slides/slide15.xml><?xml version="1.0" encoding="utf-8"?>
-<p:sld xmlns:a="http://schemas.openxmlformats.org/drawingml/2006/main" xmlns:r="http://schemas.openxmlformats.org/officeDocument/2006/relationships" xmlns:p="http://schemas.openxmlformats.org/presentationml/2006/main">
-  <p:cSld>
-    <p:spTree>
-      <p:nvGrpSpPr>
-        <p:cNvPr id="1" name=""/>
-        <p:cNvGrpSpPr/>
-        <p:nvPr/>
-      </p:nvGrpSpPr>
-      <p:grpSpPr>
-        <a:xfrm>
-          <a:off x="0" y="0"/>
-          <a:ext cx="0" cy="0"/>
-          <a:chOff x="0" y="0"/>
-          <a:chExt cx="0" cy="0"/>
-        </a:xfrm>
-      </p:grpSpPr>
-      <p:sp>
-        <p:nvSpPr>
-          <p:cNvPr id="2" name="Title 1">
-            <a:extLst>
-              <a:ext uri="{FF2B5EF4-FFF2-40B4-BE49-F238E27FC236}">
-                <a16:creationId xmlns:a16="http://schemas.microsoft.com/office/drawing/2014/main" id="{50B69880-FBFE-4D7F-83F3-0A396BB6BEA6}"/>
-              </a:ext>
-            </a:extLst>
-          </p:cNvPr>
-          <p:cNvSpPr>
-            <a:spLocks noGrp="1"/>
-          </p:cNvSpPr>
-          <p:nvPr>
-            <p:ph type="title"/>
-          </p:nvPr>
-        </p:nvSpPr>
-        <p:spPr/>
-        <p:txBody>
-          <a:bodyPr/>
-          <a:lstStyle/>
-          <a:p>
-            <a:r>
-              <a:rPr lang="en-GB" dirty="0"/>
-              <a:t>Testing – Test Log</a:t>
-            </a:r>
-          </a:p>
-        </p:txBody>
-      </p:sp>
-      <p:sp>
-        <p:nvSpPr>
-          <p:cNvPr id="3" name="Content Placeholder 2">
-            <a:extLst>
-              <a:ext uri="{FF2B5EF4-FFF2-40B4-BE49-F238E27FC236}">
-                <a16:creationId xmlns:a16="http://schemas.microsoft.com/office/drawing/2014/main" id="{F098A076-A5B0-467B-BB90-5318708ACD5A}"/>
-              </a:ext>
-            </a:extLst>
-          </p:cNvPr>
-          <p:cNvSpPr>
-            <a:spLocks noGrp="1"/>
-          </p:cNvSpPr>
-          <p:nvPr>
-            <p:ph idx="1"/>
-          </p:nvPr>
-        </p:nvSpPr>
-        <p:spPr/>
-        <p:txBody>
-          <a:bodyPr/>
-          <a:lstStyle/>
-          <a:p>
-            <a:r>
-              <a:rPr lang="en-GB" dirty="0"/>
-              <a:t>Test Log</a:t>
-            </a:r>
-          </a:p>
-          <a:p>
-            <a:r>
-              <a:rPr lang="en-GB" dirty="0"/>
-              <a:t>Evaluation</a:t>
-            </a:r>
-          </a:p>
-        </p:txBody>
-      </p:sp>
-    </p:spTree>
-    <p:extLst>
-      <p:ext uri="{BB962C8B-B14F-4D97-AF65-F5344CB8AC3E}">
-        <p14:creationId xmlns:p14="http://schemas.microsoft.com/office/powerpoint/2010/main" val="3687893555"/>
-      </p:ext>
-    </p:extLst>
-  </p:cSld>
-  <p:clrMapOvr>
-    <a:masterClrMapping/>
-  </p:clrMapOvr>
-</p:sld>
-</file>
-
-<file path=ppt/slides/slide16.xml><?xml version="1.0" encoding="utf-8"?>
-<p:sld xmlns:a="http://schemas.openxmlformats.org/drawingml/2006/main" xmlns:r="http://schemas.openxmlformats.org/officeDocument/2006/relationships" xmlns:p="http://schemas.openxmlformats.org/presentationml/2006/main">
-  <p:cSld>
-    <p:spTree>
-      <p:nvGrpSpPr>
-        <p:cNvPr id="1" name=""/>
-        <p:cNvGrpSpPr/>
-        <p:nvPr/>
-      </p:nvGrpSpPr>
-      <p:grpSpPr>
-        <a:xfrm>
-          <a:off x="0" y="0"/>
-          <a:ext cx="0" cy="0"/>
-          <a:chOff x="0" y="0"/>
-          <a:chExt cx="0" cy="0"/>
-        </a:xfrm>
-      </p:grpSpPr>
-      <p:sp>
-        <p:nvSpPr>
-          <p:cNvPr id="2" name="Title 1">
-            <a:extLst>
-              <a:ext uri="{FF2B5EF4-FFF2-40B4-BE49-F238E27FC236}">
-                <a16:creationId xmlns:a16="http://schemas.microsoft.com/office/drawing/2014/main" id="{50B69880-FBFE-4D7F-83F3-0A396BB6BEA6}"/>
-              </a:ext>
-            </a:extLst>
-          </p:cNvPr>
-          <p:cNvSpPr>
-            <a:spLocks noGrp="1"/>
-          </p:cNvSpPr>
-          <p:nvPr>
-            <p:ph type="title"/>
-          </p:nvPr>
-        </p:nvSpPr>
-        <p:spPr/>
-        <p:txBody>
-          <a:bodyPr/>
-          <a:lstStyle/>
-          <a:p>
-            <a:r>
-              <a:rPr lang="en-GB" dirty="0"/>
-              <a:t>Testing – Evaluation</a:t>
-            </a:r>
-          </a:p>
-        </p:txBody>
-      </p:sp>
-      <p:sp>
-        <p:nvSpPr>
-          <p:cNvPr id="3" name="Content Placeholder 2">
-            <a:extLst>
-              <a:ext uri="{FF2B5EF4-FFF2-40B4-BE49-F238E27FC236}">
-                <a16:creationId xmlns:a16="http://schemas.microsoft.com/office/drawing/2014/main" id="{F098A076-A5B0-467B-BB90-5318708ACD5A}"/>
-              </a:ext>
-            </a:extLst>
-          </p:cNvPr>
-          <p:cNvSpPr>
-            <a:spLocks noGrp="1"/>
-          </p:cNvSpPr>
-          <p:nvPr>
-            <p:ph idx="1"/>
-          </p:nvPr>
-        </p:nvSpPr>
-        <p:spPr/>
-        <p:txBody>
-          <a:bodyPr/>
-          <a:lstStyle/>
-          <a:p>
-            <a:r>
-              <a:rPr lang="en-GB" dirty="0"/>
-              <a:t>Test Log</a:t>
-            </a:r>
-          </a:p>
-          <a:p>
-            <a:r>
-              <a:rPr lang="en-GB" dirty="0"/>
-              <a:t>Evaluation</a:t>
-            </a:r>
-          </a:p>
-        </p:txBody>
-      </p:sp>
-    </p:spTree>
-    <p:extLst>
-      <p:ext uri="{BB962C8B-B14F-4D97-AF65-F5344CB8AC3E}">
-        <p14:creationId xmlns:p14="http://schemas.microsoft.com/office/powerpoint/2010/main" val="366148998"/>
-      </p:ext>
-    </p:extLst>
-  </p:cSld>
-  <p:clrMapOvr>
-    <a:masterClrMapping/>
-  </p:clrMapOvr>
-</p:sld>
-</file>
-
-<file path=ppt/slides/slide17.xml><?xml version="1.0" encoding="utf-8"?>
-<p:sld xmlns:a="http://schemas.openxmlformats.org/drawingml/2006/main" xmlns:r="http://schemas.openxmlformats.org/officeDocument/2006/relationships" xmlns:p="http://schemas.openxmlformats.org/presentationml/2006/main">
-  <p:cSld>
-    <p:spTree>
-      <p:nvGrpSpPr>
-        <p:cNvPr id="1" name=""/>
-        <p:cNvGrpSpPr/>
-        <p:nvPr/>
-      </p:nvGrpSpPr>
-      <p:grpSpPr>
-        <a:xfrm>
-          <a:off x="0" y="0"/>
-          <a:ext cx="0" cy="0"/>
-          <a:chOff x="0" y="0"/>
-          <a:chExt cx="0" cy="0"/>
-        </a:xfrm>
-      </p:grpSpPr>
-      <p:sp>
-        <p:nvSpPr>
-          <p:cNvPr id="2" name="Title 1">
-            <a:extLst>
-              <a:ext uri="{FF2B5EF4-FFF2-40B4-BE49-F238E27FC236}">
-                <a16:creationId xmlns:a16="http://schemas.microsoft.com/office/drawing/2014/main" id="{193FD694-7F93-451A-AFE5-A3BA9303EBF1}"/>
-              </a:ext>
-            </a:extLst>
-          </p:cNvPr>
-          <p:cNvSpPr>
-            <a:spLocks noGrp="1"/>
-          </p:cNvSpPr>
-          <p:nvPr>
-            <p:ph type="title"/>
-          </p:nvPr>
-        </p:nvSpPr>
-        <p:spPr/>
-        <p:txBody>
-          <a:bodyPr/>
-          <a:lstStyle/>
-          <a:p>
-            <a:r>
-              <a:rPr lang="en-GB" dirty="0"/>
-              <a:t>Results</a:t>
-            </a:r>
-          </a:p>
-        </p:txBody>
-      </p:sp>
-      <p:sp>
-        <p:nvSpPr>
-          <p:cNvPr id="3" name="Content Placeholder 2">
-            <a:extLst>
-              <a:ext uri="{FF2B5EF4-FFF2-40B4-BE49-F238E27FC236}">
-                <a16:creationId xmlns:a16="http://schemas.microsoft.com/office/drawing/2014/main" id="{B3B3E747-8F94-41AE-8790-6659E9BFB037}"/>
-              </a:ext>
-            </a:extLst>
-          </p:cNvPr>
-          <p:cNvSpPr>
-            <a:spLocks noGrp="1"/>
-          </p:cNvSpPr>
-          <p:nvPr>
-            <p:ph idx="1"/>
-          </p:nvPr>
-        </p:nvSpPr>
-        <p:spPr/>
-        <p:txBody>
-          <a:bodyPr/>
-          <a:lstStyle/>
-          <a:p>
-            <a:r>
-              <a:rPr lang="en-GB" dirty="0"/>
-              <a:t>Issues from test log</a:t>
-            </a:r>
-          </a:p>
-          <a:p>
-            <a:r>
-              <a:rPr lang="en-GB" dirty="0"/>
-              <a:t>Issues with the project</a:t>
-            </a:r>
-          </a:p>
-        </p:txBody>
-      </p:sp>
-    </p:spTree>
-    <p:extLst>
-      <p:ext uri="{BB962C8B-B14F-4D97-AF65-F5344CB8AC3E}">
-        <p14:creationId xmlns:p14="http://schemas.microsoft.com/office/powerpoint/2010/main" val="1744765018"/>
-      </p:ext>
-    </p:extLst>
-  </p:cSld>
-  <p:clrMapOvr>
-    <a:masterClrMapping/>
-  </p:clrMapOvr>
-</p:sld>
-</file>
-
-<file path=ppt/slides/slide18.xml><?xml version="1.0" encoding="utf-8"?>
-<p:sld xmlns:a="http://schemas.openxmlformats.org/drawingml/2006/main" xmlns:r="http://schemas.openxmlformats.org/officeDocument/2006/relationships" xmlns:p="http://schemas.openxmlformats.org/presentationml/2006/main">
-  <p:cSld>
-    <p:spTree>
-      <p:nvGrpSpPr>
-        <p:cNvPr id="1" name=""/>
-        <p:cNvGrpSpPr/>
-        <p:nvPr/>
-      </p:nvGrpSpPr>
-      <p:grpSpPr>
-        <a:xfrm>
-          <a:off x="0" y="0"/>
-          <a:ext cx="0" cy="0"/>
-          <a:chOff x="0" y="0"/>
-          <a:chExt cx="0" cy="0"/>
-        </a:xfrm>
-      </p:grpSpPr>
-      <p:sp>
-        <p:nvSpPr>
-          <p:cNvPr id="2" name="Title 1">
-            <a:extLst>
-              <a:ext uri="{FF2B5EF4-FFF2-40B4-BE49-F238E27FC236}">
-                <a16:creationId xmlns:a16="http://schemas.microsoft.com/office/drawing/2014/main" id="{D95D6A16-9AA3-4B9D-A81F-6616B917A6EC}"/>
-              </a:ext>
-            </a:extLst>
-          </p:cNvPr>
-          <p:cNvSpPr>
-            <a:spLocks noGrp="1"/>
-          </p:cNvSpPr>
-          <p:nvPr>
-            <p:ph type="title"/>
-          </p:nvPr>
-        </p:nvSpPr>
-        <p:spPr/>
-        <p:txBody>
-          <a:bodyPr/>
-          <a:lstStyle/>
-          <a:p>
-            <a:r>
-              <a:rPr lang="en-GB" dirty="0"/>
-              <a:t>Demo</a:t>
-            </a:r>
-          </a:p>
-        </p:txBody>
-      </p:sp>
-      <p:sp>
-        <p:nvSpPr>
-          <p:cNvPr id="3" name="Content Placeholder 2">
-            <a:extLst>
-              <a:ext uri="{FF2B5EF4-FFF2-40B4-BE49-F238E27FC236}">
-                <a16:creationId xmlns:a16="http://schemas.microsoft.com/office/drawing/2014/main" id="{FA8B4EF2-7245-4D9E-88F8-96A8F7D40E2A}"/>
-              </a:ext>
-            </a:extLst>
-          </p:cNvPr>
-          <p:cNvSpPr>
-            <a:spLocks noGrp="1"/>
-          </p:cNvSpPr>
-          <p:nvPr>
-            <p:ph idx="1"/>
-          </p:nvPr>
-        </p:nvSpPr>
-        <p:spPr/>
-        <p:txBody>
-          <a:bodyPr/>
-          <a:lstStyle/>
-          <a:p>
-            <a:r>
-              <a:rPr lang="en-GB" dirty="0" err="1"/>
-              <a:t>Youtube</a:t>
-            </a:r>
-            <a:r>
-              <a:rPr lang="en-GB" dirty="0"/>
-              <a:t> link or game </a:t>
-            </a:r>
-          </a:p>
-        </p:txBody>
-      </p:sp>
-    </p:spTree>
-    <p:extLst>
-      <p:ext uri="{BB962C8B-B14F-4D97-AF65-F5344CB8AC3E}">
-        <p14:creationId xmlns:p14="http://schemas.microsoft.com/office/powerpoint/2010/main" val="264742652"/>
-      </p:ext>
-    </p:extLst>
-  </p:cSld>
-  <p:clrMapOvr>
-    <a:masterClrMapping/>
-  </p:clrMapOvr>
-</p:sld>
-</file>
-
-<file path=ppt/slides/slide19.xml><?xml version="1.0" encoding="utf-8"?>
-<p:sld xmlns:a="http://schemas.openxmlformats.org/drawingml/2006/main" xmlns:r="http://schemas.openxmlformats.org/officeDocument/2006/relationships" xmlns:p="http://schemas.openxmlformats.org/presentationml/2006/main">
-  <p:cSld>
-    <p:spTree>
-      <p:nvGrpSpPr>
-        <p:cNvPr id="1" name=""/>
-        <p:cNvGrpSpPr/>
-        <p:nvPr/>
-      </p:nvGrpSpPr>
-      <p:grpSpPr>
-        <a:xfrm>
-          <a:off x="0" y="0"/>
-          <a:ext cx="0" cy="0"/>
-          <a:chOff x="0" y="0"/>
-          <a:chExt cx="0" cy="0"/>
-        </a:xfrm>
-      </p:grpSpPr>
-      <p:sp>
-        <p:nvSpPr>
-          <p:cNvPr id="2" name="Title 1">
-            <a:extLst>
-              <a:ext uri="{FF2B5EF4-FFF2-40B4-BE49-F238E27FC236}">
-                <a16:creationId xmlns:a16="http://schemas.microsoft.com/office/drawing/2014/main" id="{6153B161-F879-4434-8053-EE71B8681AF3}"/>
-              </a:ext>
-            </a:extLst>
-          </p:cNvPr>
-          <p:cNvSpPr>
-            <a:spLocks noGrp="1"/>
-          </p:cNvSpPr>
-          <p:nvPr>
-            <p:ph type="title"/>
-          </p:nvPr>
-        </p:nvSpPr>
-        <p:spPr/>
-        <p:txBody>
-          <a:bodyPr/>
-          <a:lstStyle/>
-          <a:p>
-            <a:r>
-              <a:rPr lang="en-GB" dirty="0"/>
-              <a:t>Conclusion</a:t>
-            </a:r>
-          </a:p>
-        </p:txBody>
-      </p:sp>
-      <p:sp>
-        <p:nvSpPr>
-          <p:cNvPr id="3" name="Content Placeholder 2">
-            <a:extLst>
-              <a:ext uri="{FF2B5EF4-FFF2-40B4-BE49-F238E27FC236}">
-                <a16:creationId xmlns:a16="http://schemas.microsoft.com/office/drawing/2014/main" id="{DE46FF5A-1DA8-41FD-ACC7-9BC9BD8DEAB4}"/>
-              </a:ext>
-            </a:extLst>
-          </p:cNvPr>
-          <p:cNvSpPr>
-            <a:spLocks noGrp="1"/>
-          </p:cNvSpPr>
-          <p:nvPr>
-            <p:ph idx="1"/>
-          </p:nvPr>
-        </p:nvSpPr>
-        <p:spPr/>
-        <p:txBody>
-          <a:bodyPr/>
-          <a:lstStyle/>
-          <a:p>
-            <a:r>
-              <a:rPr lang="en-GB" dirty="0"/>
-              <a:t>What went well</a:t>
-            </a:r>
-          </a:p>
-          <a:p>
-            <a:r>
-              <a:rPr lang="en-GB" dirty="0"/>
-              <a:t>What did not </a:t>
-            </a:r>
-          </a:p>
-          <a:p>
-            <a:r>
-              <a:rPr lang="en-GB" dirty="0"/>
-              <a:t>What could be improved</a:t>
-            </a:r>
-          </a:p>
-        </p:txBody>
-      </p:sp>
-    </p:spTree>
-    <p:extLst>
-      <p:ext uri="{BB962C8B-B14F-4D97-AF65-F5344CB8AC3E}">
-        <p14:creationId xmlns:p14="http://schemas.microsoft.com/office/powerpoint/2010/main" val="2819575520"/>
-      </p:ext>
-    </p:extLst>
-  </p:cSld>
-  <p:clrMapOvr>
-    <a:masterClrMapping/>
-  </p:clrMapOvr>
-</p:sld>
-</file>
-
-<file path=ppt/slides/slide2.xml><?xml version="1.0" encoding="utf-8"?>
-<p:sld xmlns:a="http://schemas.openxmlformats.org/drawingml/2006/main" xmlns:r="http://schemas.openxmlformats.org/officeDocument/2006/relationships" xmlns:p="http://schemas.openxmlformats.org/presentationml/2006/main">
-  <p:cSld>
-    <p:spTree>
-      <p:nvGrpSpPr>
-        <p:cNvPr id="1" name=""/>
-        <p:cNvGrpSpPr/>
-        <p:nvPr/>
-      </p:nvGrpSpPr>
-      <p:grpSpPr>
-        <a:xfrm>
-          <a:off x="0" y="0"/>
-          <a:ext cx="0" cy="0"/>
-          <a:chOff x="0" y="0"/>
-          <a:chExt cx="0" cy="0"/>
-        </a:xfrm>
-      </p:grpSpPr>
-      <p:sp>
-        <p:nvSpPr>
-          <p:cNvPr id="2" name="Title 1">
-            <a:extLst>
-              <a:ext uri="{FF2B5EF4-FFF2-40B4-BE49-F238E27FC236}">
-                <a16:creationId xmlns:a16="http://schemas.microsoft.com/office/drawing/2014/main" id="{DD4103B4-37FD-427B-97A8-8692D0A21A9A}"/>
-              </a:ext>
-            </a:extLst>
-          </p:cNvPr>
-          <p:cNvSpPr>
-            <a:spLocks noGrp="1"/>
-          </p:cNvSpPr>
-          <p:nvPr>
-            <p:ph type="title"/>
-          </p:nvPr>
-        </p:nvSpPr>
-        <p:spPr/>
-        <p:txBody>
-          <a:bodyPr/>
-          <a:lstStyle/>
-          <a:p>
-            <a:r>
-              <a:rPr lang="en-GB" dirty="0"/>
-              <a:t>Introduction</a:t>
-            </a:r>
-          </a:p>
-        </p:txBody>
-      </p:sp>
-      <p:sp>
-        <p:nvSpPr>
-          <p:cNvPr id="3" name="Content Placeholder 2">
-            <a:extLst>
-              <a:ext uri="{FF2B5EF4-FFF2-40B4-BE49-F238E27FC236}">
-                <a16:creationId xmlns:a16="http://schemas.microsoft.com/office/drawing/2014/main" id="{FBF3A4E2-A6C2-49E6-B619-8E3F3DAF3256}"/>
-              </a:ext>
-            </a:extLst>
-          </p:cNvPr>
-          <p:cNvSpPr>
-            <a:spLocks noGrp="1"/>
-          </p:cNvSpPr>
-          <p:nvPr>
-            <p:ph idx="1"/>
-          </p:nvPr>
-        </p:nvSpPr>
-        <p:spPr/>
-        <p:txBody>
-          <a:bodyPr/>
-          <a:lstStyle/>
-          <a:p>
-            <a:r>
-              <a:rPr lang="en-GB" dirty="0"/>
-              <a:t>What is narrative AI</a:t>
-            </a:r>
-          </a:p>
-          <a:p>
-            <a:r>
-              <a:rPr lang="en-GB" dirty="0"/>
-              <a:t>Types of narrative AI</a:t>
-            </a:r>
-          </a:p>
-          <a:p>
-            <a:r>
-              <a:rPr lang="en-GB" dirty="0"/>
-              <a:t>How games use narrative AI</a:t>
-            </a:r>
-          </a:p>
-        </p:txBody>
-      </p:sp>
-    </p:spTree>
-    <p:extLst>
-      <p:ext uri="{BB962C8B-B14F-4D97-AF65-F5344CB8AC3E}">
-        <p14:creationId xmlns:p14="http://schemas.microsoft.com/office/powerpoint/2010/main" val="627776920"/>
-      </p:ext>
-    </p:extLst>
-  </p:cSld>
-  <p:clrMapOvr>
-    <a:masterClrMapping/>
-  </p:clrMapOvr>
-</p:sld>
-</file>
-
-<file path=ppt/slides/slide20.xml><?xml version="1.0" encoding="utf-8"?>
-<p:sld xmlns:a="http://schemas.openxmlformats.org/drawingml/2006/main" xmlns:r="http://schemas.openxmlformats.org/officeDocument/2006/relationships" xmlns:p="http://schemas.openxmlformats.org/presentationml/2006/main">
-  <p:cSld>
-    <p:spTree>
-      <p:nvGrpSpPr>
-        <p:cNvPr id="1" name=""/>
-        <p:cNvGrpSpPr/>
-        <p:nvPr/>
-      </p:nvGrpSpPr>
-      <p:grpSpPr>
-        <a:xfrm>
-          <a:off x="0" y="0"/>
-          <a:ext cx="0" cy="0"/>
-          <a:chOff x="0" y="0"/>
-          <a:chExt cx="0" cy="0"/>
-        </a:xfrm>
-      </p:grpSpPr>
-      <p:sp>
-        <p:nvSpPr>
-          <p:cNvPr id="2" name="Title 1">
-            <a:extLst>
-              <a:ext uri="{FF2B5EF4-FFF2-40B4-BE49-F238E27FC236}">
-                <a16:creationId xmlns:a16="http://schemas.microsoft.com/office/drawing/2014/main" id="{0C8B800C-5719-4A1D-A585-C1C2BDB68E5B}"/>
-              </a:ext>
-            </a:extLst>
-          </p:cNvPr>
-          <p:cNvSpPr>
-            <a:spLocks noGrp="1"/>
-          </p:cNvSpPr>
-          <p:nvPr>
-            <p:ph type="title"/>
-          </p:nvPr>
-        </p:nvSpPr>
-        <p:spPr/>
-        <p:txBody>
-          <a:bodyPr/>
-          <a:lstStyle/>
-          <a:p>
-            <a:r>
-              <a:rPr lang="en-GB" dirty="0"/>
-              <a:t>Bibliography</a:t>
-            </a:r>
-          </a:p>
-        </p:txBody>
-      </p:sp>
-      <p:sp>
-        <p:nvSpPr>
-          <p:cNvPr id="3" name="Content Placeholder 2">
-            <a:extLst>
-              <a:ext uri="{FF2B5EF4-FFF2-40B4-BE49-F238E27FC236}">
-                <a16:creationId xmlns:a16="http://schemas.microsoft.com/office/drawing/2014/main" id="{DB2EA67C-3CA8-407E-8CAE-0EC4DE9A2BB8}"/>
-              </a:ext>
-            </a:extLst>
-          </p:cNvPr>
-          <p:cNvSpPr>
-            <a:spLocks noGrp="1"/>
-          </p:cNvSpPr>
-          <p:nvPr>
-            <p:ph idx="1"/>
-          </p:nvPr>
-        </p:nvSpPr>
-        <p:spPr/>
-        <p:txBody>
-          <a:bodyPr/>
-          <a:lstStyle/>
-          <a:p>
-            <a:endParaRPr lang="en-GB" dirty="0"/>
-          </a:p>
-        </p:txBody>
-      </p:sp>
-    </p:spTree>
-    <p:extLst>
-      <p:ext uri="{BB962C8B-B14F-4D97-AF65-F5344CB8AC3E}">
-        <p14:creationId xmlns:p14="http://schemas.microsoft.com/office/powerpoint/2010/main" val="3106373192"/>
-      </p:ext>
-    </p:extLst>
-  </p:cSld>
-  <p:clrMapOvr>
-    <a:masterClrMapping/>
-  </p:clrMapOvr>
-</p:sld>
-</file>
-
-<file path=ppt/slides/slide3.xml><?xml version="1.0" encoding="utf-8"?>
-<p:sld xmlns:a="http://schemas.openxmlformats.org/drawingml/2006/main" xmlns:r="http://schemas.openxmlformats.org/officeDocument/2006/relationships" xmlns:p="http://schemas.openxmlformats.org/presentationml/2006/main">
-  <p:cSld>
-    <p:spTree>
-      <p:nvGrpSpPr>
-        <p:cNvPr id="1" name=""/>
-        <p:cNvGrpSpPr/>
-        <p:nvPr/>
-      </p:nvGrpSpPr>
-      <p:grpSpPr>
-        <a:xfrm>
-          <a:off x="0" y="0"/>
-          <a:ext cx="0" cy="0"/>
-          <a:chOff x="0" y="0"/>
-          <a:chExt cx="0" cy="0"/>
-        </a:xfrm>
-      </p:grpSpPr>
-      <p:sp>
-        <p:nvSpPr>
-          <p:cNvPr id="2" name="Title 1">
-            <a:extLst>
-              <a:ext uri="{FF2B5EF4-FFF2-40B4-BE49-F238E27FC236}">
-                <a16:creationId xmlns:a16="http://schemas.microsoft.com/office/drawing/2014/main" id="{D86CAA99-F2AE-4F9B-9CA9-6014E4B2D0D4}"/>
-              </a:ext>
-            </a:extLst>
-          </p:cNvPr>
-          <p:cNvSpPr>
-            <a:spLocks noGrp="1"/>
-          </p:cNvSpPr>
-          <p:nvPr>
-            <p:ph type="title"/>
-          </p:nvPr>
-        </p:nvSpPr>
-        <p:spPr/>
-        <p:txBody>
-          <a:bodyPr/>
-          <a:lstStyle/>
-          <a:p>
-            <a:r>
-              <a:rPr lang="en-GB" dirty="0"/>
-              <a:t>Aims and objectives</a:t>
-            </a:r>
-          </a:p>
-        </p:txBody>
-      </p:sp>
-      <p:sp>
-        <p:nvSpPr>
-          <p:cNvPr id="3" name="Content Placeholder 2">
-            <a:extLst>
-              <a:ext uri="{FF2B5EF4-FFF2-40B4-BE49-F238E27FC236}">
-                <a16:creationId xmlns:a16="http://schemas.microsoft.com/office/drawing/2014/main" id="{99474973-A1F9-4EA5-B1D6-B76AF77AF4B4}"/>
-              </a:ext>
-            </a:extLst>
-          </p:cNvPr>
-          <p:cNvSpPr>
-            <a:spLocks noGrp="1"/>
-          </p:cNvSpPr>
-          <p:nvPr>
-            <p:ph idx="1"/>
-          </p:nvPr>
-        </p:nvSpPr>
-        <p:spPr/>
-        <p:txBody>
-          <a:bodyPr/>
-          <a:lstStyle/>
-          <a:p>
-            <a:r>
-              <a:rPr lang="en-GB" dirty="0"/>
-              <a:t>Aim to create a narrative AI with a cast character</a:t>
-            </a:r>
-          </a:p>
-          <a:p>
-            <a:r>
-              <a:rPr lang="en-GB" dirty="0"/>
-              <a:t>Characters are able to talk to each other</a:t>
-            </a:r>
-          </a:p>
-          <a:p>
-            <a:r>
-              <a:rPr lang="en-GB" dirty="0"/>
-              <a:t>Have actions and goals</a:t>
-            </a:r>
-          </a:p>
-          <a:p>
-            <a:r>
-              <a:rPr lang="en-GB" dirty="0"/>
-              <a:t>Personality and emotion ai</a:t>
-            </a:r>
-          </a:p>
-          <a:p>
-            <a:endParaRPr lang="en-GB" dirty="0"/>
-          </a:p>
-        </p:txBody>
-      </p:sp>
-    </p:spTree>
-    <p:extLst>
-      <p:ext uri="{BB962C8B-B14F-4D97-AF65-F5344CB8AC3E}">
-        <p14:creationId xmlns:p14="http://schemas.microsoft.com/office/powerpoint/2010/main" val="1806929325"/>
-      </p:ext>
-    </p:extLst>
-  </p:cSld>
-  <p:clrMapOvr>
-    <a:masterClrMapping/>
-  </p:clrMapOvr>
-</p:sld>
-</file>
-
-<file path=ppt/slides/slide4.xml><?xml version="1.0" encoding="utf-8"?>
-<p:sld xmlns:a="http://schemas.openxmlformats.org/drawingml/2006/main" xmlns:r="http://schemas.openxmlformats.org/officeDocument/2006/relationships" xmlns:p="http://schemas.openxmlformats.org/presentationml/2006/main">
-  <p:cSld>
-    <p:spTree>
-      <p:nvGrpSpPr>
-        <p:cNvPr id="1" name=""/>
-        <p:cNvGrpSpPr/>
-        <p:nvPr/>
-      </p:nvGrpSpPr>
-      <p:grpSpPr>
-        <a:xfrm>
-          <a:off x="0" y="0"/>
-          <a:ext cx="0" cy="0"/>
-          <a:chOff x="0" y="0"/>
-          <a:chExt cx="0" cy="0"/>
-        </a:xfrm>
-      </p:grpSpPr>
-      <p:sp>
-        <p:nvSpPr>
-          <p:cNvPr id="2" name="Title 1">
-            <a:extLst>
-              <a:ext uri="{FF2B5EF4-FFF2-40B4-BE49-F238E27FC236}">
-                <a16:creationId xmlns:a16="http://schemas.microsoft.com/office/drawing/2014/main" id="{4E2FD029-1F57-4510-A7A1-573119BDD149}"/>
-              </a:ext>
-            </a:extLst>
-          </p:cNvPr>
-          <p:cNvSpPr>
-            <a:spLocks noGrp="1"/>
-          </p:cNvSpPr>
-          <p:nvPr>
-            <p:ph type="title"/>
-          </p:nvPr>
-        </p:nvSpPr>
-        <p:spPr/>
-        <p:txBody>
-          <a:bodyPr/>
-          <a:lstStyle/>
-          <a:p>
-            <a:r>
-              <a:rPr lang="en-GB" dirty="0"/>
-              <a:t>Background</a:t>
-            </a:r>
-          </a:p>
-        </p:txBody>
-      </p:sp>
-      <p:sp>
-        <p:nvSpPr>
-          <p:cNvPr id="3" name="Content Placeholder 2">
-            <a:extLst>
-              <a:ext uri="{FF2B5EF4-FFF2-40B4-BE49-F238E27FC236}">
-                <a16:creationId xmlns:a16="http://schemas.microsoft.com/office/drawing/2014/main" id="{648F0D37-19F2-4DC8-BBD8-AC74F2B3CB4E}"/>
-              </a:ext>
-            </a:extLst>
-          </p:cNvPr>
-          <p:cNvSpPr>
-            <a:spLocks noGrp="1"/>
-          </p:cNvSpPr>
-          <p:nvPr>
-            <p:ph idx="1"/>
-          </p:nvPr>
-        </p:nvSpPr>
-        <p:spPr/>
-        <p:txBody>
-          <a:bodyPr/>
-          <a:lstStyle/>
-          <a:p>
-            <a:r>
-              <a:rPr lang="en-GB" dirty="0"/>
-              <a:t>Why this project was chosen</a:t>
-            </a:r>
-          </a:p>
-          <a:p>
-            <a:r>
-              <a:rPr lang="en-GB" dirty="0"/>
-              <a:t>Why it is important in games</a:t>
-            </a:r>
-          </a:p>
-          <a:p>
-            <a:endParaRPr lang="en-GB" dirty="0"/>
-          </a:p>
-        </p:txBody>
-      </p:sp>
-    </p:spTree>
-    <p:extLst>
-      <p:ext uri="{BB962C8B-B14F-4D97-AF65-F5344CB8AC3E}">
-        <p14:creationId xmlns:p14="http://schemas.microsoft.com/office/powerpoint/2010/main" val="1168552379"/>
-      </p:ext>
-    </p:extLst>
-  </p:cSld>
-  <p:clrMapOvr>
-    <a:masterClrMapping/>
-  </p:clrMapOvr>
-</p:sld>
-</file>
-
-<file path=ppt/slides/slide5.xml><?xml version="1.0" encoding="utf-8"?>
-<p:sld xmlns:a="http://schemas.openxmlformats.org/drawingml/2006/main" xmlns:r="http://schemas.openxmlformats.org/officeDocument/2006/relationships" xmlns:p="http://schemas.openxmlformats.org/presentationml/2006/main">
-  <p:cSld>
-    <p:spTree>
-      <p:nvGrpSpPr>
-        <p:cNvPr id="1" name=""/>
-        <p:cNvGrpSpPr/>
-        <p:nvPr/>
-      </p:nvGrpSpPr>
-      <p:grpSpPr>
-        <a:xfrm>
-          <a:off x="0" y="0"/>
-          <a:ext cx="0" cy="0"/>
-          <a:chOff x="0" y="0"/>
-          <a:chExt cx="0" cy="0"/>
-        </a:xfrm>
-      </p:grpSpPr>
-      <p:sp>
-        <p:nvSpPr>
-          <p:cNvPr id="2" name="Title 1">
-            <a:extLst>
-              <a:ext uri="{FF2B5EF4-FFF2-40B4-BE49-F238E27FC236}">
-                <a16:creationId xmlns:a16="http://schemas.microsoft.com/office/drawing/2014/main" id="{4ADBA664-BB07-437B-B9BE-A30C76CC4712}"/>
-              </a:ext>
-            </a:extLst>
-          </p:cNvPr>
-          <p:cNvSpPr>
-            <a:spLocks noGrp="1"/>
-          </p:cNvSpPr>
-          <p:nvPr>
-            <p:ph type="title"/>
-          </p:nvPr>
-        </p:nvSpPr>
-        <p:spPr/>
-        <p:txBody>
-          <a:bodyPr/>
-          <a:lstStyle/>
-          <a:p>
-            <a:r>
-              <a:rPr lang="en-GB" dirty="0"/>
-              <a:t>Research methodology</a:t>
-            </a:r>
-          </a:p>
-        </p:txBody>
-      </p:sp>
-      <p:sp>
-        <p:nvSpPr>
-          <p:cNvPr id="3" name="Content Placeholder 2">
-            <a:extLst>
-              <a:ext uri="{FF2B5EF4-FFF2-40B4-BE49-F238E27FC236}">
-                <a16:creationId xmlns:a16="http://schemas.microsoft.com/office/drawing/2014/main" id="{088B2E6E-ACD8-4832-9672-7CB8DCBA1844}"/>
-              </a:ext>
-            </a:extLst>
-          </p:cNvPr>
-          <p:cNvSpPr>
-            <a:spLocks noGrp="1"/>
-          </p:cNvSpPr>
-          <p:nvPr>
-            <p:ph idx="1"/>
-          </p:nvPr>
-        </p:nvSpPr>
-        <p:spPr/>
-        <p:txBody>
-          <a:bodyPr/>
-          <a:lstStyle/>
-          <a:p>
-            <a:r>
-              <a:rPr lang="en-GB" dirty="0"/>
-              <a:t>Consider Waterfall vs Scrum</a:t>
-            </a:r>
-          </a:p>
-          <a:p>
-            <a:r>
-              <a:rPr lang="en-GB" dirty="0"/>
-              <a:t>Scrum implementation</a:t>
-            </a:r>
-          </a:p>
-        </p:txBody>
-      </p:sp>
-    </p:spTree>
-    <p:extLst>
-      <p:ext uri="{BB962C8B-B14F-4D97-AF65-F5344CB8AC3E}">
-        <p14:creationId xmlns:p14="http://schemas.microsoft.com/office/powerpoint/2010/main" val="1885536599"/>
-      </p:ext>
-    </p:extLst>
-  </p:cSld>
-  <p:clrMapOvr>
-    <a:masterClrMapping/>
-  </p:clrMapOvr>
-</p:sld>
-</file>
-
-<file path=ppt/slides/slide6.xml><?xml version="1.0" encoding="utf-8"?>
-<p:sld xmlns:a="http://schemas.openxmlformats.org/drawingml/2006/main" xmlns:r="http://schemas.openxmlformats.org/officeDocument/2006/relationships" xmlns:p="http://schemas.openxmlformats.org/presentationml/2006/main">
-  <p:cSld>
     <p:bg>
       <p:bgPr>
         <a:solidFill>
@@ -12971,7 +11523,339 @@
           <p:cNvPr id="2" name="Title 1">
             <a:extLst>
               <a:ext uri="{FF2B5EF4-FFF2-40B4-BE49-F238E27FC236}">
-                <a16:creationId xmlns:a16="http://schemas.microsoft.com/office/drawing/2014/main" id="{7DEC7009-A481-4B12-8E36-CFB364A7F87C}"/>
+                <a16:creationId xmlns:a16="http://schemas.microsoft.com/office/drawing/2014/main" id="{6F14DC97-8F66-4289-A94C-4D20663A57EF}"/>
+              </a:ext>
+            </a:extLst>
+          </p:cNvPr>
+          <p:cNvSpPr>
+            <a:spLocks noGrp="1"/>
+          </p:cNvSpPr>
+          <p:nvPr>
+            <p:ph type="title"/>
+          </p:nvPr>
+        </p:nvSpPr>
+        <p:spPr>
+          <a:xfrm>
+            <a:off x="565149" y="1204721"/>
+            <a:ext cx="3609983" cy="1446550"/>
+          </a:xfrm>
+        </p:spPr>
+        <p:txBody>
+          <a:bodyPr>
+            <a:normAutofit/>
+          </a:bodyPr>
+          <a:lstStyle/>
+          <a:p>
+            <a:r>
+              <a:rPr lang="en-GB" dirty="0"/>
+              <a:t>Analysis</a:t>
+            </a:r>
+          </a:p>
+        </p:txBody>
+      </p:sp>
+      <p:sp>
+        <p:nvSpPr>
+          <p:cNvPr id="3" name="Content Placeholder 2">
+            <a:extLst>
+              <a:ext uri="{FF2B5EF4-FFF2-40B4-BE49-F238E27FC236}">
+                <a16:creationId xmlns:a16="http://schemas.microsoft.com/office/drawing/2014/main" id="{1363F56C-3D53-4EE1-8F00-96C60BAB6C47}"/>
+              </a:ext>
+            </a:extLst>
+          </p:cNvPr>
+          <p:cNvSpPr>
+            <a:spLocks noGrp="1"/>
+          </p:cNvSpPr>
+          <p:nvPr>
+            <p:ph idx="1"/>
+          </p:nvPr>
+        </p:nvSpPr>
+        <p:spPr>
+          <a:xfrm>
+            <a:off x="565150" y="2691638"/>
+            <a:ext cx="3609983" cy="3188586"/>
+          </a:xfrm>
+        </p:spPr>
+        <p:txBody>
+          <a:bodyPr>
+            <a:normAutofit/>
+          </a:bodyPr>
+          <a:lstStyle/>
+          <a:p>
+            <a:r>
+              <a:rPr lang="en-GB" dirty="0"/>
+              <a:t>C#</a:t>
+            </a:r>
+          </a:p>
+          <a:p>
+            <a:r>
+              <a:rPr lang="en-GB" dirty="0"/>
+              <a:t>Unity</a:t>
+            </a:r>
+          </a:p>
+        </p:txBody>
+      </p:sp>
+      <p:pic>
+        <p:nvPicPr>
+          <p:cNvPr id="4" name="Picture 3">
+            <a:extLst>
+              <a:ext uri="{FF2B5EF4-FFF2-40B4-BE49-F238E27FC236}">
+                <a16:creationId xmlns:a16="http://schemas.microsoft.com/office/drawing/2014/main" id="{84C83B52-7831-4DF7-8C3B-F542C65AEA62}"/>
+              </a:ext>
+            </a:extLst>
+          </p:cNvPr>
+          <p:cNvPicPr>
+            <a:picLocks noChangeAspect="1"/>
+          </p:cNvPicPr>
+          <p:nvPr/>
+        </p:nvPicPr>
+        <p:blipFill>
+          <a:blip r:embed="rId2"/>
+          <a:stretch>
+            <a:fillRect/>
+          </a:stretch>
+        </p:blipFill>
+        <p:spPr>
+          <a:xfrm>
+            <a:off x="4699688" y="2379330"/>
+            <a:ext cx="6518645" cy="2363009"/>
+          </a:xfrm>
+          <a:prstGeom prst="rect">
+            <a:avLst/>
+          </a:prstGeom>
+        </p:spPr>
+      </p:pic>
+      <p:sp>
+        <p:nvSpPr>
+          <p:cNvPr id="11" name="Cross 10">
+            <a:extLst>
+              <a:ext uri="{FF2B5EF4-FFF2-40B4-BE49-F238E27FC236}">
+                <a16:creationId xmlns:a16="http://schemas.microsoft.com/office/drawing/2014/main" id="{BE50E7BE-734F-224D-B03E-074DE1D12480}"/>
+              </a:ext>
+              <a:ext uri="{C183D7F6-B498-43B3-948B-1728B52AA6E4}">
+                <adec:decorative xmlns:adec="http://schemas.microsoft.com/office/drawing/2017/decorative" val="1"/>
+              </a:ext>
+            </a:extLst>
+          </p:cNvPr>
+          <p:cNvSpPr>
+            <a:spLocks noGrp="1" noRot="1" noChangeAspect="1" noMove="1" noResize="1" noEditPoints="1" noAdjustHandles="1" noChangeArrowheads="1" noChangeShapeType="1" noTextEdit="1"/>
+          </p:cNvSpPr>
+          <p:nvPr>
+            <p:extLst>
+              <p:ext uri="{386F3935-93C4-4BCD-93E2-E3B085C9AB24}">
+                <p16:designElem xmlns:p16="http://schemas.microsoft.com/office/powerpoint/2015/main" val="1"/>
+              </p:ext>
+            </p:extLst>
+          </p:nvPr>
+        </p:nvSpPr>
+        <p:spPr>
+          <a:xfrm>
+            <a:off x="11217667" y="5618903"/>
+            <a:ext cx="524933" cy="524933"/>
+          </a:xfrm>
+          <a:prstGeom prst="plus">
+            <a:avLst>
+              <a:gd name="adj" fmla="val 39516"/>
+            </a:avLst>
+          </a:prstGeom>
+          <a:solidFill>
+            <a:schemeClr val="tx1"/>
+          </a:solidFill>
+          <a:ln>
+            <a:noFill/>
+          </a:ln>
+        </p:spPr>
+        <p:style>
+          <a:lnRef idx="2">
+            <a:schemeClr val="accent1">
+              <a:shade val="50000"/>
+            </a:schemeClr>
+          </a:lnRef>
+          <a:fillRef idx="1">
+            <a:schemeClr val="accent1"/>
+          </a:fillRef>
+          <a:effectRef idx="0">
+            <a:schemeClr val="accent1"/>
+          </a:effectRef>
+          <a:fontRef idx="minor">
+            <a:schemeClr val="lt1"/>
+          </a:fontRef>
+        </p:style>
+        <p:txBody>
+          <a:bodyPr rtlCol="0" anchor="ctr"/>
+          <a:lstStyle/>
+          <a:p>
+            <a:pPr algn="ctr"/>
+            <a:endParaRPr lang="en-US"/>
+          </a:p>
+        </p:txBody>
+      </p:sp>
+      <p:sp>
+        <p:nvSpPr>
+          <p:cNvPr id="13" name="Rectangle 12">
+            <a:extLst>
+              <a:ext uri="{FF2B5EF4-FFF2-40B4-BE49-F238E27FC236}">
+                <a16:creationId xmlns:a16="http://schemas.microsoft.com/office/drawing/2014/main" id="{DCA5172B-100A-154D-8648-280629D67DD0}"/>
+              </a:ext>
+              <a:ext uri="{C183D7F6-B498-43B3-948B-1728B52AA6E4}">
+                <adec:decorative xmlns:adec="http://schemas.microsoft.com/office/drawing/2017/decorative" val="1"/>
+              </a:ext>
+            </a:extLst>
+          </p:cNvPr>
+          <p:cNvSpPr>
+            <a:spLocks noGrp="1" noRot="1" noChangeAspect="1" noMove="1" noResize="1" noEditPoints="1" noAdjustHandles="1" noChangeArrowheads="1" noChangeShapeType="1" noTextEdit="1"/>
+          </p:cNvSpPr>
+          <p:nvPr>
+            <p:extLst>
+              <p:ext uri="{386F3935-93C4-4BCD-93E2-E3B085C9AB24}">
+                <p16:designElem xmlns:p16="http://schemas.microsoft.com/office/powerpoint/2015/main" val="1"/>
+              </p:ext>
+            </p:extLst>
+          </p:nvPr>
+        </p:nvSpPr>
+        <p:spPr>
+          <a:xfrm>
+            <a:off x="9881559" y="976630"/>
+            <a:ext cx="1336774" cy="120142"/>
+          </a:xfrm>
+          <a:prstGeom prst="rect">
+            <a:avLst/>
+          </a:prstGeom>
+          <a:solidFill>
+            <a:schemeClr val="tx1"/>
+          </a:solidFill>
+          <a:ln>
+            <a:noFill/>
+          </a:ln>
+        </p:spPr>
+        <p:style>
+          <a:lnRef idx="2">
+            <a:schemeClr val="accent1">
+              <a:shade val="50000"/>
+            </a:schemeClr>
+          </a:lnRef>
+          <a:fillRef idx="1">
+            <a:schemeClr val="accent1"/>
+          </a:fillRef>
+          <a:effectRef idx="0">
+            <a:schemeClr val="accent1"/>
+          </a:effectRef>
+          <a:fontRef idx="minor">
+            <a:schemeClr val="lt1"/>
+          </a:fontRef>
+        </p:style>
+        <p:txBody>
+          <a:bodyPr rtlCol="0" anchor="ctr"/>
+          <a:lstStyle/>
+          <a:p>
+            <a:pPr algn="ctr"/>
+            <a:endParaRPr lang="en-US"/>
+          </a:p>
+        </p:txBody>
+      </p:sp>
+    </p:spTree>
+    <p:extLst>
+      <p:ext uri="{BB962C8B-B14F-4D97-AF65-F5344CB8AC3E}">
+        <p14:creationId xmlns:p14="http://schemas.microsoft.com/office/powerpoint/2010/main" val="3450476218"/>
+      </p:ext>
+    </p:extLst>
+  </p:cSld>
+  <p:clrMapOvr>
+    <a:masterClrMapping/>
+  </p:clrMapOvr>
+</p:sld>
+</file>
+
+<file path=ppt/slides/slide11.xml><?xml version="1.0" encoding="utf-8"?>
+<p:sld xmlns:a="http://schemas.openxmlformats.org/drawingml/2006/main" xmlns:r="http://schemas.openxmlformats.org/officeDocument/2006/relationships" xmlns:p="http://schemas.openxmlformats.org/presentationml/2006/main">
+  <p:cSld>
+    <p:bg>
+      <p:bgPr>
+        <a:solidFill>
+          <a:schemeClr val="bg1"/>
+        </a:solidFill>
+        <a:effectLst/>
+      </p:bgPr>
+    </p:bg>
+    <p:spTree>
+      <p:nvGrpSpPr>
+        <p:cNvPr id="1" name=""/>
+        <p:cNvGrpSpPr/>
+        <p:nvPr/>
+      </p:nvGrpSpPr>
+      <p:grpSpPr>
+        <a:xfrm>
+          <a:off x="0" y="0"/>
+          <a:ext cx="0" cy="0"/>
+          <a:chOff x="0" y="0"/>
+          <a:chExt cx="0" cy="0"/>
+        </a:xfrm>
+      </p:grpSpPr>
+      <p:sp useBgFill="1">
+        <p:nvSpPr>
+          <p:cNvPr id="9" name="Rectangle 8">
+            <a:extLst>
+              <a:ext uri="{FF2B5EF4-FFF2-40B4-BE49-F238E27FC236}">
+                <a16:creationId xmlns:a16="http://schemas.microsoft.com/office/drawing/2014/main" id="{579E3846-8D0B-B14A-817A-7FAC9DDAB4D8}"/>
+              </a:ext>
+              <a:ext uri="{C183D7F6-B498-43B3-948B-1728B52AA6E4}">
+                <adec:decorative xmlns:adec="http://schemas.microsoft.com/office/drawing/2017/decorative" val="1"/>
+              </a:ext>
+            </a:extLst>
+          </p:cNvPr>
+          <p:cNvSpPr>
+            <a:spLocks noGrp="1" noRot="1" noChangeAspect="1" noMove="1" noResize="1" noEditPoints="1" noAdjustHandles="1" noChangeArrowheads="1" noChangeShapeType="1" noTextEdit="1"/>
+          </p:cNvSpPr>
+          <p:nvPr>
+            <p:extLst>
+              <p:ext uri="{386F3935-93C4-4BCD-93E2-E3B085C9AB24}">
+                <p16:designElem xmlns:p16="http://schemas.microsoft.com/office/powerpoint/2015/main" val="1"/>
+              </p:ext>
+            </p:extLst>
+          </p:nvPr>
+        </p:nvSpPr>
+        <p:spPr>
+          <a:xfrm>
+            <a:off x="0" y="0"/>
+            <a:ext cx="12192000" cy="6858000"/>
+          </a:xfrm>
+          <a:prstGeom prst="rect">
+            <a:avLst/>
+          </a:prstGeom>
+          <a:ln>
+            <a:noFill/>
+          </a:ln>
+        </p:spPr>
+        <p:style>
+          <a:lnRef idx="2">
+            <a:schemeClr val="accent1">
+              <a:shade val="50000"/>
+            </a:schemeClr>
+          </a:lnRef>
+          <a:fillRef idx="1">
+            <a:schemeClr val="accent1"/>
+          </a:fillRef>
+          <a:effectRef idx="0">
+            <a:schemeClr val="accent1"/>
+          </a:effectRef>
+          <a:fontRef idx="minor">
+            <a:schemeClr val="lt1"/>
+          </a:fontRef>
+        </p:style>
+        <p:txBody>
+          <a:bodyPr rtlCol="0" anchor="ctr"/>
+          <a:lstStyle/>
+          <a:p>
+            <a:pPr algn="ctr"/>
+            <a:endParaRPr lang="en-US"/>
+          </a:p>
+        </p:txBody>
+      </p:sp>
+      <p:sp>
+        <p:nvSpPr>
+          <p:cNvPr id="2" name="Title 1">
+            <a:extLst>
+              <a:ext uri="{FF2B5EF4-FFF2-40B4-BE49-F238E27FC236}">
+                <a16:creationId xmlns:a16="http://schemas.microsoft.com/office/drawing/2014/main" id="{0B9C51C4-BBE5-4526-A590-2027CD7D6DA3}"/>
               </a:ext>
             </a:extLst>
           </p:cNvPr>
@@ -12996,7 +11880,7 @@
           <a:p>
             <a:r>
               <a:rPr lang="en-GB" dirty="0"/>
-              <a:t>Project plan</a:t>
+              <a:t>Implementation </a:t>
             </a:r>
           </a:p>
         </p:txBody>
@@ -13201,7 +12085,7 @@
           <p:cNvPr id="5" name="Content Placeholder 2">
             <a:extLst>
               <a:ext uri="{FF2B5EF4-FFF2-40B4-BE49-F238E27FC236}">
-                <a16:creationId xmlns:a16="http://schemas.microsoft.com/office/drawing/2014/main" id="{0DCF2C1A-AABE-FE38-B079-E86205540945}"/>
+                <a16:creationId xmlns:a16="http://schemas.microsoft.com/office/drawing/2014/main" id="{B2DD8B23-B75D-BFC7-CA5E-348298E7A329}"/>
               </a:ext>
             </a:extLst>
           </p:cNvPr>
@@ -13212,7 +12096,7 @@
             <p:ph idx="1"/>
             <p:extLst>
               <p:ext uri="{D42A27DB-BD31-4B8C-83A1-F6EECF244321}">
-                <p14:modId xmlns:p14="http://schemas.microsoft.com/office/powerpoint/2010/main" val="1186497897"/>
+                <p14:modId xmlns:p14="http://schemas.microsoft.com/office/powerpoint/2010/main" val="640315204"/>
               </p:ext>
             </p:extLst>
           </p:nvPr>
@@ -13230,7 +12114,7 @@
     </p:spTree>
     <p:extLst>
       <p:ext uri="{BB962C8B-B14F-4D97-AF65-F5344CB8AC3E}">
-        <p14:creationId xmlns:p14="http://schemas.microsoft.com/office/powerpoint/2010/main" val="550375474"/>
+        <p14:creationId xmlns:p14="http://schemas.microsoft.com/office/powerpoint/2010/main" val="689710660"/>
       </p:ext>
     </p:extLst>
   </p:cSld>
@@ -13240,7 +12124,1001 @@
 </p:sld>
 </file>
 
-<file path=ppt/slides/slide7.xml><?xml version="1.0" encoding="utf-8"?>
+<file path=ppt/slides/slide12.xml><?xml version="1.0" encoding="utf-8"?>
+<p:sld xmlns:a="http://schemas.openxmlformats.org/drawingml/2006/main" xmlns:r="http://schemas.openxmlformats.org/officeDocument/2006/relationships" xmlns:p="http://schemas.openxmlformats.org/presentationml/2006/main">
+  <p:cSld>
+    <p:bg>
+      <p:bgPr>
+        <a:solidFill>
+          <a:schemeClr val="bg1"/>
+        </a:solidFill>
+        <a:effectLst/>
+      </p:bgPr>
+    </p:bg>
+    <p:spTree>
+      <p:nvGrpSpPr>
+        <p:cNvPr id="1" name=""/>
+        <p:cNvGrpSpPr/>
+        <p:nvPr/>
+      </p:nvGrpSpPr>
+      <p:grpSpPr>
+        <a:xfrm>
+          <a:off x="0" y="0"/>
+          <a:ext cx="0" cy="0"/>
+          <a:chOff x="0" y="0"/>
+          <a:chExt cx="0" cy="0"/>
+        </a:xfrm>
+      </p:grpSpPr>
+      <p:sp useBgFill="1">
+        <p:nvSpPr>
+          <p:cNvPr id="15" name="Rectangle 8">
+            <a:extLst>
+              <a:ext uri="{FF2B5EF4-FFF2-40B4-BE49-F238E27FC236}">
+                <a16:creationId xmlns:a16="http://schemas.microsoft.com/office/drawing/2014/main" id="{579E3846-8D0B-B14A-817A-7FAC9DDAB4D8}"/>
+              </a:ext>
+              <a:ext uri="{C183D7F6-B498-43B3-948B-1728B52AA6E4}">
+                <adec:decorative xmlns:adec="http://schemas.microsoft.com/office/drawing/2017/decorative" val="1"/>
+              </a:ext>
+            </a:extLst>
+          </p:cNvPr>
+          <p:cNvSpPr>
+            <a:spLocks noGrp="1" noRot="1" noChangeAspect="1" noMove="1" noResize="1" noEditPoints="1" noAdjustHandles="1" noChangeArrowheads="1" noChangeShapeType="1" noTextEdit="1"/>
+          </p:cNvSpPr>
+          <p:nvPr>
+            <p:extLst>
+              <p:ext uri="{386F3935-93C4-4BCD-93E2-E3B085C9AB24}">
+                <p16:designElem xmlns:p16="http://schemas.microsoft.com/office/powerpoint/2015/main" val="1"/>
+              </p:ext>
+            </p:extLst>
+          </p:nvPr>
+        </p:nvSpPr>
+        <p:spPr>
+          <a:xfrm>
+            <a:off x="0" y="0"/>
+            <a:ext cx="12192000" cy="6858000"/>
+          </a:xfrm>
+          <a:prstGeom prst="rect">
+            <a:avLst/>
+          </a:prstGeom>
+          <a:ln>
+            <a:noFill/>
+          </a:ln>
+        </p:spPr>
+        <p:style>
+          <a:lnRef idx="2">
+            <a:schemeClr val="accent1">
+              <a:shade val="50000"/>
+            </a:schemeClr>
+          </a:lnRef>
+          <a:fillRef idx="1">
+            <a:schemeClr val="accent1"/>
+          </a:fillRef>
+          <a:effectRef idx="0">
+            <a:schemeClr val="accent1"/>
+          </a:effectRef>
+          <a:fontRef idx="minor">
+            <a:schemeClr val="lt1"/>
+          </a:fontRef>
+        </p:style>
+        <p:txBody>
+          <a:bodyPr rtlCol="0" anchor="ctr"/>
+          <a:lstStyle/>
+          <a:p>
+            <a:pPr algn="ctr"/>
+            <a:endParaRPr lang="en-US"/>
+          </a:p>
+        </p:txBody>
+      </p:sp>
+      <p:sp>
+        <p:nvSpPr>
+          <p:cNvPr id="16" name="Cross 10">
+            <a:extLst>
+              <a:ext uri="{FF2B5EF4-FFF2-40B4-BE49-F238E27FC236}">
+                <a16:creationId xmlns:a16="http://schemas.microsoft.com/office/drawing/2014/main" id="{BE50E7BE-734F-224D-B03E-074DE1D12480}"/>
+              </a:ext>
+              <a:ext uri="{C183D7F6-B498-43B3-948B-1728B52AA6E4}">
+                <adec:decorative xmlns:adec="http://schemas.microsoft.com/office/drawing/2017/decorative" val="1"/>
+              </a:ext>
+            </a:extLst>
+          </p:cNvPr>
+          <p:cNvSpPr>
+            <a:spLocks noGrp="1" noRot="1" noChangeAspect="1" noMove="1" noResize="1" noEditPoints="1" noAdjustHandles="1" noChangeArrowheads="1" noChangeShapeType="1" noTextEdit="1"/>
+          </p:cNvSpPr>
+          <p:nvPr>
+            <p:extLst>
+              <p:ext uri="{386F3935-93C4-4BCD-93E2-E3B085C9AB24}">
+                <p16:designElem xmlns:p16="http://schemas.microsoft.com/office/powerpoint/2015/main" val="1"/>
+              </p:ext>
+            </p:extLst>
+          </p:nvPr>
+        </p:nvSpPr>
+        <p:spPr>
+          <a:xfrm>
+            <a:off x="11217667" y="5618903"/>
+            <a:ext cx="524933" cy="524933"/>
+          </a:xfrm>
+          <a:prstGeom prst="plus">
+            <a:avLst>
+              <a:gd name="adj" fmla="val 39516"/>
+            </a:avLst>
+          </a:prstGeom>
+          <a:solidFill>
+            <a:schemeClr val="tx1"/>
+          </a:solidFill>
+          <a:ln>
+            <a:noFill/>
+          </a:ln>
+        </p:spPr>
+        <p:style>
+          <a:lnRef idx="2">
+            <a:schemeClr val="accent1">
+              <a:shade val="50000"/>
+            </a:schemeClr>
+          </a:lnRef>
+          <a:fillRef idx="1">
+            <a:schemeClr val="accent1"/>
+          </a:fillRef>
+          <a:effectRef idx="0">
+            <a:schemeClr val="accent1"/>
+          </a:effectRef>
+          <a:fontRef idx="minor">
+            <a:schemeClr val="lt1"/>
+          </a:fontRef>
+        </p:style>
+        <p:txBody>
+          <a:bodyPr rtlCol="0" anchor="ctr"/>
+          <a:lstStyle/>
+          <a:p>
+            <a:pPr algn="ctr"/>
+            <a:endParaRPr lang="en-US"/>
+          </a:p>
+        </p:txBody>
+      </p:sp>
+      <p:sp>
+        <p:nvSpPr>
+          <p:cNvPr id="17" name="Rectangle 12">
+            <a:extLst>
+              <a:ext uri="{FF2B5EF4-FFF2-40B4-BE49-F238E27FC236}">
+                <a16:creationId xmlns:a16="http://schemas.microsoft.com/office/drawing/2014/main" id="{DCA5172B-100A-154D-8648-280629D67DD0}"/>
+              </a:ext>
+              <a:ext uri="{C183D7F6-B498-43B3-948B-1728B52AA6E4}">
+                <adec:decorative xmlns:adec="http://schemas.microsoft.com/office/drawing/2017/decorative" val="1"/>
+              </a:ext>
+            </a:extLst>
+          </p:cNvPr>
+          <p:cNvSpPr>
+            <a:spLocks noGrp="1" noRot="1" noChangeAspect="1" noMove="1" noResize="1" noEditPoints="1" noAdjustHandles="1" noChangeArrowheads="1" noChangeShapeType="1" noTextEdit="1"/>
+          </p:cNvSpPr>
+          <p:nvPr>
+            <p:extLst>
+              <p:ext uri="{386F3935-93C4-4BCD-93E2-E3B085C9AB24}">
+                <p16:designElem xmlns:p16="http://schemas.microsoft.com/office/powerpoint/2015/main" val="1"/>
+              </p:ext>
+            </p:extLst>
+          </p:nvPr>
+        </p:nvSpPr>
+        <p:spPr>
+          <a:xfrm>
+            <a:off x="9881559" y="976630"/>
+            <a:ext cx="1336774" cy="120142"/>
+          </a:xfrm>
+          <a:prstGeom prst="rect">
+            <a:avLst/>
+          </a:prstGeom>
+          <a:solidFill>
+            <a:schemeClr val="tx1"/>
+          </a:solidFill>
+          <a:ln>
+            <a:noFill/>
+          </a:ln>
+        </p:spPr>
+        <p:style>
+          <a:lnRef idx="2">
+            <a:schemeClr val="accent1">
+              <a:shade val="50000"/>
+            </a:schemeClr>
+          </a:lnRef>
+          <a:fillRef idx="1">
+            <a:schemeClr val="accent1"/>
+          </a:fillRef>
+          <a:effectRef idx="0">
+            <a:schemeClr val="accent1"/>
+          </a:effectRef>
+          <a:fontRef idx="minor">
+            <a:schemeClr val="lt1"/>
+          </a:fontRef>
+        </p:style>
+        <p:txBody>
+          <a:bodyPr rtlCol="0" anchor="ctr"/>
+          <a:lstStyle/>
+          <a:p>
+            <a:pPr algn="ctr"/>
+            <a:endParaRPr lang="en-US"/>
+          </a:p>
+        </p:txBody>
+      </p:sp>
+      <p:sp>
+        <p:nvSpPr>
+          <p:cNvPr id="2" name="Title 1">
+            <a:extLst>
+              <a:ext uri="{FF2B5EF4-FFF2-40B4-BE49-F238E27FC236}">
+                <a16:creationId xmlns:a16="http://schemas.microsoft.com/office/drawing/2014/main" id="{0B9C51C4-BBE5-4526-A590-2027CD7D6DA3}"/>
+              </a:ext>
+            </a:extLst>
+          </p:cNvPr>
+          <p:cNvSpPr>
+            <a:spLocks noGrp="1"/>
+          </p:cNvSpPr>
+          <p:nvPr>
+            <p:ph type="title"/>
+          </p:nvPr>
+        </p:nvSpPr>
+        <p:spPr>
+          <a:xfrm>
+            <a:off x="565149" y="1204721"/>
+            <a:ext cx="4114799" cy="1446550"/>
+          </a:xfrm>
+        </p:spPr>
+        <p:txBody>
+          <a:bodyPr>
+            <a:normAutofit/>
+          </a:bodyPr>
+          <a:lstStyle/>
+          <a:p>
+            <a:pPr>
+              <a:lnSpc>
+                <a:spcPct val="90000"/>
+              </a:lnSpc>
+            </a:pPr>
+            <a:r>
+              <a:rPr lang="en-GB" sz="3400"/>
+              <a:t>Implementation – Narrative Scaffolding </a:t>
+            </a:r>
+          </a:p>
+        </p:txBody>
+      </p:sp>
+      <p:sp>
+        <p:nvSpPr>
+          <p:cNvPr id="3" name="Content Placeholder 2">
+            <a:extLst>
+              <a:ext uri="{FF2B5EF4-FFF2-40B4-BE49-F238E27FC236}">
+                <a16:creationId xmlns:a16="http://schemas.microsoft.com/office/drawing/2014/main" id="{E3ACAD7B-B1C5-471F-A119-CF40DF29F512}"/>
+              </a:ext>
+            </a:extLst>
+          </p:cNvPr>
+          <p:cNvSpPr>
+            <a:spLocks noGrp="1"/>
+          </p:cNvSpPr>
+          <p:nvPr>
+            <p:ph idx="1"/>
+          </p:nvPr>
+        </p:nvSpPr>
+        <p:spPr>
+          <a:xfrm>
+            <a:off x="565150" y="2691638"/>
+            <a:ext cx="4114799" cy="3188586"/>
+          </a:xfrm>
+        </p:spPr>
+        <p:txBody>
+          <a:bodyPr>
+            <a:normAutofit/>
+          </a:bodyPr>
+          <a:lstStyle/>
+          <a:p>
+            <a:r>
+              <a:rPr lang="en-GB" dirty="0"/>
+              <a:t>Event/ memory system</a:t>
+            </a:r>
+          </a:p>
+          <a:p>
+            <a:r>
+              <a:rPr lang="en-GB" dirty="0"/>
+              <a:t>Time frame</a:t>
+            </a:r>
+          </a:p>
+          <a:p>
+            <a:r>
+              <a:rPr lang="en-GB" dirty="0"/>
+              <a:t>Precondition</a:t>
+            </a:r>
+          </a:p>
+          <a:p>
+            <a:r>
+              <a:rPr lang="en-GB" dirty="0"/>
+              <a:t>Interaction/ plot progression</a:t>
+            </a:r>
+          </a:p>
+          <a:p>
+            <a:endParaRPr lang="en-GB" dirty="0"/>
+          </a:p>
+          <a:p>
+            <a:endParaRPr lang="en-GB" dirty="0"/>
+          </a:p>
+        </p:txBody>
+      </p:sp>
+      <p:pic>
+        <p:nvPicPr>
+          <p:cNvPr id="4" name="Picture 3">
+            <a:extLst>
+              <a:ext uri="{FF2B5EF4-FFF2-40B4-BE49-F238E27FC236}">
+                <a16:creationId xmlns:a16="http://schemas.microsoft.com/office/drawing/2014/main" id="{A0BE0D2C-7234-4975-84FB-88E71ACE49F6}"/>
+              </a:ext>
+            </a:extLst>
+          </p:cNvPr>
+          <p:cNvPicPr>
+            <a:picLocks noChangeAspect="1"/>
+          </p:cNvPicPr>
+          <p:nvPr/>
+        </p:nvPicPr>
+        <p:blipFill>
+          <a:blip r:embed="rId2">
+            <a:extLst>
+              <a:ext uri="{28A0092B-C50C-407E-A947-70E740481C1C}">
+                <a14:useLocalDpi xmlns:a14="http://schemas.microsoft.com/office/drawing/2010/main" val="0"/>
+              </a:ext>
+            </a:extLst>
+          </a:blip>
+          <a:stretch>
+            <a:fillRect/>
+          </a:stretch>
+        </p:blipFill>
+        <p:spPr bwMode="auto">
+          <a:xfrm>
+            <a:off x="5486709" y="1948816"/>
+            <a:ext cx="5731624" cy="3224038"/>
+          </a:xfrm>
+          <a:prstGeom prst="rect">
+            <a:avLst/>
+          </a:prstGeom>
+          <a:noFill/>
+        </p:spPr>
+      </p:pic>
+    </p:spTree>
+    <p:extLst>
+      <p:ext uri="{BB962C8B-B14F-4D97-AF65-F5344CB8AC3E}">
+        <p14:creationId xmlns:p14="http://schemas.microsoft.com/office/powerpoint/2010/main" val="2895656542"/>
+      </p:ext>
+    </p:extLst>
+  </p:cSld>
+  <p:clrMapOvr>
+    <a:masterClrMapping/>
+  </p:clrMapOvr>
+</p:sld>
+</file>
+
+<file path=ppt/slides/slide13.xml><?xml version="1.0" encoding="utf-8"?>
+<p:sld xmlns:a="http://schemas.openxmlformats.org/drawingml/2006/main" xmlns:r="http://schemas.openxmlformats.org/officeDocument/2006/relationships" xmlns:p="http://schemas.openxmlformats.org/presentationml/2006/main">
+  <p:cSld>
+    <p:bg>
+      <p:bgPr>
+        <a:solidFill>
+          <a:schemeClr val="bg1"/>
+        </a:solidFill>
+        <a:effectLst/>
+      </p:bgPr>
+    </p:bg>
+    <p:spTree>
+      <p:nvGrpSpPr>
+        <p:cNvPr id="1" name=""/>
+        <p:cNvGrpSpPr/>
+        <p:nvPr/>
+      </p:nvGrpSpPr>
+      <p:grpSpPr>
+        <a:xfrm>
+          <a:off x="0" y="0"/>
+          <a:ext cx="0" cy="0"/>
+          <a:chOff x="0" y="0"/>
+          <a:chExt cx="0" cy="0"/>
+        </a:xfrm>
+      </p:grpSpPr>
+      <p:sp useBgFill="1">
+        <p:nvSpPr>
+          <p:cNvPr id="9" name="Rectangle 8">
+            <a:extLst>
+              <a:ext uri="{FF2B5EF4-FFF2-40B4-BE49-F238E27FC236}">
+                <a16:creationId xmlns:a16="http://schemas.microsoft.com/office/drawing/2014/main" id="{579E3846-8D0B-B14A-817A-7FAC9DDAB4D8}"/>
+              </a:ext>
+              <a:ext uri="{C183D7F6-B498-43B3-948B-1728B52AA6E4}">
+                <adec:decorative xmlns:adec="http://schemas.microsoft.com/office/drawing/2017/decorative" val="1"/>
+              </a:ext>
+            </a:extLst>
+          </p:cNvPr>
+          <p:cNvSpPr>
+            <a:spLocks noGrp="1" noRot="1" noChangeAspect="1" noMove="1" noResize="1" noEditPoints="1" noAdjustHandles="1" noChangeArrowheads="1" noChangeShapeType="1" noTextEdit="1"/>
+          </p:cNvSpPr>
+          <p:nvPr>
+            <p:extLst>
+              <p:ext uri="{386F3935-93C4-4BCD-93E2-E3B085C9AB24}">
+                <p16:designElem xmlns:p16="http://schemas.microsoft.com/office/powerpoint/2015/main" val="1"/>
+              </p:ext>
+            </p:extLst>
+          </p:nvPr>
+        </p:nvSpPr>
+        <p:spPr>
+          <a:xfrm>
+            <a:off x="0" y="0"/>
+            <a:ext cx="12192000" cy="6858000"/>
+          </a:xfrm>
+          <a:prstGeom prst="rect">
+            <a:avLst/>
+          </a:prstGeom>
+          <a:ln>
+            <a:noFill/>
+          </a:ln>
+        </p:spPr>
+        <p:style>
+          <a:lnRef idx="2">
+            <a:schemeClr val="accent1">
+              <a:shade val="50000"/>
+            </a:schemeClr>
+          </a:lnRef>
+          <a:fillRef idx="1">
+            <a:schemeClr val="accent1"/>
+          </a:fillRef>
+          <a:effectRef idx="0">
+            <a:schemeClr val="accent1"/>
+          </a:effectRef>
+          <a:fontRef idx="minor">
+            <a:schemeClr val="lt1"/>
+          </a:fontRef>
+        </p:style>
+        <p:txBody>
+          <a:bodyPr rtlCol="0" anchor="ctr"/>
+          <a:lstStyle/>
+          <a:p>
+            <a:pPr algn="ctr"/>
+            <a:endParaRPr lang="en-US"/>
+          </a:p>
+        </p:txBody>
+      </p:sp>
+      <p:sp>
+        <p:nvSpPr>
+          <p:cNvPr id="2" name="Title 1">
+            <a:extLst>
+              <a:ext uri="{FF2B5EF4-FFF2-40B4-BE49-F238E27FC236}">
+                <a16:creationId xmlns:a16="http://schemas.microsoft.com/office/drawing/2014/main" id="{0B9C51C4-BBE5-4526-A590-2027CD7D6DA3}"/>
+              </a:ext>
+            </a:extLst>
+          </p:cNvPr>
+          <p:cNvSpPr>
+            <a:spLocks noGrp="1"/>
+          </p:cNvSpPr>
+          <p:nvPr>
+            <p:ph type="title"/>
+          </p:nvPr>
+        </p:nvSpPr>
+        <p:spPr>
+          <a:xfrm>
+            <a:off x="565149" y="1204721"/>
+            <a:ext cx="3609983" cy="1446550"/>
+          </a:xfrm>
+        </p:spPr>
+        <p:txBody>
+          <a:bodyPr>
+            <a:normAutofit/>
+          </a:bodyPr>
+          <a:lstStyle/>
+          <a:p>
+            <a:r>
+              <a:rPr lang="en-GB" sz="4100"/>
+              <a:t>Implementation – Emotional AI</a:t>
+            </a:r>
+          </a:p>
+        </p:txBody>
+      </p:sp>
+      <p:sp>
+        <p:nvSpPr>
+          <p:cNvPr id="3" name="Content Placeholder 2">
+            <a:extLst>
+              <a:ext uri="{FF2B5EF4-FFF2-40B4-BE49-F238E27FC236}">
+                <a16:creationId xmlns:a16="http://schemas.microsoft.com/office/drawing/2014/main" id="{E3ACAD7B-B1C5-471F-A119-CF40DF29F512}"/>
+              </a:ext>
+            </a:extLst>
+          </p:cNvPr>
+          <p:cNvSpPr>
+            <a:spLocks noGrp="1"/>
+          </p:cNvSpPr>
+          <p:nvPr>
+            <p:ph idx="1"/>
+          </p:nvPr>
+        </p:nvSpPr>
+        <p:spPr>
+          <a:xfrm>
+            <a:off x="565150" y="2691638"/>
+            <a:ext cx="3609983" cy="3188586"/>
+          </a:xfrm>
+        </p:spPr>
+        <p:txBody>
+          <a:bodyPr>
+            <a:normAutofit/>
+          </a:bodyPr>
+          <a:lstStyle/>
+          <a:p>
+            <a:r>
+              <a:rPr lang="en-GB" dirty="0"/>
+              <a:t>Heuristic (anger, relation, happiness)</a:t>
+            </a:r>
+          </a:p>
+          <a:p>
+            <a:r>
+              <a:rPr lang="en-GB" dirty="0"/>
+              <a:t>Mental break system</a:t>
+            </a:r>
+          </a:p>
+          <a:p>
+            <a:endParaRPr lang="en-GB" dirty="0"/>
+          </a:p>
+          <a:p>
+            <a:endParaRPr lang="en-GB" dirty="0"/>
+          </a:p>
+        </p:txBody>
+      </p:sp>
+      <p:pic>
+        <p:nvPicPr>
+          <p:cNvPr id="4" name="Picture 3" descr="A picture containing diagram&#10;&#10;Description automatically generated">
+            <a:extLst>
+              <a:ext uri="{FF2B5EF4-FFF2-40B4-BE49-F238E27FC236}">
+                <a16:creationId xmlns:a16="http://schemas.microsoft.com/office/drawing/2014/main" id="{02B0F5B0-B346-4E40-B093-EE897A52BB56}"/>
+              </a:ext>
+            </a:extLst>
+          </p:cNvPr>
+          <p:cNvPicPr>
+            <a:picLocks noChangeAspect="1"/>
+          </p:cNvPicPr>
+          <p:nvPr/>
+        </p:nvPicPr>
+        <p:blipFill>
+          <a:blip r:embed="rId2"/>
+          <a:stretch>
+            <a:fillRect/>
+          </a:stretch>
+        </p:blipFill>
+        <p:spPr>
+          <a:xfrm>
+            <a:off x="4699688" y="2143030"/>
+            <a:ext cx="6518645" cy="2835610"/>
+          </a:xfrm>
+          <a:prstGeom prst="rect">
+            <a:avLst/>
+          </a:prstGeom>
+        </p:spPr>
+      </p:pic>
+      <p:sp>
+        <p:nvSpPr>
+          <p:cNvPr id="11" name="Cross 10">
+            <a:extLst>
+              <a:ext uri="{FF2B5EF4-FFF2-40B4-BE49-F238E27FC236}">
+                <a16:creationId xmlns:a16="http://schemas.microsoft.com/office/drawing/2014/main" id="{BE50E7BE-734F-224D-B03E-074DE1D12480}"/>
+              </a:ext>
+              <a:ext uri="{C183D7F6-B498-43B3-948B-1728B52AA6E4}">
+                <adec:decorative xmlns:adec="http://schemas.microsoft.com/office/drawing/2017/decorative" val="1"/>
+              </a:ext>
+            </a:extLst>
+          </p:cNvPr>
+          <p:cNvSpPr>
+            <a:spLocks noGrp="1" noRot="1" noChangeAspect="1" noMove="1" noResize="1" noEditPoints="1" noAdjustHandles="1" noChangeArrowheads="1" noChangeShapeType="1" noTextEdit="1"/>
+          </p:cNvSpPr>
+          <p:nvPr>
+            <p:extLst>
+              <p:ext uri="{386F3935-93C4-4BCD-93E2-E3B085C9AB24}">
+                <p16:designElem xmlns:p16="http://schemas.microsoft.com/office/powerpoint/2015/main" val="1"/>
+              </p:ext>
+            </p:extLst>
+          </p:nvPr>
+        </p:nvSpPr>
+        <p:spPr>
+          <a:xfrm>
+            <a:off x="11217667" y="5618903"/>
+            <a:ext cx="524933" cy="524933"/>
+          </a:xfrm>
+          <a:prstGeom prst="plus">
+            <a:avLst>
+              <a:gd name="adj" fmla="val 39516"/>
+            </a:avLst>
+          </a:prstGeom>
+          <a:solidFill>
+            <a:schemeClr val="tx1"/>
+          </a:solidFill>
+          <a:ln>
+            <a:noFill/>
+          </a:ln>
+        </p:spPr>
+        <p:style>
+          <a:lnRef idx="2">
+            <a:schemeClr val="accent1">
+              <a:shade val="50000"/>
+            </a:schemeClr>
+          </a:lnRef>
+          <a:fillRef idx="1">
+            <a:schemeClr val="accent1"/>
+          </a:fillRef>
+          <a:effectRef idx="0">
+            <a:schemeClr val="accent1"/>
+          </a:effectRef>
+          <a:fontRef idx="minor">
+            <a:schemeClr val="lt1"/>
+          </a:fontRef>
+        </p:style>
+        <p:txBody>
+          <a:bodyPr rtlCol="0" anchor="ctr"/>
+          <a:lstStyle/>
+          <a:p>
+            <a:pPr algn="ctr"/>
+            <a:endParaRPr lang="en-US"/>
+          </a:p>
+        </p:txBody>
+      </p:sp>
+      <p:sp>
+        <p:nvSpPr>
+          <p:cNvPr id="13" name="Rectangle 12">
+            <a:extLst>
+              <a:ext uri="{FF2B5EF4-FFF2-40B4-BE49-F238E27FC236}">
+                <a16:creationId xmlns:a16="http://schemas.microsoft.com/office/drawing/2014/main" id="{DCA5172B-100A-154D-8648-280629D67DD0}"/>
+              </a:ext>
+              <a:ext uri="{C183D7F6-B498-43B3-948B-1728B52AA6E4}">
+                <adec:decorative xmlns:adec="http://schemas.microsoft.com/office/drawing/2017/decorative" val="1"/>
+              </a:ext>
+            </a:extLst>
+          </p:cNvPr>
+          <p:cNvSpPr>
+            <a:spLocks noGrp="1" noRot="1" noChangeAspect="1" noMove="1" noResize="1" noEditPoints="1" noAdjustHandles="1" noChangeArrowheads="1" noChangeShapeType="1" noTextEdit="1"/>
+          </p:cNvSpPr>
+          <p:nvPr>
+            <p:extLst>
+              <p:ext uri="{386F3935-93C4-4BCD-93E2-E3B085C9AB24}">
+                <p16:designElem xmlns:p16="http://schemas.microsoft.com/office/powerpoint/2015/main" val="1"/>
+              </p:ext>
+            </p:extLst>
+          </p:nvPr>
+        </p:nvSpPr>
+        <p:spPr>
+          <a:xfrm>
+            <a:off x="9881559" y="976630"/>
+            <a:ext cx="1336774" cy="120142"/>
+          </a:xfrm>
+          <a:prstGeom prst="rect">
+            <a:avLst/>
+          </a:prstGeom>
+          <a:solidFill>
+            <a:schemeClr val="tx1"/>
+          </a:solidFill>
+          <a:ln>
+            <a:noFill/>
+          </a:ln>
+        </p:spPr>
+        <p:style>
+          <a:lnRef idx="2">
+            <a:schemeClr val="accent1">
+              <a:shade val="50000"/>
+            </a:schemeClr>
+          </a:lnRef>
+          <a:fillRef idx="1">
+            <a:schemeClr val="accent1"/>
+          </a:fillRef>
+          <a:effectRef idx="0">
+            <a:schemeClr val="accent1"/>
+          </a:effectRef>
+          <a:fontRef idx="minor">
+            <a:schemeClr val="lt1"/>
+          </a:fontRef>
+        </p:style>
+        <p:txBody>
+          <a:bodyPr rtlCol="0" anchor="ctr"/>
+          <a:lstStyle/>
+          <a:p>
+            <a:pPr algn="ctr"/>
+            <a:endParaRPr lang="en-US"/>
+          </a:p>
+        </p:txBody>
+      </p:sp>
+    </p:spTree>
+    <p:extLst>
+      <p:ext uri="{BB962C8B-B14F-4D97-AF65-F5344CB8AC3E}">
+        <p14:creationId xmlns:p14="http://schemas.microsoft.com/office/powerpoint/2010/main" val="2433977251"/>
+      </p:ext>
+    </p:extLst>
+  </p:cSld>
+  <p:clrMapOvr>
+    <a:masterClrMapping/>
+  </p:clrMapOvr>
+</p:sld>
+</file>
+
+<file path=ppt/slides/slide14.xml><?xml version="1.0" encoding="utf-8"?>
+<p:sld xmlns:a="http://schemas.openxmlformats.org/drawingml/2006/main" xmlns:r="http://schemas.openxmlformats.org/officeDocument/2006/relationships" xmlns:p="http://schemas.openxmlformats.org/presentationml/2006/main">
+  <p:cSld>
+    <p:spTree>
+      <p:nvGrpSpPr>
+        <p:cNvPr id="1" name=""/>
+        <p:cNvGrpSpPr/>
+        <p:nvPr/>
+      </p:nvGrpSpPr>
+      <p:grpSpPr>
+        <a:xfrm>
+          <a:off x="0" y="0"/>
+          <a:ext cx="0" cy="0"/>
+          <a:chOff x="0" y="0"/>
+          <a:chExt cx="0" cy="0"/>
+        </a:xfrm>
+      </p:grpSpPr>
+      <p:sp>
+        <p:nvSpPr>
+          <p:cNvPr id="2" name="Title 1">
+            <a:extLst>
+              <a:ext uri="{FF2B5EF4-FFF2-40B4-BE49-F238E27FC236}">
+                <a16:creationId xmlns:a16="http://schemas.microsoft.com/office/drawing/2014/main" id="{0B9C51C4-BBE5-4526-A590-2027CD7D6DA3}"/>
+              </a:ext>
+            </a:extLst>
+          </p:cNvPr>
+          <p:cNvSpPr>
+            <a:spLocks noGrp="1"/>
+          </p:cNvSpPr>
+          <p:nvPr>
+            <p:ph type="title"/>
+          </p:nvPr>
+        </p:nvSpPr>
+        <p:spPr/>
+        <p:txBody>
+          <a:bodyPr/>
+          <a:lstStyle/>
+          <a:p>
+            <a:r>
+              <a:rPr lang="en-GB" dirty="0"/>
+              <a:t>Implementation - NLP</a:t>
+            </a:r>
+          </a:p>
+        </p:txBody>
+      </p:sp>
+      <p:sp>
+        <p:nvSpPr>
+          <p:cNvPr id="3" name="Content Placeholder 2">
+            <a:extLst>
+              <a:ext uri="{FF2B5EF4-FFF2-40B4-BE49-F238E27FC236}">
+                <a16:creationId xmlns:a16="http://schemas.microsoft.com/office/drawing/2014/main" id="{E3ACAD7B-B1C5-471F-A119-CF40DF29F512}"/>
+              </a:ext>
+            </a:extLst>
+          </p:cNvPr>
+          <p:cNvSpPr>
+            <a:spLocks noGrp="1"/>
+          </p:cNvSpPr>
+          <p:nvPr>
+            <p:ph idx="1"/>
+          </p:nvPr>
+        </p:nvSpPr>
+        <p:spPr/>
+        <p:txBody>
+          <a:bodyPr/>
+          <a:lstStyle/>
+          <a:p>
+            <a:r>
+              <a:rPr lang="en-GB" dirty="0"/>
+              <a:t>Neural Networks (GTP-2)</a:t>
+            </a:r>
+          </a:p>
+          <a:p>
+            <a:r>
+              <a:rPr lang="en-GB" dirty="0"/>
+              <a:t>Neural Networks (sentiment analysis)</a:t>
+            </a:r>
+          </a:p>
+          <a:p>
+            <a:r>
+              <a:rPr lang="en-GB" dirty="0"/>
+              <a:t>Basic text manipulation with personality system</a:t>
+            </a:r>
+          </a:p>
+          <a:p>
+            <a:endParaRPr lang="en-GB" dirty="0"/>
+          </a:p>
+          <a:p>
+            <a:endParaRPr lang="en-GB" dirty="0"/>
+          </a:p>
+          <a:p>
+            <a:endParaRPr lang="en-GB" dirty="0"/>
+          </a:p>
+        </p:txBody>
+      </p:sp>
+    </p:spTree>
+    <p:extLst>
+      <p:ext uri="{BB962C8B-B14F-4D97-AF65-F5344CB8AC3E}">
+        <p14:creationId xmlns:p14="http://schemas.microsoft.com/office/powerpoint/2010/main" val="4260971507"/>
+      </p:ext>
+    </p:extLst>
+  </p:cSld>
+  <p:clrMapOvr>
+    <a:masterClrMapping/>
+  </p:clrMapOvr>
+</p:sld>
+</file>
+
+<file path=ppt/slides/slide15.xml><?xml version="1.0" encoding="utf-8"?>
+<p:sld xmlns:a="http://schemas.openxmlformats.org/drawingml/2006/main" xmlns:r="http://schemas.openxmlformats.org/officeDocument/2006/relationships" xmlns:p="http://schemas.openxmlformats.org/presentationml/2006/main">
+  <p:cSld>
+    <p:spTree>
+      <p:nvGrpSpPr>
+        <p:cNvPr id="1" name=""/>
+        <p:cNvGrpSpPr/>
+        <p:nvPr/>
+      </p:nvGrpSpPr>
+      <p:grpSpPr>
+        <a:xfrm>
+          <a:off x="0" y="0"/>
+          <a:ext cx="0" cy="0"/>
+          <a:chOff x="0" y="0"/>
+          <a:chExt cx="0" cy="0"/>
+        </a:xfrm>
+      </p:grpSpPr>
+      <p:sp>
+        <p:nvSpPr>
+          <p:cNvPr id="2" name="Title 1">
+            <a:extLst>
+              <a:ext uri="{FF2B5EF4-FFF2-40B4-BE49-F238E27FC236}">
+                <a16:creationId xmlns:a16="http://schemas.microsoft.com/office/drawing/2014/main" id="{0B9C51C4-BBE5-4526-A590-2027CD7D6DA3}"/>
+              </a:ext>
+            </a:extLst>
+          </p:cNvPr>
+          <p:cNvSpPr>
+            <a:spLocks noGrp="1"/>
+          </p:cNvSpPr>
+          <p:nvPr>
+            <p:ph type="title"/>
+          </p:nvPr>
+        </p:nvSpPr>
+        <p:spPr/>
+        <p:txBody>
+          <a:bodyPr/>
+          <a:lstStyle/>
+          <a:p>
+            <a:r>
+              <a:rPr lang="en-GB" dirty="0"/>
+              <a:t>Implementation – Personality system</a:t>
+            </a:r>
+          </a:p>
+        </p:txBody>
+      </p:sp>
+      <p:sp>
+        <p:nvSpPr>
+          <p:cNvPr id="3" name="Content Placeholder 2">
+            <a:extLst>
+              <a:ext uri="{FF2B5EF4-FFF2-40B4-BE49-F238E27FC236}">
+                <a16:creationId xmlns:a16="http://schemas.microsoft.com/office/drawing/2014/main" id="{E3ACAD7B-B1C5-471F-A119-CF40DF29F512}"/>
+              </a:ext>
+            </a:extLst>
+          </p:cNvPr>
+          <p:cNvSpPr>
+            <a:spLocks noGrp="1"/>
+          </p:cNvSpPr>
+          <p:nvPr>
+            <p:ph idx="1"/>
+          </p:nvPr>
+        </p:nvSpPr>
+        <p:spPr/>
+        <p:txBody>
+          <a:bodyPr/>
+          <a:lstStyle/>
+          <a:p>
+            <a:r>
+              <a:rPr lang="en-GB" dirty="0"/>
+              <a:t>Traits</a:t>
+            </a:r>
+          </a:p>
+          <a:p>
+            <a:r>
+              <a:rPr lang="en-GB" dirty="0"/>
+              <a:t>Reactions </a:t>
+            </a:r>
+          </a:p>
+          <a:p>
+            <a:endParaRPr lang="en-GB" dirty="0"/>
+          </a:p>
+        </p:txBody>
+      </p:sp>
+    </p:spTree>
+    <p:extLst>
+      <p:ext uri="{BB962C8B-B14F-4D97-AF65-F5344CB8AC3E}">
+        <p14:creationId xmlns:p14="http://schemas.microsoft.com/office/powerpoint/2010/main" val="3958959593"/>
+      </p:ext>
+    </p:extLst>
+  </p:cSld>
+  <p:clrMapOvr>
+    <a:masterClrMapping/>
+  </p:clrMapOvr>
+</p:sld>
+</file>
+
+<file path=ppt/slides/slide16.xml><?xml version="1.0" encoding="utf-8"?>
+<p:sld xmlns:a="http://schemas.openxmlformats.org/drawingml/2006/main" xmlns:r="http://schemas.openxmlformats.org/officeDocument/2006/relationships" xmlns:p="http://schemas.openxmlformats.org/presentationml/2006/main">
+  <p:cSld>
+    <p:spTree>
+      <p:nvGrpSpPr>
+        <p:cNvPr id="1" name=""/>
+        <p:cNvGrpSpPr/>
+        <p:nvPr/>
+      </p:nvGrpSpPr>
+      <p:grpSpPr>
+        <a:xfrm>
+          <a:off x="0" y="0"/>
+          <a:ext cx="0" cy="0"/>
+          <a:chOff x="0" y="0"/>
+          <a:chExt cx="0" cy="0"/>
+        </a:xfrm>
+      </p:grpSpPr>
+      <p:sp>
+        <p:nvSpPr>
+          <p:cNvPr id="2" name="Title 1">
+            <a:extLst>
+              <a:ext uri="{FF2B5EF4-FFF2-40B4-BE49-F238E27FC236}">
+                <a16:creationId xmlns:a16="http://schemas.microsoft.com/office/drawing/2014/main" id="{50B69880-FBFE-4D7F-83F3-0A396BB6BEA6}"/>
+              </a:ext>
+            </a:extLst>
+          </p:cNvPr>
+          <p:cNvSpPr>
+            <a:spLocks noGrp="1"/>
+          </p:cNvSpPr>
+          <p:nvPr>
+            <p:ph type="title"/>
+          </p:nvPr>
+        </p:nvSpPr>
+        <p:spPr/>
+        <p:txBody>
+          <a:bodyPr/>
+          <a:lstStyle/>
+          <a:p>
+            <a:r>
+              <a:rPr lang="en-GB" dirty="0"/>
+              <a:t>Testing</a:t>
+            </a:r>
+          </a:p>
+        </p:txBody>
+      </p:sp>
+      <p:sp>
+        <p:nvSpPr>
+          <p:cNvPr id="3" name="Content Placeholder 2">
+            <a:extLst>
+              <a:ext uri="{FF2B5EF4-FFF2-40B4-BE49-F238E27FC236}">
+                <a16:creationId xmlns:a16="http://schemas.microsoft.com/office/drawing/2014/main" id="{F098A076-A5B0-467B-BB90-5318708ACD5A}"/>
+              </a:ext>
+            </a:extLst>
+          </p:cNvPr>
+          <p:cNvSpPr>
+            <a:spLocks noGrp="1"/>
+          </p:cNvSpPr>
+          <p:nvPr>
+            <p:ph idx="1"/>
+          </p:nvPr>
+        </p:nvSpPr>
+        <p:spPr/>
+        <p:txBody>
+          <a:bodyPr/>
+          <a:lstStyle/>
+          <a:p>
+            <a:r>
+              <a:rPr lang="en-GB" dirty="0"/>
+              <a:t>Test Log</a:t>
+            </a:r>
+          </a:p>
+          <a:p>
+            <a:r>
+              <a:rPr lang="en-GB" dirty="0"/>
+              <a:t>Evaluation</a:t>
+            </a:r>
+          </a:p>
+        </p:txBody>
+      </p:sp>
+    </p:spTree>
+    <p:extLst>
+      <p:ext uri="{BB962C8B-B14F-4D97-AF65-F5344CB8AC3E}">
+        <p14:creationId xmlns:p14="http://schemas.microsoft.com/office/powerpoint/2010/main" val="1698001034"/>
+      </p:ext>
+    </p:extLst>
+  </p:cSld>
+  <p:clrMapOvr>
+    <a:masterClrMapping/>
+  </p:clrMapOvr>
+</p:sld>
+</file>
+
+<file path=ppt/slides/slide17.xml><?xml version="1.0" encoding="utf-8"?>
 <p:sld xmlns:a="http://schemas.openxmlformats.org/drawingml/2006/main" xmlns:r="http://schemas.openxmlformats.org/officeDocument/2006/relationships" xmlns:p="http://schemas.openxmlformats.org/presentationml/2006/main">
   <p:cSld>
     <p:bg>
@@ -13267,7 +13145,7 @@
       </p:grpSpPr>
       <p:sp>
         <p:nvSpPr>
-          <p:cNvPr id="22" name="Rectangle 9">
+          <p:cNvPr id="50" name="Rectangle 37">
             <a:extLst>
               <a:ext uri="{FF2B5EF4-FFF2-40B4-BE49-F238E27FC236}">
                 <a16:creationId xmlns:a16="http://schemas.microsoft.com/office/drawing/2014/main" id="{1D227D51-204B-ED48-AF9A-0BE9633FE04A}"/>
@@ -13330,7 +13208,7 @@
       </p:sp>
       <p:sp>
         <p:nvSpPr>
-          <p:cNvPr id="23" name="Cross 11">
+          <p:cNvPr id="51" name="Cross 39">
             <a:extLst>
               <a:ext uri="{FF2B5EF4-FFF2-40B4-BE49-F238E27FC236}">
                 <a16:creationId xmlns:a16="http://schemas.microsoft.com/office/drawing/2014/main" id="{57A23F45-CDAE-8A40-8DE7-92A0BBC119B7}"/>
@@ -13395,6 +13273,5676 @@
       </p:sp>
       <p:sp>
         <p:nvSpPr>
+          <p:cNvPr id="52" name="Rectangle 41">
+            <a:extLst>
+              <a:ext uri="{FF2B5EF4-FFF2-40B4-BE49-F238E27FC236}">
+                <a16:creationId xmlns:a16="http://schemas.microsoft.com/office/drawing/2014/main" id="{68546383-CCC4-544B-B0D8-DE78DE39BB78}"/>
+              </a:ext>
+              <a:ext uri="{C183D7F6-B498-43B3-948B-1728B52AA6E4}">
+                <adec:decorative xmlns:adec="http://schemas.microsoft.com/office/drawing/2017/decorative" val="1"/>
+              </a:ext>
+            </a:extLst>
+          </p:cNvPr>
+          <p:cNvSpPr>
+            <a:spLocks noGrp="1" noRot="1" noChangeAspect="1" noMove="1" noResize="1" noEditPoints="1" noAdjustHandles="1" noChangeArrowheads="1" noChangeShapeType="1" noTextEdit="1"/>
+          </p:cNvSpPr>
+          <p:nvPr>
+            <p:extLst>
+              <p:ext uri="{386F3935-93C4-4BCD-93E2-E3B085C9AB24}">
+                <p16:designElem xmlns:p16="http://schemas.microsoft.com/office/powerpoint/2015/main" val="1"/>
+              </p:ext>
+            </p:extLst>
+          </p:nvPr>
+        </p:nvSpPr>
+        <p:spPr>
+          <a:xfrm>
+            <a:off x="9881559" y="976630"/>
+            <a:ext cx="1336774" cy="120142"/>
+          </a:xfrm>
+          <a:prstGeom prst="rect">
+            <a:avLst/>
+          </a:prstGeom>
+          <a:solidFill>
+            <a:schemeClr val="tx1"/>
+          </a:solidFill>
+          <a:ln>
+            <a:noFill/>
+          </a:ln>
+        </p:spPr>
+        <p:style>
+          <a:lnRef idx="2">
+            <a:schemeClr val="accent1">
+              <a:shade val="50000"/>
+            </a:schemeClr>
+          </a:lnRef>
+          <a:fillRef idx="1">
+            <a:schemeClr val="accent1"/>
+          </a:fillRef>
+          <a:effectRef idx="0">
+            <a:schemeClr val="accent1"/>
+          </a:effectRef>
+          <a:fontRef idx="minor">
+            <a:schemeClr val="lt1"/>
+          </a:fontRef>
+        </p:style>
+        <p:txBody>
+          <a:bodyPr rtlCol="0" anchor="ctr"/>
+          <a:lstStyle/>
+          <a:p>
+            <a:pPr algn="ctr"/>
+            <a:endParaRPr lang="en-US"/>
+          </a:p>
+        </p:txBody>
+      </p:sp>
+      <p:sp useBgFill="1">
+        <p:nvSpPr>
+          <p:cNvPr id="53" name="Rectangle 43">
+            <a:extLst>
+              <a:ext uri="{FF2B5EF4-FFF2-40B4-BE49-F238E27FC236}">
+                <a16:creationId xmlns:a16="http://schemas.microsoft.com/office/drawing/2014/main" id="{6CA2C65D-0168-1245-86C8-62A8A6F7B813}"/>
+              </a:ext>
+              <a:ext uri="{C183D7F6-B498-43B3-948B-1728B52AA6E4}">
+                <adec:decorative xmlns:adec="http://schemas.microsoft.com/office/drawing/2017/decorative" val="1"/>
+              </a:ext>
+            </a:extLst>
+          </p:cNvPr>
+          <p:cNvSpPr>
+            <a:spLocks noGrp="1" noRot="1" noChangeAspect="1" noMove="1" noResize="1" noEditPoints="1" noAdjustHandles="1" noChangeArrowheads="1" noChangeShapeType="1" noTextEdit="1"/>
+          </p:cNvSpPr>
+          <p:nvPr>
+            <p:extLst>
+              <p:ext uri="{386F3935-93C4-4BCD-93E2-E3B085C9AB24}">
+                <p16:designElem xmlns:p16="http://schemas.microsoft.com/office/powerpoint/2015/main" val="1"/>
+              </p:ext>
+            </p:extLst>
+          </p:nvPr>
+        </p:nvSpPr>
+        <p:spPr>
+          <a:xfrm>
+            <a:off x="0" y="0"/>
+            <a:ext cx="12192000" cy="6858000"/>
+          </a:xfrm>
+          <a:prstGeom prst="rect">
+            <a:avLst/>
+          </a:prstGeom>
+          <a:ln>
+            <a:noFill/>
+          </a:ln>
+        </p:spPr>
+        <p:style>
+          <a:lnRef idx="2">
+            <a:schemeClr val="accent1">
+              <a:shade val="50000"/>
+            </a:schemeClr>
+          </a:lnRef>
+          <a:fillRef idx="1">
+            <a:schemeClr val="accent1"/>
+          </a:fillRef>
+          <a:effectRef idx="0">
+            <a:schemeClr val="accent1"/>
+          </a:effectRef>
+          <a:fontRef idx="minor">
+            <a:schemeClr val="lt1"/>
+          </a:fontRef>
+        </p:style>
+        <p:txBody>
+          <a:bodyPr rtlCol="0" anchor="ctr"/>
+          <a:lstStyle/>
+          <a:p>
+            <a:pPr algn="ctr"/>
+            <a:endParaRPr lang="en-US"/>
+          </a:p>
+        </p:txBody>
+      </p:sp>
+      <p:sp>
+        <p:nvSpPr>
+          <p:cNvPr id="2" name="Title 1">
+            <a:extLst>
+              <a:ext uri="{FF2B5EF4-FFF2-40B4-BE49-F238E27FC236}">
+                <a16:creationId xmlns:a16="http://schemas.microsoft.com/office/drawing/2014/main" id="{50B69880-FBFE-4D7F-83F3-0A396BB6BEA6}"/>
+              </a:ext>
+            </a:extLst>
+          </p:cNvPr>
+          <p:cNvSpPr>
+            <a:spLocks noGrp="1"/>
+          </p:cNvSpPr>
+          <p:nvPr>
+            <p:ph type="title"/>
+          </p:nvPr>
+        </p:nvSpPr>
+        <p:spPr>
+          <a:xfrm>
+            <a:off x="6562614" y="1625608"/>
+            <a:ext cx="4655719" cy="2722164"/>
+          </a:xfrm>
+        </p:spPr>
+        <p:txBody>
+          <a:bodyPr vert="horz" lIns="91440" tIns="45720" rIns="91440" bIns="45720" rtlCol="0" anchor="b">
+            <a:normAutofit/>
+          </a:bodyPr>
+          <a:lstStyle/>
+          <a:p>
+            <a:r>
+              <a:rPr lang="en-US" sz="8000" kern="1200" spc="-150">
+                <a:solidFill>
+                  <a:schemeClr val="tx1"/>
+                </a:solidFill>
+                <a:latin typeface="+mj-lt"/>
+                <a:ea typeface="+mj-ea"/>
+                <a:cs typeface="+mj-cs"/>
+              </a:rPr>
+              <a:t>Testing – Test Log</a:t>
+            </a:r>
+          </a:p>
+        </p:txBody>
+      </p:sp>
+      <p:pic>
+        <p:nvPicPr>
+          <p:cNvPr id="5" name="Picture 4">
+            <a:extLst>
+              <a:ext uri="{FF2B5EF4-FFF2-40B4-BE49-F238E27FC236}">
+                <a16:creationId xmlns:a16="http://schemas.microsoft.com/office/drawing/2014/main" id="{4960530D-5D93-4DD0-ACB3-DDE886484351}"/>
+              </a:ext>
+            </a:extLst>
+          </p:cNvPr>
+          <p:cNvPicPr>
+            <a:picLocks noChangeAspect="1"/>
+          </p:cNvPicPr>
+          <p:nvPr/>
+        </p:nvPicPr>
+        <p:blipFill rotWithShape="1">
+          <a:blip r:embed="rId2"/>
+          <a:srcRect r="516"/>
+          <a:stretch/>
+        </p:blipFill>
+        <p:spPr>
+          <a:xfrm>
+            <a:off x="20" y="10"/>
+            <a:ext cx="6038037" cy="6857990"/>
+          </a:xfrm>
+          <a:prstGeom prst="rect">
+            <a:avLst/>
+          </a:prstGeom>
+        </p:spPr>
+      </p:pic>
+      <p:sp>
+        <p:nvSpPr>
+          <p:cNvPr id="54" name="Cross 45">
+            <a:extLst>
+              <a:ext uri="{FF2B5EF4-FFF2-40B4-BE49-F238E27FC236}">
+                <a16:creationId xmlns:a16="http://schemas.microsoft.com/office/drawing/2014/main" id="{12E8ED90-6D42-AE40-963A-3924EE2073F0}"/>
+              </a:ext>
+              <a:ext uri="{C183D7F6-B498-43B3-948B-1728B52AA6E4}">
+                <adec:decorative xmlns:adec="http://schemas.microsoft.com/office/drawing/2017/decorative" val="1"/>
+              </a:ext>
+            </a:extLst>
+          </p:cNvPr>
+          <p:cNvSpPr>
+            <a:spLocks noGrp="1" noRot="1" noChangeAspect="1" noMove="1" noResize="1" noEditPoints="1" noAdjustHandles="1" noChangeArrowheads="1" noChangeShapeType="1" noTextEdit="1"/>
+          </p:cNvSpPr>
+          <p:nvPr>
+            <p:extLst>
+              <p:ext uri="{386F3935-93C4-4BCD-93E2-E3B085C9AB24}">
+                <p16:designElem xmlns:p16="http://schemas.microsoft.com/office/powerpoint/2015/main" val="1"/>
+              </p:ext>
+            </p:extLst>
+          </p:nvPr>
+        </p:nvSpPr>
+        <p:spPr>
+          <a:xfrm>
+            <a:off x="5830625" y="5623560"/>
+            <a:ext cx="524933" cy="524933"/>
+          </a:xfrm>
+          <a:prstGeom prst="plus">
+            <a:avLst>
+              <a:gd name="adj" fmla="val 39516"/>
+            </a:avLst>
+          </a:prstGeom>
+          <a:solidFill>
+            <a:schemeClr val="tx1"/>
+          </a:solidFill>
+          <a:ln>
+            <a:noFill/>
+          </a:ln>
+        </p:spPr>
+        <p:style>
+          <a:lnRef idx="2">
+            <a:schemeClr val="accent1">
+              <a:shade val="50000"/>
+            </a:schemeClr>
+          </a:lnRef>
+          <a:fillRef idx="1">
+            <a:schemeClr val="accent1"/>
+          </a:fillRef>
+          <a:effectRef idx="0">
+            <a:schemeClr val="accent1"/>
+          </a:effectRef>
+          <a:fontRef idx="minor">
+            <a:schemeClr val="lt1"/>
+          </a:fontRef>
+        </p:style>
+        <p:txBody>
+          <a:bodyPr rtlCol="0" anchor="ctr"/>
+          <a:lstStyle/>
+          <a:p>
+            <a:pPr algn="ctr"/>
+            <a:endParaRPr lang="en-US"/>
+          </a:p>
+        </p:txBody>
+      </p:sp>
+      <p:sp>
+        <p:nvSpPr>
+          <p:cNvPr id="55" name="Rectangle 47">
+            <a:extLst>
+              <a:ext uri="{FF2B5EF4-FFF2-40B4-BE49-F238E27FC236}">
+                <a16:creationId xmlns:a16="http://schemas.microsoft.com/office/drawing/2014/main" id="{755E9273-3717-C94C-9BFF-75E87E47C46A}"/>
+              </a:ext>
+              <a:ext uri="{C183D7F6-B498-43B3-948B-1728B52AA6E4}">
+                <adec:decorative xmlns:adec="http://schemas.microsoft.com/office/drawing/2017/decorative" val="1"/>
+              </a:ext>
+            </a:extLst>
+          </p:cNvPr>
+          <p:cNvSpPr>
+            <a:spLocks noGrp="1" noRot="1" noChangeAspect="1" noMove="1" noResize="1" noEditPoints="1" noAdjustHandles="1" noChangeArrowheads="1" noChangeShapeType="1" noTextEdit="1"/>
+          </p:cNvSpPr>
+          <p:nvPr>
+            <p:extLst>
+              <p:ext uri="{386F3935-93C4-4BCD-93E2-E3B085C9AB24}">
+                <p16:designElem xmlns:p16="http://schemas.microsoft.com/office/powerpoint/2015/main" val="1"/>
+              </p:ext>
+            </p:extLst>
+          </p:nvPr>
+        </p:nvSpPr>
+        <p:spPr>
+          <a:xfrm>
+            <a:off x="9881559" y="976630"/>
+            <a:ext cx="1336774" cy="120142"/>
+          </a:xfrm>
+          <a:prstGeom prst="rect">
+            <a:avLst/>
+          </a:prstGeom>
+          <a:solidFill>
+            <a:schemeClr val="tx1"/>
+          </a:solidFill>
+          <a:ln>
+            <a:noFill/>
+          </a:ln>
+        </p:spPr>
+        <p:style>
+          <a:lnRef idx="2">
+            <a:schemeClr val="accent1">
+              <a:shade val="50000"/>
+            </a:schemeClr>
+          </a:lnRef>
+          <a:fillRef idx="1">
+            <a:schemeClr val="accent1"/>
+          </a:fillRef>
+          <a:effectRef idx="0">
+            <a:schemeClr val="accent1"/>
+          </a:effectRef>
+          <a:fontRef idx="minor">
+            <a:schemeClr val="lt1"/>
+          </a:fontRef>
+        </p:style>
+        <p:txBody>
+          <a:bodyPr rtlCol="0" anchor="ctr"/>
+          <a:lstStyle/>
+          <a:p>
+            <a:pPr algn="ctr"/>
+            <a:endParaRPr lang="en-US"/>
+          </a:p>
+        </p:txBody>
+      </p:sp>
+    </p:spTree>
+    <p:extLst>
+      <p:ext uri="{BB962C8B-B14F-4D97-AF65-F5344CB8AC3E}">
+        <p14:creationId xmlns:p14="http://schemas.microsoft.com/office/powerpoint/2010/main" val="3687893555"/>
+      </p:ext>
+    </p:extLst>
+  </p:cSld>
+  <p:clrMapOvr>
+    <a:masterClrMapping/>
+  </p:clrMapOvr>
+  <p:timing>
+    <p:tnLst>
+      <p:par>
+        <p:cTn id="1" dur="indefinite" restart="never" nodeType="tmRoot">
+          <p:childTnLst>
+            <p:seq concurrent="1" nextAc="seek">
+              <p:cTn id="2" dur="indefinite" nodeType="mainSeq">
+                <p:childTnLst>
+                  <p:par>
+                    <p:cTn id="3" fill="hold">
+                      <p:stCondLst>
+                        <p:cond delay="indefinite"/>
+                        <p:cond evt="onBegin" delay="0">
+                          <p:tn val="2"/>
+                        </p:cond>
+                      </p:stCondLst>
+                      <p:childTnLst>
+                        <p:par>
+                          <p:cTn id="4" fill="hold">
+                            <p:stCondLst>
+                              <p:cond delay="0"/>
+                            </p:stCondLst>
+                            <p:childTnLst>
+                              <p:par>
+                                <p:cTn id="5" presetID="10" presetClass="entr" presetSubtype="0" fill="hold" grpId="0" nodeType="withEffect">
+                                  <p:stCondLst>
+                                    <p:cond delay="1000"/>
+                                  </p:stCondLst>
+                                  <p:iterate type="lt">
+                                    <p:tmPct val="10000"/>
+                                  </p:iterate>
+                                  <p:childTnLst>
+                                    <p:set>
+                                      <p:cBhvr>
+                                        <p:cTn id="6" dur="1" fill="hold">
+                                          <p:stCondLst>
+                                            <p:cond delay="0"/>
+                                          </p:stCondLst>
+                                        </p:cTn>
+                                        <p:tgtEl>
+                                          <p:spTgt spid="2"/>
+                                        </p:tgtEl>
+                                        <p:attrNameLst>
+                                          <p:attrName>style.visibility</p:attrName>
+                                        </p:attrNameLst>
+                                      </p:cBhvr>
+                                      <p:to>
+                                        <p:strVal val="visible"/>
+                                      </p:to>
+                                    </p:set>
+                                    <p:animEffect transition="in" filter="fade">
+                                      <p:cBhvr>
+                                        <p:cTn id="7" dur="400"/>
+                                        <p:tgtEl>
+                                          <p:spTgt spid="2"/>
+                                        </p:tgtEl>
+                                      </p:cBhvr>
+                                    </p:animEffect>
+                                  </p:childTnLst>
+                                </p:cTn>
+                              </p:par>
+                            </p:childTnLst>
+                          </p:cTn>
+                        </p:par>
+                      </p:childTnLst>
+                    </p:cTn>
+                  </p:par>
+                </p:childTnLst>
+              </p:cTn>
+              <p:prevCondLst>
+                <p:cond evt="onPrev" delay="0">
+                  <p:tgtEl>
+                    <p:sldTgt/>
+                  </p:tgtEl>
+                </p:cond>
+              </p:prevCondLst>
+              <p:nextCondLst>
+                <p:cond evt="onNext" delay="0">
+                  <p:tgtEl>
+                    <p:sldTgt/>
+                  </p:tgtEl>
+                </p:cond>
+              </p:nextCondLst>
+            </p:seq>
+          </p:childTnLst>
+        </p:cTn>
+      </p:par>
+    </p:tnLst>
+    <p:bldLst>
+      <p:bldP spid="2" grpId="0"/>
+    </p:bldLst>
+  </p:timing>
+</p:sld>
+</file>
+
+<file path=ppt/slides/slide18.xml><?xml version="1.0" encoding="utf-8"?>
+<p:sld xmlns:a="http://schemas.openxmlformats.org/drawingml/2006/main" xmlns:r="http://schemas.openxmlformats.org/officeDocument/2006/relationships" xmlns:p="http://schemas.openxmlformats.org/presentationml/2006/main">
+  <p:cSld>
+    <p:spTree>
+      <p:nvGrpSpPr>
+        <p:cNvPr id="1" name=""/>
+        <p:cNvGrpSpPr/>
+        <p:nvPr/>
+      </p:nvGrpSpPr>
+      <p:grpSpPr>
+        <a:xfrm>
+          <a:off x="0" y="0"/>
+          <a:ext cx="0" cy="0"/>
+          <a:chOff x="0" y="0"/>
+          <a:chExt cx="0" cy="0"/>
+        </a:xfrm>
+      </p:grpSpPr>
+      <p:sp>
+        <p:nvSpPr>
+          <p:cNvPr id="2" name="Title 1">
+            <a:extLst>
+              <a:ext uri="{FF2B5EF4-FFF2-40B4-BE49-F238E27FC236}">
+                <a16:creationId xmlns:a16="http://schemas.microsoft.com/office/drawing/2014/main" id="{50B69880-FBFE-4D7F-83F3-0A396BB6BEA6}"/>
+              </a:ext>
+            </a:extLst>
+          </p:cNvPr>
+          <p:cNvSpPr>
+            <a:spLocks noGrp="1"/>
+          </p:cNvSpPr>
+          <p:nvPr>
+            <p:ph type="title"/>
+          </p:nvPr>
+        </p:nvSpPr>
+        <p:spPr/>
+        <p:txBody>
+          <a:bodyPr/>
+          <a:lstStyle/>
+          <a:p>
+            <a:r>
+              <a:rPr lang="en-GB" dirty="0"/>
+              <a:t>Testing – Evaluation</a:t>
+            </a:r>
+          </a:p>
+        </p:txBody>
+      </p:sp>
+      <p:sp>
+        <p:nvSpPr>
+          <p:cNvPr id="3" name="Content Placeholder 2">
+            <a:extLst>
+              <a:ext uri="{FF2B5EF4-FFF2-40B4-BE49-F238E27FC236}">
+                <a16:creationId xmlns:a16="http://schemas.microsoft.com/office/drawing/2014/main" id="{F098A076-A5B0-467B-BB90-5318708ACD5A}"/>
+              </a:ext>
+            </a:extLst>
+          </p:cNvPr>
+          <p:cNvSpPr>
+            <a:spLocks noGrp="1"/>
+          </p:cNvSpPr>
+          <p:nvPr>
+            <p:ph idx="1"/>
+          </p:nvPr>
+        </p:nvSpPr>
+        <p:spPr/>
+        <p:txBody>
+          <a:bodyPr/>
+          <a:lstStyle/>
+          <a:p>
+            <a:r>
+              <a:rPr lang="en-GB" dirty="0"/>
+              <a:t>Comparison of system to other games</a:t>
+            </a:r>
+          </a:p>
+          <a:p>
+            <a:r>
+              <a:rPr lang="en-GB" dirty="0"/>
+              <a:t>Whether the system was able to create a whole story</a:t>
+            </a:r>
+          </a:p>
+        </p:txBody>
+      </p:sp>
+    </p:spTree>
+    <p:extLst>
+      <p:ext uri="{BB962C8B-B14F-4D97-AF65-F5344CB8AC3E}">
+        <p14:creationId xmlns:p14="http://schemas.microsoft.com/office/powerpoint/2010/main" val="366148998"/>
+      </p:ext>
+    </p:extLst>
+  </p:cSld>
+  <p:clrMapOvr>
+    <a:masterClrMapping/>
+  </p:clrMapOvr>
+</p:sld>
+</file>
+
+<file path=ppt/slides/slide19.xml><?xml version="1.0" encoding="utf-8"?>
+<p:sld xmlns:a="http://schemas.openxmlformats.org/drawingml/2006/main" xmlns:r="http://schemas.openxmlformats.org/officeDocument/2006/relationships" xmlns:p="http://schemas.openxmlformats.org/presentationml/2006/main">
+  <p:cSld>
+    <p:spTree>
+      <p:nvGrpSpPr>
+        <p:cNvPr id="1" name=""/>
+        <p:cNvGrpSpPr/>
+        <p:nvPr/>
+      </p:nvGrpSpPr>
+      <p:grpSpPr>
+        <a:xfrm>
+          <a:off x="0" y="0"/>
+          <a:ext cx="0" cy="0"/>
+          <a:chOff x="0" y="0"/>
+          <a:chExt cx="0" cy="0"/>
+        </a:xfrm>
+      </p:grpSpPr>
+      <p:sp>
+        <p:nvSpPr>
+          <p:cNvPr id="2" name="Title 1">
+            <a:extLst>
+              <a:ext uri="{FF2B5EF4-FFF2-40B4-BE49-F238E27FC236}">
+                <a16:creationId xmlns:a16="http://schemas.microsoft.com/office/drawing/2014/main" id="{193FD694-7F93-451A-AFE5-A3BA9303EBF1}"/>
+              </a:ext>
+            </a:extLst>
+          </p:cNvPr>
+          <p:cNvSpPr>
+            <a:spLocks noGrp="1"/>
+          </p:cNvSpPr>
+          <p:nvPr>
+            <p:ph type="title"/>
+          </p:nvPr>
+        </p:nvSpPr>
+        <p:spPr/>
+        <p:txBody>
+          <a:bodyPr/>
+          <a:lstStyle/>
+          <a:p>
+            <a:r>
+              <a:rPr lang="en-GB" dirty="0"/>
+              <a:t>Results</a:t>
+            </a:r>
+          </a:p>
+        </p:txBody>
+      </p:sp>
+      <p:sp>
+        <p:nvSpPr>
+          <p:cNvPr id="3" name="Content Placeholder 2">
+            <a:extLst>
+              <a:ext uri="{FF2B5EF4-FFF2-40B4-BE49-F238E27FC236}">
+                <a16:creationId xmlns:a16="http://schemas.microsoft.com/office/drawing/2014/main" id="{B3B3E747-8F94-41AE-8790-6659E9BFB037}"/>
+              </a:ext>
+            </a:extLst>
+          </p:cNvPr>
+          <p:cNvSpPr>
+            <a:spLocks noGrp="1"/>
+          </p:cNvSpPr>
+          <p:nvPr>
+            <p:ph idx="1"/>
+          </p:nvPr>
+        </p:nvSpPr>
+        <p:spPr/>
+        <p:txBody>
+          <a:bodyPr/>
+          <a:lstStyle/>
+          <a:p>
+            <a:r>
+              <a:rPr lang="en-GB" dirty="0"/>
+              <a:t>Issues from test log</a:t>
+            </a:r>
+          </a:p>
+          <a:p>
+            <a:r>
+              <a:rPr lang="en-GB" dirty="0"/>
+              <a:t>Issues with the project</a:t>
+            </a:r>
+          </a:p>
+        </p:txBody>
+      </p:sp>
+    </p:spTree>
+    <p:extLst>
+      <p:ext uri="{BB962C8B-B14F-4D97-AF65-F5344CB8AC3E}">
+        <p14:creationId xmlns:p14="http://schemas.microsoft.com/office/powerpoint/2010/main" val="1744765018"/>
+      </p:ext>
+    </p:extLst>
+  </p:cSld>
+  <p:clrMapOvr>
+    <a:masterClrMapping/>
+  </p:clrMapOvr>
+</p:sld>
+</file>
+
+<file path=ppt/slides/slide2.xml><?xml version="1.0" encoding="utf-8"?>
+<p:sld xmlns:a="http://schemas.openxmlformats.org/drawingml/2006/main" xmlns:r="http://schemas.openxmlformats.org/officeDocument/2006/relationships" xmlns:p="http://schemas.openxmlformats.org/presentationml/2006/main">
+  <p:cSld>
+    <p:spTree>
+      <p:nvGrpSpPr>
+        <p:cNvPr id="1" name=""/>
+        <p:cNvGrpSpPr/>
+        <p:nvPr/>
+      </p:nvGrpSpPr>
+      <p:grpSpPr>
+        <a:xfrm>
+          <a:off x="0" y="0"/>
+          <a:ext cx="0" cy="0"/>
+          <a:chOff x="0" y="0"/>
+          <a:chExt cx="0" cy="0"/>
+        </a:xfrm>
+      </p:grpSpPr>
+      <p:sp>
+        <p:nvSpPr>
+          <p:cNvPr id="2" name="Title 1">
+            <a:extLst>
+              <a:ext uri="{FF2B5EF4-FFF2-40B4-BE49-F238E27FC236}">
+                <a16:creationId xmlns:a16="http://schemas.microsoft.com/office/drawing/2014/main" id="{DD4103B4-37FD-427B-97A8-8692D0A21A9A}"/>
+              </a:ext>
+            </a:extLst>
+          </p:cNvPr>
+          <p:cNvSpPr>
+            <a:spLocks noGrp="1"/>
+          </p:cNvSpPr>
+          <p:nvPr>
+            <p:ph type="title"/>
+          </p:nvPr>
+        </p:nvSpPr>
+        <p:spPr/>
+        <p:txBody>
+          <a:bodyPr/>
+          <a:lstStyle/>
+          <a:p>
+            <a:r>
+              <a:rPr lang="en-GB" dirty="0"/>
+              <a:t>Introduction</a:t>
+            </a:r>
+          </a:p>
+        </p:txBody>
+      </p:sp>
+      <p:sp>
+        <p:nvSpPr>
+          <p:cNvPr id="3" name="Content Placeholder 2">
+            <a:extLst>
+              <a:ext uri="{FF2B5EF4-FFF2-40B4-BE49-F238E27FC236}">
+                <a16:creationId xmlns:a16="http://schemas.microsoft.com/office/drawing/2014/main" id="{FBF3A4E2-A6C2-49E6-B619-8E3F3DAF3256}"/>
+              </a:ext>
+            </a:extLst>
+          </p:cNvPr>
+          <p:cNvSpPr>
+            <a:spLocks noGrp="1"/>
+          </p:cNvSpPr>
+          <p:nvPr>
+            <p:ph idx="1"/>
+          </p:nvPr>
+        </p:nvSpPr>
+        <p:spPr/>
+        <p:txBody>
+          <a:bodyPr/>
+          <a:lstStyle/>
+          <a:p>
+            <a:r>
+              <a:rPr lang="en-GB" dirty="0"/>
+              <a:t>What is narrative AI</a:t>
+            </a:r>
+          </a:p>
+          <a:p>
+            <a:r>
+              <a:rPr lang="en-GB" dirty="0"/>
+              <a:t>Types of narrative AI</a:t>
+            </a:r>
+          </a:p>
+          <a:p>
+            <a:r>
+              <a:rPr lang="en-GB" dirty="0"/>
+              <a:t>How games use narrative AI</a:t>
+            </a:r>
+          </a:p>
+        </p:txBody>
+      </p:sp>
+    </p:spTree>
+    <p:extLst>
+      <p:ext uri="{BB962C8B-B14F-4D97-AF65-F5344CB8AC3E}">
+        <p14:creationId xmlns:p14="http://schemas.microsoft.com/office/powerpoint/2010/main" val="627776920"/>
+      </p:ext>
+    </p:extLst>
+  </p:cSld>
+  <p:clrMapOvr>
+    <a:masterClrMapping/>
+  </p:clrMapOvr>
+</p:sld>
+</file>
+
+<file path=ppt/slides/slide20.xml><?xml version="1.0" encoding="utf-8"?>
+<p:sld xmlns:a="http://schemas.openxmlformats.org/drawingml/2006/main" xmlns:r="http://schemas.openxmlformats.org/officeDocument/2006/relationships" xmlns:p="http://schemas.openxmlformats.org/presentationml/2006/main">
+  <p:cSld>
+    <p:spTree>
+      <p:nvGrpSpPr>
+        <p:cNvPr id="1" name=""/>
+        <p:cNvGrpSpPr/>
+        <p:nvPr/>
+      </p:nvGrpSpPr>
+      <p:grpSpPr>
+        <a:xfrm>
+          <a:off x="0" y="0"/>
+          <a:ext cx="0" cy="0"/>
+          <a:chOff x="0" y="0"/>
+          <a:chExt cx="0" cy="0"/>
+        </a:xfrm>
+      </p:grpSpPr>
+      <p:sp>
+        <p:nvSpPr>
+          <p:cNvPr id="2" name="Title 1">
+            <a:extLst>
+              <a:ext uri="{FF2B5EF4-FFF2-40B4-BE49-F238E27FC236}">
+                <a16:creationId xmlns:a16="http://schemas.microsoft.com/office/drawing/2014/main" id="{D95D6A16-9AA3-4B9D-A81F-6616B917A6EC}"/>
+              </a:ext>
+            </a:extLst>
+          </p:cNvPr>
+          <p:cNvSpPr>
+            <a:spLocks noGrp="1"/>
+          </p:cNvSpPr>
+          <p:nvPr>
+            <p:ph type="title"/>
+          </p:nvPr>
+        </p:nvSpPr>
+        <p:spPr/>
+        <p:txBody>
+          <a:bodyPr/>
+          <a:lstStyle/>
+          <a:p>
+            <a:r>
+              <a:rPr lang="en-GB" dirty="0"/>
+              <a:t>Demo</a:t>
+            </a:r>
+          </a:p>
+        </p:txBody>
+      </p:sp>
+      <p:sp>
+        <p:nvSpPr>
+          <p:cNvPr id="3" name="Content Placeholder 2">
+            <a:extLst>
+              <a:ext uri="{FF2B5EF4-FFF2-40B4-BE49-F238E27FC236}">
+                <a16:creationId xmlns:a16="http://schemas.microsoft.com/office/drawing/2014/main" id="{FA8B4EF2-7245-4D9E-88F8-96A8F7D40E2A}"/>
+              </a:ext>
+            </a:extLst>
+          </p:cNvPr>
+          <p:cNvSpPr>
+            <a:spLocks noGrp="1"/>
+          </p:cNvSpPr>
+          <p:nvPr>
+            <p:ph idx="1"/>
+          </p:nvPr>
+        </p:nvSpPr>
+        <p:spPr/>
+        <p:txBody>
+          <a:bodyPr/>
+          <a:lstStyle/>
+          <a:p>
+            <a:r>
+              <a:rPr lang="en-GB" dirty="0" err="1"/>
+              <a:t>Youtube</a:t>
+            </a:r>
+            <a:r>
+              <a:rPr lang="en-GB" dirty="0"/>
+              <a:t> link or game </a:t>
+            </a:r>
+          </a:p>
+        </p:txBody>
+      </p:sp>
+    </p:spTree>
+    <p:extLst>
+      <p:ext uri="{BB962C8B-B14F-4D97-AF65-F5344CB8AC3E}">
+        <p14:creationId xmlns:p14="http://schemas.microsoft.com/office/powerpoint/2010/main" val="264742652"/>
+      </p:ext>
+    </p:extLst>
+  </p:cSld>
+  <p:clrMapOvr>
+    <a:masterClrMapping/>
+  </p:clrMapOvr>
+</p:sld>
+</file>
+
+<file path=ppt/slides/slide21.xml><?xml version="1.0" encoding="utf-8"?>
+<p:sld xmlns:a="http://schemas.openxmlformats.org/drawingml/2006/main" xmlns:r="http://schemas.openxmlformats.org/officeDocument/2006/relationships" xmlns:p="http://schemas.openxmlformats.org/presentationml/2006/main">
+  <p:cSld>
+    <p:spTree>
+      <p:nvGrpSpPr>
+        <p:cNvPr id="1" name=""/>
+        <p:cNvGrpSpPr/>
+        <p:nvPr/>
+      </p:nvGrpSpPr>
+      <p:grpSpPr>
+        <a:xfrm>
+          <a:off x="0" y="0"/>
+          <a:ext cx="0" cy="0"/>
+          <a:chOff x="0" y="0"/>
+          <a:chExt cx="0" cy="0"/>
+        </a:xfrm>
+      </p:grpSpPr>
+      <p:sp>
+        <p:nvSpPr>
+          <p:cNvPr id="2" name="Title 1">
+            <a:extLst>
+              <a:ext uri="{FF2B5EF4-FFF2-40B4-BE49-F238E27FC236}">
+                <a16:creationId xmlns:a16="http://schemas.microsoft.com/office/drawing/2014/main" id="{6153B161-F879-4434-8053-EE71B8681AF3}"/>
+              </a:ext>
+            </a:extLst>
+          </p:cNvPr>
+          <p:cNvSpPr>
+            <a:spLocks noGrp="1"/>
+          </p:cNvSpPr>
+          <p:nvPr>
+            <p:ph type="title"/>
+          </p:nvPr>
+        </p:nvSpPr>
+        <p:spPr/>
+        <p:txBody>
+          <a:bodyPr/>
+          <a:lstStyle/>
+          <a:p>
+            <a:r>
+              <a:rPr lang="en-GB" dirty="0"/>
+              <a:t>Conclusion</a:t>
+            </a:r>
+          </a:p>
+        </p:txBody>
+      </p:sp>
+      <p:sp>
+        <p:nvSpPr>
+          <p:cNvPr id="3" name="Content Placeholder 2">
+            <a:extLst>
+              <a:ext uri="{FF2B5EF4-FFF2-40B4-BE49-F238E27FC236}">
+                <a16:creationId xmlns:a16="http://schemas.microsoft.com/office/drawing/2014/main" id="{DE46FF5A-1DA8-41FD-ACC7-9BC9BD8DEAB4}"/>
+              </a:ext>
+            </a:extLst>
+          </p:cNvPr>
+          <p:cNvSpPr>
+            <a:spLocks noGrp="1"/>
+          </p:cNvSpPr>
+          <p:nvPr>
+            <p:ph idx="1"/>
+          </p:nvPr>
+        </p:nvSpPr>
+        <p:spPr/>
+        <p:txBody>
+          <a:bodyPr/>
+          <a:lstStyle/>
+          <a:p>
+            <a:r>
+              <a:rPr lang="en-GB" dirty="0"/>
+              <a:t>What went well</a:t>
+            </a:r>
+          </a:p>
+          <a:p>
+            <a:r>
+              <a:rPr lang="en-GB" dirty="0"/>
+              <a:t>What did not </a:t>
+            </a:r>
+          </a:p>
+          <a:p>
+            <a:r>
+              <a:rPr lang="en-GB" dirty="0"/>
+              <a:t>What could be improved</a:t>
+            </a:r>
+          </a:p>
+        </p:txBody>
+      </p:sp>
+    </p:spTree>
+    <p:extLst>
+      <p:ext uri="{BB962C8B-B14F-4D97-AF65-F5344CB8AC3E}">
+        <p14:creationId xmlns:p14="http://schemas.microsoft.com/office/powerpoint/2010/main" val="2819575520"/>
+      </p:ext>
+    </p:extLst>
+  </p:cSld>
+  <p:clrMapOvr>
+    <a:masterClrMapping/>
+  </p:clrMapOvr>
+</p:sld>
+</file>
+
+<file path=ppt/slides/slide22.xml><?xml version="1.0" encoding="utf-8"?>
+<p:sld xmlns:a="http://schemas.openxmlformats.org/drawingml/2006/main" xmlns:r="http://schemas.openxmlformats.org/officeDocument/2006/relationships" xmlns:p="http://schemas.openxmlformats.org/presentationml/2006/main">
+  <p:cSld>
+    <p:spTree>
+      <p:nvGrpSpPr>
+        <p:cNvPr id="1" name=""/>
+        <p:cNvGrpSpPr/>
+        <p:nvPr/>
+      </p:nvGrpSpPr>
+      <p:grpSpPr>
+        <a:xfrm>
+          <a:off x="0" y="0"/>
+          <a:ext cx="0" cy="0"/>
+          <a:chOff x="0" y="0"/>
+          <a:chExt cx="0" cy="0"/>
+        </a:xfrm>
+      </p:grpSpPr>
+      <p:sp>
+        <p:nvSpPr>
+          <p:cNvPr id="2" name="Title 1">
+            <a:extLst>
+              <a:ext uri="{FF2B5EF4-FFF2-40B4-BE49-F238E27FC236}">
+                <a16:creationId xmlns:a16="http://schemas.microsoft.com/office/drawing/2014/main" id="{0C8B800C-5719-4A1D-A585-C1C2BDB68E5B}"/>
+              </a:ext>
+            </a:extLst>
+          </p:cNvPr>
+          <p:cNvSpPr>
+            <a:spLocks noGrp="1"/>
+          </p:cNvSpPr>
+          <p:nvPr>
+            <p:ph type="title"/>
+          </p:nvPr>
+        </p:nvSpPr>
+        <p:spPr/>
+        <p:txBody>
+          <a:bodyPr/>
+          <a:lstStyle/>
+          <a:p>
+            <a:r>
+              <a:rPr lang="en-GB" dirty="0"/>
+              <a:t>Bibliography</a:t>
+            </a:r>
+          </a:p>
+        </p:txBody>
+      </p:sp>
+      <p:sp>
+        <p:nvSpPr>
+          <p:cNvPr id="5" name="Rectangle 2">
+            <a:extLst>
+              <a:ext uri="{FF2B5EF4-FFF2-40B4-BE49-F238E27FC236}">
+                <a16:creationId xmlns:a16="http://schemas.microsoft.com/office/drawing/2014/main" id="{8B1344BF-6A26-4841-94C9-E6F444691BEA}"/>
+              </a:ext>
+            </a:extLst>
+          </p:cNvPr>
+          <p:cNvSpPr>
+            <a:spLocks noGrp="1" noChangeArrowheads="1"/>
+          </p:cNvSpPr>
+          <p:nvPr>
+            <p:ph idx="1"/>
+          </p:nvPr>
+        </p:nvSpPr>
+        <p:spPr bwMode="auto">
+          <a:xfrm>
+            <a:off x="565150" y="3254880"/>
+            <a:ext cx="11505073" cy="2062103"/>
+          </a:xfrm>
+          <a:prstGeom prst="rect">
+            <a:avLst/>
+          </a:prstGeom>
+          <a:noFill/>
+          <a:ln>
+            <a:noFill/>
+          </a:ln>
+          <a:effectLst/>
+          <a:extLst>
+            <a:ext uri="{909E8E84-426E-40DD-AFC4-6F175D3DCCD1}">
+              <a14:hiddenFill xmlns:a14="http://schemas.microsoft.com/office/drawing/2010/main">
+                <a:solidFill>
+                  <a:schemeClr val="accent1"/>
+                </a:solidFill>
+              </a14:hiddenFill>
+            </a:ext>
+            <a:ext uri="{91240B29-F687-4F45-9708-019B960494DF}">
+              <a14:hiddenLine xmlns:a14="http://schemas.microsoft.com/office/drawing/2010/main" w="9525">
+                <a:solidFill>
+                  <a:schemeClr val="tx1"/>
+                </a:solidFill>
+                <a:miter lim="800000"/>
+                <a:headEnd/>
+                <a:tailEnd/>
+              </a14:hiddenLine>
+            </a:ext>
+            <a:ext uri="{AF507438-7753-43E0-B8FC-AC1667EBCBE1}">
+              <a14:hiddenEffects xmlns:a14="http://schemas.microsoft.com/office/drawing/2010/main">
+                <a:effectLst>
+                  <a:outerShdw dist="35921" dir="2700000" algn="ctr" rotWithShape="0">
+                    <a:schemeClr val="bg2"/>
+                  </a:outerShdw>
+                </a:effectLst>
+              </a14:hiddenEffects>
+            </a:ext>
+          </a:extLst>
+        </p:spPr>
+        <p:txBody>
+          <a:bodyPr vert="horz" wrap="none" lIns="91440" tIns="45720" rIns="91440" bIns="45720" numCol="1" anchor="ctr" anchorCtr="0" compatLnSpc="1">
+            <a:prstTxWarp prst="textNoShape">
+              <a:avLst/>
+            </a:prstTxWarp>
+            <a:spAutoFit/>
+          </a:bodyPr>
+          <a:lstStyle>
+            <a:lvl1pPr eaLnBrk="0" fontAlgn="base" hangingPunct="0">
+              <a:spcBef>
+                <a:spcPct val="0"/>
+              </a:spcBef>
+              <a:spcAft>
+                <a:spcPct val="0"/>
+              </a:spcAft>
+              <a:defRPr>
+                <a:solidFill>
+                  <a:schemeClr val="tx1"/>
+                </a:solidFill>
+                <a:latin typeface="Arial" panose="020B0604020202020204" pitchFamily="34" charset="0"/>
+              </a:defRPr>
+            </a:lvl1pPr>
+            <a:lvl2pPr eaLnBrk="0" fontAlgn="base" hangingPunct="0">
+              <a:spcBef>
+                <a:spcPct val="0"/>
+              </a:spcBef>
+              <a:spcAft>
+                <a:spcPct val="0"/>
+              </a:spcAft>
+              <a:defRPr>
+                <a:solidFill>
+                  <a:schemeClr val="tx1"/>
+                </a:solidFill>
+                <a:latin typeface="Arial" panose="020B0604020202020204" pitchFamily="34" charset="0"/>
+              </a:defRPr>
+            </a:lvl2pPr>
+            <a:lvl3pPr eaLnBrk="0" fontAlgn="base" hangingPunct="0">
+              <a:spcBef>
+                <a:spcPct val="0"/>
+              </a:spcBef>
+              <a:spcAft>
+                <a:spcPct val="0"/>
+              </a:spcAft>
+              <a:defRPr>
+                <a:solidFill>
+                  <a:schemeClr val="tx1"/>
+                </a:solidFill>
+                <a:latin typeface="Arial" panose="020B0604020202020204" pitchFamily="34" charset="0"/>
+              </a:defRPr>
+            </a:lvl3pPr>
+            <a:lvl4pPr eaLnBrk="0" fontAlgn="base" hangingPunct="0">
+              <a:spcBef>
+                <a:spcPct val="0"/>
+              </a:spcBef>
+              <a:spcAft>
+                <a:spcPct val="0"/>
+              </a:spcAft>
+              <a:defRPr>
+                <a:solidFill>
+                  <a:schemeClr val="tx1"/>
+                </a:solidFill>
+                <a:latin typeface="Arial" panose="020B0604020202020204" pitchFamily="34" charset="0"/>
+              </a:defRPr>
+            </a:lvl4pPr>
+            <a:lvl5pPr eaLnBrk="0" fontAlgn="base" hangingPunct="0">
+              <a:spcBef>
+                <a:spcPct val="0"/>
+              </a:spcBef>
+              <a:spcAft>
+                <a:spcPct val="0"/>
+              </a:spcAft>
+              <a:defRPr>
+                <a:solidFill>
+                  <a:schemeClr val="tx1"/>
+                </a:solidFill>
+                <a:latin typeface="Arial" panose="020B0604020202020204" pitchFamily="34" charset="0"/>
+              </a:defRPr>
+            </a:lvl5pPr>
+            <a:lvl6pPr eaLnBrk="0" fontAlgn="base" hangingPunct="0">
+              <a:spcBef>
+                <a:spcPct val="0"/>
+              </a:spcBef>
+              <a:spcAft>
+                <a:spcPct val="0"/>
+              </a:spcAft>
+              <a:defRPr>
+                <a:solidFill>
+                  <a:schemeClr val="tx1"/>
+                </a:solidFill>
+                <a:latin typeface="Arial" panose="020B0604020202020204" pitchFamily="34" charset="0"/>
+              </a:defRPr>
+            </a:lvl6pPr>
+            <a:lvl7pPr eaLnBrk="0" fontAlgn="base" hangingPunct="0">
+              <a:spcBef>
+                <a:spcPct val="0"/>
+              </a:spcBef>
+              <a:spcAft>
+                <a:spcPct val="0"/>
+              </a:spcAft>
+              <a:defRPr>
+                <a:solidFill>
+                  <a:schemeClr val="tx1"/>
+                </a:solidFill>
+                <a:latin typeface="Arial" panose="020B0604020202020204" pitchFamily="34" charset="0"/>
+              </a:defRPr>
+            </a:lvl7pPr>
+            <a:lvl8pPr eaLnBrk="0" fontAlgn="base" hangingPunct="0">
+              <a:spcBef>
+                <a:spcPct val="0"/>
+              </a:spcBef>
+              <a:spcAft>
+                <a:spcPct val="0"/>
+              </a:spcAft>
+              <a:defRPr>
+                <a:solidFill>
+                  <a:schemeClr val="tx1"/>
+                </a:solidFill>
+                <a:latin typeface="Arial" panose="020B0604020202020204" pitchFamily="34" charset="0"/>
+              </a:defRPr>
+            </a:lvl8pPr>
+            <a:lvl9pPr eaLnBrk="0" fontAlgn="base" hangingPunct="0">
+              <a:spcBef>
+                <a:spcPct val="0"/>
+              </a:spcBef>
+              <a:spcAft>
+                <a:spcPct val="0"/>
+              </a:spcAft>
+              <a:defRPr>
+                <a:solidFill>
+                  <a:schemeClr val="tx1"/>
+                </a:solidFill>
+                <a:latin typeface="Arial" panose="020B0604020202020204" pitchFamily="34" charset="0"/>
+              </a:defRPr>
+            </a:lvl9pPr>
+          </a:lstStyle>
+          <a:p>
+            <a:pPr marL="0" marR="0" lvl="0" indent="0" algn="l" defTabSz="914400" rtl="0" eaLnBrk="0" fontAlgn="base" latinLnBrk="0" hangingPunct="0">
+              <a:lnSpc>
+                <a:spcPct val="100000"/>
+              </a:lnSpc>
+              <a:spcBef>
+                <a:spcPct val="0"/>
+              </a:spcBef>
+              <a:spcAft>
+                <a:spcPct val="0"/>
+              </a:spcAft>
+              <a:buClrTx/>
+              <a:buSzTx/>
+              <a:buFontTx/>
+              <a:buNone/>
+              <a:tabLst/>
+            </a:pPr>
+            <a:r>
+              <a:rPr kumimoji="0" lang="en-GB" altLang="en-US" sz="1100" b="0" i="0" u="none" strike="noStrike" cap="none" normalizeH="0" baseline="0" dirty="0">
+                <a:ln>
+                  <a:noFill/>
+                </a:ln>
+                <a:solidFill>
+                  <a:schemeClr val="tx1"/>
+                </a:solidFill>
+                <a:effectLst/>
+                <a:latin typeface="Calibri" panose="020F0502020204030204" pitchFamily="34" charset="0"/>
+                <a:ea typeface="Calibri" panose="020F0502020204030204" pitchFamily="34" charset="0"/>
+                <a:cs typeface="Times New Roman" panose="02020603050405020304" pitchFamily="18" charset="0"/>
+              </a:rPr>
+              <a:t>(n.d.). Retrieved from https://monkeylearn.com/sentiment-analysis/</a:t>
+            </a:r>
+            <a:endParaRPr kumimoji="0" lang="en-GB" altLang="en-US" sz="800" b="0" i="0" u="none" strike="noStrike" cap="none" normalizeH="0" baseline="0" dirty="0">
+              <a:ln>
+                <a:noFill/>
+              </a:ln>
+              <a:solidFill>
+                <a:schemeClr val="tx1"/>
+              </a:solidFill>
+              <a:effectLst/>
+            </a:endParaRPr>
+          </a:p>
+          <a:p>
+            <a:pPr marL="0" marR="0" lvl="0" indent="0" algn="l" defTabSz="914400" rtl="0" eaLnBrk="0" fontAlgn="base" latinLnBrk="0" hangingPunct="0">
+              <a:lnSpc>
+                <a:spcPct val="100000"/>
+              </a:lnSpc>
+              <a:spcBef>
+                <a:spcPct val="0"/>
+              </a:spcBef>
+              <a:spcAft>
+                <a:spcPct val="0"/>
+              </a:spcAft>
+              <a:buClrTx/>
+              <a:buSzTx/>
+              <a:buFontTx/>
+              <a:buNone/>
+              <a:tabLst/>
+            </a:pPr>
+            <a:r>
+              <a:rPr kumimoji="0" lang="en-GB" altLang="en-US" sz="1100" b="0" i="0" u="none" strike="noStrike" cap="none" normalizeH="0" baseline="0" dirty="0">
+                <a:ln>
+                  <a:noFill/>
+                </a:ln>
+                <a:solidFill>
+                  <a:schemeClr val="tx1"/>
+                </a:solidFill>
+                <a:effectLst/>
+                <a:latin typeface="Calibri" panose="020F0502020204030204" pitchFamily="34" charset="0"/>
+                <a:ea typeface="Calibri" panose="020F0502020204030204" pitchFamily="34" charset="0"/>
+                <a:cs typeface="Times New Roman" panose="02020603050405020304" pitchFamily="18" charset="0"/>
+              </a:rPr>
+              <a:t>Alec Radford, J. W. (2019, 2 14). </a:t>
+            </a:r>
+            <a:r>
+              <a:rPr kumimoji="0" lang="en-GB" altLang="en-US" sz="1100" b="0" i="1" u="none" strike="noStrike" cap="none" normalizeH="0" baseline="0" dirty="0">
+                <a:ln>
+                  <a:noFill/>
+                </a:ln>
+                <a:solidFill>
+                  <a:schemeClr val="tx1"/>
+                </a:solidFill>
+                <a:effectLst/>
+                <a:latin typeface="Calibri" panose="020F0502020204030204" pitchFamily="34" charset="0"/>
+                <a:ea typeface="Calibri" panose="020F0502020204030204" pitchFamily="34" charset="0"/>
+                <a:cs typeface="Times New Roman" panose="02020603050405020304" pitchFamily="18" charset="0"/>
+              </a:rPr>
+              <a:t>Better Language Models</a:t>
+            </a:r>
+            <a:r>
+              <a:rPr kumimoji="0" lang="en-GB" altLang="en-US" sz="1100" b="0" i="0" u="none" strike="noStrike" cap="none" normalizeH="0" baseline="0" dirty="0">
+                <a:ln>
+                  <a:noFill/>
+                </a:ln>
+                <a:solidFill>
+                  <a:schemeClr val="tx1"/>
+                </a:solidFill>
+                <a:effectLst/>
+                <a:latin typeface="Calibri" panose="020F0502020204030204" pitchFamily="34" charset="0"/>
+                <a:ea typeface="Calibri" panose="020F0502020204030204" pitchFamily="34" charset="0"/>
+                <a:cs typeface="Times New Roman" panose="02020603050405020304" pitchFamily="18" charset="0"/>
+              </a:rPr>
+              <a:t>. Retrieved from </a:t>
+            </a:r>
+            <a:r>
+              <a:rPr kumimoji="0" lang="en-GB" altLang="en-US" sz="1100" b="0" i="0" u="none" strike="noStrike" cap="none" normalizeH="0" baseline="0" dirty="0" err="1">
+                <a:ln>
+                  <a:noFill/>
+                </a:ln>
+                <a:solidFill>
+                  <a:schemeClr val="tx1"/>
+                </a:solidFill>
+                <a:effectLst/>
+                <a:latin typeface="Calibri" panose="020F0502020204030204" pitchFamily="34" charset="0"/>
+                <a:ea typeface="Calibri" panose="020F0502020204030204" pitchFamily="34" charset="0"/>
+                <a:cs typeface="Times New Roman" panose="02020603050405020304" pitchFamily="18" charset="0"/>
+              </a:rPr>
+              <a:t>OpenAI</a:t>
+            </a:r>
+            <a:r>
+              <a:rPr kumimoji="0" lang="en-GB" altLang="en-US" sz="1100" b="0" i="0" u="none" strike="noStrike" cap="none" normalizeH="0" baseline="0" dirty="0">
+                <a:ln>
+                  <a:noFill/>
+                </a:ln>
+                <a:solidFill>
+                  <a:schemeClr val="tx1"/>
+                </a:solidFill>
+                <a:effectLst/>
+                <a:latin typeface="Calibri" panose="020F0502020204030204" pitchFamily="34" charset="0"/>
+                <a:ea typeface="Calibri" panose="020F0502020204030204" pitchFamily="34" charset="0"/>
+                <a:cs typeface="Times New Roman" panose="02020603050405020304" pitchFamily="18" charset="0"/>
+              </a:rPr>
+              <a:t>: https://openai.com/blog/better-language-models/#sample3</a:t>
+            </a:r>
+            <a:endParaRPr kumimoji="0" lang="en-GB" altLang="en-US" sz="800" b="0" i="0" u="none" strike="noStrike" cap="none" normalizeH="0" baseline="0" dirty="0">
+              <a:ln>
+                <a:noFill/>
+              </a:ln>
+              <a:solidFill>
+                <a:schemeClr val="tx1"/>
+              </a:solidFill>
+              <a:effectLst/>
+            </a:endParaRPr>
+          </a:p>
+          <a:p>
+            <a:pPr marL="0" marR="0" lvl="0" indent="0" algn="l" defTabSz="914400" rtl="0" eaLnBrk="0" fontAlgn="base" latinLnBrk="0" hangingPunct="0">
+              <a:lnSpc>
+                <a:spcPct val="100000"/>
+              </a:lnSpc>
+              <a:spcBef>
+                <a:spcPct val="0"/>
+              </a:spcBef>
+              <a:spcAft>
+                <a:spcPct val="0"/>
+              </a:spcAft>
+              <a:buClrTx/>
+              <a:buSzTx/>
+              <a:buFontTx/>
+              <a:buNone/>
+              <a:tabLst/>
+            </a:pPr>
+            <a:r>
+              <a:rPr kumimoji="0" lang="en-GB" altLang="en-US" sz="1100" b="0" i="0" u="none" strike="noStrike" cap="none" normalizeH="0" baseline="0" dirty="0" err="1">
+                <a:ln>
+                  <a:noFill/>
+                </a:ln>
+                <a:solidFill>
+                  <a:schemeClr val="tx1"/>
+                </a:solidFill>
+                <a:effectLst/>
+                <a:latin typeface="Calibri" panose="020F0502020204030204" pitchFamily="34" charset="0"/>
+                <a:ea typeface="Calibri" panose="020F0502020204030204" pitchFamily="34" charset="0"/>
+                <a:cs typeface="Times New Roman" panose="02020603050405020304" pitchFamily="18" charset="0"/>
+              </a:rPr>
+              <a:t>Alvim</a:t>
+            </a:r>
+            <a:r>
+              <a:rPr kumimoji="0" lang="en-GB" altLang="en-US" sz="1100" b="0" i="0" u="none" strike="noStrike" cap="none" normalizeH="0" baseline="0" dirty="0">
+                <a:ln>
+                  <a:noFill/>
+                </a:ln>
+                <a:solidFill>
+                  <a:schemeClr val="tx1"/>
+                </a:solidFill>
+                <a:effectLst/>
+                <a:latin typeface="Calibri" panose="020F0502020204030204" pitchFamily="34" charset="0"/>
+                <a:ea typeface="Calibri" panose="020F0502020204030204" pitchFamily="34" charset="0"/>
+                <a:cs typeface="Times New Roman" panose="02020603050405020304" pitchFamily="18" charset="0"/>
+              </a:rPr>
+              <a:t>, L. G., &amp; Cruz, A. J. (2008, 6 6). </a:t>
+            </a:r>
+            <a:r>
+              <a:rPr kumimoji="0" lang="en-GB" altLang="en-US" sz="1100" b="0" i="1" u="none" strike="noStrike" cap="none" normalizeH="0" baseline="0" dirty="0">
+                <a:ln>
+                  <a:noFill/>
+                </a:ln>
+                <a:solidFill>
+                  <a:schemeClr val="tx1"/>
+                </a:solidFill>
+                <a:effectLst/>
+                <a:latin typeface="Calibri" panose="020F0502020204030204" pitchFamily="34" charset="0"/>
+                <a:ea typeface="Calibri" panose="020F0502020204030204" pitchFamily="34" charset="0"/>
+                <a:cs typeface="Times New Roman" panose="02020603050405020304" pitchFamily="18" charset="0"/>
+              </a:rPr>
+              <a:t>A Fuzzy State Machine applied to an emotion model for electronic game characters.</a:t>
+            </a:r>
+            <a:r>
+              <a:rPr kumimoji="0" lang="en-GB" altLang="en-US" sz="1100" b="0" i="0" u="none" strike="noStrike" cap="none" normalizeH="0" baseline="0" dirty="0">
+                <a:ln>
+                  <a:noFill/>
+                </a:ln>
+                <a:solidFill>
+                  <a:schemeClr val="tx1"/>
+                </a:solidFill>
+                <a:effectLst/>
+                <a:latin typeface="Calibri" panose="020F0502020204030204" pitchFamily="34" charset="0"/>
+                <a:ea typeface="Calibri" panose="020F0502020204030204" pitchFamily="34" charset="0"/>
+                <a:cs typeface="Times New Roman" panose="02020603050405020304" pitchFamily="18" charset="0"/>
+              </a:rPr>
+              <a:t> Retrieved from IEEE explore: https://ieeexplore.ieee.org/document/4630637</a:t>
+            </a:r>
+            <a:endParaRPr kumimoji="0" lang="en-GB" altLang="en-US" sz="800" b="0" i="0" u="none" strike="noStrike" cap="none" normalizeH="0" baseline="0" dirty="0">
+              <a:ln>
+                <a:noFill/>
+              </a:ln>
+              <a:solidFill>
+                <a:schemeClr val="tx1"/>
+              </a:solidFill>
+              <a:effectLst/>
+            </a:endParaRPr>
+          </a:p>
+          <a:p>
+            <a:pPr marL="0" marR="0" lvl="0" indent="0" algn="l" defTabSz="914400" rtl="0" eaLnBrk="0" fontAlgn="base" latinLnBrk="0" hangingPunct="0">
+              <a:lnSpc>
+                <a:spcPct val="100000"/>
+              </a:lnSpc>
+              <a:spcBef>
+                <a:spcPct val="0"/>
+              </a:spcBef>
+              <a:spcAft>
+                <a:spcPct val="0"/>
+              </a:spcAft>
+              <a:buClrTx/>
+              <a:buSzTx/>
+              <a:buFontTx/>
+              <a:buNone/>
+              <a:tabLst/>
+            </a:pPr>
+            <a:r>
+              <a:rPr kumimoji="0" lang="en-GB" altLang="en-US" sz="1100" b="0" i="0" u="none" strike="noStrike" cap="none" normalizeH="0" baseline="0" dirty="0">
+                <a:ln>
+                  <a:noFill/>
+                </a:ln>
+                <a:solidFill>
+                  <a:schemeClr val="tx1"/>
+                </a:solidFill>
+                <a:effectLst/>
+                <a:latin typeface="Calibri" panose="020F0502020204030204" pitchFamily="34" charset="0"/>
+                <a:ea typeface="Calibri" panose="020F0502020204030204" pitchFamily="34" charset="0"/>
+                <a:cs typeface="Times New Roman" panose="02020603050405020304" pitchFamily="18" charset="0"/>
+              </a:rPr>
+              <a:t>Anurag Sarkar, S. C. (2021, 10 8). </a:t>
+            </a:r>
+            <a:r>
+              <a:rPr kumimoji="0" lang="en-GB" altLang="en-US" sz="1100" b="0" i="1" u="none" strike="noStrike" cap="none" normalizeH="0" baseline="0" dirty="0">
+                <a:ln>
+                  <a:noFill/>
+                </a:ln>
+                <a:solidFill>
+                  <a:schemeClr val="tx1"/>
+                </a:solidFill>
+                <a:effectLst/>
+                <a:latin typeface="Calibri" panose="020F0502020204030204" pitchFamily="34" charset="0"/>
+                <a:ea typeface="Calibri" panose="020F0502020204030204" pitchFamily="34" charset="0"/>
+                <a:cs typeface="Times New Roman" panose="02020603050405020304" pitchFamily="18" charset="0"/>
+              </a:rPr>
+              <a:t>Procedural Content Generation using </a:t>
+            </a:r>
+            <a:r>
+              <a:rPr kumimoji="0" lang="en-GB" altLang="en-US" sz="1100" b="0" i="1" u="none" strike="noStrike" cap="none" normalizeH="0" baseline="0" dirty="0" err="1">
+                <a:ln>
+                  <a:noFill/>
+                </a:ln>
+                <a:solidFill>
+                  <a:schemeClr val="tx1"/>
+                </a:solidFill>
+                <a:effectLst/>
+                <a:latin typeface="Calibri" panose="020F0502020204030204" pitchFamily="34" charset="0"/>
+                <a:ea typeface="Calibri" panose="020F0502020204030204" pitchFamily="34" charset="0"/>
+                <a:cs typeface="Times New Roman" panose="02020603050405020304" pitchFamily="18" charset="0"/>
+              </a:rPr>
+              <a:t>Behavior</a:t>
+            </a:r>
+            <a:r>
+              <a:rPr kumimoji="0" lang="en-GB" altLang="en-US" sz="1100" b="0" i="1" u="none" strike="noStrike" cap="none" normalizeH="0" baseline="0" dirty="0">
+                <a:ln>
+                  <a:noFill/>
+                </a:ln>
+                <a:solidFill>
+                  <a:schemeClr val="tx1"/>
+                </a:solidFill>
+                <a:effectLst/>
+                <a:latin typeface="Calibri" panose="020F0502020204030204" pitchFamily="34" charset="0"/>
+                <a:ea typeface="Calibri" panose="020F0502020204030204" pitchFamily="34" charset="0"/>
+                <a:cs typeface="Times New Roman" panose="02020603050405020304" pitchFamily="18" charset="0"/>
+              </a:rPr>
+              <a:t> Trees</a:t>
+            </a:r>
+            <a:r>
+              <a:rPr kumimoji="0" lang="en-GB" altLang="en-US" sz="1100" b="0" i="0" u="none" strike="noStrike" cap="none" normalizeH="0" baseline="0" dirty="0">
+                <a:ln>
+                  <a:noFill/>
+                </a:ln>
+                <a:solidFill>
+                  <a:schemeClr val="tx1"/>
+                </a:solidFill>
+                <a:effectLst/>
+                <a:latin typeface="Calibri" panose="020F0502020204030204" pitchFamily="34" charset="0"/>
+                <a:ea typeface="Calibri" panose="020F0502020204030204" pitchFamily="34" charset="0"/>
+                <a:cs typeface="Times New Roman" panose="02020603050405020304" pitchFamily="18" charset="0"/>
+              </a:rPr>
+              <a:t>. Retrieved from </a:t>
+            </a:r>
+            <a:r>
+              <a:rPr kumimoji="0" lang="en-GB" altLang="en-US" sz="1100" b="0" i="0" u="none" strike="noStrike" cap="none" normalizeH="0" baseline="0" dirty="0" err="1">
+                <a:ln>
+                  <a:noFill/>
+                </a:ln>
+                <a:solidFill>
+                  <a:schemeClr val="tx1"/>
+                </a:solidFill>
+                <a:effectLst/>
+                <a:latin typeface="Calibri" panose="020F0502020204030204" pitchFamily="34" charset="0"/>
+                <a:ea typeface="Calibri" panose="020F0502020204030204" pitchFamily="34" charset="0"/>
+                <a:cs typeface="Times New Roman" panose="02020603050405020304" pitchFamily="18" charset="0"/>
+              </a:rPr>
+              <a:t>arxiv</a:t>
+            </a:r>
+            <a:r>
+              <a:rPr kumimoji="0" lang="en-GB" altLang="en-US" sz="1100" b="0" i="0" u="none" strike="noStrike" cap="none" normalizeH="0" baseline="0" dirty="0">
+                <a:ln>
+                  <a:noFill/>
+                </a:ln>
+                <a:solidFill>
+                  <a:schemeClr val="tx1"/>
+                </a:solidFill>
+                <a:effectLst/>
+                <a:latin typeface="Calibri" panose="020F0502020204030204" pitchFamily="34" charset="0"/>
+                <a:ea typeface="Calibri" panose="020F0502020204030204" pitchFamily="34" charset="0"/>
+                <a:cs typeface="Times New Roman" panose="02020603050405020304" pitchFamily="18" charset="0"/>
+              </a:rPr>
+              <a:t>: https://arxiv.org/pdf/2107.06638.pdf</a:t>
+            </a:r>
+            <a:endParaRPr kumimoji="0" lang="en-GB" altLang="en-US" sz="800" b="0" i="0" u="none" strike="noStrike" cap="none" normalizeH="0" baseline="0" dirty="0">
+              <a:ln>
+                <a:noFill/>
+              </a:ln>
+              <a:solidFill>
+                <a:schemeClr val="tx1"/>
+              </a:solidFill>
+              <a:effectLst/>
+            </a:endParaRPr>
+          </a:p>
+          <a:p>
+            <a:pPr marL="0" marR="0" lvl="0" indent="0" algn="l" defTabSz="914400" rtl="0" eaLnBrk="0" fontAlgn="base" latinLnBrk="0" hangingPunct="0">
+              <a:lnSpc>
+                <a:spcPct val="100000"/>
+              </a:lnSpc>
+              <a:spcBef>
+                <a:spcPct val="0"/>
+              </a:spcBef>
+              <a:spcAft>
+                <a:spcPct val="0"/>
+              </a:spcAft>
+              <a:buClrTx/>
+              <a:buSzTx/>
+              <a:buFontTx/>
+              <a:buNone/>
+              <a:tabLst/>
+            </a:pPr>
+            <a:r>
+              <a:rPr kumimoji="0" lang="en-GB" altLang="en-US" sz="1100" b="0" i="0" u="none" strike="noStrike" cap="none" normalizeH="0" baseline="0" dirty="0">
+                <a:ln>
+                  <a:noFill/>
+                </a:ln>
+                <a:solidFill>
+                  <a:schemeClr val="tx1"/>
+                </a:solidFill>
+                <a:effectLst/>
+                <a:latin typeface="Calibri" panose="020F0502020204030204" pitchFamily="34" charset="0"/>
+                <a:ea typeface="Calibri" panose="020F0502020204030204" pitchFamily="34" charset="0"/>
+                <a:cs typeface="Times New Roman" panose="02020603050405020304" pitchFamily="18" charset="0"/>
+              </a:rPr>
+              <a:t>Bay12Games. (2021, 12 1). </a:t>
+            </a:r>
+            <a:r>
+              <a:rPr kumimoji="0" lang="en-GB" altLang="en-US" sz="1100" b="0" i="1" u="none" strike="noStrike" cap="none" normalizeH="0" baseline="0" dirty="0">
+                <a:ln>
+                  <a:noFill/>
+                </a:ln>
+                <a:solidFill>
+                  <a:schemeClr val="tx1"/>
+                </a:solidFill>
+                <a:effectLst/>
+                <a:latin typeface="Calibri" panose="020F0502020204030204" pitchFamily="34" charset="0"/>
+                <a:ea typeface="Calibri" panose="020F0502020204030204" pitchFamily="34" charset="0"/>
+                <a:cs typeface="Times New Roman" panose="02020603050405020304" pitchFamily="18" charset="0"/>
+              </a:rPr>
+              <a:t>Dwarf Fortress</a:t>
+            </a:r>
+            <a:r>
+              <a:rPr kumimoji="0" lang="en-GB" altLang="en-US" sz="1100" b="0" i="0" u="none" strike="noStrike" cap="none" normalizeH="0" baseline="0" dirty="0">
+                <a:ln>
+                  <a:noFill/>
+                </a:ln>
+                <a:solidFill>
+                  <a:schemeClr val="tx1"/>
+                </a:solidFill>
+                <a:effectLst/>
+                <a:latin typeface="Calibri" panose="020F0502020204030204" pitchFamily="34" charset="0"/>
+                <a:ea typeface="Calibri" panose="020F0502020204030204" pitchFamily="34" charset="0"/>
+                <a:cs typeface="Times New Roman" panose="02020603050405020304" pitchFamily="18" charset="0"/>
+              </a:rPr>
+              <a:t>. Retrieved from Bay12Games: http://www.bay12games.com/dwarves/</a:t>
+            </a:r>
+            <a:endParaRPr kumimoji="0" lang="en-GB" altLang="en-US" sz="800" b="0" i="0" u="none" strike="noStrike" cap="none" normalizeH="0" baseline="0" dirty="0">
+              <a:ln>
+                <a:noFill/>
+              </a:ln>
+              <a:solidFill>
+                <a:schemeClr val="tx1"/>
+              </a:solidFill>
+              <a:effectLst/>
+            </a:endParaRPr>
+          </a:p>
+          <a:p>
+            <a:pPr marL="0" marR="0" lvl="0" indent="0" algn="l" defTabSz="914400" rtl="0" eaLnBrk="0" fontAlgn="base" latinLnBrk="0" hangingPunct="0">
+              <a:lnSpc>
+                <a:spcPct val="100000"/>
+              </a:lnSpc>
+              <a:spcBef>
+                <a:spcPct val="0"/>
+              </a:spcBef>
+              <a:spcAft>
+                <a:spcPct val="0"/>
+              </a:spcAft>
+              <a:buClrTx/>
+              <a:buSzTx/>
+              <a:buFontTx/>
+              <a:buNone/>
+              <a:tabLst/>
+            </a:pPr>
+            <a:r>
+              <a:rPr kumimoji="0" lang="en-GB" altLang="en-US" sz="1100" b="0" i="0" u="none" strike="noStrike" cap="none" normalizeH="0" baseline="0" dirty="0">
+                <a:ln>
+                  <a:noFill/>
+                </a:ln>
+                <a:solidFill>
+                  <a:schemeClr val="tx1"/>
+                </a:solidFill>
+                <a:effectLst/>
+                <a:latin typeface="Calibri" panose="020F0502020204030204" pitchFamily="34" charset="0"/>
+                <a:ea typeface="Calibri" panose="020F0502020204030204" pitchFamily="34" charset="0"/>
+                <a:cs typeface="Times New Roman" panose="02020603050405020304" pitchFamily="18" charset="0"/>
+              </a:rPr>
+              <a:t>Deutsch, M. (2016, 7 8). </a:t>
+            </a:r>
+            <a:r>
+              <a:rPr kumimoji="0" lang="en-GB" altLang="en-US" sz="1100" b="0" i="1" u="none" strike="noStrike" cap="none" normalizeH="0" baseline="0" dirty="0">
+                <a:ln>
+                  <a:noFill/>
+                </a:ln>
+                <a:solidFill>
+                  <a:schemeClr val="tx1"/>
+                </a:solidFill>
+                <a:effectLst/>
+                <a:latin typeface="Calibri" panose="020F0502020204030204" pitchFamily="34" charset="0"/>
+                <a:ea typeface="Calibri" panose="020F0502020204030204" pitchFamily="34" charset="0"/>
+                <a:cs typeface="Times New Roman" panose="02020603050405020304" pitchFamily="18" charset="0"/>
+              </a:rPr>
+              <a:t>Harry Potter: Written by Artificial Intelligence</a:t>
+            </a:r>
+            <a:r>
+              <a:rPr kumimoji="0" lang="en-GB" altLang="en-US" sz="1100" b="0" i="0" u="none" strike="noStrike" cap="none" normalizeH="0" baseline="0" dirty="0">
+                <a:ln>
+                  <a:noFill/>
+                </a:ln>
+                <a:solidFill>
+                  <a:schemeClr val="tx1"/>
+                </a:solidFill>
+                <a:effectLst/>
+                <a:latin typeface="Calibri" panose="020F0502020204030204" pitchFamily="34" charset="0"/>
+                <a:ea typeface="Calibri" panose="020F0502020204030204" pitchFamily="34" charset="0"/>
+                <a:cs typeface="Times New Roman" panose="02020603050405020304" pitchFamily="18" charset="0"/>
+              </a:rPr>
+              <a:t>. Retrieved from Medium: https://medium.com/deep-writing/harry-potter-written-by-artificial-intelligence-8a9431803da6</a:t>
+            </a:r>
+            <a:endParaRPr kumimoji="0" lang="en-GB" altLang="en-US" sz="800" b="0" i="0" u="none" strike="noStrike" cap="none" normalizeH="0" baseline="0" dirty="0">
+              <a:ln>
+                <a:noFill/>
+              </a:ln>
+              <a:solidFill>
+                <a:schemeClr val="tx1"/>
+              </a:solidFill>
+              <a:effectLst/>
+            </a:endParaRPr>
+          </a:p>
+          <a:p>
+            <a:pPr marL="0" marR="0" lvl="0" indent="0" algn="l" defTabSz="914400" rtl="0" eaLnBrk="0" fontAlgn="base" latinLnBrk="0" hangingPunct="0">
+              <a:lnSpc>
+                <a:spcPct val="100000"/>
+              </a:lnSpc>
+              <a:spcBef>
+                <a:spcPct val="0"/>
+              </a:spcBef>
+              <a:spcAft>
+                <a:spcPct val="0"/>
+              </a:spcAft>
+              <a:buClrTx/>
+              <a:buSzTx/>
+              <a:buFontTx/>
+              <a:buNone/>
+              <a:tabLst/>
+            </a:pPr>
+            <a:r>
+              <a:rPr kumimoji="0" lang="en-GB" altLang="en-US" sz="1100" b="0" i="0" u="none" strike="noStrike" cap="none" normalizeH="0" baseline="0" dirty="0">
+                <a:ln>
+                  <a:noFill/>
+                </a:ln>
+                <a:solidFill>
+                  <a:schemeClr val="tx1"/>
+                </a:solidFill>
+                <a:effectLst/>
+                <a:latin typeface="Calibri" panose="020F0502020204030204" pitchFamily="34" charset="0"/>
+                <a:ea typeface="Calibri" panose="020F0502020204030204" pitchFamily="34" charset="0"/>
+                <a:cs typeface="Times New Roman" panose="02020603050405020304" pitchFamily="18" charset="0"/>
+              </a:rPr>
+              <a:t>Emily Sheng, K.-W. C. (2019, 10 23). </a:t>
+            </a:r>
+            <a:r>
+              <a:rPr kumimoji="0" lang="en-GB" altLang="en-US" sz="1100" b="0" i="1" u="none" strike="noStrike" cap="none" normalizeH="0" baseline="0" dirty="0">
+                <a:ln>
+                  <a:noFill/>
+                </a:ln>
+                <a:solidFill>
+                  <a:schemeClr val="tx1"/>
+                </a:solidFill>
+                <a:effectLst/>
+                <a:latin typeface="Calibri" panose="020F0502020204030204" pitchFamily="34" charset="0"/>
+                <a:ea typeface="Calibri" panose="020F0502020204030204" pitchFamily="34" charset="0"/>
+                <a:cs typeface="Times New Roman" panose="02020603050405020304" pitchFamily="18" charset="0"/>
+              </a:rPr>
+              <a:t>The Woman Worked as a Babysitter: On Biases in Language Generation</a:t>
+            </a:r>
+            <a:r>
+              <a:rPr kumimoji="0" lang="en-GB" altLang="en-US" sz="1100" b="0" i="0" u="none" strike="noStrike" cap="none" normalizeH="0" baseline="0" dirty="0">
+                <a:ln>
+                  <a:noFill/>
+                </a:ln>
+                <a:solidFill>
+                  <a:schemeClr val="tx1"/>
+                </a:solidFill>
+                <a:effectLst/>
+                <a:latin typeface="Calibri" panose="020F0502020204030204" pitchFamily="34" charset="0"/>
+                <a:ea typeface="Calibri" panose="020F0502020204030204" pitchFamily="34" charset="0"/>
+                <a:cs typeface="Times New Roman" panose="02020603050405020304" pitchFamily="18" charset="0"/>
+              </a:rPr>
+              <a:t>. Retrieved from </a:t>
+            </a:r>
+            <a:r>
+              <a:rPr kumimoji="0" lang="en-GB" altLang="en-US" sz="1100" b="0" i="0" u="none" strike="noStrike" cap="none" normalizeH="0" baseline="0" dirty="0" err="1">
+                <a:ln>
+                  <a:noFill/>
+                </a:ln>
+                <a:solidFill>
+                  <a:schemeClr val="tx1"/>
+                </a:solidFill>
+                <a:effectLst/>
+                <a:latin typeface="Calibri" panose="020F0502020204030204" pitchFamily="34" charset="0"/>
+                <a:ea typeface="Calibri" panose="020F0502020204030204" pitchFamily="34" charset="0"/>
+                <a:cs typeface="Times New Roman" panose="02020603050405020304" pitchFamily="18" charset="0"/>
+              </a:rPr>
+              <a:t>Arxiv</a:t>
+            </a:r>
+            <a:r>
+              <a:rPr kumimoji="0" lang="en-GB" altLang="en-US" sz="1100" b="0" i="0" u="none" strike="noStrike" cap="none" normalizeH="0" baseline="0" dirty="0">
+                <a:ln>
+                  <a:noFill/>
+                </a:ln>
+                <a:solidFill>
+                  <a:schemeClr val="tx1"/>
+                </a:solidFill>
+                <a:effectLst/>
+                <a:latin typeface="Calibri" panose="020F0502020204030204" pitchFamily="34" charset="0"/>
+                <a:ea typeface="Calibri" panose="020F0502020204030204" pitchFamily="34" charset="0"/>
+                <a:cs typeface="Times New Roman" panose="02020603050405020304" pitchFamily="18" charset="0"/>
+              </a:rPr>
+              <a:t>: https://arxiv.org/pdf/1909.01326.pdf</a:t>
+            </a:r>
+            <a:endParaRPr kumimoji="0" lang="en-GB" altLang="en-US" sz="800" b="0" i="0" u="none" strike="noStrike" cap="none" normalizeH="0" baseline="0" dirty="0">
+              <a:ln>
+                <a:noFill/>
+              </a:ln>
+              <a:solidFill>
+                <a:schemeClr val="tx1"/>
+              </a:solidFill>
+              <a:effectLst/>
+            </a:endParaRPr>
+          </a:p>
+          <a:p>
+            <a:pPr marL="0" marR="0" lvl="0" indent="0" algn="l" defTabSz="914400" rtl="0" eaLnBrk="0" fontAlgn="base" latinLnBrk="0" hangingPunct="0">
+              <a:lnSpc>
+                <a:spcPct val="100000"/>
+              </a:lnSpc>
+              <a:spcBef>
+                <a:spcPct val="0"/>
+              </a:spcBef>
+              <a:spcAft>
+                <a:spcPct val="0"/>
+              </a:spcAft>
+              <a:buClrTx/>
+              <a:buSzTx/>
+              <a:buFontTx/>
+              <a:buNone/>
+              <a:tabLst/>
+            </a:pPr>
+            <a:r>
+              <a:rPr kumimoji="0" lang="en-GB" altLang="en-US" sz="1100" b="0" i="0" u="none" strike="noStrike" cap="none" normalizeH="0" baseline="0" dirty="0">
+                <a:ln>
+                  <a:noFill/>
+                </a:ln>
+                <a:solidFill>
+                  <a:schemeClr val="tx1"/>
+                </a:solidFill>
+                <a:effectLst/>
+                <a:latin typeface="Calibri" panose="020F0502020204030204" pitchFamily="34" charset="0"/>
+                <a:ea typeface="Calibri" panose="020F0502020204030204" pitchFamily="34" charset="0"/>
+                <a:cs typeface="Times New Roman" panose="02020603050405020304" pitchFamily="18" charset="0"/>
+              </a:rPr>
+              <a:t>Feldman, R. (2013, 04 1). </a:t>
+            </a:r>
+            <a:r>
+              <a:rPr kumimoji="0" lang="en-GB" altLang="en-US" sz="1100" b="0" i="1" u="none" strike="noStrike" cap="none" normalizeH="0" baseline="0" dirty="0">
+                <a:ln>
+                  <a:noFill/>
+                </a:ln>
+                <a:solidFill>
+                  <a:schemeClr val="tx1"/>
+                </a:solidFill>
+                <a:effectLst/>
+                <a:latin typeface="Calibri" panose="020F0502020204030204" pitchFamily="34" charset="0"/>
+                <a:ea typeface="Calibri" panose="020F0502020204030204" pitchFamily="34" charset="0"/>
+                <a:cs typeface="Times New Roman" panose="02020603050405020304" pitchFamily="18" charset="0"/>
+              </a:rPr>
+              <a:t>Techniques and Applications for Sentiment Analysis.</a:t>
+            </a:r>
+            <a:r>
+              <a:rPr kumimoji="0" lang="en-GB" altLang="en-US" sz="1100" b="0" i="0" u="none" strike="noStrike" cap="none" normalizeH="0" baseline="0" dirty="0">
+                <a:ln>
+                  <a:noFill/>
+                </a:ln>
+                <a:solidFill>
+                  <a:schemeClr val="tx1"/>
+                </a:solidFill>
+                <a:effectLst/>
+                <a:latin typeface="Calibri" panose="020F0502020204030204" pitchFamily="34" charset="0"/>
+                <a:ea typeface="Calibri" panose="020F0502020204030204" pitchFamily="34" charset="0"/>
+                <a:cs typeface="Times New Roman" panose="02020603050405020304" pitchFamily="18" charset="0"/>
+              </a:rPr>
+              <a:t> Retrieved from dl.acm.org: https://dl.acm.org/doi/pdf/10.1145/2436256.2436274</a:t>
+            </a:r>
+            <a:endParaRPr kumimoji="0" lang="en-GB" altLang="en-US" sz="800" b="0" i="0" u="none" strike="noStrike" cap="none" normalizeH="0" baseline="0" dirty="0">
+              <a:ln>
+                <a:noFill/>
+              </a:ln>
+              <a:solidFill>
+                <a:schemeClr val="tx1"/>
+              </a:solidFill>
+              <a:effectLst/>
+            </a:endParaRPr>
+          </a:p>
+          <a:p>
+            <a:pPr marL="0" marR="0" lvl="0" indent="0" algn="l" defTabSz="914400" rtl="0" eaLnBrk="0" fontAlgn="base" latinLnBrk="0" hangingPunct="0">
+              <a:lnSpc>
+                <a:spcPct val="100000"/>
+              </a:lnSpc>
+              <a:spcBef>
+                <a:spcPct val="0"/>
+              </a:spcBef>
+              <a:spcAft>
+                <a:spcPct val="0"/>
+              </a:spcAft>
+              <a:buClrTx/>
+              <a:buSzTx/>
+              <a:buFontTx/>
+              <a:buNone/>
+              <a:tabLst/>
+            </a:pPr>
+            <a:r>
+              <a:rPr kumimoji="0" lang="en-GB" altLang="en-US" sz="1100" b="0" i="0" u="none" strike="noStrike" cap="none" normalizeH="0" baseline="0" dirty="0">
+                <a:ln>
+                  <a:noFill/>
+                </a:ln>
+                <a:solidFill>
+                  <a:schemeClr val="tx1"/>
+                </a:solidFill>
+                <a:effectLst/>
+                <a:latin typeface="Calibri" panose="020F0502020204030204" pitchFamily="34" charset="0"/>
+                <a:ea typeface="Calibri" panose="020F0502020204030204" pitchFamily="34" charset="0"/>
+                <a:cs typeface="Times New Roman" panose="02020603050405020304" pitchFamily="18" charset="0"/>
+              </a:rPr>
+              <a:t>Francesco </a:t>
+            </a:r>
+            <a:r>
+              <a:rPr kumimoji="0" lang="en-GB" altLang="en-US" sz="1100" b="0" i="0" u="none" strike="noStrike" cap="none" normalizeH="0" baseline="0" dirty="0" err="1">
+                <a:ln>
+                  <a:noFill/>
+                </a:ln>
+                <a:solidFill>
+                  <a:schemeClr val="tx1"/>
+                </a:solidFill>
+                <a:effectLst/>
+                <a:latin typeface="Calibri" panose="020F0502020204030204" pitchFamily="34" charset="0"/>
+                <a:ea typeface="Calibri" panose="020F0502020204030204" pitchFamily="34" charset="0"/>
+                <a:cs typeface="Times New Roman" panose="02020603050405020304" pitchFamily="18" charset="0"/>
+              </a:rPr>
+              <a:t>Mondada</a:t>
+            </a:r>
+            <a:r>
+              <a:rPr kumimoji="0" lang="en-GB" altLang="en-US" sz="1100" b="0" i="0" u="none" strike="noStrike" cap="none" normalizeH="0" baseline="0" dirty="0">
+                <a:ln>
+                  <a:noFill/>
+                </a:ln>
+                <a:solidFill>
+                  <a:schemeClr val="tx1"/>
+                </a:solidFill>
+                <a:effectLst/>
+                <a:latin typeface="Calibri" panose="020F0502020204030204" pitchFamily="34" charset="0"/>
+                <a:ea typeface="Calibri" panose="020F0502020204030204" pitchFamily="34" charset="0"/>
+                <a:cs typeface="Times New Roman" panose="02020603050405020304" pitchFamily="18" charset="0"/>
+              </a:rPr>
+              <a:t>, M. B.-A. (2017, 10 27). </a:t>
+            </a:r>
+            <a:r>
+              <a:rPr kumimoji="0" lang="en-GB" altLang="en-US" sz="1100" b="0" i="1" u="none" strike="noStrike" cap="none" normalizeH="0" baseline="0" dirty="0">
+                <a:ln>
+                  <a:noFill/>
+                </a:ln>
+                <a:solidFill>
+                  <a:schemeClr val="tx1"/>
+                </a:solidFill>
+                <a:effectLst/>
+                <a:latin typeface="Calibri" panose="020F0502020204030204" pitchFamily="34" charset="0"/>
+                <a:ea typeface="Calibri" panose="020F0502020204030204" pitchFamily="34" charset="0"/>
+                <a:cs typeface="Times New Roman" panose="02020603050405020304" pitchFamily="18" charset="0"/>
+              </a:rPr>
+              <a:t>Finite State Machines.</a:t>
+            </a:r>
+            <a:r>
+              <a:rPr kumimoji="0" lang="en-GB" altLang="en-US" sz="1100" b="0" i="0" u="none" strike="noStrike" cap="none" normalizeH="0" baseline="0" dirty="0">
+                <a:ln>
+                  <a:noFill/>
+                </a:ln>
+                <a:solidFill>
+                  <a:schemeClr val="tx1"/>
+                </a:solidFill>
+                <a:effectLst/>
+                <a:latin typeface="Calibri" panose="020F0502020204030204" pitchFamily="34" charset="0"/>
+                <a:ea typeface="Calibri" panose="020F0502020204030204" pitchFamily="34" charset="0"/>
+                <a:cs typeface="Times New Roman" panose="02020603050405020304" pitchFamily="18" charset="0"/>
+              </a:rPr>
+              <a:t> Retrieved from SpringerLink: https://link.springer.com/chapter/10.1007/978-3-319-62533-1_4 </a:t>
+            </a:r>
+            <a:endParaRPr kumimoji="0" lang="en-GB" altLang="en-US" sz="800" b="0" i="0" u="none" strike="noStrike" cap="none" normalizeH="0" baseline="0" dirty="0">
+              <a:ln>
+                <a:noFill/>
+              </a:ln>
+              <a:solidFill>
+                <a:schemeClr val="tx1"/>
+              </a:solidFill>
+              <a:effectLst/>
+            </a:endParaRPr>
+          </a:p>
+          <a:p>
+            <a:pPr marL="0" marR="0" lvl="0" indent="0" algn="l" defTabSz="914400" rtl="0" eaLnBrk="0" fontAlgn="base" latinLnBrk="0" hangingPunct="0">
+              <a:lnSpc>
+                <a:spcPct val="100000"/>
+              </a:lnSpc>
+              <a:spcBef>
+                <a:spcPct val="0"/>
+              </a:spcBef>
+              <a:spcAft>
+                <a:spcPct val="0"/>
+              </a:spcAft>
+              <a:buClrTx/>
+              <a:buSzTx/>
+              <a:buFontTx/>
+              <a:buNone/>
+              <a:tabLst/>
+            </a:pPr>
+            <a:r>
+              <a:rPr kumimoji="0" lang="en-GB" altLang="en-US" sz="1100" b="0" i="0" u="none" strike="noStrike" cap="none" normalizeH="0" baseline="0" dirty="0" err="1">
+                <a:ln>
+                  <a:noFill/>
+                </a:ln>
+                <a:solidFill>
+                  <a:schemeClr val="tx1"/>
+                </a:solidFill>
+                <a:effectLst/>
+                <a:latin typeface="Calibri" panose="020F0502020204030204" pitchFamily="34" charset="0"/>
+                <a:ea typeface="Calibri" panose="020F0502020204030204" pitchFamily="34" charset="0"/>
+                <a:cs typeface="Times New Roman" panose="02020603050405020304" pitchFamily="18" charset="0"/>
+              </a:rPr>
+              <a:t>Garbe</a:t>
+            </a:r>
+            <a:r>
+              <a:rPr kumimoji="0" lang="en-GB" altLang="en-US" sz="1100" b="0" i="0" u="none" strike="noStrike" cap="none" normalizeH="0" baseline="0" dirty="0">
+                <a:ln>
+                  <a:noFill/>
+                </a:ln>
+                <a:solidFill>
+                  <a:schemeClr val="tx1"/>
+                </a:solidFill>
+                <a:effectLst/>
+                <a:latin typeface="Calibri" panose="020F0502020204030204" pitchFamily="34" charset="0"/>
+                <a:ea typeface="Calibri" panose="020F0502020204030204" pitchFamily="34" charset="0"/>
+                <a:cs typeface="Times New Roman" panose="02020603050405020304" pitchFamily="18" charset="0"/>
+              </a:rPr>
+              <a:t>, J. (2018, 2 18). </a:t>
+            </a:r>
+            <a:r>
+              <a:rPr kumimoji="0" lang="en-GB" altLang="en-US" sz="1100" b="0" i="1" u="none" strike="noStrike" cap="none" normalizeH="0" baseline="0" dirty="0">
+                <a:ln>
+                  <a:noFill/>
+                </a:ln>
+                <a:solidFill>
+                  <a:schemeClr val="tx1"/>
+                </a:solidFill>
+                <a:effectLst/>
+                <a:latin typeface="Calibri" panose="020F0502020204030204" pitchFamily="34" charset="0"/>
+                <a:ea typeface="Calibri" panose="020F0502020204030204" pitchFamily="34" charset="0"/>
+                <a:cs typeface="Times New Roman" panose="02020603050405020304" pitchFamily="18" charset="0"/>
+              </a:rPr>
+              <a:t>Simulation of History and Recursive Narrative Scaffolding</a:t>
+            </a:r>
+            <a:r>
+              <a:rPr kumimoji="0" lang="en-GB" altLang="en-US" sz="1100" b="0" i="0" u="none" strike="noStrike" cap="none" normalizeH="0" baseline="0" dirty="0">
+                <a:ln>
+                  <a:noFill/>
+                </a:ln>
+                <a:solidFill>
+                  <a:schemeClr val="tx1"/>
+                </a:solidFill>
+                <a:effectLst/>
+                <a:latin typeface="Calibri" panose="020F0502020204030204" pitchFamily="34" charset="0"/>
+                <a:ea typeface="Calibri" panose="020F0502020204030204" pitchFamily="34" charset="0"/>
+                <a:cs typeface="Times New Roman" panose="02020603050405020304" pitchFamily="18" charset="0"/>
+              </a:rPr>
+              <a:t>. Retrieved from Delve: http://project.jacobgarbe.com/simulation-of-history-and-recursive-narrative-scaffolding/</a:t>
+            </a:r>
+            <a:endParaRPr kumimoji="0" lang="en-GB" altLang="en-US" sz="800" b="0" i="0" u="none" strike="noStrike" cap="none" normalizeH="0" baseline="0" dirty="0">
+              <a:ln>
+                <a:noFill/>
+              </a:ln>
+              <a:solidFill>
+                <a:schemeClr val="tx1"/>
+              </a:solidFill>
+              <a:effectLst/>
+            </a:endParaRPr>
+          </a:p>
+          <a:p>
+            <a:pPr marL="0" marR="0" lvl="0" indent="0" algn="l" defTabSz="914400" rtl="0" eaLnBrk="0" fontAlgn="base" latinLnBrk="0" hangingPunct="0">
+              <a:lnSpc>
+                <a:spcPct val="100000"/>
+              </a:lnSpc>
+              <a:spcBef>
+                <a:spcPct val="0"/>
+              </a:spcBef>
+              <a:spcAft>
+                <a:spcPct val="0"/>
+              </a:spcAft>
+              <a:buClrTx/>
+              <a:buSzTx/>
+              <a:buFontTx/>
+              <a:buNone/>
+              <a:tabLst/>
+            </a:pPr>
+            <a:endParaRPr kumimoji="0" lang="en-GB" altLang="en-US" sz="1800" b="0" i="0" u="none" strike="noStrike" cap="none" normalizeH="0" baseline="0" dirty="0">
+              <a:ln>
+                <a:noFill/>
+              </a:ln>
+              <a:solidFill>
+                <a:schemeClr val="tx1"/>
+              </a:solidFill>
+              <a:effectLst/>
+              <a:latin typeface="Arial" panose="020B0604020202020204" pitchFamily="34" charset="0"/>
+            </a:endParaRPr>
+          </a:p>
+        </p:txBody>
+      </p:sp>
+    </p:spTree>
+    <p:extLst>
+      <p:ext uri="{BB962C8B-B14F-4D97-AF65-F5344CB8AC3E}">
+        <p14:creationId xmlns:p14="http://schemas.microsoft.com/office/powerpoint/2010/main" val="3106373192"/>
+      </p:ext>
+    </p:extLst>
+  </p:cSld>
+  <p:clrMapOvr>
+    <a:masterClrMapping/>
+  </p:clrMapOvr>
+</p:sld>
+</file>
+
+<file path=ppt/slides/slide23.xml><?xml version="1.0" encoding="utf-8"?>
+<p:sld xmlns:a="http://schemas.openxmlformats.org/drawingml/2006/main" xmlns:r="http://schemas.openxmlformats.org/officeDocument/2006/relationships" xmlns:p="http://schemas.openxmlformats.org/presentationml/2006/main">
+  <p:cSld>
+    <p:spTree>
+      <p:nvGrpSpPr>
+        <p:cNvPr id="1" name=""/>
+        <p:cNvGrpSpPr/>
+        <p:nvPr/>
+      </p:nvGrpSpPr>
+      <p:grpSpPr>
+        <a:xfrm>
+          <a:off x="0" y="0"/>
+          <a:ext cx="0" cy="0"/>
+          <a:chOff x="0" y="0"/>
+          <a:chExt cx="0" cy="0"/>
+        </a:xfrm>
+      </p:grpSpPr>
+      <p:sp>
+        <p:nvSpPr>
+          <p:cNvPr id="2" name="Title 1">
+            <a:extLst>
+              <a:ext uri="{FF2B5EF4-FFF2-40B4-BE49-F238E27FC236}">
+                <a16:creationId xmlns:a16="http://schemas.microsoft.com/office/drawing/2014/main" id="{0C8B800C-5719-4A1D-A585-C1C2BDB68E5B}"/>
+              </a:ext>
+            </a:extLst>
+          </p:cNvPr>
+          <p:cNvSpPr>
+            <a:spLocks noGrp="1"/>
+          </p:cNvSpPr>
+          <p:nvPr>
+            <p:ph type="title"/>
+          </p:nvPr>
+        </p:nvSpPr>
+        <p:spPr/>
+        <p:txBody>
+          <a:bodyPr/>
+          <a:lstStyle/>
+          <a:p>
+            <a:r>
+              <a:rPr lang="en-GB" dirty="0"/>
+              <a:t>Bibliography</a:t>
+            </a:r>
+          </a:p>
+        </p:txBody>
+      </p:sp>
+      <p:sp>
+        <p:nvSpPr>
+          <p:cNvPr id="3" name="Content Placeholder 2">
+            <a:extLst>
+              <a:ext uri="{FF2B5EF4-FFF2-40B4-BE49-F238E27FC236}">
+                <a16:creationId xmlns:a16="http://schemas.microsoft.com/office/drawing/2014/main" id="{DB2EA67C-3CA8-407E-8CAE-0EC4DE9A2BB8}"/>
+              </a:ext>
+            </a:extLst>
+          </p:cNvPr>
+          <p:cNvSpPr>
+            <a:spLocks noGrp="1"/>
+          </p:cNvSpPr>
+          <p:nvPr>
+            <p:ph idx="1"/>
+          </p:nvPr>
+        </p:nvSpPr>
+        <p:spPr/>
+        <p:txBody>
+          <a:bodyPr>
+            <a:normAutofit fontScale="47500" lnSpcReduction="20000"/>
+          </a:bodyPr>
+          <a:lstStyle/>
+          <a:p>
+            <a:pPr marL="0" marR="0" lvl="0" indent="0" algn="l" defTabSz="914400" rtl="0" eaLnBrk="0" fontAlgn="base" latinLnBrk="0" hangingPunct="0">
+              <a:lnSpc>
+                <a:spcPct val="100000"/>
+              </a:lnSpc>
+              <a:spcBef>
+                <a:spcPct val="0"/>
+              </a:spcBef>
+              <a:spcAft>
+                <a:spcPct val="0"/>
+              </a:spcAft>
+              <a:buClrTx/>
+              <a:buSzTx/>
+              <a:buFontTx/>
+              <a:buNone/>
+              <a:tabLst/>
+            </a:pPr>
+            <a:r>
+              <a:rPr kumimoji="0" lang="en-GB" altLang="en-US" sz="2400" b="0" i="0" u="none" strike="noStrike" cap="none" normalizeH="0" baseline="0" dirty="0">
+                <a:ln>
+                  <a:noFill/>
+                </a:ln>
+                <a:solidFill>
+                  <a:schemeClr val="tx1"/>
+                </a:solidFill>
+                <a:effectLst/>
+                <a:latin typeface="Calibri" panose="020F0502020204030204" pitchFamily="34" charset="0"/>
+                <a:ea typeface="Calibri" panose="020F0502020204030204" pitchFamily="34" charset="0"/>
+                <a:cs typeface="Times New Roman" panose="02020603050405020304" pitchFamily="18" charset="0"/>
+              </a:rPr>
+              <a:t>Hudson, L. (2016, 9 28). </a:t>
+            </a:r>
+            <a:r>
+              <a:rPr kumimoji="0" lang="en-GB" altLang="en-US" sz="2400" b="0" i="1" u="none" strike="noStrike" cap="none" normalizeH="0" baseline="0" dirty="0">
+                <a:ln>
+                  <a:noFill/>
+                </a:ln>
+                <a:solidFill>
+                  <a:schemeClr val="tx1"/>
+                </a:solidFill>
+                <a:effectLst/>
+                <a:latin typeface="Calibri" panose="020F0502020204030204" pitchFamily="34" charset="0"/>
+                <a:ea typeface="Calibri" panose="020F0502020204030204" pitchFamily="34" charset="0"/>
+                <a:cs typeface="Times New Roman" panose="02020603050405020304" pitchFamily="18" charset="0"/>
+              </a:rPr>
+              <a:t>Some Like It Bot</a:t>
+            </a:r>
+            <a:r>
+              <a:rPr kumimoji="0" lang="en-GB" altLang="en-US" sz="2400" b="0" i="0" u="none" strike="noStrike" cap="none" normalizeH="0" baseline="0" dirty="0">
+                <a:ln>
+                  <a:noFill/>
+                </a:ln>
+                <a:solidFill>
+                  <a:schemeClr val="tx1"/>
+                </a:solidFill>
+                <a:effectLst/>
+                <a:latin typeface="Calibri" panose="020F0502020204030204" pitchFamily="34" charset="0"/>
+                <a:ea typeface="Calibri" panose="020F0502020204030204" pitchFamily="34" charset="0"/>
+                <a:cs typeface="Times New Roman" panose="02020603050405020304" pitchFamily="18" charset="0"/>
+              </a:rPr>
+              <a:t>. Retrieved from FiveThirtyEight: https://fivethirtyeight.com/features/some-like-it-bot/</a:t>
+            </a:r>
+            <a:endParaRPr kumimoji="0" lang="en-GB" altLang="en-US" sz="1400" b="0" i="0" u="none" strike="noStrike" cap="none" normalizeH="0" baseline="0" dirty="0">
+              <a:ln>
+                <a:noFill/>
+              </a:ln>
+              <a:solidFill>
+                <a:schemeClr val="tx1"/>
+              </a:solidFill>
+              <a:effectLst/>
+            </a:endParaRPr>
+          </a:p>
+          <a:p>
+            <a:pPr marL="0" marR="0" lvl="0" indent="0" algn="l" defTabSz="914400" rtl="0" eaLnBrk="0" fontAlgn="base" latinLnBrk="0" hangingPunct="0">
+              <a:lnSpc>
+                <a:spcPct val="100000"/>
+              </a:lnSpc>
+              <a:spcBef>
+                <a:spcPct val="0"/>
+              </a:spcBef>
+              <a:spcAft>
+                <a:spcPct val="0"/>
+              </a:spcAft>
+              <a:buClrTx/>
+              <a:buSzTx/>
+              <a:buFontTx/>
+              <a:buNone/>
+              <a:tabLst/>
+            </a:pPr>
+            <a:r>
+              <a:rPr kumimoji="0" lang="en-GB" altLang="en-US" sz="2400" b="0" i="0" u="none" strike="noStrike" cap="none" normalizeH="0" baseline="0" dirty="0">
+                <a:ln>
+                  <a:noFill/>
+                </a:ln>
+                <a:solidFill>
+                  <a:schemeClr val="tx1"/>
+                </a:solidFill>
+                <a:effectLst/>
+                <a:latin typeface="Calibri" panose="020F0502020204030204" pitchFamily="34" charset="0"/>
+                <a:ea typeface="Calibri" panose="020F0502020204030204" pitchFamily="34" charset="0"/>
+                <a:cs typeface="Times New Roman" panose="02020603050405020304" pitchFamily="18" charset="0"/>
+              </a:rPr>
+              <a:t>Humphreys, T. (2021, 12 1). </a:t>
+            </a:r>
+            <a:r>
+              <a:rPr kumimoji="0" lang="en-GB" altLang="en-US" sz="2400" b="0" i="1" u="none" strike="noStrike" cap="none" normalizeH="0" baseline="0" dirty="0">
+                <a:ln>
+                  <a:noFill/>
+                </a:ln>
+                <a:solidFill>
+                  <a:schemeClr val="tx1"/>
+                </a:solidFill>
+                <a:effectLst/>
+                <a:latin typeface="Calibri" panose="020F0502020204030204" pitchFamily="34" charset="0"/>
+                <a:ea typeface="Calibri" panose="020F0502020204030204" pitchFamily="34" charset="0"/>
+                <a:cs typeface="Times New Roman" panose="02020603050405020304" pitchFamily="18" charset="0"/>
+              </a:rPr>
+              <a:t>Chapter 12 Exploring HTN Planners</a:t>
+            </a:r>
+            <a:r>
+              <a:rPr kumimoji="0" lang="en-GB" altLang="en-US" sz="2400" b="0" i="0" u="none" strike="noStrike" cap="none" normalizeH="0" baseline="0" dirty="0">
+                <a:ln>
+                  <a:noFill/>
+                </a:ln>
+                <a:solidFill>
+                  <a:schemeClr val="tx1"/>
+                </a:solidFill>
+                <a:effectLst/>
+                <a:latin typeface="Calibri" panose="020F0502020204030204" pitchFamily="34" charset="0"/>
+                <a:ea typeface="Calibri" panose="020F0502020204030204" pitchFamily="34" charset="0"/>
+                <a:cs typeface="Times New Roman" panose="02020603050405020304" pitchFamily="18" charset="0"/>
+              </a:rPr>
+              <a:t>. Retrieved from </a:t>
+            </a:r>
+            <a:r>
+              <a:rPr kumimoji="0" lang="en-GB" altLang="en-US" sz="2400" b="0" i="0" u="none" strike="noStrike" cap="none" normalizeH="0" baseline="0" dirty="0" err="1">
+                <a:ln>
+                  <a:noFill/>
+                </a:ln>
+                <a:solidFill>
+                  <a:schemeClr val="tx1"/>
+                </a:solidFill>
+                <a:effectLst/>
+                <a:latin typeface="Calibri" panose="020F0502020204030204" pitchFamily="34" charset="0"/>
+                <a:ea typeface="Calibri" panose="020F0502020204030204" pitchFamily="34" charset="0"/>
+                <a:cs typeface="Times New Roman" panose="02020603050405020304" pitchFamily="18" charset="0"/>
+              </a:rPr>
+              <a:t>gameaipro</a:t>
+            </a:r>
+            <a:r>
+              <a:rPr kumimoji="0" lang="en-GB" altLang="en-US" sz="2400" b="0" i="0" u="none" strike="noStrike" cap="none" normalizeH="0" baseline="0" dirty="0">
+                <a:ln>
+                  <a:noFill/>
+                </a:ln>
+                <a:solidFill>
+                  <a:schemeClr val="tx1"/>
+                </a:solidFill>
+                <a:effectLst/>
+                <a:latin typeface="Calibri" panose="020F0502020204030204" pitchFamily="34" charset="0"/>
+                <a:ea typeface="Calibri" panose="020F0502020204030204" pitchFamily="34" charset="0"/>
+                <a:cs typeface="Times New Roman" panose="02020603050405020304" pitchFamily="18" charset="0"/>
+              </a:rPr>
+              <a:t>: https://www.gameaipro.com/GameAIPro/GameAIPro_Chapter12_Exploring_HTN_Planners_through_Example.pdf</a:t>
+            </a:r>
+            <a:endParaRPr kumimoji="0" lang="en-GB" altLang="en-US" sz="1400" b="0" i="0" u="none" strike="noStrike" cap="none" normalizeH="0" baseline="0" dirty="0">
+              <a:ln>
+                <a:noFill/>
+              </a:ln>
+              <a:solidFill>
+                <a:schemeClr val="tx1"/>
+              </a:solidFill>
+              <a:effectLst/>
+            </a:endParaRPr>
+          </a:p>
+          <a:p>
+            <a:pPr marL="0" marR="0" lvl="0" indent="0" algn="l" defTabSz="914400" rtl="0" eaLnBrk="0" fontAlgn="base" latinLnBrk="0" hangingPunct="0">
+              <a:lnSpc>
+                <a:spcPct val="100000"/>
+              </a:lnSpc>
+              <a:spcBef>
+                <a:spcPct val="0"/>
+              </a:spcBef>
+              <a:spcAft>
+                <a:spcPct val="0"/>
+              </a:spcAft>
+              <a:buClrTx/>
+              <a:buSzTx/>
+              <a:buFontTx/>
+              <a:buNone/>
+              <a:tabLst/>
+            </a:pPr>
+            <a:r>
+              <a:rPr kumimoji="0" lang="en-GB" altLang="en-US" sz="2400" b="0" i="0" u="none" strike="noStrike" cap="none" normalizeH="0" baseline="0" dirty="0">
+                <a:ln>
+                  <a:noFill/>
+                </a:ln>
+                <a:solidFill>
+                  <a:schemeClr val="tx1"/>
+                </a:solidFill>
+                <a:effectLst/>
+                <a:latin typeface="Calibri" panose="020F0502020204030204" pitchFamily="34" charset="0"/>
+                <a:ea typeface="Calibri" panose="020F0502020204030204" pitchFamily="34" charset="0"/>
+                <a:cs typeface="Times New Roman" panose="02020603050405020304" pitchFamily="18" charset="0"/>
+              </a:rPr>
+              <a:t>IBM. (2020, 7 2). </a:t>
+            </a:r>
+            <a:r>
+              <a:rPr kumimoji="0" lang="en-GB" altLang="en-US" sz="2400" b="0" i="1" u="none" strike="noStrike" cap="none" normalizeH="0" baseline="0" dirty="0">
+                <a:ln>
+                  <a:noFill/>
+                </a:ln>
+                <a:solidFill>
+                  <a:schemeClr val="tx1"/>
+                </a:solidFill>
+                <a:effectLst/>
+                <a:latin typeface="Calibri" panose="020F0502020204030204" pitchFamily="34" charset="0"/>
+                <a:ea typeface="Calibri" panose="020F0502020204030204" pitchFamily="34" charset="0"/>
+                <a:cs typeface="Times New Roman" panose="02020603050405020304" pitchFamily="18" charset="0"/>
+              </a:rPr>
+              <a:t>Natural Language Processing (NLP)</a:t>
+            </a:r>
+            <a:r>
+              <a:rPr kumimoji="0" lang="en-GB" altLang="en-US" sz="2400" b="0" i="0" u="none" strike="noStrike" cap="none" normalizeH="0" baseline="0" dirty="0">
+                <a:ln>
+                  <a:noFill/>
+                </a:ln>
+                <a:solidFill>
+                  <a:schemeClr val="tx1"/>
+                </a:solidFill>
+                <a:effectLst/>
+                <a:latin typeface="Calibri" panose="020F0502020204030204" pitchFamily="34" charset="0"/>
+                <a:ea typeface="Calibri" panose="020F0502020204030204" pitchFamily="34" charset="0"/>
+                <a:cs typeface="Times New Roman" panose="02020603050405020304" pitchFamily="18" charset="0"/>
+              </a:rPr>
+              <a:t>. Retrieved from IBM: https://www.ibm.com/cloud/learn/natural-language-processing</a:t>
+            </a:r>
+            <a:endParaRPr kumimoji="0" lang="en-GB" altLang="en-US" sz="1400" b="0" i="0" u="none" strike="noStrike" cap="none" normalizeH="0" baseline="0" dirty="0">
+              <a:ln>
+                <a:noFill/>
+              </a:ln>
+              <a:solidFill>
+                <a:schemeClr val="tx1"/>
+              </a:solidFill>
+              <a:effectLst/>
+            </a:endParaRPr>
+          </a:p>
+          <a:p>
+            <a:pPr marL="0" marR="0" lvl="0" indent="0" algn="l" defTabSz="914400" rtl="0" eaLnBrk="0" fontAlgn="base" latinLnBrk="0" hangingPunct="0">
+              <a:lnSpc>
+                <a:spcPct val="100000"/>
+              </a:lnSpc>
+              <a:spcBef>
+                <a:spcPct val="0"/>
+              </a:spcBef>
+              <a:spcAft>
+                <a:spcPct val="0"/>
+              </a:spcAft>
+              <a:buClrTx/>
+              <a:buSzTx/>
+              <a:buFontTx/>
+              <a:buNone/>
+              <a:tabLst/>
+            </a:pPr>
+            <a:r>
+              <a:rPr kumimoji="0" lang="en-GB" altLang="en-US" sz="2400" b="0" i="0" u="none" strike="noStrike" cap="none" normalizeH="0" baseline="0" dirty="0">
+                <a:ln>
+                  <a:noFill/>
+                </a:ln>
+                <a:solidFill>
+                  <a:schemeClr val="tx1"/>
+                </a:solidFill>
+                <a:effectLst/>
+                <a:latin typeface="Calibri" panose="020F0502020204030204" pitchFamily="34" charset="0"/>
+                <a:ea typeface="Calibri" panose="020F0502020204030204" pitchFamily="34" charset="0"/>
+                <a:cs typeface="Times New Roman" panose="02020603050405020304" pitchFamily="18" charset="0"/>
+              </a:rPr>
+              <a:t>Igor Ribeiro Lima, T. d. (2012, 1 1). </a:t>
+            </a:r>
+            <a:r>
+              <a:rPr kumimoji="0" lang="en-GB" altLang="en-US" sz="2400" b="0" i="1" u="none" strike="noStrike" cap="none" normalizeH="0" baseline="0" dirty="0">
+                <a:ln>
+                  <a:noFill/>
+                </a:ln>
+                <a:solidFill>
+                  <a:schemeClr val="tx1"/>
+                </a:solidFill>
+                <a:effectLst/>
+                <a:latin typeface="Calibri" panose="020F0502020204030204" pitchFamily="34" charset="0"/>
+                <a:ea typeface="Calibri" panose="020F0502020204030204" pitchFamily="34" charset="0"/>
+                <a:cs typeface="Times New Roman" panose="02020603050405020304" pitchFamily="18" charset="0"/>
+              </a:rPr>
+              <a:t>Adapting and Using Scrum in a Software .</a:t>
+            </a:r>
+            <a:r>
+              <a:rPr kumimoji="0" lang="en-GB" altLang="en-US" sz="2400" b="0" i="0" u="none" strike="noStrike" cap="none" normalizeH="0" baseline="0" dirty="0">
+                <a:ln>
+                  <a:noFill/>
+                </a:ln>
+                <a:solidFill>
+                  <a:schemeClr val="tx1"/>
+                </a:solidFill>
+                <a:effectLst/>
+                <a:latin typeface="Calibri" panose="020F0502020204030204" pitchFamily="34" charset="0"/>
+                <a:ea typeface="Calibri" panose="020F0502020204030204" pitchFamily="34" charset="0"/>
+                <a:cs typeface="Times New Roman" panose="02020603050405020304" pitchFamily="18" charset="0"/>
+              </a:rPr>
+              <a:t> Retrieved from fsma.edu.br: http://fsma.edu.br/si/edicao9/FSMA_SI_2012_1_Principal_2_en.pdf</a:t>
+            </a:r>
+            <a:endParaRPr kumimoji="0" lang="en-GB" altLang="en-US" sz="1400" b="0" i="0" u="none" strike="noStrike" cap="none" normalizeH="0" baseline="0" dirty="0">
+              <a:ln>
+                <a:noFill/>
+              </a:ln>
+              <a:solidFill>
+                <a:schemeClr val="tx1"/>
+              </a:solidFill>
+              <a:effectLst/>
+            </a:endParaRPr>
+          </a:p>
+          <a:p>
+            <a:pPr marL="0" marR="0" lvl="0" indent="0" algn="l" defTabSz="914400" rtl="0" eaLnBrk="0" fontAlgn="base" latinLnBrk="0" hangingPunct="0">
+              <a:lnSpc>
+                <a:spcPct val="100000"/>
+              </a:lnSpc>
+              <a:spcBef>
+                <a:spcPct val="0"/>
+              </a:spcBef>
+              <a:spcAft>
+                <a:spcPct val="0"/>
+              </a:spcAft>
+              <a:buClrTx/>
+              <a:buSzTx/>
+              <a:buFontTx/>
+              <a:buNone/>
+              <a:tabLst/>
+            </a:pPr>
+            <a:r>
+              <a:rPr kumimoji="0" lang="en-GB" altLang="en-US" sz="2400" b="0" i="0" u="none" strike="noStrike" cap="none" normalizeH="0" baseline="0" dirty="0" err="1">
+                <a:ln>
+                  <a:noFill/>
+                </a:ln>
+                <a:solidFill>
+                  <a:schemeClr val="tx1"/>
+                </a:solidFill>
+                <a:effectLst/>
+                <a:latin typeface="Calibri" panose="020F0502020204030204" pitchFamily="34" charset="0"/>
+                <a:ea typeface="Calibri" panose="020F0502020204030204" pitchFamily="34" charset="0"/>
+                <a:cs typeface="Times New Roman" panose="02020603050405020304" pitchFamily="18" charset="0"/>
+              </a:rPr>
+              <a:t>Ilche</a:t>
+            </a:r>
+            <a:r>
+              <a:rPr kumimoji="0" lang="en-GB" altLang="en-US" sz="2400" b="0" i="0" u="none" strike="noStrike" cap="none" normalizeH="0" baseline="0" dirty="0">
+                <a:ln>
+                  <a:noFill/>
+                </a:ln>
+                <a:solidFill>
+                  <a:schemeClr val="tx1"/>
+                </a:solidFill>
+                <a:effectLst/>
+                <a:latin typeface="Calibri" panose="020F0502020204030204" pitchFamily="34" charset="0"/>
+                <a:ea typeface="Calibri" panose="020F0502020204030204" pitchFamily="34" charset="0"/>
+                <a:cs typeface="Times New Roman" panose="02020603050405020304" pitchFamily="18" charset="0"/>
+              </a:rPr>
+              <a:t> </a:t>
+            </a:r>
+            <a:r>
+              <a:rPr kumimoji="0" lang="en-GB" altLang="en-US" sz="2400" b="0" i="0" u="none" strike="noStrike" cap="none" normalizeH="0" baseline="0" dirty="0" err="1">
+                <a:ln>
+                  <a:noFill/>
+                </a:ln>
+                <a:solidFill>
+                  <a:schemeClr val="tx1"/>
+                </a:solidFill>
+                <a:effectLst/>
+                <a:latin typeface="Calibri" panose="020F0502020204030204" pitchFamily="34" charset="0"/>
+                <a:ea typeface="Calibri" panose="020F0502020204030204" pitchFamily="34" charset="0"/>
+                <a:cs typeface="Times New Roman" panose="02020603050405020304" pitchFamily="18" charset="0"/>
+              </a:rPr>
+              <a:t>Georgievski</a:t>
+            </a:r>
+            <a:r>
+              <a:rPr kumimoji="0" lang="en-GB" altLang="en-US" sz="2400" b="0" i="0" u="none" strike="noStrike" cap="none" normalizeH="0" baseline="0" dirty="0">
+                <a:ln>
+                  <a:noFill/>
+                </a:ln>
+                <a:solidFill>
+                  <a:schemeClr val="tx1"/>
+                </a:solidFill>
+                <a:effectLst/>
+                <a:latin typeface="Calibri" panose="020F0502020204030204" pitchFamily="34" charset="0"/>
+                <a:ea typeface="Calibri" panose="020F0502020204030204" pitchFamily="34" charset="0"/>
+                <a:cs typeface="Times New Roman" panose="02020603050405020304" pitchFamily="18" charset="0"/>
+              </a:rPr>
+              <a:t>, M. A. (2014, 3 28). </a:t>
+            </a:r>
+            <a:r>
+              <a:rPr kumimoji="0" lang="en-GB" altLang="en-US" sz="2400" b="0" i="1" u="none" strike="noStrike" cap="none" normalizeH="0" baseline="0" dirty="0">
+                <a:ln>
+                  <a:noFill/>
+                </a:ln>
+                <a:solidFill>
+                  <a:schemeClr val="tx1"/>
+                </a:solidFill>
+                <a:effectLst/>
+                <a:latin typeface="Calibri" panose="020F0502020204030204" pitchFamily="34" charset="0"/>
+                <a:ea typeface="Calibri" panose="020F0502020204030204" pitchFamily="34" charset="0"/>
+                <a:cs typeface="Times New Roman" panose="02020603050405020304" pitchFamily="18" charset="0"/>
+              </a:rPr>
+              <a:t>An Overview of Hierarchical Task Network Planning</a:t>
+            </a:r>
+            <a:r>
+              <a:rPr kumimoji="0" lang="en-GB" altLang="en-US" sz="2400" b="0" i="0" u="none" strike="noStrike" cap="none" normalizeH="0" baseline="0" dirty="0">
+                <a:ln>
+                  <a:noFill/>
+                </a:ln>
+                <a:solidFill>
+                  <a:schemeClr val="tx1"/>
+                </a:solidFill>
+                <a:effectLst/>
+                <a:latin typeface="Calibri" panose="020F0502020204030204" pitchFamily="34" charset="0"/>
+                <a:ea typeface="Calibri" panose="020F0502020204030204" pitchFamily="34" charset="0"/>
+                <a:cs typeface="Times New Roman" panose="02020603050405020304" pitchFamily="18" charset="0"/>
+              </a:rPr>
+              <a:t>. Retrieved from </a:t>
+            </a:r>
+            <a:r>
+              <a:rPr kumimoji="0" lang="en-GB" altLang="en-US" sz="2400" b="0" i="0" u="none" strike="noStrike" cap="none" normalizeH="0" baseline="0" dirty="0" err="1">
+                <a:ln>
+                  <a:noFill/>
+                </a:ln>
+                <a:solidFill>
+                  <a:schemeClr val="tx1"/>
+                </a:solidFill>
+                <a:effectLst/>
+                <a:latin typeface="Calibri" panose="020F0502020204030204" pitchFamily="34" charset="0"/>
+                <a:ea typeface="Calibri" panose="020F0502020204030204" pitchFamily="34" charset="0"/>
+                <a:cs typeface="Times New Roman" panose="02020603050405020304" pitchFamily="18" charset="0"/>
+              </a:rPr>
+              <a:t>Arxiv</a:t>
+            </a:r>
+            <a:r>
+              <a:rPr kumimoji="0" lang="en-GB" altLang="en-US" sz="2400" b="0" i="0" u="none" strike="noStrike" cap="none" normalizeH="0" baseline="0" dirty="0">
+                <a:ln>
+                  <a:noFill/>
+                </a:ln>
+                <a:solidFill>
+                  <a:schemeClr val="tx1"/>
+                </a:solidFill>
+                <a:effectLst/>
+                <a:latin typeface="Calibri" panose="020F0502020204030204" pitchFamily="34" charset="0"/>
+                <a:ea typeface="Calibri" panose="020F0502020204030204" pitchFamily="34" charset="0"/>
+                <a:cs typeface="Times New Roman" panose="02020603050405020304" pitchFamily="18" charset="0"/>
+              </a:rPr>
+              <a:t>: https://arxiv.org/pdf/1403.7426.pdf</a:t>
+            </a:r>
+            <a:endParaRPr kumimoji="0" lang="en-GB" altLang="en-US" sz="1400" b="0" i="0" u="none" strike="noStrike" cap="none" normalizeH="0" baseline="0" dirty="0">
+              <a:ln>
+                <a:noFill/>
+              </a:ln>
+              <a:solidFill>
+                <a:schemeClr val="tx1"/>
+              </a:solidFill>
+              <a:effectLst/>
+            </a:endParaRPr>
+          </a:p>
+          <a:p>
+            <a:pPr marL="0" marR="0" lvl="0" indent="0" algn="l" defTabSz="914400" rtl="0" eaLnBrk="0" fontAlgn="base" latinLnBrk="0" hangingPunct="0">
+              <a:lnSpc>
+                <a:spcPct val="100000"/>
+              </a:lnSpc>
+              <a:spcBef>
+                <a:spcPct val="0"/>
+              </a:spcBef>
+              <a:spcAft>
+                <a:spcPct val="0"/>
+              </a:spcAft>
+              <a:buClrTx/>
+              <a:buSzTx/>
+              <a:buFontTx/>
+              <a:buNone/>
+              <a:tabLst/>
+            </a:pPr>
+            <a:r>
+              <a:rPr kumimoji="0" lang="en-GB" altLang="en-US" sz="2400" b="0" i="0" u="none" strike="noStrike" cap="none" normalizeH="0" baseline="0" dirty="0">
+                <a:ln>
+                  <a:noFill/>
+                </a:ln>
+                <a:solidFill>
+                  <a:schemeClr val="tx1"/>
+                </a:solidFill>
+                <a:effectLst/>
+                <a:latin typeface="Calibri" panose="020F0502020204030204" pitchFamily="34" charset="0"/>
+                <a:ea typeface="Calibri" panose="020F0502020204030204" pitchFamily="34" charset="0"/>
+                <a:cs typeface="Times New Roman" panose="02020603050405020304" pitchFamily="18" charset="0"/>
+              </a:rPr>
+              <a:t>Jason </a:t>
+            </a:r>
+            <a:r>
+              <a:rPr kumimoji="0" lang="en-GB" altLang="en-US" sz="2400" b="0" i="0" u="none" strike="noStrike" cap="none" normalizeH="0" baseline="0" dirty="0" err="1">
+                <a:ln>
+                  <a:noFill/>
+                </a:ln>
+                <a:solidFill>
+                  <a:schemeClr val="tx1"/>
+                </a:solidFill>
+                <a:effectLst/>
+                <a:latin typeface="Calibri" panose="020F0502020204030204" pitchFamily="34" charset="0"/>
+                <a:ea typeface="Calibri" panose="020F0502020204030204" pitchFamily="34" charset="0"/>
+                <a:cs typeface="Times New Roman" panose="02020603050405020304" pitchFamily="18" charset="0"/>
+              </a:rPr>
+              <a:t>Grinblat</a:t>
+            </a:r>
+            <a:r>
+              <a:rPr kumimoji="0" lang="en-GB" altLang="en-US" sz="2400" b="0" i="0" u="none" strike="noStrike" cap="none" normalizeH="0" baseline="0" dirty="0">
+                <a:ln>
+                  <a:noFill/>
+                </a:ln>
+                <a:solidFill>
+                  <a:schemeClr val="tx1"/>
+                </a:solidFill>
+                <a:effectLst/>
+                <a:latin typeface="Calibri" panose="020F0502020204030204" pitchFamily="34" charset="0"/>
+                <a:ea typeface="Calibri" panose="020F0502020204030204" pitchFamily="34" charset="0"/>
+                <a:cs typeface="Times New Roman" panose="02020603050405020304" pitchFamily="18" charset="0"/>
+              </a:rPr>
+              <a:t>, C. B. (2017, 8 14). </a:t>
+            </a:r>
+            <a:r>
+              <a:rPr kumimoji="0" lang="en-GB" altLang="en-US" sz="2400" b="0" i="1" u="none" strike="noStrike" cap="none" normalizeH="0" baseline="0" dirty="0">
+                <a:ln>
+                  <a:noFill/>
+                </a:ln>
+                <a:solidFill>
+                  <a:schemeClr val="tx1"/>
+                </a:solidFill>
+                <a:effectLst/>
+                <a:latin typeface="Calibri" panose="020F0502020204030204" pitchFamily="34" charset="0"/>
+                <a:ea typeface="Calibri" panose="020F0502020204030204" pitchFamily="34" charset="0"/>
+                <a:cs typeface="Times New Roman" panose="02020603050405020304" pitchFamily="18" charset="0"/>
+              </a:rPr>
+              <a:t>Subverting historical cause &amp; effect: generation of mythic biographies in Caves of </a:t>
+            </a:r>
+            <a:r>
+              <a:rPr kumimoji="0" lang="en-GB" altLang="en-US" sz="2400" b="0" i="1" u="none" strike="noStrike" cap="none" normalizeH="0" baseline="0" dirty="0" err="1">
+                <a:ln>
+                  <a:noFill/>
+                </a:ln>
+                <a:solidFill>
+                  <a:schemeClr val="tx1"/>
+                </a:solidFill>
+                <a:effectLst/>
+                <a:latin typeface="Calibri" panose="020F0502020204030204" pitchFamily="34" charset="0"/>
+                <a:ea typeface="Calibri" panose="020F0502020204030204" pitchFamily="34" charset="0"/>
+                <a:cs typeface="Times New Roman" panose="02020603050405020304" pitchFamily="18" charset="0"/>
+              </a:rPr>
+              <a:t>Qud</a:t>
+            </a:r>
+            <a:r>
+              <a:rPr kumimoji="0" lang="en-GB" altLang="en-US" sz="2400" b="0" i="0" u="none" strike="noStrike" cap="none" normalizeH="0" baseline="0" dirty="0">
+                <a:ln>
+                  <a:noFill/>
+                </a:ln>
+                <a:solidFill>
+                  <a:schemeClr val="tx1"/>
+                </a:solidFill>
+                <a:effectLst/>
+                <a:latin typeface="Calibri" panose="020F0502020204030204" pitchFamily="34" charset="0"/>
+                <a:ea typeface="Calibri" panose="020F0502020204030204" pitchFamily="34" charset="0"/>
+                <a:cs typeface="Times New Roman" panose="02020603050405020304" pitchFamily="18" charset="0"/>
+              </a:rPr>
+              <a:t>. Retrieved from ACM: https://dl.acm.org/doi/pdf/10.1145/3102071.3110574</a:t>
+            </a:r>
+            <a:endParaRPr kumimoji="0" lang="en-GB" altLang="en-US" sz="1400" b="0" i="0" u="none" strike="noStrike" cap="none" normalizeH="0" baseline="0" dirty="0">
+              <a:ln>
+                <a:noFill/>
+              </a:ln>
+              <a:solidFill>
+                <a:schemeClr val="tx1"/>
+              </a:solidFill>
+              <a:effectLst/>
+            </a:endParaRPr>
+          </a:p>
+          <a:p>
+            <a:pPr marL="0" marR="0" lvl="0" indent="0" algn="l" defTabSz="914400" rtl="0" eaLnBrk="0" fontAlgn="base" latinLnBrk="0" hangingPunct="0">
+              <a:lnSpc>
+                <a:spcPct val="100000"/>
+              </a:lnSpc>
+              <a:spcBef>
+                <a:spcPct val="0"/>
+              </a:spcBef>
+              <a:spcAft>
+                <a:spcPct val="0"/>
+              </a:spcAft>
+              <a:buClrTx/>
+              <a:buSzTx/>
+              <a:buFontTx/>
+              <a:buNone/>
+              <a:tabLst/>
+            </a:pPr>
+            <a:r>
+              <a:rPr kumimoji="0" lang="en-GB" altLang="en-US" sz="2400" b="0" i="0" u="none" strike="noStrike" cap="none" normalizeH="0" baseline="0" dirty="0">
+                <a:ln>
+                  <a:noFill/>
+                </a:ln>
+                <a:solidFill>
+                  <a:schemeClr val="tx1"/>
+                </a:solidFill>
+                <a:effectLst/>
+                <a:latin typeface="Calibri" panose="020F0502020204030204" pitchFamily="34" charset="0"/>
+                <a:ea typeface="Calibri" panose="020F0502020204030204" pitchFamily="34" charset="0"/>
+                <a:cs typeface="Times New Roman" panose="02020603050405020304" pitchFamily="18" charset="0"/>
+              </a:rPr>
+              <a:t>JSON.org. (2022, 5 4). </a:t>
+            </a:r>
+            <a:r>
+              <a:rPr kumimoji="0" lang="en-GB" altLang="en-US" sz="2400" b="0" i="1" u="none" strike="noStrike" cap="none" normalizeH="0" baseline="0" dirty="0">
+                <a:ln>
+                  <a:noFill/>
+                </a:ln>
+                <a:solidFill>
+                  <a:schemeClr val="tx1"/>
+                </a:solidFill>
+                <a:effectLst/>
+                <a:latin typeface="Calibri" panose="020F0502020204030204" pitchFamily="34" charset="0"/>
+                <a:ea typeface="Calibri" panose="020F0502020204030204" pitchFamily="34" charset="0"/>
+                <a:cs typeface="Times New Roman" panose="02020603050405020304" pitchFamily="18" charset="0"/>
+              </a:rPr>
+              <a:t>Introducing JSON.</a:t>
+            </a:r>
+            <a:r>
+              <a:rPr kumimoji="0" lang="en-GB" altLang="en-US" sz="2400" b="0" i="0" u="none" strike="noStrike" cap="none" normalizeH="0" baseline="0" dirty="0">
+                <a:ln>
+                  <a:noFill/>
+                </a:ln>
+                <a:solidFill>
+                  <a:schemeClr val="tx1"/>
+                </a:solidFill>
+                <a:effectLst/>
+                <a:latin typeface="Calibri" panose="020F0502020204030204" pitchFamily="34" charset="0"/>
+                <a:ea typeface="Calibri" panose="020F0502020204030204" pitchFamily="34" charset="0"/>
+                <a:cs typeface="Times New Roman" panose="02020603050405020304" pitchFamily="18" charset="0"/>
+              </a:rPr>
+              <a:t> Retrieved from JSON.org: https://www.json.org/json-en.html</a:t>
+            </a:r>
+            <a:endParaRPr kumimoji="0" lang="en-GB" altLang="en-US" sz="1400" b="0" i="0" u="none" strike="noStrike" cap="none" normalizeH="0" baseline="0" dirty="0">
+              <a:ln>
+                <a:noFill/>
+              </a:ln>
+              <a:solidFill>
+                <a:schemeClr val="tx1"/>
+              </a:solidFill>
+              <a:effectLst/>
+            </a:endParaRPr>
+          </a:p>
+          <a:p>
+            <a:pPr marL="0" marR="0" lvl="0" indent="0" algn="l" defTabSz="914400" rtl="0" eaLnBrk="0" fontAlgn="base" latinLnBrk="0" hangingPunct="0">
+              <a:lnSpc>
+                <a:spcPct val="100000"/>
+              </a:lnSpc>
+              <a:spcBef>
+                <a:spcPct val="0"/>
+              </a:spcBef>
+              <a:spcAft>
+                <a:spcPct val="0"/>
+              </a:spcAft>
+              <a:buClrTx/>
+              <a:buSzTx/>
+              <a:buFontTx/>
+              <a:buNone/>
+              <a:tabLst/>
+            </a:pPr>
+            <a:r>
+              <a:rPr kumimoji="0" lang="en-GB" altLang="en-US" sz="2400" b="0" i="0" u="none" strike="noStrike" cap="none" normalizeH="0" baseline="0" dirty="0">
+                <a:ln>
+                  <a:noFill/>
+                </a:ln>
+                <a:solidFill>
+                  <a:schemeClr val="tx1"/>
+                </a:solidFill>
+                <a:effectLst/>
+                <a:latin typeface="Calibri" panose="020F0502020204030204" pitchFamily="34" charset="0"/>
+                <a:ea typeface="Calibri" panose="020F0502020204030204" pitchFamily="34" charset="0"/>
+                <a:cs typeface="Times New Roman" panose="02020603050405020304" pitchFamily="18" charset="0"/>
+              </a:rPr>
+              <a:t>Kaushal Chari, M. A. (2017, 4 22). </a:t>
+            </a:r>
+            <a:r>
+              <a:rPr kumimoji="0" lang="en-GB" altLang="en-US" sz="2400" b="0" i="1" u="none" strike="noStrike" cap="none" normalizeH="0" baseline="0" dirty="0">
+                <a:ln>
+                  <a:noFill/>
+                </a:ln>
+                <a:solidFill>
+                  <a:schemeClr val="tx1"/>
+                </a:solidFill>
+                <a:effectLst/>
+                <a:latin typeface="Calibri" panose="020F0502020204030204" pitchFamily="34" charset="0"/>
+                <a:ea typeface="Calibri" panose="020F0502020204030204" pitchFamily="34" charset="0"/>
+                <a:cs typeface="Times New Roman" panose="02020603050405020304" pitchFamily="18" charset="0"/>
+              </a:rPr>
+              <a:t>Impact of incorrect and new requirements on waterfall software project outcomes.</a:t>
+            </a:r>
+            <a:r>
+              <a:rPr kumimoji="0" lang="en-GB" altLang="en-US" sz="2400" b="0" i="0" u="none" strike="noStrike" cap="none" normalizeH="0" baseline="0" dirty="0">
+                <a:ln>
+                  <a:noFill/>
+                </a:ln>
+                <a:solidFill>
+                  <a:schemeClr val="tx1"/>
+                </a:solidFill>
+                <a:effectLst/>
+                <a:latin typeface="Calibri" panose="020F0502020204030204" pitchFamily="34" charset="0"/>
+                <a:ea typeface="Calibri" panose="020F0502020204030204" pitchFamily="34" charset="0"/>
+                <a:cs typeface="Times New Roman" panose="02020603050405020304" pitchFamily="18" charset="0"/>
+              </a:rPr>
+              <a:t> Retrieved from Research Gate: https://www.researchgate.net/publication/316362583_Impact_of_incorrect_and_new_requirements_on_waterfall_software_project_outcomes</a:t>
+            </a:r>
+            <a:endParaRPr kumimoji="0" lang="en-GB" altLang="en-US" sz="1400" b="0" i="0" u="none" strike="noStrike" cap="none" normalizeH="0" baseline="0" dirty="0">
+              <a:ln>
+                <a:noFill/>
+              </a:ln>
+              <a:solidFill>
+                <a:schemeClr val="tx1"/>
+              </a:solidFill>
+              <a:effectLst/>
+            </a:endParaRPr>
+          </a:p>
+          <a:p>
+            <a:pPr marL="0" marR="0" lvl="0" indent="0" algn="l" defTabSz="914400" rtl="0" eaLnBrk="0" fontAlgn="base" latinLnBrk="0" hangingPunct="0">
+              <a:lnSpc>
+                <a:spcPct val="100000"/>
+              </a:lnSpc>
+              <a:spcBef>
+                <a:spcPct val="0"/>
+              </a:spcBef>
+              <a:spcAft>
+                <a:spcPct val="0"/>
+              </a:spcAft>
+              <a:buClrTx/>
+              <a:buSzTx/>
+              <a:buFontTx/>
+              <a:buNone/>
+              <a:tabLst/>
+            </a:pPr>
+            <a:r>
+              <a:rPr kumimoji="0" lang="en-GB" altLang="en-US" sz="2400" b="0" i="0" u="none" strike="noStrike" cap="none" normalizeH="0" baseline="0" dirty="0">
+                <a:ln>
+                  <a:noFill/>
+                </a:ln>
+                <a:solidFill>
+                  <a:schemeClr val="tx1"/>
+                </a:solidFill>
+                <a:effectLst/>
+                <a:latin typeface="Calibri" panose="020F0502020204030204" pitchFamily="34" charset="0"/>
+                <a:ea typeface="Calibri" panose="020F0502020204030204" pitchFamily="34" charset="0"/>
+                <a:cs typeface="Times New Roman" panose="02020603050405020304" pitchFamily="18" charset="0"/>
+              </a:rPr>
+              <a:t>Khalil, M. A., &amp; </a:t>
+            </a:r>
+            <a:r>
+              <a:rPr kumimoji="0" lang="en-GB" altLang="en-US" sz="2400" b="0" i="0" u="none" strike="noStrike" cap="none" normalizeH="0" baseline="0" dirty="0" err="1">
+                <a:ln>
+                  <a:noFill/>
+                </a:ln>
+                <a:solidFill>
+                  <a:schemeClr val="tx1"/>
+                </a:solidFill>
+                <a:effectLst/>
+                <a:latin typeface="Calibri" panose="020F0502020204030204" pitchFamily="34" charset="0"/>
+                <a:ea typeface="Calibri" panose="020F0502020204030204" pitchFamily="34" charset="0"/>
+                <a:cs typeface="Times New Roman" panose="02020603050405020304" pitchFamily="18" charset="0"/>
+              </a:rPr>
+              <a:t>Kotaiah</a:t>
+            </a:r>
+            <a:r>
+              <a:rPr kumimoji="0" lang="en-GB" altLang="en-US" sz="2400" b="0" i="0" u="none" strike="noStrike" cap="none" normalizeH="0" baseline="0" dirty="0">
+                <a:ln>
+                  <a:noFill/>
+                </a:ln>
+                <a:solidFill>
+                  <a:schemeClr val="tx1"/>
+                </a:solidFill>
+                <a:effectLst/>
+                <a:latin typeface="Calibri" panose="020F0502020204030204" pitchFamily="34" charset="0"/>
+                <a:ea typeface="Calibri" panose="020F0502020204030204" pitchFamily="34" charset="0"/>
+                <a:cs typeface="Times New Roman" panose="02020603050405020304" pitchFamily="18" charset="0"/>
+              </a:rPr>
+              <a:t>, B. (2017, 8 1). </a:t>
+            </a:r>
+            <a:r>
+              <a:rPr kumimoji="0" lang="en-GB" altLang="en-US" sz="2400" b="0" i="1" u="none" strike="noStrike" cap="none" normalizeH="0" baseline="0" dirty="0">
+                <a:ln>
+                  <a:noFill/>
+                </a:ln>
+                <a:solidFill>
+                  <a:schemeClr val="tx1"/>
+                </a:solidFill>
+                <a:effectLst/>
+                <a:latin typeface="Calibri" panose="020F0502020204030204" pitchFamily="34" charset="0"/>
+                <a:ea typeface="Calibri" panose="020F0502020204030204" pitchFamily="34" charset="0"/>
+                <a:cs typeface="Times New Roman" panose="02020603050405020304" pitchFamily="18" charset="0"/>
+              </a:rPr>
+              <a:t>Implementation of agile methodology based on SCRUM tool</a:t>
+            </a:r>
+            <a:r>
+              <a:rPr kumimoji="0" lang="en-GB" altLang="en-US" sz="2400" b="0" i="0" u="none" strike="noStrike" cap="none" normalizeH="0" baseline="0" dirty="0">
+                <a:ln>
+                  <a:noFill/>
+                </a:ln>
+                <a:solidFill>
+                  <a:schemeClr val="tx1"/>
+                </a:solidFill>
+                <a:effectLst/>
+                <a:latin typeface="Calibri" panose="020F0502020204030204" pitchFamily="34" charset="0"/>
+                <a:ea typeface="Calibri" panose="020F0502020204030204" pitchFamily="34" charset="0"/>
+                <a:cs typeface="Times New Roman" panose="02020603050405020304" pitchFamily="18" charset="0"/>
+              </a:rPr>
+              <a:t>. Retrieved from IEEE Xplore: https://ieeexplore.ieee.org/abstract/document/8389872</a:t>
+            </a:r>
+            <a:endParaRPr kumimoji="0" lang="en-GB" altLang="en-US" sz="1400" b="0" i="0" u="none" strike="noStrike" cap="none" normalizeH="0" baseline="0" dirty="0">
+              <a:ln>
+                <a:noFill/>
+              </a:ln>
+              <a:solidFill>
+                <a:schemeClr val="tx1"/>
+              </a:solidFill>
+              <a:effectLst/>
+            </a:endParaRPr>
+          </a:p>
+          <a:p>
+            <a:pPr marL="0" marR="0" lvl="0" indent="0" algn="l" defTabSz="914400" rtl="0" eaLnBrk="0" fontAlgn="base" latinLnBrk="0" hangingPunct="0">
+              <a:lnSpc>
+                <a:spcPct val="100000"/>
+              </a:lnSpc>
+              <a:spcBef>
+                <a:spcPct val="0"/>
+              </a:spcBef>
+              <a:spcAft>
+                <a:spcPct val="0"/>
+              </a:spcAft>
+              <a:buClrTx/>
+              <a:buSzTx/>
+              <a:buFontTx/>
+              <a:buNone/>
+              <a:tabLst/>
+            </a:pPr>
+            <a:r>
+              <a:rPr kumimoji="0" lang="en-GB" altLang="en-US" sz="2400" b="0" i="0" u="none" strike="noStrike" cap="none" normalizeH="0" baseline="0" dirty="0">
+                <a:ln>
+                  <a:noFill/>
+                </a:ln>
+                <a:solidFill>
+                  <a:schemeClr val="tx1"/>
+                </a:solidFill>
+                <a:effectLst/>
+                <a:latin typeface="Calibri" panose="020F0502020204030204" pitchFamily="34" charset="0"/>
+                <a:ea typeface="Calibri" panose="020F0502020204030204" pitchFamily="34" charset="0"/>
+                <a:cs typeface="Times New Roman" panose="02020603050405020304" pitchFamily="18" charset="0"/>
+              </a:rPr>
+              <a:t>Latitude. (2022, 1 1). </a:t>
+            </a:r>
+            <a:r>
+              <a:rPr kumimoji="0" lang="en-GB" altLang="en-US" sz="2400" b="0" i="1" u="none" strike="noStrike" cap="none" normalizeH="0" baseline="0" dirty="0">
+                <a:ln>
+                  <a:noFill/>
+                </a:ln>
+                <a:solidFill>
+                  <a:schemeClr val="tx1"/>
+                </a:solidFill>
+                <a:effectLst/>
+                <a:latin typeface="Calibri" panose="020F0502020204030204" pitchFamily="34" charset="0"/>
+                <a:ea typeface="Calibri" panose="020F0502020204030204" pitchFamily="34" charset="0"/>
+                <a:cs typeface="Times New Roman" panose="02020603050405020304" pitchFamily="18" charset="0"/>
+              </a:rPr>
+              <a:t>AI Dungeon</a:t>
+            </a:r>
+            <a:r>
+              <a:rPr kumimoji="0" lang="en-GB" altLang="en-US" sz="2400" b="0" i="0" u="none" strike="noStrike" cap="none" normalizeH="0" baseline="0" dirty="0">
+                <a:ln>
+                  <a:noFill/>
+                </a:ln>
+                <a:solidFill>
+                  <a:schemeClr val="tx1"/>
+                </a:solidFill>
+                <a:effectLst/>
+                <a:latin typeface="Calibri" panose="020F0502020204030204" pitchFamily="34" charset="0"/>
+                <a:ea typeface="Calibri" panose="020F0502020204030204" pitchFamily="34" charset="0"/>
+                <a:cs typeface="Times New Roman" panose="02020603050405020304" pitchFamily="18" charset="0"/>
+              </a:rPr>
+              <a:t>. Retrieved from AI Dungeon: https://play.aidungeon.io/</a:t>
+            </a:r>
+            <a:endParaRPr kumimoji="0" lang="en-GB" altLang="en-US" sz="1400" b="0" i="0" u="none" strike="noStrike" cap="none" normalizeH="0" baseline="0" dirty="0">
+              <a:ln>
+                <a:noFill/>
+              </a:ln>
+              <a:solidFill>
+                <a:schemeClr val="tx1"/>
+              </a:solidFill>
+              <a:effectLst/>
+            </a:endParaRPr>
+          </a:p>
+          <a:p>
+            <a:pPr marL="0" marR="0" lvl="0" indent="0" algn="l" defTabSz="914400" rtl="0" eaLnBrk="0" fontAlgn="base" latinLnBrk="0" hangingPunct="0">
+              <a:lnSpc>
+                <a:spcPct val="100000"/>
+              </a:lnSpc>
+              <a:spcBef>
+                <a:spcPct val="0"/>
+              </a:spcBef>
+              <a:spcAft>
+                <a:spcPct val="0"/>
+              </a:spcAft>
+              <a:buClrTx/>
+              <a:buSzTx/>
+              <a:buFontTx/>
+              <a:buNone/>
+              <a:tabLst/>
+            </a:pPr>
+            <a:r>
+              <a:rPr kumimoji="0" lang="en-GB" altLang="en-US" sz="2400" b="0" i="0" u="none" strike="noStrike" cap="none" normalizeH="0" baseline="0" dirty="0">
+                <a:ln>
+                  <a:noFill/>
+                </a:ln>
+                <a:solidFill>
+                  <a:schemeClr val="tx1"/>
+                </a:solidFill>
+                <a:effectLst/>
+                <a:latin typeface="Calibri" panose="020F0502020204030204" pitchFamily="34" charset="0"/>
+                <a:ea typeface="Calibri" panose="020F0502020204030204" pitchFamily="34" charset="0"/>
+                <a:cs typeface="Times New Roman" panose="02020603050405020304" pitchFamily="18" charset="0"/>
+              </a:rPr>
+              <a:t>Li, L., &amp; Campbell, J. (2010, 1 1). </a:t>
+            </a:r>
+            <a:r>
+              <a:rPr kumimoji="0" lang="en-GB" altLang="en-US" sz="2400" b="0" i="1" u="none" strike="noStrike" cap="none" normalizeH="0" baseline="0" dirty="0">
+                <a:ln>
+                  <a:noFill/>
+                </a:ln>
+                <a:solidFill>
+                  <a:schemeClr val="tx1"/>
+                </a:solidFill>
+                <a:effectLst/>
+                <a:latin typeface="Calibri" panose="020F0502020204030204" pitchFamily="34" charset="0"/>
+                <a:ea typeface="Calibri" panose="020F0502020204030204" pitchFamily="34" charset="0"/>
+                <a:cs typeface="Times New Roman" panose="02020603050405020304" pitchFamily="18" charset="0"/>
+              </a:rPr>
+              <a:t>Emotion </a:t>
+            </a:r>
+            <a:r>
+              <a:rPr kumimoji="0" lang="en-GB" altLang="en-US" sz="2400" b="0" i="1" u="none" strike="noStrike" cap="none" normalizeH="0" baseline="0" dirty="0" err="1">
+                <a:ln>
+                  <a:noFill/>
+                </a:ln>
+                <a:solidFill>
+                  <a:schemeClr val="tx1"/>
+                </a:solidFill>
+                <a:effectLst/>
+                <a:latin typeface="Calibri" panose="020F0502020204030204" pitchFamily="34" charset="0"/>
+                <a:ea typeface="Calibri" panose="020F0502020204030204" pitchFamily="34" charset="0"/>
+                <a:cs typeface="Times New Roman" panose="02020603050405020304" pitchFamily="18" charset="0"/>
+              </a:rPr>
+              <a:t>Modeling</a:t>
+            </a:r>
+            <a:r>
+              <a:rPr kumimoji="0" lang="en-GB" altLang="en-US" sz="2400" b="0" i="1" u="none" strike="noStrike" cap="none" normalizeH="0" baseline="0" dirty="0">
+                <a:ln>
+                  <a:noFill/>
+                </a:ln>
+                <a:solidFill>
+                  <a:schemeClr val="tx1"/>
+                </a:solidFill>
+                <a:effectLst/>
+                <a:latin typeface="Calibri" panose="020F0502020204030204" pitchFamily="34" charset="0"/>
+                <a:ea typeface="Calibri" panose="020F0502020204030204" pitchFamily="34" charset="0"/>
+                <a:cs typeface="Times New Roman" panose="02020603050405020304" pitchFamily="18" charset="0"/>
+              </a:rPr>
+              <a:t> and Interaction of NPCS in Virtual Simulation and Games.</a:t>
+            </a:r>
+            <a:r>
+              <a:rPr kumimoji="0" lang="en-GB" altLang="en-US" sz="2400" b="0" i="0" u="none" strike="noStrike" cap="none" normalizeH="0" baseline="0" dirty="0">
+                <a:ln>
+                  <a:noFill/>
+                </a:ln>
+                <a:solidFill>
+                  <a:schemeClr val="tx1"/>
+                </a:solidFill>
+                <a:effectLst/>
+                <a:latin typeface="Calibri" panose="020F0502020204030204" pitchFamily="34" charset="0"/>
+                <a:ea typeface="Calibri" panose="020F0502020204030204" pitchFamily="34" charset="0"/>
+                <a:cs typeface="Times New Roman" panose="02020603050405020304" pitchFamily="18" charset="0"/>
+              </a:rPr>
+              <a:t> Retrieved from International Journal of Virtual Reality: https://ijvr.eu/article/view/2784/8842</a:t>
+            </a:r>
+            <a:endParaRPr kumimoji="0" lang="en-GB" altLang="en-US" sz="1400" b="0" i="0" u="none" strike="noStrike" cap="none" normalizeH="0" baseline="0" dirty="0">
+              <a:ln>
+                <a:noFill/>
+              </a:ln>
+              <a:solidFill>
+                <a:schemeClr val="tx1"/>
+              </a:solidFill>
+              <a:effectLst/>
+            </a:endParaRPr>
+          </a:p>
+          <a:p>
+            <a:pPr marL="0" indent="0">
+              <a:buNone/>
+            </a:pPr>
+            <a:endParaRPr lang="en-GB" dirty="0"/>
+          </a:p>
+        </p:txBody>
+      </p:sp>
+    </p:spTree>
+    <p:extLst>
+      <p:ext uri="{BB962C8B-B14F-4D97-AF65-F5344CB8AC3E}">
+        <p14:creationId xmlns:p14="http://schemas.microsoft.com/office/powerpoint/2010/main" val="1593977330"/>
+      </p:ext>
+    </p:extLst>
+  </p:cSld>
+  <p:clrMapOvr>
+    <a:masterClrMapping/>
+  </p:clrMapOvr>
+</p:sld>
+</file>
+
+<file path=ppt/slides/slide24.xml><?xml version="1.0" encoding="utf-8"?>
+<p:sld xmlns:a="http://schemas.openxmlformats.org/drawingml/2006/main" xmlns:r="http://schemas.openxmlformats.org/officeDocument/2006/relationships" xmlns:p="http://schemas.openxmlformats.org/presentationml/2006/main">
+  <p:cSld>
+    <p:spTree>
+      <p:nvGrpSpPr>
+        <p:cNvPr id="1" name=""/>
+        <p:cNvGrpSpPr/>
+        <p:nvPr/>
+      </p:nvGrpSpPr>
+      <p:grpSpPr>
+        <a:xfrm>
+          <a:off x="0" y="0"/>
+          <a:ext cx="0" cy="0"/>
+          <a:chOff x="0" y="0"/>
+          <a:chExt cx="0" cy="0"/>
+        </a:xfrm>
+      </p:grpSpPr>
+      <p:sp>
+        <p:nvSpPr>
+          <p:cNvPr id="2" name="Title 1">
+            <a:extLst>
+              <a:ext uri="{FF2B5EF4-FFF2-40B4-BE49-F238E27FC236}">
+                <a16:creationId xmlns:a16="http://schemas.microsoft.com/office/drawing/2014/main" id="{0C8B800C-5719-4A1D-A585-C1C2BDB68E5B}"/>
+              </a:ext>
+            </a:extLst>
+          </p:cNvPr>
+          <p:cNvSpPr>
+            <a:spLocks noGrp="1"/>
+          </p:cNvSpPr>
+          <p:nvPr>
+            <p:ph type="title"/>
+          </p:nvPr>
+        </p:nvSpPr>
+        <p:spPr/>
+        <p:txBody>
+          <a:bodyPr/>
+          <a:lstStyle/>
+          <a:p>
+            <a:r>
+              <a:rPr lang="en-GB" dirty="0"/>
+              <a:t>Bibliography</a:t>
+            </a:r>
+          </a:p>
+        </p:txBody>
+      </p:sp>
+      <p:sp>
+        <p:nvSpPr>
+          <p:cNvPr id="3" name="Content Placeholder 2">
+            <a:extLst>
+              <a:ext uri="{FF2B5EF4-FFF2-40B4-BE49-F238E27FC236}">
+                <a16:creationId xmlns:a16="http://schemas.microsoft.com/office/drawing/2014/main" id="{DB2EA67C-3CA8-407E-8CAE-0EC4DE9A2BB8}"/>
+              </a:ext>
+            </a:extLst>
+          </p:cNvPr>
+          <p:cNvSpPr>
+            <a:spLocks noGrp="1"/>
+          </p:cNvSpPr>
+          <p:nvPr>
+            <p:ph idx="1"/>
+          </p:nvPr>
+        </p:nvSpPr>
+        <p:spPr>
+          <a:xfrm>
+            <a:off x="565150" y="2691637"/>
+            <a:ext cx="8267296" cy="3719795"/>
+          </a:xfrm>
+        </p:spPr>
+        <p:txBody>
+          <a:bodyPr>
+            <a:normAutofit fontScale="47500" lnSpcReduction="20000"/>
+          </a:bodyPr>
+          <a:lstStyle/>
+          <a:p>
+            <a:pPr marL="0" marR="0" lvl="0" indent="0" algn="l" defTabSz="914400" rtl="0" eaLnBrk="0" fontAlgn="base" latinLnBrk="0" hangingPunct="0">
+              <a:lnSpc>
+                <a:spcPct val="100000"/>
+              </a:lnSpc>
+              <a:spcBef>
+                <a:spcPct val="0"/>
+              </a:spcBef>
+              <a:spcAft>
+                <a:spcPct val="0"/>
+              </a:spcAft>
+              <a:buClrTx/>
+              <a:buSzTx/>
+              <a:buFontTx/>
+              <a:buNone/>
+              <a:tabLst/>
+            </a:pPr>
+            <a:r>
+              <a:rPr kumimoji="0" lang="en-GB" altLang="en-US" sz="2400" b="0" i="0" u="none" strike="noStrike" cap="none" normalizeH="0" baseline="0" dirty="0" err="1">
+                <a:ln>
+                  <a:noFill/>
+                </a:ln>
+                <a:solidFill>
+                  <a:schemeClr val="tx1"/>
+                </a:solidFill>
+                <a:effectLst/>
+                <a:latin typeface="Calibri" panose="020F0502020204030204" pitchFamily="34" charset="0"/>
+                <a:ea typeface="Calibri" panose="020F0502020204030204" pitchFamily="34" charset="0"/>
+                <a:cs typeface="Times New Roman" panose="02020603050405020304" pitchFamily="18" charset="0"/>
+              </a:rPr>
+              <a:t>Ludeon</a:t>
+            </a:r>
+            <a:r>
+              <a:rPr kumimoji="0" lang="en-GB" altLang="en-US" sz="2400" b="0" i="0" u="none" strike="noStrike" cap="none" normalizeH="0" baseline="0" dirty="0">
+                <a:ln>
+                  <a:noFill/>
+                </a:ln>
+                <a:solidFill>
+                  <a:schemeClr val="tx1"/>
+                </a:solidFill>
+                <a:effectLst/>
+                <a:latin typeface="Calibri" panose="020F0502020204030204" pitchFamily="34" charset="0"/>
+                <a:ea typeface="Calibri" panose="020F0502020204030204" pitchFamily="34" charset="0"/>
+                <a:cs typeface="Times New Roman" panose="02020603050405020304" pitchFamily="18" charset="0"/>
+              </a:rPr>
+              <a:t> Studios. (2018, 10 17). </a:t>
+            </a:r>
+            <a:r>
+              <a:rPr kumimoji="0" lang="en-GB" altLang="en-US" sz="2400" b="0" i="1" u="none" strike="noStrike" cap="none" normalizeH="0" baseline="0" dirty="0">
+                <a:ln>
+                  <a:noFill/>
+                </a:ln>
+                <a:solidFill>
+                  <a:schemeClr val="tx1"/>
+                </a:solidFill>
+                <a:effectLst/>
+                <a:latin typeface="Calibri" panose="020F0502020204030204" pitchFamily="34" charset="0"/>
+                <a:ea typeface="Calibri" panose="020F0502020204030204" pitchFamily="34" charset="0"/>
+                <a:cs typeface="Times New Roman" panose="02020603050405020304" pitchFamily="18" charset="0"/>
+              </a:rPr>
+              <a:t>Rimworld</a:t>
+            </a:r>
+            <a:r>
+              <a:rPr kumimoji="0" lang="en-GB" altLang="en-US" sz="2400" b="0" i="0" u="none" strike="noStrike" cap="none" normalizeH="0" baseline="0" dirty="0">
+                <a:ln>
+                  <a:noFill/>
+                </a:ln>
+                <a:solidFill>
+                  <a:schemeClr val="tx1"/>
+                </a:solidFill>
+                <a:effectLst/>
+                <a:latin typeface="Calibri" panose="020F0502020204030204" pitchFamily="34" charset="0"/>
+                <a:ea typeface="Calibri" panose="020F0502020204030204" pitchFamily="34" charset="0"/>
+                <a:cs typeface="Times New Roman" panose="02020603050405020304" pitchFamily="18" charset="0"/>
+              </a:rPr>
+              <a:t>. Retrieved from Steam: https://store.steampowered.com/app/294100/RimWorld/</a:t>
+            </a:r>
+            <a:endParaRPr kumimoji="0" lang="en-GB" altLang="en-US" sz="1400" b="0" i="0" u="none" strike="noStrike" cap="none" normalizeH="0" baseline="0" dirty="0">
+              <a:ln>
+                <a:noFill/>
+              </a:ln>
+              <a:solidFill>
+                <a:schemeClr val="tx1"/>
+              </a:solidFill>
+              <a:effectLst/>
+            </a:endParaRPr>
+          </a:p>
+          <a:p>
+            <a:pPr marL="0" marR="0" lvl="0" indent="0" algn="l" defTabSz="914400" rtl="0" eaLnBrk="0" fontAlgn="base" latinLnBrk="0" hangingPunct="0">
+              <a:lnSpc>
+                <a:spcPct val="100000"/>
+              </a:lnSpc>
+              <a:spcBef>
+                <a:spcPct val="0"/>
+              </a:spcBef>
+              <a:spcAft>
+                <a:spcPct val="0"/>
+              </a:spcAft>
+              <a:buClrTx/>
+              <a:buSzTx/>
+              <a:buFontTx/>
+              <a:buNone/>
+              <a:tabLst/>
+            </a:pPr>
+            <a:r>
+              <a:rPr kumimoji="0" lang="en-GB" altLang="en-US" sz="2400" b="0" i="0" u="none" strike="noStrike" cap="none" normalizeH="0" baseline="0" dirty="0">
+                <a:ln>
+                  <a:noFill/>
+                </a:ln>
+                <a:solidFill>
+                  <a:schemeClr val="tx1"/>
+                </a:solidFill>
+                <a:effectLst/>
+                <a:latin typeface="Calibri" panose="020F0502020204030204" pitchFamily="34" charset="0"/>
+                <a:ea typeface="Calibri" panose="020F0502020204030204" pitchFamily="34" charset="0"/>
+                <a:cs typeface="Times New Roman" panose="02020603050405020304" pitchFamily="18" charset="0"/>
+              </a:rPr>
+              <a:t>M. Mahalakshmi, D. M. (2013, 6 6). </a:t>
+            </a:r>
+            <a:r>
+              <a:rPr kumimoji="0" lang="en-GB" altLang="en-US" sz="2400" b="0" i="1" u="none" strike="noStrike" cap="none" normalizeH="0" baseline="0" dirty="0">
+                <a:ln>
+                  <a:noFill/>
+                </a:ln>
+                <a:solidFill>
+                  <a:schemeClr val="tx1"/>
+                </a:solidFill>
+                <a:effectLst/>
+                <a:latin typeface="Calibri" panose="020F0502020204030204" pitchFamily="34" charset="0"/>
+                <a:ea typeface="Calibri" panose="020F0502020204030204" pitchFamily="34" charset="0"/>
+                <a:cs typeface="Times New Roman" panose="02020603050405020304" pitchFamily="18" charset="0"/>
+              </a:rPr>
+              <a:t>Traditional SDLC Vs Scrum Methodology – A Comparative </a:t>
+            </a:r>
+            <a:r>
+              <a:rPr kumimoji="0" lang="en-GB" altLang="en-US" sz="2400" b="0" i="0" u="none" strike="noStrike" cap="none" normalizeH="0" baseline="0" dirty="0">
+                <a:ln>
+                  <a:noFill/>
+                </a:ln>
+                <a:solidFill>
+                  <a:schemeClr val="tx1"/>
+                </a:solidFill>
+                <a:effectLst/>
+                <a:latin typeface="Calibri" panose="020F0502020204030204" pitchFamily="34" charset="0"/>
+                <a:ea typeface="Calibri" panose="020F0502020204030204" pitchFamily="34" charset="0"/>
+                <a:cs typeface="Times New Roman" panose="02020603050405020304" pitchFamily="18" charset="0"/>
+              </a:rPr>
+              <a:t>. Retrieved from </a:t>
+            </a:r>
+            <a:r>
+              <a:rPr kumimoji="0" lang="en-GB" altLang="en-US" sz="2400" b="0" i="0" u="none" strike="noStrike" cap="none" normalizeH="0" baseline="0" dirty="0" err="1">
+                <a:ln>
+                  <a:noFill/>
+                </a:ln>
+                <a:solidFill>
+                  <a:schemeClr val="tx1"/>
+                </a:solidFill>
+                <a:effectLst/>
+                <a:latin typeface="Calibri" panose="020F0502020204030204" pitchFamily="34" charset="0"/>
+                <a:ea typeface="Calibri" panose="020F0502020204030204" pitchFamily="34" charset="0"/>
+                <a:cs typeface="Times New Roman" panose="02020603050405020304" pitchFamily="18" charset="0"/>
+              </a:rPr>
+              <a:t>citeseerx</a:t>
+            </a:r>
+            <a:r>
+              <a:rPr kumimoji="0" lang="en-GB" altLang="en-US" sz="2400" b="0" i="0" u="none" strike="noStrike" cap="none" normalizeH="0" baseline="0" dirty="0">
+                <a:ln>
+                  <a:noFill/>
+                </a:ln>
+                <a:solidFill>
+                  <a:schemeClr val="tx1"/>
+                </a:solidFill>
+                <a:effectLst/>
+                <a:latin typeface="Calibri" panose="020F0502020204030204" pitchFamily="34" charset="0"/>
+                <a:ea typeface="Calibri" panose="020F0502020204030204" pitchFamily="34" charset="0"/>
+                <a:cs typeface="Times New Roman" panose="02020603050405020304" pitchFamily="18" charset="0"/>
+              </a:rPr>
+              <a:t>: https://citeseerx.ist.psu.edu/viewdoc/download?doi=10.1.1.413.2992&amp;rep=rep1&amp;type=pdf</a:t>
+            </a:r>
+            <a:endParaRPr kumimoji="0" lang="en-GB" altLang="en-US" sz="1400" b="0" i="0" u="none" strike="noStrike" cap="none" normalizeH="0" baseline="0" dirty="0">
+              <a:ln>
+                <a:noFill/>
+              </a:ln>
+              <a:solidFill>
+                <a:schemeClr val="tx1"/>
+              </a:solidFill>
+              <a:effectLst/>
+            </a:endParaRPr>
+          </a:p>
+          <a:p>
+            <a:pPr marL="0" marR="0" lvl="0" indent="0" algn="l" defTabSz="914400" rtl="0" eaLnBrk="0" fontAlgn="base" latinLnBrk="0" hangingPunct="0">
+              <a:lnSpc>
+                <a:spcPct val="100000"/>
+              </a:lnSpc>
+              <a:spcBef>
+                <a:spcPct val="0"/>
+              </a:spcBef>
+              <a:spcAft>
+                <a:spcPct val="0"/>
+              </a:spcAft>
+              <a:buClrTx/>
+              <a:buSzTx/>
+              <a:buFontTx/>
+              <a:buNone/>
+              <a:tabLst/>
+            </a:pPr>
+            <a:r>
+              <a:rPr kumimoji="0" lang="en-GB" altLang="en-US" sz="2400" b="0" i="0" u="none" strike="noStrike" cap="none" normalizeH="0" baseline="0" dirty="0">
+                <a:ln>
+                  <a:noFill/>
+                </a:ln>
+                <a:solidFill>
+                  <a:schemeClr val="tx1"/>
+                </a:solidFill>
+                <a:effectLst/>
+                <a:latin typeface="Calibri" panose="020F0502020204030204" pitchFamily="34" charset="0"/>
+                <a:ea typeface="Calibri" panose="020F0502020204030204" pitchFamily="34" charset="0"/>
+                <a:cs typeface="Times New Roman" panose="02020603050405020304" pitchFamily="18" charset="0"/>
+              </a:rPr>
+              <a:t>Marc </a:t>
+            </a:r>
+            <a:r>
+              <a:rPr kumimoji="0" lang="en-GB" altLang="en-US" sz="2400" b="0" i="0" u="none" strike="noStrike" cap="none" normalizeH="0" baseline="0" dirty="0" err="1">
+                <a:ln>
+                  <a:noFill/>
+                </a:ln>
+                <a:solidFill>
+                  <a:schemeClr val="tx1"/>
+                </a:solidFill>
+                <a:effectLst/>
+                <a:latin typeface="Calibri" panose="020F0502020204030204" pitchFamily="34" charset="0"/>
+                <a:ea typeface="Calibri" panose="020F0502020204030204" pitchFamily="34" charset="0"/>
+                <a:cs typeface="Times New Roman" panose="02020603050405020304" pitchFamily="18" charset="0"/>
+              </a:rPr>
+              <a:t>Cavazza</a:t>
+            </a:r>
+            <a:r>
+              <a:rPr kumimoji="0" lang="en-GB" altLang="en-US" sz="2400" b="0" i="0" u="none" strike="noStrike" cap="none" normalizeH="0" baseline="0" dirty="0">
+                <a:ln>
+                  <a:noFill/>
+                </a:ln>
+                <a:solidFill>
+                  <a:schemeClr val="tx1"/>
+                </a:solidFill>
+                <a:effectLst/>
+                <a:latin typeface="Calibri" panose="020F0502020204030204" pitchFamily="34" charset="0"/>
+                <a:ea typeface="Calibri" panose="020F0502020204030204" pitchFamily="34" charset="0"/>
+                <a:cs typeface="Times New Roman" panose="02020603050405020304" pitchFamily="18" charset="0"/>
+              </a:rPr>
+              <a:t>, F. C. (2003, 1 1). </a:t>
+            </a:r>
+            <a:r>
+              <a:rPr kumimoji="0" lang="en-GB" altLang="en-US" sz="2400" b="0" i="1" u="none" strike="noStrike" cap="none" normalizeH="0" baseline="0" dirty="0">
+                <a:ln>
+                  <a:noFill/>
+                </a:ln>
+                <a:solidFill>
+                  <a:schemeClr val="tx1"/>
+                </a:solidFill>
+                <a:effectLst/>
+                <a:latin typeface="Calibri" panose="020F0502020204030204" pitchFamily="34" charset="0"/>
+                <a:ea typeface="Calibri" panose="020F0502020204030204" pitchFamily="34" charset="0"/>
+                <a:cs typeface="Times New Roman" panose="02020603050405020304" pitchFamily="18" charset="0"/>
+              </a:rPr>
+              <a:t>Interactive storytelling: from AI experiment to new media.</a:t>
+            </a:r>
+            <a:r>
+              <a:rPr kumimoji="0" lang="en-GB" altLang="en-US" sz="2400" b="0" i="0" u="none" strike="noStrike" cap="none" normalizeH="0" baseline="0" dirty="0">
+                <a:ln>
+                  <a:noFill/>
+                </a:ln>
+                <a:solidFill>
+                  <a:schemeClr val="tx1"/>
+                </a:solidFill>
+                <a:effectLst/>
+                <a:latin typeface="Calibri" panose="020F0502020204030204" pitchFamily="34" charset="0"/>
+                <a:ea typeface="Calibri" panose="020F0502020204030204" pitchFamily="34" charset="0"/>
+                <a:cs typeface="Times New Roman" panose="02020603050405020304" pitchFamily="18" charset="0"/>
+              </a:rPr>
+              <a:t> Retrieved from ResearchGate: https://www.researchgate.net/profile/Marc-Cavazza/publication/220851669_Interactive_storytelling_from_AI_experiment_to_new_media/links/580f3d0308aef2ef97afbf4b/Interactive-storytelling-from-AI-experiment-to-new-media.pdf</a:t>
+            </a:r>
+            <a:endParaRPr kumimoji="0" lang="en-GB" altLang="en-US" sz="1400" b="0" i="0" u="none" strike="noStrike" cap="none" normalizeH="0" baseline="0" dirty="0">
+              <a:ln>
+                <a:noFill/>
+              </a:ln>
+              <a:solidFill>
+                <a:schemeClr val="tx1"/>
+              </a:solidFill>
+              <a:effectLst/>
+            </a:endParaRPr>
+          </a:p>
+          <a:p>
+            <a:pPr marL="0" marR="0" lvl="0" indent="0" algn="l" defTabSz="914400" rtl="0" eaLnBrk="0" fontAlgn="base" latinLnBrk="0" hangingPunct="0">
+              <a:lnSpc>
+                <a:spcPct val="100000"/>
+              </a:lnSpc>
+              <a:spcBef>
+                <a:spcPct val="0"/>
+              </a:spcBef>
+              <a:spcAft>
+                <a:spcPct val="0"/>
+              </a:spcAft>
+              <a:buClrTx/>
+              <a:buSzTx/>
+              <a:buFontTx/>
+              <a:buNone/>
+              <a:tabLst/>
+            </a:pPr>
+            <a:r>
+              <a:rPr kumimoji="0" lang="en-GB" altLang="en-US" sz="2400" b="0" i="0" u="none" strike="noStrike" cap="none" normalizeH="0" baseline="0" dirty="0">
+                <a:ln>
+                  <a:noFill/>
+                </a:ln>
+                <a:solidFill>
+                  <a:schemeClr val="tx1"/>
+                </a:solidFill>
+                <a:effectLst/>
+                <a:latin typeface="Calibri" panose="020F0502020204030204" pitchFamily="34" charset="0"/>
+                <a:ea typeface="Calibri" panose="020F0502020204030204" pitchFamily="34" charset="0"/>
+                <a:cs typeface="Times New Roman" panose="02020603050405020304" pitchFamily="18" charset="0"/>
+              </a:rPr>
+              <a:t>Marchesi, M., </a:t>
+            </a:r>
+            <a:r>
+              <a:rPr kumimoji="0" lang="en-GB" altLang="en-US" sz="2400" b="0" i="0" u="none" strike="noStrike" cap="none" normalizeH="0" baseline="0" dirty="0" err="1">
+                <a:ln>
+                  <a:noFill/>
+                </a:ln>
+                <a:solidFill>
+                  <a:schemeClr val="tx1"/>
+                </a:solidFill>
+                <a:effectLst/>
+                <a:latin typeface="Calibri" panose="020F0502020204030204" pitchFamily="34" charset="0"/>
+                <a:ea typeface="Calibri" panose="020F0502020204030204" pitchFamily="34" charset="0"/>
+                <a:cs typeface="Times New Roman" panose="02020603050405020304" pitchFamily="18" charset="0"/>
+              </a:rPr>
+              <a:t>Mannaro</a:t>
+            </a:r>
+            <a:r>
+              <a:rPr kumimoji="0" lang="en-GB" altLang="en-US" sz="2400" b="0" i="0" u="none" strike="noStrike" cap="none" normalizeH="0" baseline="0" dirty="0">
+                <a:ln>
+                  <a:noFill/>
+                </a:ln>
+                <a:solidFill>
+                  <a:schemeClr val="tx1"/>
+                </a:solidFill>
+                <a:effectLst/>
+                <a:latin typeface="Calibri" panose="020F0502020204030204" pitchFamily="34" charset="0"/>
+                <a:ea typeface="Calibri" panose="020F0502020204030204" pitchFamily="34" charset="0"/>
+                <a:cs typeface="Times New Roman" panose="02020603050405020304" pitchFamily="18" charset="0"/>
+              </a:rPr>
+              <a:t>, K., </a:t>
+            </a:r>
+            <a:r>
+              <a:rPr kumimoji="0" lang="en-GB" altLang="en-US" sz="2400" b="0" i="0" u="none" strike="noStrike" cap="none" normalizeH="0" baseline="0" dirty="0" err="1">
+                <a:ln>
+                  <a:noFill/>
+                </a:ln>
+                <a:solidFill>
+                  <a:schemeClr val="tx1"/>
+                </a:solidFill>
+                <a:effectLst/>
+                <a:latin typeface="Calibri" panose="020F0502020204030204" pitchFamily="34" charset="0"/>
+                <a:ea typeface="Calibri" panose="020F0502020204030204" pitchFamily="34" charset="0"/>
+                <a:cs typeface="Times New Roman" panose="02020603050405020304" pitchFamily="18" charset="0"/>
+              </a:rPr>
+              <a:t>Uras</a:t>
+            </a:r>
+            <a:r>
+              <a:rPr kumimoji="0" lang="en-GB" altLang="en-US" sz="2400" b="0" i="0" u="none" strike="noStrike" cap="none" normalizeH="0" baseline="0" dirty="0">
+                <a:ln>
+                  <a:noFill/>
+                </a:ln>
+                <a:solidFill>
+                  <a:schemeClr val="tx1"/>
+                </a:solidFill>
+                <a:effectLst/>
+                <a:latin typeface="Calibri" panose="020F0502020204030204" pitchFamily="34" charset="0"/>
+                <a:ea typeface="Calibri" panose="020F0502020204030204" pitchFamily="34" charset="0"/>
+                <a:cs typeface="Times New Roman" panose="02020603050405020304" pitchFamily="18" charset="0"/>
+              </a:rPr>
+              <a:t>, S., &amp; </a:t>
+            </a:r>
+            <a:r>
+              <a:rPr kumimoji="0" lang="en-GB" altLang="en-US" sz="2400" b="0" i="0" u="none" strike="noStrike" cap="none" normalizeH="0" baseline="0" dirty="0" err="1">
+                <a:ln>
+                  <a:noFill/>
+                </a:ln>
+                <a:solidFill>
+                  <a:schemeClr val="tx1"/>
+                </a:solidFill>
+                <a:effectLst/>
+                <a:latin typeface="Calibri" panose="020F0502020204030204" pitchFamily="34" charset="0"/>
+                <a:ea typeface="Calibri" panose="020F0502020204030204" pitchFamily="34" charset="0"/>
+                <a:cs typeface="Times New Roman" panose="02020603050405020304" pitchFamily="18" charset="0"/>
+              </a:rPr>
+              <a:t>Locci</a:t>
+            </a:r>
+            <a:r>
+              <a:rPr kumimoji="0" lang="en-GB" altLang="en-US" sz="2400" b="0" i="0" u="none" strike="noStrike" cap="none" normalizeH="0" baseline="0" dirty="0">
+                <a:ln>
+                  <a:noFill/>
+                </a:ln>
+                <a:solidFill>
+                  <a:schemeClr val="tx1"/>
+                </a:solidFill>
+                <a:effectLst/>
+                <a:latin typeface="Calibri" panose="020F0502020204030204" pitchFamily="34" charset="0"/>
+                <a:ea typeface="Calibri" panose="020F0502020204030204" pitchFamily="34" charset="0"/>
+                <a:cs typeface="Times New Roman" panose="02020603050405020304" pitchFamily="18" charset="0"/>
+              </a:rPr>
+              <a:t>, M. F. (2007, 6 22). </a:t>
+            </a:r>
+            <a:r>
+              <a:rPr kumimoji="0" lang="en-GB" altLang="en-US" sz="2400" b="0" i="1" u="none" strike="noStrike" cap="none" normalizeH="0" baseline="0" dirty="0">
+                <a:ln>
+                  <a:noFill/>
+                </a:ln>
+                <a:solidFill>
+                  <a:schemeClr val="tx1"/>
+                </a:solidFill>
+                <a:effectLst/>
+                <a:latin typeface="Calibri" panose="020F0502020204030204" pitchFamily="34" charset="0"/>
+                <a:ea typeface="Calibri" panose="020F0502020204030204" pitchFamily="34" charset="0"/>
+                <a:cs typeface="Times New Roman" panose="02020603050405020304" pitchFamily="18" charset="0"/>
+              </a:rPr>
+              <a:t>Distributed Scrum in Research Project Management</a:t>
+            </a:r>
+            <a:r>
+              <a:rPr kumimoji="0" lang="en-GB" altLang="en-US" sz="2400" b="0" i="0" u="none" strike="noStrike" cap="none" normalizeH="0" baseline="0" dirty="0">
+                <a:ln>
+                  <a:noFill/>
+                </a:ln>
+                <a:solidFill>
+                  <a:schemeClr val="tx1"/>
+                </a:solidFill>
+                <a:effectLst/>
+                <a:latin typeface="Calibri" panose="020F0502020204030204" pitchFamily="34" charset="0"/>
+                <a:ea typeface="Calibri" panose="020F0502020204030204" pitchFamily="34" charset="0"/>
+                <a:cs typeface="Times New Roman" panose="02020603050405020304" pitchFamily="18" charset="0"/>
+              </a:rPr>
+              <a:t>. Retrieved from ResearchGate: https://www.researchgate.net/publication/221592443_Distributed_Scrum_in_Research_Project_Management</a:t>
+            </a:r>
+            <a:endParaRPr kumimoji="0" lang="en-GB" altLang="en-US" sz="1400" b="0" i="0" u="none" strike="noStrike" cap="none" normalizeH="0" baseline="0" dirty="0">
+              <a:ln>
+                <a:noFill/>
+              </a:ln>
+              <a:solidFill>
+                <a:schemeClr val="tx1"/>
+              </a:solidFill>
+              <a:effectLst/>
+            </a:endParaRPr>
+          </a:p>
+          <a:p>
+            <a:pPr marL="0" marR="0" lvl="0" indent="0" algn="l" defTabSz="914400" rtl="0" eaLnBrk="0" fontAlgn="base" latinLnBrk="0" hangingPunct="0">
+              <a:lnSpc>
+                <a:spcPct val="100000"/>
+              </a:lnSpc>
+              <a:spcBef>
+                <a:spcPct val="0"/>
+              </a:spcBef>
+              <a:spcAft>
+                <a:spcPct val="0"/>
+              </a:spcAft>
+              <a:buClrTx/>
+              <a:buSzTx/>
+              <a:buFontTx/>
+              <a:buNone/>
+              <a:tabLst/>
+            </a:pPr>
+            <a:r>
+              <a:rPr kumimoji="0" lang="en-GB" altLang="en-US" sz="2400" b="0" i="0" u="none" strike="noStrike" cap="none" normalizeH="0" baseline="0" dirty="0">
+                <a:ln>
+                  <a:noFill/>
+                </a:ln>
+                <a:solidFill>
+                  <a:schemeClr val="tx1"/>
+                </a:solidFill>
+                <a:effectLst/>
+                <a:latin typeface="Calibri" panose="020F0502020204030204" pitchFamily="34" charset="0"/>
+                <a:ea typeface="Calibri" panose="020F0502020204030204" pitchFamily="34" charset="0"/>
+                <a:cs typeface="Times New Roman" panose="02020603050405020304" pitchFamily="18" charset="0"/>
+              </a:rPr>
+              <a:t>Max </a:t>
+            </a:r>
+            <a:r>
+              <a:rPr kumimoji="0" lang="en-GB" altLang="en-US" sz="2400" b="0" i="0" u="none" strike="noStrike" cap="none" normalizeH="0" baseline="0" dirty="0" err="1">
+                <a:ln>
+                  <a:noFill/>
+                </a:ln>
+                <a:solidFill>
+                  <a:schemeClr val="tx1"/>
+                </a:solidFill>
+                <a:effectLst/>
+                <a:latin typeface="Calibri" panose="020F0502020204030204" pitchFamily="34" charset="0"/>
+                <a:ea typeface="Calibri" panose="020F0502020204030204" pitchFamily="34" charset="0"/>
+                <a:cs typeface="Times New Roman" panose="02020603050405020304" pitchFamily="18" charset="0"/>
+              </a:rPr>
+              <a:t>Kreminski</a:t>
+            </a:r>
+            <a:r>
+              <a:rPr kumimoji="0" lang="en-GB" altLang="en-US" sz="2400" b="0" i="0" u="none" strike="noStrike" cap="none" normalizeH="0" baseline="0" dirty="0">
+                <a:ln>
+                  <a:noFill/>
+                </a:ln>
+                <a:solidFill>
+                  <a:schemeClr val="tx1"/>
+                </a:solidFill>
+                <a:effectLst/>
+                <a:latin typeface="Calibri" panose="020F0502020204030204" pitchFamily="34" charset="0"/>
+                <a:ea typeface="Calibri" panose="020F0502020204030204" pitchFamily="34" charset="0"/>
+                <a:cs typeface="Times New Roman" panose="02020603050405020304" pitchFamily="18" charset="0"/>
+              </a:rPr>
+              <a:t>, M. D.-F. (2020, 1 1). </a:t>
+            </a:r>
+            <a:r>
+              <a:rPr kumimoji="0" lang="en-GB" altLang="en-US" sz="2400" b="0" i="1" u="none" strike="noStrike" cap="none" normalizeH="0" baseline="0" dirty="0">
+                <a:ln>
+                  <a:noFill/>
+                </a:ln>
+                <a:solidFill>
+                  <a:schemeClr val="tx1"/>
+                </a:solidFill>
+                <a:effectLst/>
+                <a:latin typeface="Calibri" panose="020F0502020204030204" pitchFamily="34" charset="0"/>
+                <a:ea typeface="Calibri" panose="020F0502020204030204" pitchFamily="34" charset="0"/>
+                <a:cs typeface="Times New Roman" panose="02020603050405020304" pitchFamily="18" charset="0"/>
+              </a:rPr>
+              <a:t>Why Are We Like This?: Exploring Writing Mechanics for an AI-Augmented Storytelling Game.</a:t>
+            </a:r>
+            <a:r>
+              <a:rPr kumimoji="0" lang="en-GB" altLang="en-US" sz="2400" b="0" i="0" u="none" strike="noStrike" cap="none" normalizeH="0" baseline="0" dirty="0">
+                <a:ln>
+                  <a:noFill/>
+                </a:ln>
+                <a:solidFill>
+                  <a:schemeClr val="tx1"/>
+                </a:solidFill>
+                <a:effectLst/>
+                <a:latin typeface="Calibri" panose="020F0502020204030204" pitchFamily="34" charset="0"/>
+                <a:ea typeface="Calibri" panose="020F0502020204030204" pitchFamily="34" charset="0"/>
+                <a:cs typeface="Times New Roman" panose="02020603050405020304" pitchFamily="18" charset="0"/>
+              </a:rPr>
+              <a:t> Retrieved from ucsc.edu: https://stars.library.ucf.edu/cgi/viewcontent.cgi?article=1160&amp;context=elo2020</a:t>
+            </a:r>
+            <a:endParaRPr kumimoji="0" lang="en-GB" altLang="en-US" sz="1400" b="0" i="0" u="none" strike="noStrike" cap="none" normalizeH="0" baseline="0" dirty="0">
+              <a:ln>
+                <a:noFill/>
+              </a:ln>
+              <a:solidFill>
+                <a:schemeClr val="tx1"/>
+              </a:solidFill>
+              <a:effectLst/>
+            </a:endParaRPr>
+          </a:p>
+          <a:p>
+            <a:pPr marL="0" marR="0" lvl="0" indent="0" algn="l" defTabSz="914400" rtl="0" eaLnBrk="0" fontAlgn="base" latinLnBrk="0" hangingPunct="0">
+              <a:lnSpc>
+                <a:spcPct val="100000"/>
+              </a:lnSpc>
+              <a:spcBef>
+                <a:spcPct val="0"/>
+              </a:spcBef>
+              <a:spcAft>
+                <a:spcPct val="0"/>
+              </a:spcAft>
+              <a:buClrTx/>
+              <a:buSzTx/>
+              <a:buFontTx/>
+              <a:buNone/>
+              <a:tabLst/>
+            </a:pPr>
+            <a:r>
+              <a:rPr kumimoji="0" lang="en-GB" altLang="en-US" sz="2400" b="0" i="0" u="none" strike="noStrike" cap="none" normalizeH="0" baseline="0" dirty="0">
+                <a:ln>
+                  <a:noFill/>
+                </a:ln>
+                <a:solidFill>
+                  <a:schemeClr val="tx1"/>
+                </a:solidFill>
+                <a:effectLst/>
+                <a:latin typeface="Calibri" panose="020F0502020204030204" pitchFamily="34" charset="0"/>
+                <a:ea typeface="Calibri" panose="020F0502020204030204" pitchFamily="34" charset="0"/>
+                <a:cs typeface="Times New Roman" panose="02020603050405020304" pitchFamily="18" charset="0"/>
+              </a:rPr>
+              <a:t>Scrum.org. (2022, 5 4). </a:t>
+            </a:r>
+            <a:r>
+              <a:rPr kumimoji="0" lang="en-GB" altLang="en-US" sz="2400" b="0" i="1" u="none" strike="noStrike" cap="none" normalizeH="0" baseline="0" dirty="0">
+                <a:ln>
+                  <a:noFill/>
+                </a:ln>
+                <a:solidFill>
+                  <a:schemeClr val="tx1"/>
+                </a:solidFill>
+                <a:effectLst/>
+                <a:latin typeface="Calibri" panose="020F0502020204030204" pitchFamily="34" charset="0"/>
+                <a:ea typeface="Calibri" panose="020F0502020204030204" pitchFamily="34" charset="0"/>
+                <a:cs typeface="Times New Roman" panose="02020603050405020304" pitchFamily="18" charset="0"/>
+              </a:rPr>
+              <a:t>WHAT IS SCRUM?</a:t>
+            </a:r>
+            <a:r>
+              <a:rPr kumimoji="0" lang="en-GB" altLang="en-US" sz="2400" b="0" i="0" u="none" strike="noStrike" cap="none" normalizeH="0" baseline="0" dirty="0">
+                <a:ln>
+                  <a:noFill/>
+                </a:ln>
+                <a:solidFill>
+                  <a:schemeClr val="tx1"/>
+                </a:solidFill>
+                <a:effectLst/>
+                <a:latin typeface="Calibri" panose="020F0502020204030204" pitchFamily="34" charset="0"/>
+                <a:ea typeface="Calibri" panose="020F0502020204030204" pitchFamily="34" charset="0"/>
+                <a:cs typeface="Times New Roman" panose="02020603050405020304" pitchFamily="18" charset="0"/>
+              </a:rPr>
+              <a:t> Retrieved from scrum.org: https://www.scrum.org/resources/what-is-scrum</a:t>
+            </a:r>
+            <a:endParaRPr kumimoji="0" lang="en-GB" altLang="en-US" sz="1400" b="0" i="0" u="none" strike="noStrike" cap="none" normalizeH="0" baseline="0" dirty="0">
+              <a:ln>
+                <a:noFill/>
+              </a:ln>
+              <a:solidFill>
+                <a:schemeClr val="tx1"/>
+              </a:solidFill>
+              <a:effectLst/>
+            </a:endParaRPr>
+          </a:p>
+          <a:p>
+            <a:pPr marL="0" marR="0" lvl="0" indent="0" algn="l" defTabSz="914400" rtl="0" eaLnBrk="0" fontAlgn="base" latinLnBrk="0" hangingPunct="0">
+              <a:lnSpc>
+                <a:spcPct val="100000"/>
+              </a:lnSpc>
+              <a:spcBef>
+                <a:spcPct val="0"/>
+              </a:spcBef>
+              <a:spcAft>
+                <a:spcPct val="0"/>
+              </a:spcAft>
+              <a:buClrTx/>
+              <a:buSzTx/>
+              <a:buFontTx/>
+              <a:buNone/>
+              <a:tabLst/>
+            </a:pPr>
+            <a:r>
+              <a:rPr kumimoji="0" lang="en-GB" altLang="en-US" sz="2400" b="0" i="0" u="none" strike="noStrike" cap="none" normalizeH="0" baseline="0" dirty="0">
+                <a:ln>
+                  <a:noFill/>
+                </a:ln>
+                <a:solidFill>
+                  <a:schemeClr val="tx1"/>
+                </a:solidFill>
+                <a:effectLst/>
+                <a:latin typeface="Calibri" panose="020F0502020204030204" pitchFamily="34" charset="0"/>
+                <a:ea typeface="Calibri" panose="020F0502020204030204" pitchFamily="34" charset="0"/>
+                <a:cs typeface="Times New Roman" panose="02020603050405020304" pitchFamily="18" charset="0"/>
+              </a:rPr>
+              <a:t>Sheetal Sharma, D. S. (2012, 5 5). </a:t>
+            </a:r>
+            <a:r>
+              <a:rPr kumimoji="0" lang="en-GB" altLang="en-US" sz="2400" b="0" i="1" u="none" strike="noStrike" cap="none" normalizeH="0" baseline="0" dirty="0">
+                <a:ln>
+                  <a:noFill/>
+                </a:ln>
+                <a:solidFill>
+                  <a:schemeClr val="tx1"/>
+                </a:solidFill>
+                <a:effectLst/>
+                <a:latin typeface="Calibri" panose="020F0502020204030204" pitchFamily="34" charset="0"/>
+                <a:ea typeface="Calibri" panose="020F0502020204030204" pitchFamily="34" charset="0"/>
+                <a:cs typeface="Times New Roman" panose="02020603050405020304" pitchFamily="18" charset="0"/>
+              </a:rPr>
+              <a:t>Agile Processes and Methodologies: A </a:t>
+            </a:r>
+            <a:r>
+              <a:rPr kumimoji="0" lang="en-GB" altLang="en-US" sz="2400" b="0" i="0" u="none" strike="noStrike" cap="none" normalizeH="0" baseline="0" dirty="0">
+                <a:ln>
+                  <a:noFill/>
+                </a:ln>
+                <a:solidFill>
+                  <a:schemeClr val="tx1"/>
+                </a:solidFill>
+                <a:effectLst/>
+                <a:latin typeface="Calibri" panose="020F0502020204030204" pitchFamily="34" charset="0"/>
+                <a:ea typeface="Calibri" panose="020F0502020204030204" pitchFamily="34" charset="0"/>
+                <a:cs typeface="Times New Roman" panose="02020603050405020304" pitchFamily="18" charset="0"/>
+              </a:rPr>
+              <a:t>. Retrieved from </a:t>
+            </a:r>
+            <a:r>
+              <a:rPr kumimoji="0" lang="en-GB" altLang="en-US" sz="2400" b="0" i="0" u="none" strike="noStrike" cap="none" normalizeH="0" baseline="0" dirty="0" err="1">
+                <a:ln>
+                  <a:noFill/>
+                </a:ln>
+                <a:solidFill>
+                  <a:schemeClr val="tx1"/>
+                </a:solidFill>
+                <a:effectLst/>
+                <a:latin typeface="Calibri" panose="020F0502020204030204" pitchFamily="34" charset="0"/>
+                <a:ea typeface="Calibri" panose="020F0502020204030204" pitchFamily="34" charset="0"/>
+                <a:cs typeface="Times New Roman" panose="02020603050405020304" pitchFamily="18" charset="0"/>
+              </a:rPr>
+              <a:t>yashada</a:t>
+            </a:r>
+            <a:r>
+              <a:rPr kumimoji="0" lang="en-GB" altLang="en-US" sz="2400" b="0" i="0" u="none" strike="noStrike" cap="none" normalizeH="0" baseline="0" dirty="0">
+                <a:ln>
+                  <a:noFill/>
+                </a:ln>
+                <a:solidFill>
+                  <a:schemeClr val="tx1"/>
+                </a:solidFill>
+                <a:effectLst/>
+                <a:latin typeface="Calibri" panose="020F0502020204030204" pitchFamily="34" charset="0"/>
+                <a:ea typeface="Calibri" panose="020F0502020204030204" pitchFamily="34" charset="0"/>
+                <a:cs typeface="Times New Roman" panose="02020603050405020304" pitchFamily="18" charset="0"/>
+              </a:rPr>
+              <a:t>: Microsoft Word - IJCSE12-04-05-186.doc (yashada.org)</a:t>
+            </a:r>
+            <a:endParaRPr kumimoji="0" lang="en-GB" altLang="en-US" sz="1400" b="0" i="0" u="none" strike="noStrike" cap="none" normalizeH="0" baseline="0" dirty="0">
+              <a:ln>
+                <a:noFill/>
+              </a:ln>
+              <a:solidFill>
+                <a:schemeClr val="tx1"/>
+              </a:solidFill>
+              <a:effectLst/>
+            </a:endParaRPr>
+          </a:p>
+          <a:p>
+            <a:pPr marL="0" marR="0" lvl="0" indent="0" algn="l" defTabSz="914400" rtl="0" eaLnBrk="0" fontAlgn="base" latinLnBrk="0" hangingPunct="0">
+              <a:lnSpc>
+                <a:spcPct val="100000"/>
+              </a:lnSpc>
+              <a:spcBef>
+                <a:spcPct val="0"/>
+              </a:spcBef>
+              <a:spcAft>
+                <a:spcPct val="0"/>
+              </a:spcAft>
+              <a:buClrTx/>
+              <a:buSzTx/>
+              <a:buFontTx/>
+              <a:buNone/>
+              <a:tabLst/>
+            </a:pPr>
+            <a:r>
+              <a:rPr kumimoji="0" lang="en-GB" altLang="en-US" sz="2400" b="0" i="0" u="none" strike="noStrike" cap="none" normalizeH="0" baseline="0" dirty="0">
+                <a:ln>
+                  <a:noFill/>
+                </a:ln>
+                <a:solidFill>
+                  <a:schemeClr val="tx1"/>
+                </a:solidFill>
+                <a:effectLst/>
+                <a:latin typeface="Calibri" panose="020F0502020204030204" pitchFamily="34" charset="0"/>
+                <a:ea typeface="Calibri" panose="020F0502020204030204" pitchFamily="34" charset="0"/>
+                <a:cs typeface="Times New Roman" panose="02020603050405020304" pitchFamily="18" charset="0"/>
+              </a:rPr>
+              <a:t>Short, T. X. (2021, 06 26). </a:t>
+            </a:r>
+            <a:r>
+              <a:rPr kumimoji="0" lang="en-GB" altLang="en-US" sz="2400" b="0" i="1" u="none" strike="noStrike" cap="none" normalizeH="0" baseline="0" dirty="0">
+                <a:ln>
+                  <a:noFill/>
+                </a:ln>
+                <a:solidFill>
+                  <a:schemeClr val="tx1"/>
+                </a:solidFill>
+                <a:effectLst/>
+                <a:latin typeface="Calibri" panose="020F0502020204030204" pitchFamily="34" charset="0"/>
+                <a:ea typeface="Calibri" panose="020F0502020204030204" pitchFamily="34" charset="0"/>
+                <a:cs typeface="Times New Roman" panose="02020603050405020304" pitchFamily="18" charset="0"/>
+              </a:rPr>
+              <a:t>Designing Stronger AI Personalities.</a:t>
+            </a:r>
+            <a:r>
+              <a:rPr kumimoji="0" lang="en-GB" altLang="en-US" sz="2400" b="0" i="0" u="none" strike="noStrike" cap="none" normalizeH="0" baseline="0" dirty="0">
+                <a:ln>
+                  <a:noFill/>
+                </a:ln>
+                <a:solidFill>
+                  <a:schemeClr val="tx1"/>
+                </a:solidFill>
+                <a:effectLst/>
+                <a:latin typeface="Calibri" panose="020F0502020204030204" pitchFamily="34" charset="0"/>
+                <a:ea typeface="Calibri" panose="020F0502020204030204" pitchFamily="34" charset="0"/>
+                <a:cs typeface="Times New Roman" panose="02020603050405020304" pitchFamily="18" charset="0"/>
+              </a:rPr>
+              <a:t> Retrieved from AAAI: https://ojs.aaai.org/index.php/AIIDE/article/view/12973</a:t>
+            </a:r>
+            <a:endParaRPr kumimoji="0" lang="en-GB" altLang="en-US" sz="1400" b="0" i="0" u="none" strike="noStrike" cap="none" normalizeH="0" baseline="0" dirty="0">
+              <a:ln>
+                <a:noFill/>
+              </a:ln>
+              <a:solidFill>
+                <a:schemeClr val="tx1"/>
+              </a:solidFill>
+              <a:effectLst/>
+            </a:endParaRPr>
+          </a:p>
+          <a:p>
+            <a:pPr marL="0" marR="0" lvl="0" indent="0" algn="l" defTabSz="914400" rtl="0" eaLnBrk="0" fontAlgn="base" latinLnBrk="0" hangingPunct="0">
+              <a:lnSpc>
+                <a:spcPct val="100000"/>
+              </a:lnSpc>
+              <a:spcBef>
+                <a:spcPct val="0"/>
+              </a:spcBef>
+              <a:spcAft>
+                <a:spcPct val="0"/>
+              </a:spcAft>
+              <a:buClrTx/>
+              <a:buSzTx/>
+              <a:buFontTx/>
+              <a:buNone/>
+              <a:tabLst/>
+            </a:pPr>
+            <a:r>
+              <a:rPr kumimoji="0" lang="en-GB" altLang="en-US" sz="2400" b="0" i="0" u="none" strike="noStrike" cap="none" normalizeH="0" baseline="0" dirty="0">
+                <a:ln>
+                  <a:noFill/>
+                </a:ln>
+                <a:solidFill>
+                  <a:schemeClr val="tx1"/>
+                </a:solidFill>
+                <a:effectLst/>
+                <a:latin typeface="Calibri" panose="020F0502020204030204" pitchFamily="34" charset="0"/>
+                <a:ea typeface="Calibri" panose="020F0502020204030204" pitchFamily="34" charset="0"/>
+                <a:cs typeface="Times New Roman" panose="02020603050405020304" pitchFamily="18" charset="0"/>
+              </a:rPr>
+              <a:t>Simpson, C. (2014, 7 18). </a:t>
+            </a:r>
+            <a:r>
+              <a:rPr kumimoji="0" lang="en-GB" altLang="en-US" sz="2400" b="0" i="1" u="none" strike="noStrike" cap="none" normalizeH="0" baseline="0" dirty="0" err="1">
+                <a:ln>
+                  <a:noFill/>
+                </a:ln>
+                <a:solidFill>
+                  <a:schemeClr val="tx1"/>
+                </a:solidFill>
+                <a:effectLst/>
+                <a:latin typeface="Calibri" panose="020F0502020204030204" pitchFamily="34" charset="0"/>
+                <a:ea typeface="Calibri" panose="020F0502020204030204" pitchFamily="34" charset="0"/>
+                <a:cs typeface="Times New Roman" panose="02020603050405020304" pitchFamily="18" charset="0"/>
+              </a:rPr>
+              <a:t>Behavior</a:t>
+            </a:r>
+            <a:r>
+              <a:rPr kumimoji="0" lang="en-GB" altLang="en-US" sz="2400" b="0" i="1" u="none" strike="noStrike" cap="none" normalizeH="0" baseline="0" dirty="0">
+                <a:ln>
+                  <a:noFill/>
+                </a:ln>
+                <a:solidFill>
+                  <a:schemeClr val="tx1"/>
+                </a:solidFill>
+                <a:effectLst/>
+                <a:latin typeface="Calibri" panose="020F0502020204030204" pitchFamily="34" charset="0"/>
+                <a:ea typeface="Calibri" panose="020F0502020204030204" pitchFamily="34" charset="0"/>
+                <a:cs typeface="Times New Roman" panose="02020603050405020304" pitchFamily="18" charset="0"/>
+              </a:rPr>
+              <a:t> trees for AI: How they work</a:t>
+            </a:r>
+            <a:r>
+              <a:rPr kumimoji="0" lang="en-GB" altLang="en-US" sz="2400" b="0" i="0" u="none" strike="noStrike" cap="none" normalizeH="0" baseline="0" dirty="0">
+                <a:ln>
+                  <a:noFill/>
+                </a:ln>
+                <a:solidFill>
+                  <a:schemeClr val="tx1"/>
+                </a:solidFill>
+                <a:effectLst/>
+                <a:latin typeface="Calibri" panose="020F0502020204030204" pitchFamily="34" charset="0"/>
+                <a:ea typeface="Calibri" panose="020F0502020204030204" pitchFamily="34" charset="0"/>
+                <a:cs typeface="Times New Roman" panose="02020603050405020304" pitchFamily="18" charset="0"/>
+              </a:rPr>
+              <a:t>. Retrieved from </a:t>
+            </a:r>
+            <a:r>
+              <a:rPr kumimoji="0" lang="en-GB" altLang="en-US" sz="2400" b="0" i="0" u="none" strike="noStrike" cap="none" normalizeH="0" baseline="0" dirty="0" err="1">
+                <a:ln>
+                  <a:noFill/>
+                </a:ln>
+                <a:solidFill>
+                  <a:schemeClr val="tx1"/>
+                </a:solidFill>
+                <a:effectLst/>
+                <a:latin typeface="Calibri" panose="020F0502020204030204" pitchFamily="34" charset="0"/>
+                <a:ea typeface="Calibri" panose="020F0502020204030204" pitchFamily="34" charset="0"/>
+                <a:cs typeface="Times New Roman" panose="02020603050405020304" pitchFamily="18" charset="0"/>
+              </a:rPr>
+              <a:t>GameDeveloper</a:t>
+            </a:r>
+            <a:r>
+              <a:rPr kumimoji="0" lang="en-GB" altLang="en-US" sz="2400" b="0" i="0" u="none" strike="noStrike" cap="none" normalizeH="0" baseline="0" dirty="0">
+                <a:ln>
+                  <a:noFill/>
+                </a:ln>
+                <a:solidFill>
+                  <a:schemeClr val="tx1"/>
+                </a:solidFill>
+                <a:effectLst/>
+                <a:latin typeface="Calibri" panose="020F0502020204030204" pitchFamily="34" charset="0"/>
+                <a:ea typeface="Calibri" panose="020F0502020204030204" pitchFamily="34" charset="0"/>
+                <a:cs typeface="Times New Roman" panose="02020603050405020304" pitchFamily="18" charset="0"/>
+              </a:rPr>
+              <a:t>: https://www.gamedeveloper.com/programming/behavior-trees-for-ai-how-they-work</a:t>
+            </a:r>
+            <a:endParaRPr kumimoji="0" lang="en-GB" altLang="en-US" sz="1400" b="0" i="0" u="none" strike="noStrike" cap="none" normalizeH="0" baseline="0" dirty="0">
+              <a:ln>
+                <a:noFill/>
+              </a:ln>
+              <a:solidFill>
+                <a:schemeClr val="tx1"/>
+              </a:solidFill>
+              <a:effectLst/>
+            </a:endParaRPr>
+          </a:p>
+          <a:p>
+            <a:pPr marL="0" marR="0" lvl="0" indent="0" algn="l" defTabSz="914400" rtl="0" eaLnBrk="0" fontAlgn="base" latinLnBrk="0" hangingPunct="0">
+              <a:lnSpc>
+                <a:spcPct val="100000"/>
+              </a:lnSpc>
+              <a:spcBef>
+                <a:spcPct val="0"/>
+              </a:spcBef>
+              <a:spcAft>
+                <a:spcPct val="0"/>
+              </a:spcAft>
+              <a:buClrTx/>
+              <a:buSzTx/>
+              <a:buFontTx/>
+              <a:buNone/>
+              <a:tabLst/>
+            </a:pPr>
+            <a:r>
+              <a:rPr kumimoji="0" lang="en-GB" altLang="en-US" sz="2400" b="0" i="0" u="none" strike="noStrike" cap="none" normalizeH="0" baseline="0" dirty="0" err="1">
+                <a:ln>
+                  <a:noFill/>
+                </a:ln>
+                <a:solidFill>
+                  <a:schemeClr val="tx1"/>
+                </a:solidFill>
+                <a:effectLst/>
+                <a:latin typeface="Calibri" panose="020F0502020204030204" pitchFamily="34" charset="0"/>
+                <a:ea typeface="Calibri" panose="020F0502020204030204" pitchFamily="34" charset="0"/>
+                <a:cs typeface="Times New Roman" panose="02020603050405020304" pitchFamily="18" charset="0"/>
+              </a:rPr>
+              <a:t>Sundin</a:t>
+            </a:r>
+            <a:r>
+              <a:rPr kumimoji="0" lang="en-GB" altLang="en-US" sz="2400" b="0" i="0" u="none" strike="noStrike" cap="none" normalizeH="0" baseline="0" dirty="0">
+                <a:ln>
+                  <a:noFill/>
+                </a:ln>
+                <a:solidFill>
+                  <a:schemeClr val="tx1"/>
+                </a:solidFill>
+                <a:effectLst/>
+                <a:latin typeface="Calibri" panose="020F0502020204030204" pitchFamily="34" charset="0"/>
+                <a:ea typeface="Calibri" panose="020F0502020204030204" pitchFamily="34" charset="0"/>
+                <a:cs typeface="Times New Roman" panose="02020603050405020304" pitchFamily="18" charset="0"/>
+              </a:rPr>
+              <a:t>, O. (2019, 10 26). </a:t>
+            </a:r>
+            <a:r>
+              <a:rPr kumimoji="0" lang="en-GB" altLang="en-US" sz="2400" b="0" i="1" u="none" strike="noStrike" cap="none" normalizeH="0" baseline="0" dirty="0">
+                <a:ln>
+                  <a:noFill/>
+                </a:ln>
+                <a:solidFill>
+                  <a:schemeClr val="tx1"/>
+                </a:solidFill>
+                <a:effectLst/>
+                <a:latin typeface="Calibri" panose="020F0502020204030204" pitchFamily="34" charset="0"/>
+                <a:ea typeface="Calibri" panose="020F0502020204030204" pitchFamily="34" charset="0"/>
+                <a:cs typeface="Times New Roman" panose="02020603050405020304" pitchFamily="18" charset="0"/>
+              </a:rPr>
+              <a:t>Natural Language Content Generation for Computer.</a:t>
+            </a:r>
+            <a:r>
+              <a:rPr kumimoji="0" lang="en-GB" altLang="en-US" sz="2400" b="0" i="0" u="none" strike="noStrike" cap="none" normalizeH="0" baseline="0" dirty="0">
+                <a:ln>
+                  <a:noFill/>
+                </a:ln>
+                <a:solidFill>
+                  <a:schemeClr val="tx1"/>
+                </a:solidFill>
+                <a:effectLst/>
+                <a:latin typeface="Calibri" panose="020F0502020204030204" pitchFamily="34" charset="0"/>
+                <a:ea typeface="Calibri" panose="020F0502020204030204" pitchFamily="34" charset="0"/>
+                <a:cs typeface="Times New Roman" panose="02020603050405020304" pitchFamily="18" charset="0"/>
+              </a:rPr>
+              <a:t> Retrieved from diva portal.org: https://www.diva-portal.org/smash/get/diva2:1369106/FULLTEXT01.pdf</a:t>
+            </a:r>
+            <a:endParaRPr kumimoji="0" lang="en-GB" altLang="en-US" sz="1400" b="0" i="0" u="none" strike="noStrike" cap="none" normalizeH="0" baseline="0" dirty="0">
+              <a:ln>
+                <a:noFill/>
+              </a:ln>
+              <a:solidFill>
+                <a:schemeClr val="tx1"/>
+              </a:solidFill>
+              <a:effectLst/>
+            </a:endParaRPr>
+          </a:p>
+          <a:p>
+            <a:pPr marL="0" marR="0" lvl="0" indent="0" algn="l" defTabSz="914400" rtl="0" eaLnBrk="0" fontAlgn="base" latinLnBrk="0" hangingPunct="0">
+              <a:lnSpc>
+                <a:spcPct val="100000"/>
+              </a:lnSpc>
+              <a:spcBef>
+                <a:spcPct val="0"/>
+              </a:spcBef>
+              <a:spcAft>
+                <a:spcPct val="0"/>
+              </a:spcAft>
+              <a:buClrTx/>
+              <a:buSzTx/>
+              <a:buFontTx/>
+              <a:buNone/>
+              <a:tabLst/>
+            </a:pPr>
+            <a:r>
+              <a:rPr kumimoji="0" lang="en-GB" altLang="en-US" sz="2400" b="0" i="0" u="none" strike="noStrike" cap="none" normalizeH="0" baseline="0" dirty="0">
+                <a:ln>
+                  <a:noFill/>
+                </a:ln>
+                <a:solidFill>
+                  <a:schemeClr val="tx1"/>
+                </a:solidFill>
+                <a:effectLst/>
+                <a:latin typeface="Calibri" panose="020F0502020204030204" pitchFamily="34" charset="0"/>
+                <a:ea typeface="Calibri" panose="020F0502020204030204" pitchFamily="34" charset="0"/>
+                <a:cs typeface="Times New Roman" panose="02020603050405020304" pitchFamily="18" charset="0"/>
+              </a:rPr>
+              <a:t>Swanstrom, R. (2015, 05 1). </a:t>
+            </a:r>
+            <a:r>
+              <a:rPr kumimoji="0" lang="en-GB" altLang="en-US" sz="2400" b="0" i="1" u="none" strike="noStrike" cap="none" normalizeH="0" baseline="0" dirty="0">
+                <a:ln>
+                  <a:noFill/>
+                </a:ln>
+                <a:solidFill>
+                  <a:schemeClr val="tx1"/>
+                </a:solidFill>
+                <a:effectLst/>
+                <a:latin typeface="Calibri" panose="020F0502020204030204" pitchFamily="34" charset="0"/>
+                <a:ea typeface="Calibri" panose="020F0502020204030204" pitchFamily="34" charset="0"/>
+                <a:cs typeface="Times New Roman" panose="02020603050405020304" pitchFamily="18" charset="0"/>
+              </a:rPr>
+              <a:t>Scoring a Software Development Organization with a single number.</a:t>
+            </a:r>
+            <a:r>
+              <a:rPr kumimoji="0" lang="en-GB" altLang="en-US" sz="2400" b="0" i="0" u="none" strike="noStrike" cap="none" normalizeH="0" baseline="0" dirty="0">
+                <a:ln>
+                  <a:noFill/>
+                </a:ln>
+                <a:solidFill>
+                  <a:schemeClr val="tx1"/>
+                </a:solidFill>
+                <a:effectLst/>
+                <a:latin typeface="Calibri" panose="020F0502020204030204" pitchFamily="34" charset="0"/>
+                <a:ea typeface="Calibri" panose="020F0502020204030204" pitchFamily="34" charset="0"/>
+                <a:cs typeface="Times New Roman" panose="02020603050405020304" pitchFamily="18" charset="0"/>
+              </a:rPr>
+              <a:t> Retrieved from Research Gate: https://www.researchgate.net/figure/Modern-Waterfall-Diagram-adapted-from-36_fig2_306446532</a:t>
+            </a:r>
+            <a:endParaRPr kumimoji="0" lang="en-GB" altLang="en-US" sz="1400" b="0" i="0" u="none" strike="noStrike" cap="none" normalizeH="0" baseline="0" dirty="0">
+              <a:ln>
+                <a:noFill/>
+              </a:ln>
+              <a:solidFill>
+                <a:schemeClr val="tx1"/>
+              </a:solidFill>
+              <a:effectLst/>
+            </a:endParaRPr>
+          </a:p>
+          <a:p>
+            <a:pPr marL="0" marR="0" lvl="0" indent="0" algn="l" defTabSz="914400" rtl="0" eaLnBrk="0" fontAlgn="base" latinLnBrk="0" hangingPunct="0">
+              <a:lnSpc>
+                <a:spcPct val="100000"/>
+              </a:lnSpc>
+              <a:spcBef>
+                <a:spcPct val="0"/>
+              </a:spcBef>
+              <a:spcAft>
+                <a:spcPct val="0"/>
+              </a:spcAft>
+              <a:buClrTx/>
+              <a:buSzTx/>
+              <a:buFontTx/>
+              <a:buNone/>
+              <a:tabLst/>
+            </a:pPr>
+            <a:r>
+              <a:rPr kumimoji="0" lang="en-GB" altLang="en-US" sz="2400" b="0" i="0" u="none" strike="noStrike" cap="none" normalizeH="0" baseline="0" dirty="0">
+                <a:ln>
+                  <a:noFill/>
+                </a:ln>
+                <a:solidFill>
+                  <a:schemeClr val="tx1"/>
+                </a:solidFill>
+                <a:effectLst/>
+                <a:latin typeface="Calibri" panose="020F0502020204030204" pitchFamily="34" charset="0"/>
+                <a:ea typeface="Calibri" panose="020F0502020204030204" pitchFamily="34" charset="0"/>
+                <a:cs typeface="Times New Roman" panose="02020603050405020304" pitchFamily="18" charset="0"/>
+              </a:rPr>
+              <a:t>Vincent, J. (2020, 7 30). </a:t>
+            </a:r>
+            <a:r>
+              <a:rPr kumimoji="0" lang="en-GB" altLang="en-US" sz="2400" b="0" i="1" u="none" strike="noStrike" cap="none" normalizeH="0" baseline="0" dirty="0">
+                <a:ln>
+                  <a:noFill/>
+                </a:ln>
+                <a:solidFill>
+                  <a:schemeClr val="tx1"/>
+                </a:solidFill>
+                <a:effectLst/>
+                <a:latin typeface="Calibri" panose="020F0502020204030204" pitchFamily="34" charset="0"/>
+                <a:ea typeface="Calibri" panose="020F0502020204030204" pitchFamily="34" charset="0"/>
+                <a:cs typeface="Times New Roman" panose="02020603050405020304" pitchFamily="18" charset="0"/>
+              </a:rPr>
+              <a:t>OPENAI’S LATEST BREAKTHROUGH IS ASTONISHINGLY POWERFUL, BUT STILL FIGHTING ITS FLAWS</a:t>
+            </a:r>
+            <a:r>
+              <a:rPr kumimoji="0" lang="en-GB" altLang="en-US" sz="2400" b="0" i="0" u="none" strike="noStrike" cap="none" normalizeH="0" baseline="0" dirty="0">
+                <a:ln>
+                  <a:noFill/>
+                </a:ln>
+                <a:solidFill>
+                  <a:schemeClr val="tx1"/>
+                </a:solidFill>
+                <a:effectLst/>
+                <a:latin typeface="Calibri" panose="020F0502020204030204" pitchFamily="34" charset="0"/>
+                <a:ea typeface="Calibri" panose="020F0502020204030204" pitchFamily="34" charset="0"/>
+                <a:cs typeface="Times New Roman" panose="02020603050405020304" pitchFamily="18" charset="0"/>
+              </a:rPr>
+              <a:t>. Retrieved from The Verge: https://www.theverge.com/21346343/gpt-3-explainer-openai-examples-errors-agi-potential</a:t>
+            </a:r>
+            <a:endParaRPr kumimoji="0" lang="en-GB" altLang="en-US" sz="1400" b="0" i="0" u="none" strike="noStrike" cap="none" normalizeH="0" baseline="0" dirty="0">
+              <a:ln>
+                <a:noFill/>
+              </a:ln>
+              <a:solidFill>
+                <a:schemeClr val="tx1"/>
+              </a:solidFill>
+              <a:effectLst/>
+            </a:endParaRPr>
+          </a:p>
+          <a:p>
+            <a:endParaRPr lang="en-GB" dirty="0"/>
+          </a:p>
+        </p:txBody>
+      </p:sp>
+    </p:spTree>
+    <p:extLst>
+      <p:ext uri="{BB962C8B-B14F-4D97-AF65-F5344CB8AC3E}">
+        <p14:creationId xmlns:p14="http://schemas.microsoft.com/office/powerpoint/2010/main" val="1902675499"/>
+      </p:ext>
+    </p:extLst>
+  </p:cSld>
+  <p:clrMapOvr>
+    <a:masterClrMapping/>
+  </p:clrMapOvr>
+</p:sld>
+</file>
+
+<file path=ppt/slides/slide3.xml><?xml version="1.0" encoding="utf-8"?>
+<p:sld xmlns:a="http://schemas.openxmlformats.org/drawingml/2006/main" xmlns:r="http://schemas.openxmlformats.org/officeDocument/2006/relationships" xmlns:p="http://schemas.openxmlformats.org/presentationml/2006/main">
+  <p:cSld>
+    <p:spTree>
+      <p:nvGrpSpPr>
+        <p:cNvPr id="1" name=""/>
+        <p:cNvGrpSpPr/>
+        <p:nvPr/>
+      </p:nvGrpSpPr>
+      <p:grpSpPr>
+        <a:xfrm>
+          <a:off x="0" y="0"/>
+          <a:ext cx="0" cy="0"/>
+          <a:chOff x="0" y="0"/>
+          <a:chExt cx="0" cy="0"/>
+        </a:xfrm>
+      </p:grpSpPr>
+      <p:sp>
+        <p:nvSpPr>
+          <p:cNvPr id="2" name="Title 1">
+            <a:extLst>
+              <a:ext uri="{FF2B5EF4-FFF2-40B4-BE49-F238E27FC236}">
+                <a16:creationId xmlns:a16="http://schemas.microsoft.com/office/drawing/2014/main" id="{F6C63778-17AC-4EF8-BB1B-7AB0614DA3A1}"/>
+              </a:ext>
+            </a:extLst>
+          </p:cNvPr>
+          <p:cNvSpPr>
+            <a:spLocks noGrp="1"/>
+          </p:cNvSpPr>
+          <p:nvPr>
+            <p:ph type="title"/>
+          </p:nvPr>
+        </p:nvSpPr>
+        <p:spPr/>
+        <p:txBody>
+          <a:bodyPr/>
+          <a:lstStyle/>
+          <a:p>
+            <a:r>
+              <a:rPr lang="en-GB" dirty="0"/>
+              <a:t>Introduction –Types of narrative AI</a:t>
+            </a:r>
+          </a:p>
+        </p:txBody>
+      </p:sp>
+      <p:sp>
+        <p:nvSpPr>
+          <p:cNvPr id="3" name="Content Placeholder 2">
+            <a:extLst>
+              <a:ext uri="{FF2B5EF4-FFF2-40B4-BE49-F238E27FC236}">
+                <a16:creationId xmlns:a16="http://schemas.microsoft.com/office/drawing/2014/main" id="{0B8ACB8F-4721-4672-B488-BE64199251D7}"/>
+              </a:ext>
+            </a:extLst>
+          </p:cNvPr>
+          <p:cNvSpPr>
+            <a:spLocks noGrp="1"/>
+          </p:cNvSpPr>
+          <p:nvPr>
+            <p:ph idx="1"/>
+          </p:nvPr>
+        </p:nvSpPr>
+        <p:spPr/>
+        <p:txBody>
+          <a:bodyPr/>
+          <a:lstStyle/>
+          <a:p>
+            <a:r>
+              <a:rPr lang="en-GB" dirty="0"/>
+              <a:t>Procedural generation</a:t>
+            </a:r>
+          </a:p>
+          <a:p>
+            <a:r>
+              <a:rPr lang="en-GB" dirty="0"/>
+              <a:t>Emergent generation</a:t>
+            </a:r>
+          </a:p>
+        </p:txBody>
+      </p:sp>
+    </p:spTree>
+    <p:extLst>
+      <p:ext uri="{BB962C8B-B14F-4D97-AF65-F5344CB8AC3E}">
+        <p14:creationId xmlns:p14="http://schemas.microsoft.com/office/powerpoint/2010/main" val="1081710893"/>
+      </p:ext>
+    </p:extLst>
+  </p:cSld>
+  <p:clrMapOvr>
+    <a:masterClrMapping/>
+  </p:clrMapOvr>
+</p:sld>
+</file>
+
+<file path=ppt/slides/slide4.xml><?xml version="1.0" encoding="utf-8"?>
+<p:sld xmlns:a="http://schemas.openxmlformats.org/drawingml/2006/main" xmlns:r="http://schemas.openxmlformats.org/officeDocument/2006/relationships" xmlns:p="http://schemas.openxmlformats.org/presentationml/2006/main">
+  <p:cSld>
+    <p:bg>
+      <p:bgPr>
+        <a:solidFill>
+          <a:schemeClr val="bg1"/>
+        </a:solidFill>
+        <a:effectLst/>
+      </p:bgPr>
+    </p:bg>
+    <p:spTree>
+      <p:nvGrpSpPr>
+        <p:cNvPr id="1" name=""/>
+        <p:cNvGrpSpPr/>
+        <p:nvPr/>
+      </p:nvGrpSpPr>
+      <p:grpSpPr>
+        <a:xfrm>
+          <a:off x="0" y="0"/>
+          <a:ext cx="0" cy="0"/>
+          <a:chOff x="0" y="0"/>
+          <a:chExt cx="0" cy="0"/>
+        </a:xfrm>
+      </p:grpSpPr>
+      <p:sp useBgFill="1">
+        <p:nvSpPr>
+          <p:cNvPr id="11" name="Rectangle 10">
+            <a:extLst>
+              <a:ext uri="{FF2B5EF4-FFF2-40B4-BE49-F238E27FC236}">
+                <a16:creationId xmlns:a16="http://schemas.microsoft.com/office/drawing/2014/main" id="{579E3846-8D0B-B14A-817A-7FAC9DDAB4D8}"/>
+              </a:ext>
+              <a:ext uri="{C183D7F6-B498-43B3-948B-1728B52AA6E4}">
+                <adec:decorative xmlns:adec="http://schemas.microsoft.com/office/drawing/2017/decorative" val="1"/>
+              </a:ext>
+            </a:extLst>
+          </p:cNvPr>
+          <p:cNvSpPr>
+            <a:spLocks noGrp="1" noRot="1" noChangeAspect="1" noMove="1" noResize="1" noEditPoints="1" noAdjustHandles="1" noChangeArrowheads="1" noChangeShapeType="1" noTextEdit="1"/>
+          </p:cNvSpPr>
+          <p:nvPr>
+            <p:extLst>
+              <p:ext uri="{386F3935-93C4-4BCD-93E2-E3B085C9AB24}">
+                <p16:designElem xmlns:p16="http://schemas.microsoft.com/office/powerpoint/2015/main" val="1"/>
+              </p:ext>
+            </p:extLst>
+          </p:nvPr>
+        </p:nvSpPr>
+        <p:spPr>
+          <a:xfrm>
+            <a:off x="0" y="0"/>
+            <a:ext cx="12192000" cy="6858000"/>
+          </a:xfrm>
+          <a:prstGeom prst="rect">
+            <a:avLst/>
+          </a:prstGeom>
+          <a:ln>
+            <a:noFill/>
+          </a:ln>
+        </p:spPr>
+        <p:style>
+          <a:lnRef idx="2">
+            <a:schemeClr val="accent1">
+              <a:shade val="50000"/>
+            </a:schemeClr>
+          </a:lnRef>
+          <a:fillRef idx="1">
+            <a:schemeClr val="accent1"/>
+          </a:fillRef>
+          <a:effectRef idx="0">
+            <a:schemeClr val="accent1"/>
+          </a:effectRef>
+          <a:fontRef idx="minor">
+            <a:schemeClr val="lt1"/>
+          </a:fontRef>
+        </p:style>
+        <p:txBody>
+          <a:bodyPr rtlCol="0" anchor="ctr"/>
+          <a:lstStyle/>
+          <a:p>
+            <a:pPr algn="ctr"/>
+            <a:endParaRPr lang="en-US"/>
+          </a:p>
+        </p:txBody>
+      </p:sp>
+      <p:sp>
+        <p:nvSpPr>
+          <p:cNvPr id="2" name="Title 1">
+            <a:extLst>
+              <a:ext uri="{FF2B5EF4-FFF2-40B4-BE49-F238E27FC236}">
+                <a16:creationId xmlns:a16="http://schemas.microsoft.com/office/drawing/2014/main" id="{F6C63778-17AC-4EF8-BB1B-7AB0614DA3A1}"/>
+              </a:ext>
+            </a:extLst>
+          </p:cNvPr>
+          <p:cNvSpPr>
+            <a:spLocks noGrp="1"/>
+          </p:cNvSpPr>
+          <p:nvPr>
+            <p:ph type="title"/>
+          </p:nvPr>
+        </p:nvSpPr>
+        <p:spPr>
+          <a:xfrm>
+            <a:off x="7493192" y="1204721"/>
+            <a:ext cx="4133647" cy="1446550"/>
+          </a:xfrm>
+        </p:spPr>
+        <p:txBody>
+          <a:bodyPr>
+            <a:normAutofit/>
+          </a:bodyPr>
+          <a:lstStyle/>
+          <a:p>
+            <a:r>
+              <a:rPr lang="en-GB" dirty="0"/>
+              <a:t>Introduction –How its used</a:t>
+            </a:r>
+          </a:p>
+        </p:txBody>
+      </p:sp>
+      <p:sp>
+        <p:nvSpPr>
+          <p:cNvPr id="3" name="Content Placeholder 2">
+            <a:extLst>
+              <a:ext uri="{FF2B5EF4-FFF2-40B4-BE49-F238E27FC236}">
+                <a16:creationId xmlns:a16="http://schemas.microsoft.com/office/drawing/2014/main" id="{0B8ACB8F-4721-4672-B488-BE64199251D7}"/>
+              </a:ext>
+            </a:extLst>
+          </p:cNvPr>
+          <p:cNvSpPr>
+            <a:spLocks noGrp="1"/>
+          </p:cNvSpPr>
+          <p:nvPr>
+            <p:ph idx="1"/>
+          </p:nvPr>
+        </p:nvSpPr>
+        <p:spPr>
+          <a:xfrm>
+            <a:off x="7493193" y="2691638"/>
+            <a:ext cx="4133647" cy="3188586"/>
+          </a:xfrm>
+        </p:spPr>
+        <p:txBody>
+          <a:bodyPr>
+            <a:normAutofit/>
+          </a:bodyPr>
+          <a:lstStyle/>
+          <a:p>
+            <a:r>
+              <a:rPr lang="en-GB" dirty="0"/>
+              <a:t>Traits </a:t>
+            </a:r>
+          </a:p>
+          <a:p>
+            <a:r>
+              <a:rPr lang="en-GB" dirty="0"/>
+              <a:t>Dialog</a:t>
+            </a:r>
+          </a:p>
+          <a:p>
+            <a:r>
+              <a:rPr lang="en-GB" dirty="0"/>
+              <a:t>Responsive AI</a:t>
+            </a:r>
+          </a:p>
+        </p:txBody>
+      </p:sp>
+      <p:pic>
+        <p:nvPicPr>
+          <p:cNvPr id="4" name="Picture 3" descr="Graphical user interface&#10;&#10;Description automatically generated">
+            <a:extLst>
+              <a:ext uri="{FF2B5EF4-FFF2-40B4-BE49-F238E27FC236}">
+                <a16:creationId xmlns:a16="http://schemas.microsoft.com/office/drawing/2014/main" id="{2C4A4733-4FF9-4AE9-AE92-80BD46089359}"/>
+              </a:ext>
+            </a:extLst>
+          </p:cNvPr>
+          <p:cNvPicPr>
+            <a:picLocks noChangeAspect="1"/>
+          </p:cNvPicPr>
+          <p:nvPr/>
+        </p:nvPicPr>
+        <p:blipFill rotWithShape="1">
+          <a:blip r:embed="rId2"/>
+          <a:srcRect r="-2" b="5716"/>
+          <a:stretch/>
+        </p:blipFill>
+        <p:spPr>
+          <a:xfrm>
+            <a:off x="20" y="2571496"/>
+            <a:ext cx="6967737" cy="4286502"/>
+          </a:xfrm>
+          <a:prstGeom prst="rect">
+            <a:avLst/>
+          </a:prstGeom>
+        </p:spPr>
+      </p:pic>
+      <p:pic>
+        <p:nvPicPr>
+          <p:cNvPr id="6" name="Picture 5" descr="A screenshot of a video game&#10;&#10;Description automatically generated">
+            <a:extLst>
+              <a:ext uri="{FF2B5EF4-FFF2-40B4-BE49-F238E27FC236}">
+                <a16:creationId xmlns:a16="http://schemas.microsoft.com/office/drawing/2014/main" id="{1A460042-E0C2-4D0A-808D-4BF2F69089CF}"/>
+              </a:ext>
+            </a:extLst>
+          </p:cNvPr>
+          <p:cNvPicPr>
+            <a:picLocks noChangeAspect="1"/>
+          </p:cNvPicPr>
+          <p:nvPr/>
+        </p:nvPicPr>
+        <p:blipFill rotWithShape="1">
+          <a:blip r:embed="rId3"/>
+          <a:srcRect l="10186" r="13945" b="1"/>
+          <a:stretch/>
+        </p:blipFill>
+        <p:spPr>
+          <a:xfrm>
+            <a:off x="-1" y="-2"/>
+            <a:ext cx="3483873" cy="2571500"/>
+          </a:xfrm>
+          <a:prstGeom prst="rect">
+            <a:avLst/>
+          </a:prstGeom>
+        </p:spPr>
+      </p:pic>
+      <p:pic>
+        <p:nvPicPr>
+          <p:cNvPr id="5" name="Picture 4" descr="A picture containing indoor, furniture&#10;&#10;Description automatically generated">
+            <a:extLst>
+              <a:ext uri="{FF2B5EF4-FFF2-40B4-BE49-F238E27FC236}">
+                <a16:creationId xmlns:a16="http://schemas.microsoft.com/office/drawing/2014/main" id="{7FB28D4B-D695-416E-A7F4-CB614EB3DA9F}"/>
+              </a:ext>
+            </a:extLst>
+          </p:cNvPr>
+          <p:cNvPicPr>
+            <a:picLocks noChangeAspect="1"/>
+          </p:cNvPicPr>
+          <p:nvPr/>
+        </p:nvPicPr>
+        <p:blipFill rotWithShape="1">
+          <a:blip r:embed="rId4"/>
+          <a:srcRect l="19743" r="12855"/>
+          <a:stretch/>
+        </p:blipFill>
+        <p:spPr>
+          <a:xfrm>
+            <a:off x="3483877" y="10"/>
+            <a:ext cx="3483879" cy="2571487"/>
+          </a:xfrm>
+          <a:prstGeom prst="rect">
+            <a:avLst/>
+          </a:prstGeom>
+        </p:spPr>
+      </p:pic>
+      <p:sp>
+        <p:nvSpPr>
+          <p:cNvPr id="13" name="Cross 12">
+            <a:extLst>
+              <a:ext uri="{FF2B5EF4-FFF2-40B4-BE49-F238E27FC236}">
+                <a16:creationId xmlns:a16="http://schemas.microsoft.com/office/drawing/2014/main" id="{A12C7CBA-A034-9548-BC45-D37C25C0087C}"/>
+              </a:ext>
+              <a:ext uri="{C183D7F6-B498-43B3-948B-1728B52AA6E4}">
+                <adec:decorative xmlns:adec="http://schemas.microsoft.com/office/drawing/2017/decorative" val="1"/>
+              </a:ext>
+            </a:extLst>
+          </p:cNvPr>
+          <p:cNvSpPr>
+            <a:spLocks noGrp="1" noRot="1" noChangeAspect="1" noMove="1" noResize="1" noEditPoints="1" noAdjustHandles="1" noChangeArrowheads="1" noChangeShapeType="1" noTextEdit="1"/>
+          </p:cNvSpPr>
+          <p:nvPr>
+            <p:extLst>
+              <p:ext uri="{386F3935-93C4-4BCD-93E2-E3B085C9AB24}">
+                <p16:designElem xmlns:p16="http://schemas.microsoft.com/office/powerpoint/2015/main" val="1"/>
+              </p:ext>
+            </p:extLst>
+          </p:nvPr>
+        </p:nvSpPr>
+        <p:spPr>
+          <a:xfrm>
+            <a:off x="6760326" y="5618903"/>
+            <a:ext cx="524933" cy="524933"/>
+          </a:xfrm>
+          <a:prstGeom prst="plus">
+            <a:avLst>
+              <a:gd name="adj" fmla="val 39516"/>
+            </a:avLst>
+          </a:prstGeom>
+          <a:solidFill>
+            <a:schemeClr val="tx1"/>
+          </a:solidFill>
+          <a:ln>
+            <a:noFill/>
+          </a:ln>
+        </p:spPr>
+        <p:style>
+          <a:lnRef idx="2">
+            <a:schemeClr val="accent1">
+              <a:shade val="50000"/>
+            </a:schemeClr>
+          </a:lnRef>
+          <a:fillRef idx="1">
+            <a:schemeClr val="accent1"/>
+          </a:fillRef>
+          <a:effectRef idx="0">
+            <a:schemeClr val="accent1"/>
+          </a:effectRef>
+          <a:fontRef idx="minor">
+            <a:schemeClr val="lt1"/>
+          </a:fontRef>
+        </p:style>
+        <p:txBody>
+          <a:bodyPr rtlCol="0" anchor="ctr"/>
+          <a:lstStyle/>
+          <a:p>
+            <a:pPr algn="ctr"/>
+            <a:endParaRPr lang="en-US"/>
+          </a:p>
+        </p:txBody>
+      </p:sp>
+      <p:sp>
+        <p:nvSpPr>
+          <p:cNvPr id="15" name="Rectangle 14">
+            <a:extLst>
+              <a:ext uri="{FF2B5EF4-FFF2-40B4-BE49-F238E27FC236}">
+                <a16:creationId xmlns:a16="http://schemas.microsoft.com/office/drawing/2014/main" id="{5449ED22-D9F5-F848-A98A-7181D4EE7A7B}"/>
+              </a:ext>
+              <a:ext uri="{C183D7F6-B498-43B3-948B-1728B52AA6E4}">
+                <adec:decorative xmlns:adec="http://schemas.microsoft.com/office/drawing/2017/decorative" val="1"/>
+              </a:ext>
+            </a:extLst>
+          </p:cNvPr>
+          <p:cNvSpPr>
+            <a:spLocks noGrp="1" noRot="1" noChangeAspect="1" noMove="1" noResize="1" noEditPoints="1" noAdjustHandles="1" noChangeArrowheads="1" noChangeShapeType="1" noTextEdit="1"/>
+          </p:cNvSpPr>
+          <p:nvPr>
+            <p:extLst>
+              <p:ext uri="{386F3935-93C4-4BCD-93E2-E3B085C9AB24}">
+                <p16:designElem xmlns:p16="http://schemas.microsoft.com/office/powerpoint/2015/main" val="1"/>
+              </p:ext>
+            </p:extLst>
+          </p:nvPr>
+        </p:nvSpPr>
+        <p:spPr>
+          <a:xfrm>
+            <a:off x="973666" y="976630"/>
+            <a:ext cx="1336774" cy="120142"/>
+          </a:xfrm>
+          <a:prstGeom prst="rect">
+            <a:avLst/>
+          </a:prstGeom>
+          <a:solidFill>
+            <a:schemeClr val="tx1"/>
+          </a:solidFill>
+          <a:ln>
+            <a:noFill/>
+          </a:ln>
+        </p:spPr>
+        <p:style>
+          <a:lnRef idx="2">
+            <a:schemeClr val="accent1">
+              <a:shade val="50000"/>
+            </a:schemeClr>
+          </a:lnRef>
+          <a:fillRef idx="1">
+            <a:schemeClr val="accent1"/>
+          </a:fillRef>
+          <a:effectRef idx="0">
+            <a:schemeClr val="accent1"/>
+          </a:effectRef>
+          <a:fontRef idx="minor">
+            <a:schemeClr val="lt1"/>
+          </a:fontRef>
+        </p:style>
+        <p:txBody>
+          <a:bodyPr rtlCol="0" anchor="ctr"/>
+          <a:lstStyle/>
+          <a:p>
+            <a:pPr algn="ctr"/>
+            <a:endParaRPr lang="en-US"/>
+          </a:p>
+        </p:txBody>
+      </p:sp>
+    </p:spTree>
+    <p:extLst>
+      <p:ext uri="{BB962C8B-B14F-4D97-AF65-F5344CB8AC3E}">
+        <p14:creationId xmlns:p14="http://schemas.microsoft.com/office/powerpoint/2010/main" val="3635731213"/>
+      </p:ext>
+    </p:extLst>
+  </p:cSld>
+  <p:clrMapOvr>
+    <a:masterClrMapping/>
+  </p:clrMapOvr>
+</p:sld>
+</file>
+
+<file path=ppt/slides/slide5.xml><?xml version="1.0" encoding="utf-8"?>
+<p:sld xmlns:a="http://schemas.openxmlformats.org/drawingml/2006/main" xmlns:r="http://schemas.openxmlformats.org/officeDocument/2006/relationships" xmlns:p="http://schemas.openxmlformats.org/presentationml/2006/main">
+  <p:cSld>
+    <p:spTree>
+      <p:nvGrpSpPr>
+        <p:cNvPr id="1" name=""/>
+        <p:cNvGrpSpPr/>
+        <p:nvPr/>
+      </p:nvGrpSpPr>
+      <p:grpSpPr>
+        <a:xfrm>
+          <a:off x="0" y="0"/>
+          <a:ext cx="0" cy="0"/>
+          <a:chOff x="0" y="0"/>
+          <a:chExt cx="0" cy="0"/>
+        </a:xfrm>
+      </p:grpSpPr>
+      <p:sp>
+        <p:nvSpPr>
+          <p:cNvPr id="2" name="Title 1">
+            <a:extLst>
+              <a:ext uri="{FF2B5EF4-FFF2-40B4-BE49-F238E27FC236}">
+                <a16:creationId xmlns:a16="http://schemas.microsoft.com/office/drawing/2014/main" id="{D86CAA99-F2AE-4F9B-9CA9-6014E4B2D0D4}"/>
+              </a:ext>
+            </a:extLst>
+          </p:cNvPr>
+          <p:cNvSpPr>
+            <a:spLocks noGrp="1"/>
+          </p:cNvSpPr>
+          <p:nvPr>
+            <p:ph type="title"/>
+          </p:nvPr>
+        </p:nvSpPr>
+        <p:spPr/>
+        <p:txBody>
+          <a:bodyPr/>
+          <a:lstStyle/>
+          <a:p>
+            <a:r>
+              <a:rPr lang="en-GB" dirty="0"/>
+              <a:t>Aims and objectives</a:t>
+            </a:r>
+          </a:p>
+        </p:txBody>
+      </p:sp>
+      <p:sp>
+        <p:nvSpPr>
+          <p:cNvPr id="3" name="Content Placeholder 2">
+            <a:extLst>
+              <a:ext uri="{FF2B5EF4-FFF2-40B4-BE49-F238E27FC236}">
+                <a16:creationId xmlns:a16="http://schemas.microsoft.com/office/drawing/2014/main" id="{99474973-A1F9-4EA5-B1D6-B76AF77AF4B4}"/>
+              </a:ext>
+            </a:extLst>
+          </p:cNvPr>
+          <p:cNvSpPr>
+            <a:spLocks noGrp="1"/>
+          </p:cNvSpPr>
+          <p:nvPr>
+            <p:ph idx="1"/>
+          </p:nvPr>
+        </p:nvSpPr>
+        <p:spPr/>
+        <p:txBody>
+          <a:bodyPr/>
+          <a:lstStyle/>
+          <a:p>
+            <a:r>
+              <a:rPr lang="en-GB" dirty="0"/>
+              <a:t>Aim to create a narrative AI with a cast character</a:t>
+            </a:r>
+          </a:p>
+          <a:p>
+            <a:r>
+              <a:rPr lang="en-GB" dirty="0"/>
+              <a:t>Characters are able to talk to each other</a:t>
+            </a:r>
+          </a:p>
+          <a:p>
+            <a:r>
+              <a:rPr lang="en-GB" dirty="0"/>
+              <a:t>Have actions and goals</a:t>
+            </a:r>
+          </a:p>
+          <a:p>
+            <a:r>
+              <a:rPr lang="en-GB" dirty="0"/>
+              <a:t>Personality and emotion ai</a:t>
+            </a:r>
+          </a:p>
+          <a:p>
+            <a:endParaRPr lang="en-GB" dirty="0"/>
+          </a:p>
+        </p:txBody>
+      </p:sp>
+    </p:spTree>
+    <p:extLst>
+      <p:ext uri="{BB962C8B-B14F-4D97-AF65-F5344CB8AC3E}">
+        <p14:creationId xmlns:p14="http://schemas.microsoft.com/office/powerpoint/2010/main" val="1806929325"/>
+      </p:ext>
+    </p:extLst>
+  </p:cSld>
+  <p:clrMapOvr>
+    <a:masterClrMapping/>
+  </p:clrMapOvr>
+</p:sld>
+</file>
+
+<file path=ppt/slides/slide6.xml><?xml version="1.0" encoding="utf-8"?>
+<p:sld xmlns:a="http://schemas.openxmlformats.org/drawingml/2006/main" xmlns:r="http://schemas.openxmlformats.org/officeDocument/2006/relationships" xmlns:p="http://schemas.openxmlformats.org/presentationml/2006/main">
+  <p:cSld>
+    <p:spTree>
+      <p:nvGrpSpPr>
+        <p:cNvPr id="1" name=""/>
+        <p:cNvGrpSpPr/>
+        <p:nvPr/>
+      </p:nvGrpSpPr>
+      <p:grpSpPr>
+        <a:xfrm>
+          <a:off x="0" y="0"/>
+          <a:ext cx="0" cy="0"/>
+          <a:chOff x="0" y="0"/>
+          <a:chExt cx="0" cy="0"/>
+        </a:xfrm>
+      </p:grpSpPr>
+      <p:sp>
+        <p:nvSpPr>
+          <p:cNvPr id="2" name="Title 1">
+            <a:extLst>
+              <a:ext uri="{FF2B5EF4-FFF2-40B4-BE49-F238E27FC236}">
+                <a16:creationId xmlns:a16="http://schemas.microsoft.com/office/drawing/2014/main" id="{4E2FD029-1F57-4510-A7A1-573119BDD149}"/>
+              </a:ext>
+            </a:extLst>
+          </p:cNvPr>
+          <p:cNvSpPr>
+            <a:spLocks noGrp="1"/>
+          </p:cNvSpPr>
+          <p:nvPr>
+            <p:ph type="title"/>
+          </p:nvPr>
+        </p:nvSpPr>
+        <p:spPr/>
+        <p:txBody>
+          <a:bodyPr/>
+          <a:lstStyle/>
+          <a:p>
+            <a:r>
+              <a:rPr lang="en-GB" dirty="0"/>
+              <a:t>Background</a:t>
+            </a:r>
+          </a:p>
+        </p:txBody>
+      </p:sp>
+      <p:sp>
+        <p:nvSpPr>
+          <p:cNvPr id="3" name="Content Placeholder 2">
+            <a:extLst>
+              <a:ext uri="{FF2B5EF4-FFF2-40B4-BE49-F238E27FC236}">
+                <a16:creationId xmlns:a16="http://schemas.microsoft.com/office/drawing/2014/main" id="{648F0D37-19F2-4DC8-BBD8-AC74F2B3CB4E}"/>
+              </a:ext>
+            </a:extLst>
+          </p:cNvPr>
+          <p:cNvSpPr>
+            <a:spLocks noGrp="1"/>
+          </p:cNvSpPr>
+          <p:nvPr>
+            <p:ph idx="1"/>
+          </p:nvPr>
+        </p:nvSpPr>
+        <p:spPr/>
+        <p:txBody>
+          <a:bodyPr/>
+          <a:lstStyle/>
+          <a:p>
+            <a:r>
+              <a:rPr lang="en-GB" dirty="0"/>
+              <a:t>Why this project was chosen</a:t>
+            </a:r>
+          </a:p>
+          <a:p>
+            <a:r>
+              <a:rPr lang="en-GB" dirty="0"/>
+              <a:t>Why it is important in games</a:t>
+            </a:r>
+          </a:p>
+          <a:p>
+            <a:endParaRPr lang="en-GB" dirty="0"/>
+          </a:p>
+        </p:txBody>
+      </p:sp>
+    </p:spTree>
+    <p:extLst>
+      <p:ext uri="{BB962C8B-B14F-4D97-AF65-F5344CB8AC3E}">
+        <p14:creationId xmlns:p14="http://schemas.microsoft.com/office/powerpoint/2010/main" val="1168552379"/>
+      </p:ext>
+    </p:extLst>
+  </p:cSld>
+  <p:clrMapOvr>
+    <a:masterClrMapping/>
+  </p:clrMapOvr>
+</p:sld>
+</file>
+
+<file path=ppt/slides/slide7.xml><?xml version="1.0" encoding="utf-8"?>
+<p:sld xmlns:a="http://schemas.openxmlformats.org/drawingml/2006/main" xmlns:r="http://schemas.openxmlformats.org/officeDocument/2006/relationships" xmlns:p="http://schemas.openxmlformats.org/presentationml/2006/main">
+  <p:cSld>
+    <p:spTree>
+      <p:nvGrpSpPr>
+        <p:cNvPr id="1" name=""/>
+        <p:cNvGrpSpPr/>
+        <p:nvPr/>
+      </p:nvGrpSpPr>
+      <p:grpSpPr>
+        <a:xfrm>
+          <a:off x="0" y="0"/>
+          <a:ext cx="0" cy="0"/>
+          <a:chOff x="0" y="0"/>
+          <a:chExt cx="0" cy="0"/>
+        </a:xfrm>
+      </p:grpSpPr>
+      <p:sp>
+        <p:nvSpPr>
+          <p:cNvPr id="2" name="Title 1">
+            <a:extLst>
+              <a:ext uri="{FF2B5EF4-FFF2-40B4-BE49-F238E27FC236}">
+                <a16:creationId xmlns:a16="http://schemas.microsoft.com/office/drawing/2014/main" id="{4ADBA664-BB07-437B-B9BE-A30C76CC4712}"/>
+              </a:ext>
+            </a:extLst>
+          </p:cNvPr>
+          <p:cNvSpPr>
+            <a:spLocks noGrp="1"/>
+          </p:cNvSpPr>
+          <p:nvPr>
+            <p:ph type="title"/>
+          </p:nvPr>
+        </p:nvSpPr>
+        <p:spPr/>
+        <p:txBody>
+          <a:bodyPr/>
+          <a:lstStyle/>
+          <a:p>
+            <a:r>
+              <a:rPr lang="en-GB" dirty="0"/>
+              <a:t>Research methodology</a:t>
+            </a:r>
+          </a:p>
+        </p:txBody>
+      </p:sp>
+      <p:sp>
+        <p:nvSpPr>
+          <p:cNvPr id="3" name="Content Placeholder 2">
+            <a:extLst>
+              <a:ext uri="{FF2B5EF4-FFF2-40B4-BE49-F238E27FC236}">
+                <a16:creationId xmlns:a16="http://schemas.microsoft.com/office/drawing/2014/main" id="{088B2E6E-ACD8-4832-9672-7CB8DCBA1844}"/>
+              </a:ext>
+            </a:extLst>
+          </p:cNvPr>
+          <p:cNvSpPr>
+            <a:spLocks noGrp="1"/>
+          </p:cNvSpPr>
+          <p:nvPr>
+            <p:ph idx="1"/>
+          </p:nvPr>
+        </p:nvSpPr>
+        <p:spPr/>
+        <p:txBody>
+          <a:bodyPr/>
+          <a:lstStyle/>
+          <a:p>
+            <a:r>
+              <a:rPr lang="en-GB" dirty="0"/>
+              <a:t>Consider Waterfall vs Scrum</a:t>
+            </a:r>
+          </a:p>
+          <a:p>
+            <a:r>
+              <a:rPr lang="en-GB" dirty="0"/>
+              <a:t>Scrum implementation</a:t>
+            </a:r>
+          </a:p>
+        </p:txBody>
+      </p:sp>
+    </p:spTree>
+    <p:extLst>
+      <p:ext uri="{BB962C8B-B14F-4D97-AF65-F5344CB8AC3E}">
+        <p14:creationId xmlns:p14="http://schemas.microsoft.com/office/powerpoint/2010/main" val="1885536599"/>
+      </p:ext>
+    </p:extLst>
+  </p:cSld>
+  <p:clrMapOvr>
+    <a:masterClrMapping/>
+  </p:clrMapOvr>
+</p:sld>
+</file>
+
+<file path=ppt/slides/slide8.xml><?xml version="1.0" encoding="utf-8"?>
+<p:sld xmlns:a="http://schemas.openxmlformats.org/drawingml/2006/main" xmlns:r="http://schemas.openxmlformats.org/officeDocument/2006/relationships" xmlns:p="http://schemas.openxmlformats.org/presentationml/2006/main">
+  <p:cSld>
+    <p:bg>
+      <p:bgPr>
+        <a:solidFill>
+          <a:schemeClr val="bg1"/>
+        </a:solidFill>
+        <a:effectLst/>
+      </p:bgPr>
+    </p:bg>
+    <p:spTree>
+      <p:nvGrpSpPr>
+        <p:cNvPr id="1" name=""/>
+        <p:cNvGrpSpPr/>
+        <p:nvPr/>
+      </p:nvGrpSpPr>
+      <p:grpSpPr>
+        <a:xfrm>
+          <a:off x="0" y="0"/>
+          <a:ext cx="0" cy="0"/>
+          <a:chOff x="0" y="0"/>
+          <a:chExt cx="0" cy="0"/>
+        </a:xfrm>
+      </p:grpSpPr>
+      <p:sp useBgFill="1">
+        <p:nvSpPr>
+          <p:cNvPr id="9" name="Rectangle 8">
+            <a:extLst>
+              <a:ext uri="{FF2B5EF4-FFF2-40B4-BE49-F238E27FC236}">
+                <a16:creationId xmlns:a16="http://schemas.microsoft.com/office/drawing/2014/main" id="{579E3846-8D0B-B14A-817A-7FAC9DDAB4D8}"/>
+              </a:ext>
+              <a:ext uri="{C183D7F6-B498-43B3-948B-1728B52AA6E4}">
+                <adec:decorative xmlns:adec="http://schemas.microsoft.com/office/drawing/2017/decorative" val="1"/>
+              </a:ext>
+            </a:extLst>
+          </p:cNvPr>
+          <p:cNvSpPr>
+            <a:spLocks noGrp="1" noRot="1" noChangeAspect="1" noMove="1" noResize="1" noEditPoints="1" noAdjustHandles="1" noChangeArrowheads="1" noChangeShapeType="1" noTextEdit="1"/>
+          </p:cNvSpPr>
+          <p:nvPr>
+            <p:extLst>
+              <p:ext uri="{386F3935-93C4-4BCD-93E2-E3B085C9AB24}">
+                <p16:designElem xmlns:p16="http://schemas.microsoft.com/office/powerpoint/2015/main" val="1"/>
+              </p:ext>
+            </p:extLst>
+          </p:nvPr>
+        </p:nvSpPr>
+        <p:spPr>
+          <a:xfrm>
+            <a:off x="0" y="0"/>
+            <a:ext cx="12192000" cy="6858000"/>
+          </a:xfrm>
+          <a:prstGeom prst="rect">
+            <a:avLst/>
+          </a:prstGeom>
+          <a:ln>
+            <a:noFill/>
+          </a:ln>
+        </p:spPr>
+        <p:style>
+          <a:lnRef idx="2">
+            <a:schemeClr val="accent1">
+              <a:shade val="50000"/>
+            </a:schemeClr>
+          </a:lnRef>
+          <a:fillRef idx="1">
+            <a:schemeClr val="accent1"/>
+          </a:fillRef>
+          <a:effectRef idx="0">
+            <a:schemeClr val="accent1"/>
+          </a:effectRef>
+          <a:fontRef idx="minor">
+            <a:schemeClr val="lt1"/>
+          </a:fontRef>
+        </p:style>
+        <p:txBody>
+          <a:bodyPr rtlCol="0" anchor="ctr"/>
+          <a:lstStyle/>
+          <a:p>
+            <a:pPr algn="ctr"/>
+            <a:endParaRPr lang="en-US"/>
+          </a:p>
+        </p:txBody>
+      </p:sp>
+      <p:sp>
+        <p:nvSpPr>
+          <p:cNvPr id="2" name="Title 1">
+            <a:extLst>
+              <a:ext uri="{FF2B5EF4-FFF2-40B4-BE49-F238E27FC236}">
+                <a16:creationId xmlns:a16="http://schemas.microsoft.com/office/drawing/2014/main" id="{7DEC7009-A481-4B12-8E36-CFB364A7F87C}"/>
+              </a:ext>
+            </a:extLst>
+          </p:cNvPr>
+          <p:cNvSpPr>
+            <a:spLocks noGrp="1"/>
+          </p:cNvSpPr>
+          <p:nvPr>
+            <p:ph type="title"/>
+          </p:nvPr>
+        </p:nvSpPr>
+        <p:spPr>
+          <a:xfrm>
+            <a:off x="565149" y="1204721"/>
+            <a:ext cx="8267296" cy="1446550"/>
+          </a:xfrm>
+        </p:spPr>
+        <p:txBody>
+          <a:bodyPr>
+            <a:normAutofit/>
+          </a:bodyPr>
+          <a:lstStyle/>
+          <a:p>
+            <a:r>
+              <a:rPr lang="en-GB" dirty="0"/>
+              <a:t>Project plan</a:t>
+            </a:r>
+          </a:p>
+        </p:txBody>
+      </p:sp>
+      <p:sp>
+        <p:nvSpPr>
+          <p:cNvPr id="11" name="Rectangle 10">
+            <a:extLst>
+              <a:ext uri="{FF2B5EF4-FFF2-40B4-BE49-F238E27FC236}">
+                <a16:creationId xmlns:a16="http://schemas.microsoft.com/office/drawing/2014/main" id="{FB1CD9BE-93F1-ED44-946B-8354D74B0B9F}"/>
+              </a:ext>
+              <a:ext uri="{C183D7F6-B498-43B3-948B-1728B52AA6E4}">
+                <adec:decorative xmlns:adec="http://schemas.microsoft.com/office/drawing/2017/decorative" val="1"/>
+              </a:ext>
+            </a:extLst>
+          </p:cNvPr>
+          <p:cNvSpPr>
+            <a:spLocks noGrp="1" noRot="1" noChangeAspect="1" noMove="1" noResize="1" noEditPoints="1" noAdjustHandles="1" noChangeArrowheads="1" noChangeShapeType="1" noTextEdit="1"/>
+          </p:cNvSpPr>
+          <p:nvPr>
+            <p:extLst>
+              <p:ext uri="{386F3935-93C4-4BCD-93E2-E3B085C9AB24}">
+                <p16:designElem xmlns:p16="http://schemas.microsoft.com/office/powerpoint/2015/main" val="1"/>
+              </p:ext>
+            </p:extLst>
+          </p:nvPr>
+        </p:nvSpPr>
+        <p:spPr>
+          <a:xfrm>
+            <a:off x="11738231" y="1096772"/>
+            <a:ext cx="453769" cy="5761228"/>
+          </a:xfrm>
+          <a:prstGeom prst="rect">
+            <a:avLst/>
+          </a:prstGeom>
+          <a:solidFill>
+            <a:schemeClr val="bg2"/>
+          </a:solidFill>
+          <a:ln>
+            <a:noFill/>
+          </a:ln>
+        </p:spPr>
+        <p:style>
+          <a:lnRef idx="2">
+            <a:schemeClr val="accent1">
+              <a:shade val="50000"/>
+            </a:schemeClr>
+          </a:lnRef>
+          <a:fillRef idx="1">
+            <a:schemeClr val="accent1"/>
+          </a:fillRef>
+          <a:effectRef idx="0">
+            <a:schemeClr val="accent1"/>
+          </a:effectRef>
+          <a:fontRef idx="minor">
+            <a:schemeClr val="lt1"/>
+          </a:fontRef>
+        </p:style>
+        <p:txBody>
+          <a:bodyPr rtlCol="0" anchor="ctr"/>
+          <a:lstStyle/>
+          <a:p>
+            <a:pPr algn="ctr"/>
+            <a:endParaRPr lang="en-US">
+              <a:solidFill>
+                <a:schemeClr val="bg2"/>
+              </a:solidFill>
+            </a:endParaRPr>
+          </a:p>
+        </p:txBody>
+      </p:sp>
+      <p:sp>
+        <p:nvSpPr>
+          <p:cNvPr id="13" name="Rectangle 12">
+            <a:extLst>
+              <a:ext uri="{FF2B5EF4-FFF2-40B4-BE49-F238E27FC236}">
+                <a16:creationId xmlns:a16="http://schemas.microsoft.com/office/drawing/2014/main" id="{882E6E09-FCB0-5F41-8BAE-C0581D54B5FD}"/>
+              </a:ext>
+              <a:ext uri="{C183D7F6-B498-43B3-948B-1728B52AA6E4}">
+                <adec:decorative xmlns:adec="http://schemas.microsoft.com/office/drawing/2017/decorative" val="1"/>
+              </a:ext>
+            </a:extLst>
+          </p:cNvPr>
+          <p:cNvSpPr>
+            <a:spLocks noGrp="1" noRot="1" noChangeAspect="1" noMove="1" noResize="1" noEditPoints="1" noAdjustHandles="1" noChangeArrowheads="1" noChangeShapeType="1" noTextEdit="1"/>
+          </p:cNvSpPr>
+          <p:nvPr>
+            <p:extLst>
+              <p:ext uri="{386F3935-93C4-4BCD-93E2-E3B085C9AB24}">
+                <p16:designElem xmlns:p16="http://schemas.microsoft.com/office/powerpoint/2015/main" val="1"/>
+              </p:ext>
+            </p:extLst>
+          </p:nvPr>
+        </p:nvSpPr>
+        <p:spPr>
+          <a:xfrm>
+            <a:off x="9881559" y="976630"/>
+            <a:ext cx="1336774" cy="120142"/>
+          </a:xfrm>
+          <a:prstGeom prst="rect">
+            <a:avLst/>
+          </a:prstGeom>
+          <a:solidFill>
+            <a:schemeClr val="tx1"/>
+          </a:solidFill>
+          <a:ln>
+            <a:noFill/>
+          </a:ln>
+        </p:spPr>
+        <p:style>
+          <a:lnRef idx="2">
+            <a:schemeClr val="accent1">
+              <a:shade val="50000"/>
+            </a:schemeClr>
+          </a:lnRef>
+          <a:fillRef idx="1">
+            <a:schemeClr val="accent1"/>
+          </a:fillRef>
+          <a:effectRef idx="0">
+            <a:schemeClr val="accent1"/>
+          </a:effectRef>
+          <a:fontRef idx="minor">
+            <a:schemeClr val="lt1"/>
+          </a:fontRef>
+        </p:style>
+        <p:txBody>
+          <a:bodyPr rtlCol="0" anchor="ctr"/>
+          <a:lstStyle/>
+          <a:p>
+            <a:pPr algn="ctr"/>
+            <a:endParaRPr lang="en-US"/>
+          </a:p>
+        </p:txBody>
+      </p:sp>
+      <p:sp>
+        <p:nvSpPr>
+          <p:cNvPr id="15" name="Cross 14">
+            <a:extLst>
+              <a:ext uri="{FF2B5EF4-FFF2-40B4-BE49-F238E27FC236}">
+                <a16:creationId xmlns:a16="http://schemas.microsoft.com/office/drawing/2014/main" id="{D269DB01-9C3C-7841-B8E8-6FDFEF70CB7D}"/>
+              </a:ext>
+              <a:ext uri="{C183D7F6-B498-43B3-948B-1728B52AA6E4}">
+                <adec:decorative xmlns:adec="http://schemas.microsoft.com/office/drawing/2017/decorative" val="1"/>
+              </a:ext>
+            </a:extLst>
+          </p:cNvPr>
+          <p:cNvSpPr>
+            <a:spLocks noGrp="1" noRot="1" noChangeAspect="1" noMove="1" noResize="1" noEditPoints="1" noAdjustHandles="1" noChangeArrowheads="1" noChangeShapeType="1" noTextEdit="1"/>
+          </p:cNvSpPr>
+          <p:nvPr>
+            <p:extLst>
+              <p:ext uri="{386F3935-93C4-4BCD-93E2-E3B085C9AB24}">
+                <p16:designElem xmlns:p16="http://schemas.microsoft.com/office/powerpoint/2015/main" val="1"/>
+              </p:ext>
+            </p:extLst>
+          </p:nvPr>
+        </p:nvSpPr>
+        <p:spPr>
+          <a:xfrm>
+            <a:off x="11531286" y="5618903"/>
+            <a:ext cx="524933" cy="524933"/>
+          </a:xfrm>
+          <a:prstGeom prst="plus">
+            <a:avLst>
+              <a:gd name="adj" fmla="val 39516"/>
+            </a:avLst>
+          </a:prstGeom>
+          <a:solidFill>
+            <a:schemeClr val="tx1"/>
+          </a:solidFill>
+          <a:ln>
+            <a:noFill/>
+          </a:ln>
+        </p:spPr>
+        <p:style>
+          <a:lnRef idx="2">
+            <a:schemeClr val="accent1">
+              <a:shade val="50000"/>
+            </a:schemeClr>
+          </a:lnRef>
+          <a:fillRef idx="1">
+            <a:schemeClr val="accent1"/>
+          </a:fillRef>
+          <a:effectRef idx="0">
+            <a:schemeClr val="accent1"/>
+          </a:effectRef>
+          <a:fontRef idx="minor">
+            <a:schemeClr val="lt1"/>
+          </a:fontRef>
+        </p:style>
+        <p:txBody>
+          <a:bodyPr rtlCol="0" anchor="ctr"/>
+          <a:lstStyle/>
+          <a:p>
+            <a:pPr algn="ctr"/>
+            <a:endParaRPr lang="en-US"/>
+          </a:p>
+        </p:txBody>
+      </p:sp>
+      <p:graphicFrame>
+        <p:nvGraphicFramePr>
+          <p:cNvPr id="5" name="Content Placeholder 2">
+            <a:extLst>
+              <a:ext uri="{FF2B5EF4-FFF2-40B4-BE49-F238E27FC236}">
+                <a16:creationId xmlns:a16="http://schemas.microsoft.com/office/drawing/2014/main" id="{0DCF2C1A-AABE-FE38-B079-E86205540945}"/>
+              </a:ext>
+            </a:extLst>
+          </p:cNvPr>
+          <p:cNvGraphicFramePr>
+            <a:graphicFrameLocks noGrp="1"/>
+          </p:cNvGraphicFramePr>
+          <p:nvPr>
+            <p:ph idx="1"/>
+            <p:extLst>
+              <p:ext uri="{D42A27DB-BD31-4B8C-83A1-F6EECF244321}">
+                <p14:modId xmlns:p14="http://schemas.microsoft.com/office/powerpoint/2010/main" val="1186497897"/>
+              </p:ext>
+            </p:extLst>
+          </p:nvPr>
+        </p:nvGraphicFramePr>
+        <p:xfrm>
+          <a:off x="565149" y="2692400"/>
+          <a:ext cx="10653184" cy="3187700"/>
+        </p:xfrm>
+        <a:graphic>
+          <a:graphicData uri="http://schemas.openxmlformats.org/drawingml/2006/diagram">
+            <dgm:relIds xmlns:dgm="http://schemas.openxmlformats.org/drawingml/2006/diagram" xmlns:r="http://schemas.openxmlformats.org/officeDocument/2006/relationships" r:dm="rId2" r:lo="rId3" r:qs="rId4" r:cs="rId5"/>
+          </a:graphicData>
+        </a:graphic>
+      </p:graphicFrame>
+    </p:spTree>
+    <p:extLst>
+      <p:ext uri="{BB962C8B-B14F-4D97-AF65-F5344CB8AC3E}">
+        <p14:creationId xmlns:p14="http://schemas.microsoft.com/office/powerpoint/2010/main" val="550375474"/>
+      </p:ext>
+    </p:extLst>
+  </p:cSld>
+  <p:clrMapOvr>
+    <a:masterClrMapping/>
+  </p:clrMapOvr>
+</p:sld>
+</file>
+
+<file path=ppt/slides/slide9.xml><?xml version="1.0" encoding="utf-8"?>
+<p:sld xmlns:a="http://schemas.openxmlformats.org/drawingml/2006/main" xmlns:r="http://schemas.openxmlformats.org/officeDocument/2006/relationships" xmlns:p="http://schemas.openxmlformats.org/presentationml/2006/main">
+  <p:cSld>
+    <p:bg>
+      <p:bgPr>
+        <a:solidFill>
+          <a:schemeClr val="bg1"/>
+        </a:solidFill>
+        <a:effectLst/>
+      </p:bgPr>
+    </p:bg>
+    <p:spTree>
+      <p:nvGrpSpPr>
+        <p:cNvPr id="1" name=""/>
+        <p:cNvGrpSpPr/>
+        <p:nvPr/>
+      </p:nvGrpSpPr>
+      <p:grpSpPr>
+        <a:xfrm>
+          <a:off x="0" y="0"/>
+          <a:ext cx="0" cy="0"/>
+          <a:chOff x="0" y="0"/>
+          <a:chExt cx="0" cy="0"/>
+        </a:xfrm>
+      </p:grpSpPr>
+      <p:sp>
+        <p:nvSpPr>
+          <p:cNvPr id="22" name="Rectangle 9">
+            <a:extLst>
+              <a:ext uri="{FF2B5EF4-FFF2-40B4-BE49-F238E27FC236}">
+                <a16:creationId xmlns:a16="http://schemas.microsoft.com/office/drawing/2014/main" id="{1D227D51-204B-ED48-AF9A-0BE9633FE04A}"/>
+              </a:ext>
+              <a:ext uri="{C183D7F6-B498-43B3-948B-1728B52AA6E4}">
+                <adec:decorative xmlns:adec="http://schemas.microsoft.com/office/drawing/2017/decorative" val="1"/>
+              </a:ext>
+            </a:extLst>
+          </p:cNvPr>
+          <p:cNvSpPr>
+            <a:spLocks noGrp="1" noRot="1" noChangeAspect="1" noMove="1" noResize="1" noEditPoints="1" noAdjustHandles="1" noChangeArrowheads="1" noChangeShapeType="1" noTextEdit="1"/>
+          </p:cNvSpPr>
+          <p:nvPr>
+            <p:extLst>
+              <p:ext uri="{386F3935-93C4-4BCD-93E2-E3B085C9AB24}">
+                <p16:designElem xmlns:p16="http://schemas.microsoft.com/office/powerpoint/2015/main" val="1"/>
+              </p:ext>
+            </p:extLst>
+          </p:nvPr>
+        </p:nvSpPr>
+        <p:spPr>
+          <a:xfrm>
+            <a:off x="5224243" y="1096772"/>
+            <a:ext cx="6503180" cy="5761228"/>
+          </a:xfrm>
+          <a:prstGeom prst="rect">
+            <a:avLst/>
+          </a:prstGeom>
+          <a:solidFill>
+            <a:schemeClr val="bg2"/>
+          </a:solidFill>
+          <a:ln>
+            <a:noFill/>
+          </a:ln>
+        </p:spPr>
+        <p:style>
+          <a:lnRef idx="2">
+            <a:schemeClr val="accent1">
+              <a:shade val="50000"/>
+            </a:schemeClr>
+          </a:lnRef>
+          <a:fillRef idx="1">
+            <a:schemeClr val="accent1"/>
+          </a:fillRef>
+          <a:effectRef idx="0">
+            <a:schemeClr val="accent1"/>
+          </a:effectRef>
+          <a:fontRef idx="minor">
+            <a:schemeClr val="lt1"/>
+          </a:fontRef>
+        </p:style>
+        <p:txBody>
+          <a:bodyPr rtlCol="0" anchor="ctr"/>
+          <a:lstStyle/>
+          <a:p>
+            <a:pPr algn="ctr"/>
+            <a:endParaRPr lang="en-US"/>
+          </a:p>
+        </p:txBody>
+      </p:sp>
+      <p:sp>
+        <p:nvSpPr>
+          <p:cNvPr id="23" name="Cross 11">
+            <a:extLst>
+              <a:ext uri="{FF2B5EF4-FFF2-40B4-BE49-F238E27FC236}">
+                <a16:creationId xmlns:a16="http://schemas.microsoft.com/office/drawing/2014/main" id="{57A23F45-CDAE-8A40-8DE7-92A0BBC119B7}"/>
+              </a:ext>
+              <a:ext uri="{C183D7F6-B498-43B3-948B-1728B52AA6E4}">
+                <adec:decorative xmlns:adec="http://schemas.microsoft.com/office/drawing/2017/decorative" val="1"/>
+              </a:ext>
+            </a:extLst>
+          </p:cNvPr>
+          <p:cNvSpPr>
+            <a:spLocks noGrp="1" noRot="1" noChangeAspect="1" noMove="1" noResize="1" noEditPoints="1" noAdjustHandles="1" noChangeArrowheads="1" noChangeShapeType="1" noTextEdit="1"/>
+          </p:cNvSpPr>
+          <p:nvPr>
+            <p:extLst>
+              <p:ext uri="{386F3935-93C4-4BCD-93E2-E3B085C9AB24}">
+                <p16:designElem xmlns:p16="http://schemas.microsoft.com/office/powerpoint/2015/main" val="1"/>
+              </p:ext>
+            </p:extLst>
+          </p:nvPr>
+        </p:nvSpPr>
+        <p:spPr>
+          <a:xfrm>
+            <a:off x="5016811" y="5624450"/>
+            <a:ext cx="524933" cy="524933"/>
+          </a:xfrm>
+          <a:prstGeom prst="plus">
+            <a:avLst>
+              <a:gd name="adj" fmla="val 39516"/>
+            </a:avLst>
+          </a:prstGeom>
+          <a:solidFill>
+            <a:schemeClr val="tx1"/>
+          </a:solidFill>
+          <a:ln>
+            <a:noFill/>
+          </a:ln>
+        </p:spPr>
+        <p:style>
+          <a:lnRef idx="2">
+            <a:schemeClr val="accent1">
+              <a:shade val="50000"/>
+            </a:schemeClr>
+          </a:lnRef>
+          <a:fillRef idx="1">
+            <a:schemeClr val="accent1"/>
+          </a:fillRef>
+          <a:effectRef idx="0">
+            <a:schemeClr val="accent1"/>
+          </a:effectRef>
+          <a:fontRef idx="minor">
+            <a:schemeClr val="lt1"/>
+          </a:fontRef>
+        </p:style>
+        <p:txBody>
+          <a:bodyPr rtlCol="0" anchor="ctr"/>
+          <a:lstStyle/>
+          <a:p>
+            <a:pPr algn="ctr"/>
+            <a:endParaRPr lang="en-US"/>
+          </a:p>
+        </p:txBody>
+      </p:sp>
+      <p:sp>
+        <p:nvSpPr>
           <p:cNvPr id="24" name="Rectangle 13">
             <a:extLst>
               <a:ext uri="{FF2B5EF4-FFF2-40B4-BE49-F238E27FC236}">
@@ -13743,697 +19291,6 @@
     <p:extLst>
       <p:ext uri="{BB962C8B-B14F-4D97-AF65-F5344CB8AC3E}">
         <p14:creationId xmlns:p14="http://schemas.microsoft.com/office/powerpoint/2010/main" val="1415671421"/>
-      </p:ext>
-    </p:extLst>
-  </p:cSld>
-  <p:clrMapOvr>
-    <a:masterClrMapping/>
-  </p:clrMapOvr>
-</p:sld>
-</file>
-
-<file path=ppt/slides/slide8.xml><?xml version="1.0" encoding="utf-8"?>
-<p:sld xmlns:a="http://schemas.openxmlformats.org/drawingml/2006/main" xmlns:r="http://schemas.openxmlformats.org/officeDocument/2006/relationships" xmlns:p="http://schemas.openxmlformats.org/presentationml/2006/main">
-  <p:cSld>
-    <p:bg>
-      <p:bgPr>
-        <a:solidFill>
-          <a:schemeClr val="bg1"/>
-        </a:solidFill>
-        <a:effectLst/>
-      </p:bgPr>
-    </p:bg>
-    <p:spTree>
-      <p:nvGrpSpPr>
-        <p:cNvPr id="1" name=""/>
-        <p:cNvGrpSpPr/>
-        <p:nvPr/>
-      </p:nvGrpSpPr>
-      <p:grpSpPr>
-        <a:xfrm>
-          <a:off x="0" y="0"/>
-          <a:ext cx="0" cy="0"/>
-          <a:chOff x="0" y="0"/>
-          <a:chExt cx="0" cy="0"/>
-        </a:xfrm>
-      </p:grpSpPr>
-      <p:sp useBgFill="1">
-        <p:nvSpPr>
-          <p:cNvPr id="9" name="Rectangle 8">
-            <a:extLst>
-              <a:ext uri="{FF2B5EF4-FFF2-40B4-BE49-F238E27FC236}">
-                <a16:creationId xmlns:a16="http://schemas.microsoft.com/office/drawing/2014/main" id="{579E3846-8D0B-B14A-817A-7FAC9DDAB4D8}"/>
-              </a:ext>
-              <a:ext uri="{C183D7F6-B498-43B3-948B-1728B52AA6E4}">
-                <adec:decorative xmlns:adec="http://schemas.microsoft.com/office/drawing/2017/decorative" val="1"/>
-              </a:ext>
-            </a:extLst>
-          </p:cNvPr>
-          <p:cNvSpPr>
-            <a:spLocks noGrp="1" noRot="1" noChangeAspect="1" noMove="1" noResize="1" noEditPoints="1" noAdjustHandles="1" noChangeArrowheads="1" noChangeShapeType="1" noTextEdit="1"/>
-          </p:cNvSpPr>
-          <p:nvPr>
-            <p:extLst>
-              <p:ext uri="{386F3935-93C4-4BCD-93E2-E3B085C9AB24}">
-                <p16:designElem xmlns:p16="http://schemas.microsoft.com/office/powerpoint/2015/main" val="1"/>
-              </p:ext>
-            </p:extLst>
-          </p:nvPr>
-        </p:nvSpPr>
-        <p:spPr>
-          <a:xfrm>
-            <a:off x="0" y="0"/>
-            <a:ext cx="12192000" cy="6858000"/>
-          </a:xfrm>
-          <a:prstGeom prst="rect">
-            <a:avLst/>
-          </a:prstGeom>
-          <a:ln>
-            <a:noFill/>
-          </a:ln>
-        </p:spPr>
-        <p:style>
-          <a:lnRef idx="2">
-            <a:schemeClr val="accent1">
-              <a:shade val="50000"/>
-            </a:schemeClr>
-          </a:lnRef>
-          <a:fillRef idx="1">
-            <a:schemeClr val="accent1"/>
-          </a:fillRef>
-          <a:effectRef idx="0">
-            <a:schemeClr val="accent1"/>
-          </a:effectRef>
-          <a:fontRef idx="minor">
-            <a:schemeClr val="lt1"/>
-          </a:fontRef>
-        </p:style>
-        <p:txBody>
-          <a:bodyPr rtlCol="0" anchor="ctr"/>
-          <a:lstStyle/>
-          <a:p>
-            <a:pPr algn="ctr"/>
-            <a:endParaRPr lang="en-US"/>
-          </a:p>
-        </p:txBody>
-      </p:sp>
-      <p:sp>
-        <p:nvSpPr>
-          <p:cNvPr id="2" name="Title 1">
-            <a:extLst>
-              <a:ext uri="{FF2B5EF4-FFF2-40B4-BE49-F238E27FC236}">
-                <a16:creationId xmlns:a16="http://schemas.microsoft.com/office/drawing/2014/main" id="{6F14DC97-8F66-4289-A94C-4D20663A57EF}"/>
-              </a:ext>
-            </a:extLst>
-          </p:cNvPr>
-          <p:cNvSpPr>
-            <a:spLocks noGrp="1"/>
-          </p:cNvSpPr>
-          <p:nvPr>
-            <p:ph type="title"/>
-          </p:nvPr>
-        </p:nvSpPr>
-        <p:spPr>
-          <a:xfrm>
-            <a:off x="565149" y="1204721"/>
-            <a:ext cx="3609983" cy="1446550"/>
-          </a:xfrm>
-        </p:spPr>
-        <p:txBody>
-          <a:bodyPr>
-            <a:normAutofit/>
-          </a:bodyPr>
-          <a:lstStyle/>
-          <a:p>
-            <a:r>
-              <a:rPr lang="en-GB" dirty="0"/>
-              <a:t>Analysis</a:t>
-            </a:r>
-          </a:p>
-        </p:txBody>
-      </p:sp>
-      <p:sp>
-        <p:nvSpPr>
-          <p:cNvPr id="3" name="Content Placeholder 2">
-            <a:extLst>
-              <a:ext uri="{FF2B5EF4-FFF2-40B4-BE49-F238E27FC236}">
-                <a16:creationId xmlns:a16="http://schemas.microsoft.com/office/drawing/2014/main" id="{1363F56C-3D53-4EE1-8F00-96C60BAB6C47}"/>
-              </a:ext>
-            </a:extLst>
-          </p:cNvPr>
-          <p:cNvSpPr>
-            <a:spLocks noGrp="1"/>
-          </p:cNvSpPr>
-          <p:nvPr>
-            <p:ph idx="1"/>
-          </p:nvPr>
-        </p:nvSpPr>
-        <p:spPr>
-          <a:xfrm>
-            <a:off x="565150" y="2691638"/>
-            <a:ext cx="3609983" cy="3188586"/>
-          </a:xfrm>
-        </p:spPr>
-        <p:txBody>
-          <a:bodyPr>
-            <a:normAutofit/>
-          </a:bodyPr>
-          <a:lstStyle/>
-          <a:p>
-            <a:r>
-              <a:rPr lang="en-GB" dirty="0"/>
-              <a:t>C#</a:t>
-            </a:r>
-          </a:p>
-          <a:p>
-            <a:r>
-              <a:rPr lang="en-GB" dirty="0"/>
-              <a:t>Unity</a:t>
-            </a:r>
-          </a:p>
-        </p:txBody>
-      </p:sp>
-      <p:pic>
-        <p:nvPicPr>
-          <p:cNvPr id="4" name="Picture 3">
-            <a:extLst>
-              <a:ext uri="{FF2B5EF4-FFF2-40B4-BE49-F238E27FC236}">
-                <a16:creationId xmlns:a16="http://schemas.microsoft.com/office/drawing/2014/main" id="{84C83B52-7831-4DF7-8C3B-F542C65AEA62}"/>
-              </a:ext>
-            </a:extLst>
-          </p:cNvPr>
-          <p:cNvPicPr>
-            <a:picLocks noChangeAspect="1"/>
-          </p:cNvPicPr>
-          <p:nvPr/>
-        </p:nvPicPr>
-        <p:blipFill>
-          <a:blip r:embed="rId2"/>
-          <a:stretch>
-            <a:fillRect/>
-          </a:stretch>
-        </p:blipFill>
-        <p:spPr>
-          <a:xfrm>
-            <a:off x="4699688" y="2379330"/>
-            <a:ext cx="6518645" cy="2363009"/>
-          </a:xfrm>
-          <a:prstGeom prst="rect">
-            <a:avLst/>
-          </a:prstGeom>
-        </p:spPr>
-      </p:pic>
-      <p:sp>
-        <p:nvSpPr>
-          <p:cNvPr id="11" name="Cross 10">
-            <a:extLst>
-              <a:ext uri="{FF2B5EF4-FFF2-40B4-BE49-F238E27FC236}">
-                <a16:creationId xmlns:a16="http://schemas.microsoft.com/office/drawing/2014/main" id="{BE50E7BE-734F-224D-B03E-074DE1D12480}"/>
-              </a:ext>
-              <a:ext uri="{C183D7F6-B498-43B3-948B-1728B52AA6E4}">
-                <adec:decorative xmlns:adec="http://schemas.microsoft.com/office/drawing/2017/decorative" val="1"/>
-              </a:ext>
-            </a:extLst>
-          </p:cNvPr>
-          <p:cNvSpPr>
-            <a:spLocks noGrp="1" noRot="1" noChangeAspect="1" noMove="1" noResize="1" noEditPoints="1" noAdjustHandles="1" noChangeArrowheads="1" noChangeShapeType="1" noTextEdit="1"/>
-          </p:cNvSpPr>
-          <p:nvPr>
-            <p:extLst>
-              <p:ext uri="{386F3935-93C4-4BCD-93E2-E3B085C9AB24}">
-                <p16:designElem xmlns:p16="http://schemas.microsoft.com/office/powerpoint/2015/main" val="1"/>
-              </p:ext>
-            </p:extLst>
-          </p:nvPr>
-        </p:nvSpPr>
-        <p:spPr>
-          <a:xfrm>
-            <a:off x="11217667" y="5618903"/>
-            <a:ext cx="524933" cy="524933"/>
-          </a:xfrm>
-          <a:prstGeom prst="plus">
-            <a:avLst>
-              <a:gd name="adj" fmla="val 39516"/>
-            </a:avLst>
-          </a:prstGeom>
-          <a:solidFill>
-            <a:schemeClr val="tx1"/>
-          </a:solidFill>
-          <a:ln>
-            <a:noFill/>
-          </a:ln>
-        </p:spPr>
-        <p:style>
-          <a:lnRef idx="2">
-            <a:schemeClr val="accent1">
-              <a:shade val="50000"/>
-            </a:schemeClr>
-          </a:lnRef>
-          <a:fillRef idx="1">
-            <a:schemeClr val="accent1"/>
-          </a:fillRef>
-          <a:effectRef idx="0">
-            <a:schemeClr val="accent1"/>
-          </a:effectRef>
-          <a:fontRef idx="minor">
-            <a:schemeClr val="lt1"/>
-          </a:fontRef>
-        </p:style>
-        <p:txBody>
-          <a:bodyPr rtlCol="0" anchor="ctr"/>
-          <a:lstStyle/>
-          <a:p>
-            <a:pPr algn="ctr"/>
-            <a:endParaRPr lang="en-US"/>
-          </a:p>
-        </p:txBody>
-      </p:sp>
-      <p:sp>
-        <p:nvSpPr>
-          <p:cNvPr id="13" name="Rectangle 12">
-            <a:extLst>
-              <a:ext uri="{FF2B5EF4-FFF2-40B4-BE49-F238E27FC236}">
-                <a16:creationId xmlns:a16="http://schemas.microsoft.com/office/drawing/2014/main" id="{DCA5172B-100A-154D-8648-280629D67DD0}"/>
-              </a:ext>
-              <a:ext uri="{C183D7F6-B498-43B3-948B-1728B52AA6E4}">
-                <adec:decorative xmlns:adec="http://schemas.microsoft.com/office/drawing/2017/decorative" val="1"/>
-              </a:ext>
-            </a:extLst>
-          </p:cNvPr>
-          <p:cNvSpPr>
-            <a:spLocks noGrp="1" noRot="1" noChangeAspect="1" noMove="1" noResize="1" noEditPoints="1" noAdjustHandles="1" noChangeArrowheads="1" noChangeShapeType="1" noTextEdit="1"/>
-          </p:cNvSpPr>
-          <p:nvPr>
-            <p:extLst>
-              <p:ext uri="{386F3935-93C4-4BCD-93E2-E3B085C9AB24}">
-                <p16:designElem xmlns:p16="http://schemas.microsoft.com/office/powerpoint/2015/main" val="1"/>
-              </p:ext>
-            </p:extLst>
-          </p:nvPr>
-        </p:nvSpPr>
-        <p:spPr>
-          <a:xfrm>
-            <a:off x="9881559" y="976630"/>
-            <a:ext cx="1336774" cy="120142"/>
-          </a:xfrm>
-          <a:prstGeom prst="rect">
-            <a:avLst/>
-          </a:prstGeom>
-          <a:solidFill>
-            <a:schemeClr val="tx1"/>
-          </a:solidFill>
-          <a:ln>
-            <a:noFill/>
-          </a:ln>
-        </p:spPr>
-        <p:style>
-          <a:lnRef idx="2">
-            <a:schemeClr val="accent1">
-              <a:shade val="50000"/>
-            </a:schemeClr>
-          </a:lnRef>
-          <a:fillRef idx="1">
-            <a:schemeClr val="accent1"/>
-          </a:fillRef>
-          <a:effectRef idx="0">
-            <a:schemeClr val="accent1"/>
-          </a:effectRef>
-          <a:fontRef idx="minor">
-            <a:schemeClr val="lt1"/>
-          </a:fontRef>
-        </p:style>
-        <p:txBody>
-          <a:bodyPr rtlCol="0" anchor="ctr"/>
-          <a:lstStyle/>
-          <a:p>
-            <a:pPr algn="ctr"/>
-            <a:endParaRPr lang="en-US"/>
-          </a:p>
-        </p:txBody>
-      </p:sp>
-    </p:spTree>
-    <p:extLst>
-      <p:ext uri="{BB962C8B-B14F-4D97-AF65-F5344CB8AC3E}">
-        <p14:creationId xmlns:p14="http://schemas.microsoft.com/office/powerpoint/2010/main" val="3450476218"/>
-      </p:ext>
-    </p:extLst>
-  </p:cSld>
-  <p:clrMapOvr>
-    <a:masterClrMapping/>
-  </p:clrMapOvr>
-</p:sld>
-</file>
-
-<file path=ppt/slides/slide9.xml><?xml version="1.0" encoding="utf-8"?>
-<p:sld xmlns:a="http://schemas.openxmlformats.org/drawingml/2006/main" xmlns:r="http://schemas.openxmlformats.org/officeDocument/2006/relationships" xmlns:p="http://schemas.openxmlformats.org/presentationml/2006/main">
-  <p:cSld>
-    <p:bg>
-      <p:bgPr>
-        <a:solidFill>
-          <a:schemeClr val="bg1"/>
-        </a:solidFill>
-        <a:effectLst/>
-      </p:bgPr>
-    </p:bg>
-    <p:spTree>
-      <p:nvGrpSpPr>
-        <p:cNvPr id="1" name=""/>
-        <p:cNvGrpSpPr/>
-        <p:nvPr/>
-      </p:nvGrpSpPr>
-      <p:grpSpPr>
-        <a:xfrm>
-          <a:off x="0" y="0"/>
-          <a:ext cx="0" cy="0"/>
-          <a:chOff x="0" y="0"/>
-          <a:chExt cx="0" cy="0"/>
-        </a:xfrm>
-      </p:grpSpPr>
-      <p:sp useBgFill="1">
-        <p:nvSpPr>
-          <p:cNvPr id="9" name="Rectangle 8">
-            <a:extLst>
-              <a:ext uri="{FF2B5EF4-FFF2-40B4-BE49-F238E27FC236}">
-                <a16:creationId xmlns:a16="http://schemas.microsoft.com/office/drawing/2014/main" id="{579E3846-8D0B-B14A-817A-7FAC9DDAB4D8}"/>
-              </a:ext>
-              <a:ext uri="{C183D7F6-B498-43B3-948B-1728B52AA6E4}">
-                <adec:decorative xmlns:adec="http://schemas.microsoft.com/office/drawing/2017/decorative" val="1"/>
-              </a:ext>
-            </a:extLst>
-          </p:cNvPr>
-          <p:cNvSpPr>
-            <a:spLocks noGrp="1" noRot="1" noChangeAspect="1" noMove="1" noResize="1" noEditPoints="1" noAdjustHandles="1" noChangeArrowheads="1" noChangeShapeType="1" noTextEdit="1"/>
-          </p:cNvSpPr>
-          <p:nvPr>
-            <p:extLst>
-              <p:ext uri="{386F3935-93C4-4BCD-93E2-E3B085C9AB24}">
-                <p16:designElem xmlns:p16="http://schemas.microsoft.com/office/powerpoint/2015/main" val="1"/>
-              </p:ext>
-            </p:extLst>
-          </p:nvPr>
-        </p:nvSpPr>
-        <p:spPr>
-          <a:xfrm>
-            <a:off x="0" y="0"/>
-            <a:ext cx="12192000" cy="6858000"/>
-          </a:xfrm>
-          <a:prstGeom prst="rect">
-            <a:avLst/>
-          </a:prstGeom>
-          <a:ln>
-            <a:noFill/>
-          </a:ln>
-        </p:spPr>
-        <p:style>
-          <a:lnRef idx="2">
-            <a:schemeClr val="accent1">
-              <a:shade val="50000"/>
-            </a:schemeClr>
-          </a:lnRef>
-          <a:fillRef idx="1">
-            <a:schemeClr val="accent1"/>
-          </a:fillRef>
-          <a:effectRef idx="0">
-            <a:schemeClr val="accent1"/>
-          </a:effectRef>
-          <a:fontRef idx="minor">
-            <a:schemeClr val="lt1"/>
-          </a:fontRef>
-        </p:style>
-        <p:txBody>
-          <a:bodyPr rtlCol="0" anchor="ctr"/>
-          <a:lstStyle/>
-          <a:p>
-            <a:pPr algn="ctr"/>
-            <a:endParaRPr lang="en-US"/>
-          </a:p>
-        </p:txBody>
-      </p:sp>
-      <p:sp>
-        <p:nvSpPr>
-          <p:cNvPr id="2" name="Title 1">
-            <a:extLst>
-              <a:ext uri="{FF2B5EF4-FFF2-40B4-BE49-F238E27FC236}">
-                <a16:creationId xmlns:a16="http://schemas.microsoft.com/office/drawing/2014/main" id="{0B9C51C4-BBE5-4526-A590-2027CD7D6DA3}"/>
-              </a:ext>
-            </a:extLst>
-          </p:cNvPr>
-          <p:cNvSpPr>
-            <a:spLocks noGrp="1"/>
-          </p:cNvSpPr>
-          <p:nvPr>
-            <p:ph type="title"/>
-          </p:nvPr>
-        </p:nvSpPr>
-        <p:spPr>
-          <a:xfrm>
-            <a:off x="565149" y="1204721"/>
-            <a:ext cx="8267296" cy="1446550"/>
-          </a:xfrm>
-        </p:spPr>
-        <p:txBody>
-          <a:bodyPr>
-            <a:normAutofit/>
-          </a:bodyPr>
-          <a:lstStyle/>
-          <a:p>
-            <a:r>
-              <a:rPr lang="en-GB" dirty="0"/>
-              <a:t>Implementation </a:t>
-            </a:r>
-          </a:p>
-        </p:txBody>
-      </p:sp>
-      <p:sp>
-        <p:nvSpPr>
-          <p:cNvPr id="11" name="Rectangle 10">
-            <a:extLst>
-              <a:ext uri="{FF2B5EF4-FFF2-40B4-BE49-F238E27FC236}">
-                <a16:creationId xmlns:a16="http://schemas.microsoft.com/office/drawing/2014/main" id="{FB1CD9BE-93F1-ED44-946B-8354D74B0B9F}"/>
-              </a:ext>
-              <a:ext uri="{C183D7F6-B498-43B3-948B-1728B52AA6E4}">
-                <adec:decorative xmlns:adec="http://schemas.microsoft.com/office/drawing/2017/decorative" val="1"/>
-              </a:ext>
-            </a:extLst>
-          </p:cNvPr>
-          <p:cNvSpPr>
-            <a:spLocks noGrp="1" noRot="1" noChangeAspect="1" noMove="1" noResize="1" noEditPoints="1" noAdjustHandles="1" noChangeArrowheads="1" noChangeShapeType="1" noTextEdit="1"/>
-          </p:cNvSpPr>
-          <p:nvPr>
-            <p:extLst>
-              <p:ext uri="{386F3935-93C4-4BCD-93E2-E3B085C9AB24}">
-                <p16:designElem xmlns:p16="http://schemas.microsoft.com/office/powerpoint/2015/main" val="1"/>
-              </p:ext>
-            </p:extLst>
-          </p:nvPr>
-        </p:nvSpPr>
-        <p:spPr>
-          <a:xfrm>
-            <a:off x="11738231" y="1096772"/>
-            <a:ext cx="453769" cy="5761228"/>
-          </a:xfrm>
-          <a:prstGeom prst="rect">
-            <a:avLst/>
-          </a:prstGeom>
-          <a:solidFill>
-            <a:schemeClr val="bg2"/>
-          </a:solidFill>
-          <a:ln>
-            <a:noFill/>
-          </a:ln>
-        </p:spPr>
-        <p:style>
-          <a:lnRef idx="2">
-            <a:schemeClr val="accent1">
-              <a:shade val="50000"/>
-            </a:schemeClr>
-          </a:lnRef>
-          <a:fillRef idx="1">
-            <a:schemeClr val="accent1"/>
-          </a:fillRef>
-          <a:effectRef idx="0">
-            <a:schemeClr val="accent1"/>
-          </a:effectRef>
-          <a:fontRef idx="minor">
-            <a:schemeClr val="lt1"/>
-          </a:fontRef>
-        </p:style>
-        <p:txBody>
-          <a:bodyPr rtlCol="0" anchor="ctr"/>
-          <a:lstStyle/>
-          <a:p>
-            <a:pPr algn="ctr"/>
-            <a:endParaRPr lang="en-US">
-              <a:solidFill>
-                <a:schemeClr val="bg2"/>
-              </a:solidFill>
-            </a:endParaRPr>
-          </a:p>
-        </p:txBody>
-      </p:sp>
-      <p:sp>
-        <p:nvSpPr>
-          <p:cNvPr id="13" name="Rectangle 12">
-            <a:extLst>
-              <a:ext uri="{FF2B5EF4-FFF2-40B4-BE49-F238E27FC236}">
-                <a16:creationId xmlns:a16="http://schemas.microsoft.com/office/drawing/2014/main" id="{882E6E09-FCB0-5F41-8BAE-C0581D54B5FD}"/>
-              </a:ext>
-              <a:ext uri="{C183D7F6-B498-43B3-948B-1728B52AA6E4}">
-                <adec:decorative xmlns:adec="http://schemas.microsoft.com/office/drawing/2017/decorative" val="1"/>
-              </a:ext>
-            </a:extLst>
-          </p:cNvPr>
-          <p:cNvSpPr>
-            <a:spLocks noGrp="1" noRot="1" noChangeAspect="1" noMove="1" noResize="1" noEditPoints="1" noAdjustHandles="1" noChangeArrowheads="1" noChangeShapeType="1" noTextEdit="1"/>
-          </p:cNvSpPr>
-          <p:nvPr>
-            <p:extLst>
-              <p:ext uri="{386F3935-93C4-4BCD-93E2-E3B085C9AB24}">
-                <p16:designElem xmlns:p16="http://schemas.microsoft.com/office/powerpoint/2015/main" val="1"/>
-              </p:ext>
-            </p:extLst>
-          </p:nvPr>
-        </p:nvSpPr>
-        <p:spPr>
-          <a:xfrm>
-            <a:off x="9881559" y="976630"/>
-            <a:ext cx="1336774" cy="120142"/>
-          </a:xfrm>
-          <a:prstGeom prst="rect">
-            <a:avLst/>
-          </a:prstGeom>
-          <a:solidFill>
-            <a:schemeClr val="tx1"/>
-          </a:solidFill>
-          <a:ln>
-            <a:noFill/>
-          </a:ln>
-        </p:spPr>
-        <p:style>
-          <a:lnRef idx="2">
-            <a:schemeClr val="accent1">
-              <a:shade val="50000"/>
-            </a:schemeClr>
-          </a:lnRef>
-          <a:fillRef idx="1">
-            <a:schemeClr val="accent1"/>
-          </a:fillRef>
-          <a:effectRef idx="0">
-            <a:schemeClr val="accent1"/>
-          </a:effectRef>
-          <a:fontRef idx="minor">
-            <a:schemeClr val="lt1"/>
-          </a:fontRef>
-        </p:style>
-        <p:txBody>
-          <a:bodyPr rtlCol="0" anchor="ctr"/>
-          <a:lstStyle/>
-          <a:p>
-            <a:pPr algn="ctr"/>
-            <a:endParaRPr lang="en-US"/>
-          </a:p>
-        </p:txBody>
-      </p:sp>
-      <p:sp>
-        <p:nvSpPr>
-          <p:cNvPr id="15" name="Cross 14">
-            <a:extLst>
-              <a:ext uri="{FF2B5EF4-FFF2-40B4-BE49-F238E27FC236}">
-                <a16:creationId xmlns:a16="http://schemas.microsoft.com/office/drawing/2014/main" id="{D269DB01-9C3C-7841-B8E8-6FDFEF70CB7D}"/>
-              </a:ext>
-              <a:ext uri="{C183D7F6-B498-43B3-948B-1728B52AA6E4}">
-                <adec:decorative xmlns:adec="http://schemas.microsoft.com/office/drawing/2017/decorative" val="1"/>
-              </a:ext>
-            </a:extLst>
-          </p:cNvPr>
-          <p:cNvSpPr>
-            <a:spLocks noGrp="1" noRot="1" noChangeAspect="1" noMove="1" noResize="1" noEditPoints="1" noAdjustHandles="1" noChangeArrowheads="1" noChangeShapeType="1" noTextEdit="1"/>
-          </p:cNvSpPr>
-          <p:nvPr>
-            <p:extLst>
-              <p:ext uri="{386F3935-93C4-4BCD-93E2-E3B085C9AB24}">
-                <p16:designElem xmlns:p16="http://schemas.microsoft.com/office/powerpoint/2015/main" val="1"/>
-              </p:ext>
-            </p:extLst>
-          </p:nvPr>
-        </p:nvSpPr>
-        <p:spPr>
-          <a:xfrm>
-            <a:off x="11531286" y="5618903"/>
-            <a:ext cx="524933" cy="524933"/>
-          </a:xfrm>
-          <a:prstGeom prst="plus">
-            <a:avLst>
-              <a:gd name="adj" fmla="val 39516"/>
-            </a:avLst>
-          </a:prstGeom>
-          <a:solidFill>
-            <a:schemeClr val="tx1"/>
-          </a:solidFill>
-          <a:ln>
-            <a:noFill/>
-          </a:ln>
-        </p:spPr>
-        <p:style>
-          <a:lnRef idx="2">
-            <a:schemeClr val="accent1">
-              <a:shade val="50000"/>
-            </a:schemeClr>
-          </a:lnRef>
-          <a:fillRef idx="1">
-            <a:schemeClr val="accent1"/>
-          </a:fillRef>
-          <a:effectRef idx="0">
-            <a:schemeClr val="accent1"/>
-          </a:effectRef>
-          <a:fontRef idx="minor">
-            <a:schemeClr val="lt1"/>
-          </a:fontRef>
-        </p:style>
-        <p:txBody>
-          <a:bodyPr rtlCol="0" anchor="ctr"/>
-          <a:lstStyle/>
-          <a:p>
-            <a:pPr algn="ctr"/>
-            <a:endParaRPr lang="en-US"/>
-          </a:p>
-        </p:txBody>
-      </p:sp>
-      <p:graphicFrame>
-        <p:nvGraphicFramePr>
-          <p:cNvPr id="5" name="Content Placeholder 2">
-            <a:extLst>
-              <a:ext uri="{FF2B5EF4-FFF2-40B4-BE49-F238E27FC236}">
-                <a16:creationId xmlns:a16="http://schemas.microsoft.com/office/drawing/2014/main" id="{B2DD8B23-B75D-BFC7-CA5E-348298E7A329}"/>
-              </a:ext>
-            </a:extLst>
-          </p:cNvPr>
-          <p:cNvGraphicFramePr>
-            <a:graphicFrameLocks noGrp="1"/>
-          </p:cNvGraphicFramePr>
-          <p:nvPr>
-            <p:ph idx="1"/>
-            <p:extLst>
-              <p:ext uri="{D42A27DB-BD31-4B8C-83A1-F6EECF244321}">
-                <p14:modId xmlns:p14="http://schemas.microsoft.com/office/powerpoint/2010/main" val="640315204"/>
-              </p:ext>
-            </p:extLst>
-          </p:nvPr>
-        </p:nvGraphicFramePr>
-        <p:xfrm>
-          <a:off x="565149" y="2692400"/>
-          <a:ext cx="10653184" cy="3187700"/>
-        </p:xfrm>
-        <a:graphic>
-          <a:graphicData uri="http://schemas.openxmlformats.org/drawingml/2006/diagram">
-            <dgm:relIds xmlns:dgm="http://schemas.openxmlformats.org/drawingml/2006/diagram" xmlns:r="http://schemas.openxmlformats.org/officeDocument/2006/relationships" r:dm="rId2" r:lo="rId3" r:qs="rId4" r:cs="rId5"/>
-          </a:graphicData>
-        </a:graphic>
-      </p:graphicFrame>
-    </p:spTree>
-    <p:extLst>
-      <p:ext uri="{BB962C8B-B14F-4D97-AF65-F5344CB8AC3E}">
-        <p14:creationId xmlns:p14="http://schemas.microsoft.com/office/powerpoint/2010/main" val="689710660"/>
       </p:ext>
     </p:extLst>
   </p:cSld>
